--- a/Samsung/Lesson5/Logical_operations.pptx
+++ b/Samsung/Lesson5/Logical_operations.pptx
@@ -5,16 +5,31 @@
     <p:sldMasterId id="2147483840" r:id="rId4"/>
   </p:sldMasterIdLst>
   <p:notesMasterIdLst>
-    <p:notesMasterId r:id="rId9"/>
+    <p:notesMasterId r:id="rId24"/>
   </p:notesMasterIdLst>
   <p:handoutMasterIdLst>
-    <p:handoutMasterId r:id="rId10"/>
+    <p:handoutMasterId r:id="rId25"/>
   </p:handoutMasterIdLst>
   <p:sldIdLst>
     <p:sldId id="256" r:id="rId5"/>
     <p:sldId id="263" r:id="rId6"/>
     <p:sldId id="264" r:id="rId7"/>
     <p:sldId id="265" r:id="rId8"/>
+    <p:sldId id="268" r:id="rId9"/>
+    <p:sldId id="269" r:id="rId10"/>
+    <p:sldId id="257" r:id="rId11"/>
+    <p:sldId id="258" r:id="rId12"/>
+    <p:sldId id="259" r:id="rId13"/>
+    <p:sldId id="260" r:id="rId14"/>
+    <p:sldId id="261" r:id="rId15"/>
+    <p:sldId id="262" r:id="rId16"/>
+    <p:sldId id="270" r:id="rId17"/>
+    <p:sldId id="271" r:id="rId18"/>
+    <p:sldId id="272" r:id="rId19"/>
+    <p:sldId id="266" r:id="rId20"/>
+    <p:sldId id="267" r:id="rId21"/>
+    <p:sldId id="273" r:id="rId22"/>
+    <p:sldId id="274" r:id="rId23"/>
   </p:sldIdLst>
   <p:sldSz cx="12192000" cy="6858000"/>
   <p:notesSz cx="6858000" cy="9144000"/>
@@ -14227,6 +14242,4783 @@
 </p:sld>
 </file>
 
+<file path=ppt/slides/slide10.xml><?xml version="1.0" encoding="utf-8"?>
+<p:sld xmlns:a="http://schemas.openxmlformats.org/drawingml/2006/main" xmlns:r="http://schemas.openxmlformats.org/officeDocument/2006/relationships" xmlns:p="http://schemas.openxmlformats.org/presentationml/2006/main">
+  <p:cSld>
+    <p:spTree>
+      <p:nvGrpSpPr>
+        <p:cNvPr id="1" name=""/>
+        <p:cNvGrpSpPr/>
+        <p:nvPr/>
+      </p:nvGrpSpPr>
+      <p:grpSpPr>
+        <a:xfrm>
+          <a:off x="0" y="0"/>
+          <a:ext cx="0" cy="0"/>
+          <a:chOff x="0" y="0"/>
+          <a:chExt cx="0" cy="0"/>
+        </a:xfrm>
+      </p:grpSpPr>
+      <p:sp>
+        <p:nvSpPr>
+          <p:cNvPr id="95" name="CustomShape 1"/>
+          <p:cNvSpPr/>
+          <p:nvPr/>
+        </p:nvSpPr>
+        <p:spPr>
+          <a:xfrm>
+            <a:off x="2152560" y="297720"/>
+            <a:ext cx="7882200" cy="758520"/>
+          </a:xfrm>
+          <a:prstGeom prst="rect">
+            <a:avLst/>
+          </a:prstGeom>
+          <a:noFill/>
+          <a:ln>
+            <a:noFill/>
+          </a:ln>
+        </p:spPr>
+        <p:style>
+          <a:lnRef idx="0">
+            <a:scrgbClr r="0" g="0" b="0"/>
+          </a:lnRef>
+          <a:fillRef idx="0">
+            <a:scrgbClr r="0" g="0" b="0"/>
+          </a:fillRef>
+          <a:effectRef idx="0">
+            <a:scrgbClr r="0" g="0" b="0"/>
+          </a:effectRef>
+          <a:fontRef idx="minor"/>
+        </p:style>
+        <p:txBody>
+          <a:bodyPr lIns="90000" tIns="45000" rIns="90000" bIns="45000" anchor="ctr">
+            <a:normAutofit/>
+          </a:bodyPr>
+          <a:lstStyle/>
+          <a:p>
+            <a:pPr algn="ctr">
+              <a:lnSpc>
+                <a:spcPct val="90000"/>
+              </a:lnSpc>
+            </a:pPr>
+            <a:r>
+              <a:rPr lang="ru-RU" sz="4000" b="1" spc="-1">
+                <a:solidFill>
+                  <a:srgbClr val="203864"/>
+                </a:solidFill>
+                <a:latin typeface="Calibri"/>
+                <a:ea typeface="DejaVu Sans"/>
+              </a:rPr>
+              <a:t>Псевдокод</a:t>
+            </a:r>
+            <a:endParaRPr lang="ru-RU" sz="4000" spc="-1">
+              <a:latin typeface="Arial"/>
+            </a:endParaRPr>
+          </a:p>
+        </p:txBody>
+      </p:sp>
+      <p:sp>
+        <p:nvSpPr>
+          <p:cNvPr id="96" name="CustomShape 2"/>
+          <p:cNvSpPr/>
+          <p:nvPr/>
+        </p:nvSpPr>
+        <p:spPr>
+          <a:xfrm>
+            <a:off x="2532000" y="2232000"/>
+            <a:ext cx="7703640" cy="3455640"/>
+          </a:xfrm>
+          <a:prstGeom prst="rect">
+            <a:avLst/>
+          </a:prstGeom>
+          <a:noFill/>
+          <a:ln>
+            <a:noFill/>
+          </a:ln>
+        </p:spPr>
+        <p:style>
+          <a:lnRef idx="0">
+            <a:scrgbClr r="0" g="0" b="0"/>
+          </a:lnRef>
+          <a:fillRef idx="0">
+            <a:scrgbClr r="0" g="0" b="0"/>
+          </a:fillRef>
+          <a:effectRef idx="0">
+            <a:scrgbClr r="0" g="0" b="0"/>
+          </a:effectRef>
+          <a:fontRef idx="minor"/>
+        </p:style>
+        <p:txBody>
+          <a:bodyPr lIns="90000" tIns="45000" rIns="90000" bIns="45000">
+            <a:noAutofit/>
+          </a:bodyPr>
+          <a:lstStyle/>
+          <a:p>
+            <a:pPr>
+              <a:lnSpc>
+                <a:spcPct val="100000"/>
+              </a:lnSpc>
+            </a:pPr>
+            <a:r>
+              <a:rPr lang="ru-RU" sz="2200" spc="-1">
+                <a:solidFill>
+                  <a:srgbClr val="C9211E"/>
+                </a:solidFill>
+                <a:latin typeface="Arial"/>
+              </a:rPr>
+              <a:t>if( </a:t>
+            </a:r>
+            <a:r>
+              <a:rPr lang="ru-RU" sz="2200" spc="-1">
+                <a:solidFill>
+                  <a:srgbClr val="17C82F"/>
+                </a:solidFill>
+                <a:latin typeface="Arial"/>
+              </a:rPr>
+              <a:t>я кручу педали </a:t>
+            </a:r>
+            <a:r>
+              <a:rPr lang="ru-RU" sz="2200" b="1" spc="-1">
+                <a:solidFill>
+                  <a:srgbClr val="C9211E"/>
+                </a:solidFill>
+                <a:latin typeface="Arial"/>
+              </a:rPr>
+              <a:t>&amp;&amp;</a:t>
+            </a:r>
+            <a:r>
+              <a:rPr lang="ru-RU" sz="2200" spc="-1">
+                <a:solidFill>
+                  <a:srgbClr val="C9211E"/>
+                </a:solidFill>
+                <a:latin typeface="Arial"/>
+              </a:rPr>
+              <a:t> </a:t>
+            </a:r>
+            <a:r>
+              <a:rPr lang="ru-RU" sz="2200" spc="-1">
+                <a:solidFill>
+                  <a:srgbClr val="2C4AC4"/>
+                </a:solidFill>
+                <a:latin typeface="Arial"/>
+              </a:rPr>
+              <a:t>поворачиваю руль влево )</a:t>
+            </a:r>
+            <a:endParaRPr lang="ru-RU" sz="2200" spc="-1">
+              <a:latin typeface="Arial"/>
+            </a:endParaRPr>
+          </a:p>
+          <a:p>
+            <a:pPr>
+              <a:lnSpc>
+                <a:spcPct val="100000"/>
+              </a:lnSpc>
+            </a:pPr>
+            <a:r>
+              <a:rPr lang="ru-RU" sz="2200" spc="-1">
+                <a:solidFill>
+                  <a:srgbClr val="2C4AC4"/>
+                </a:solidFill>
+                <a:latin typeface="Arial"/>
+              </a:rPr>
+              <a:t>{</a:t>
+            </a:r>
+            <a:endParaRPr lang="ru-RU" sz="2200" spc="-1">
+              <a:latin typeface="Arial"/>
+            </a:endParaRPr>
+          </a:p>
+          <a:p>
+            <a:pPr>
+              <a:lnSpc>
+                <a:spcPct val="100000"/>
+              </a:lnSpc>
+            </a:pPr>
+            <a:r>
+              <a:rPr lang="ru-RU" sz="2200" spc="-1">
+                <a:solidFill>
+                  <a:srgbClr val="2C4AC4"/>
+                </a:solidFill>
+                <a:latin typeface="Arial"/>
+              </a:rPr>
+              <a:t>	велосипед едет влево;</a:t>
+            </a:r>
+            <a:endParaRPr lang="ru-RU" sz="2200" spc="-1">
+              <a:latin typeface="Arial"/>
+            </a:endParaRPr>
+          </a:p>
+          <a:p>
+            <a:pPr>
+              <a:lnSpc>
+                <a:spcPct val="100000"/>
+              </a:lnSpc>
+            </a:pPr>
+            <a:r>
+              <a:rPr lang="ru-RU" sz="2200" spc="-1">
+                <a:solidFill>
+                  <a:srgbClr val="2C4AC4"/>
+                </a:solidFill>
+                <a:latin typeface="Arial"/>
+              </a:rPr>
+              <a:t>}</a:t>
+            </a:r>
+            <a:endParaRPr lang="ru-RU" sz="2200" spc="-1">
+              <a:latin typeface="Arial"/>
+            </a:endParaRPr>
+          </a:p>
+          <a:p>
+            <a:pPr>
+              <a:lnSpc>
+                <a:spcPct val="100000"/>
+              </a:lnSpc>
+            </a:pPr>
+            <a:endParaRPr lang="ru-RU" sz="2200" spc="-1">
+              <a:latin typeface="Arial"/>
+            </a:endParaRPr>
+          </a:p>
+          <a:p>
+            <a:pPr>
+              <a:lnSpc>
+                <a:spcPct val="100000"/>
+              </a:lnSpc>
+            </a:pPr>
+            <a:endParaRPr lang="ru-RU" sz="2200" spc="-1">
+              <a:latin typeface="Arial"/>
+            </a:endParaRPr>
+          </a:p>
+          <a:p>
+            <a:pPr>
+              <a:lnSpc>
+                <a:spcPct val="100000"/>
+              </a:lnSpc>
+            </a:pPr>
+            <a:r>
+              <a:rPr lang="ru-RU" sz="2200" spc="-1">
+                <a:solidFill>
+                  <a:srgbClr val="C9211E"/>
+                </a:solidFill>
+                <a:latin typeface="Arial"/>
+                <a:ea typeface="Microsoft YaHei"/>
+              </a:rPr>
+              <a:t>if( </a:t>
+            </a:r>
+            <a:r>
+              <a:rPr lang="ru-RU" sz="2200" spc="-1">
+                <a:solidFill>
+                  <a:srgbClr val="17C82F"/>
+                </a:solidFill>
+                <a:latin typeface="Arial"/>
+                <a:ea typeface="Microsoft YaHei"/>
+              </a:rPr>
+              <a:t>я кручу педали </a:t>
+            </a:r>
+            <a:r>
+              <a:rPr lang="ru-RU" sz="2200" b="1" spc="-1">
+                <a:solidFill>
+                  <a:srgbClr val="C9211E"/>
+                </a:solidFill>
+                <a:latin typeface="Arial"/>
+                <a:ea typeface="Microsoft YaHei"/>
+              </a:rPr>
+              <a:t>&amp;&amp;</a:t>
+            </a:r>
+            <a:r>
+              <a:rPr lang="ru-RU" sz="2200" spc="-1">
+                <a:solidFill>
+                  <a:srgbClr val="C9211E"/>
+                </a:solidFill>
+                <a:latin typeface="Arial"/>
+                <a:ea typeface="Microsoft YaHei"/>
+              </a:rPr>
+              <a:t> </a:t>
+            </a:r>
+            <a:r>
+              <a:rPr lang="ru-RU" sz="2200" spc="-1">
+                <a:solidFill>
+                  <a:srgbClr val="2C4AC4"/>
+                </a:solidFill>
+                <a:latin typeface="Arial"/>
+                <a:ea typeface="Microsoft YaHei"/>
+              </a:rPr>
+              <a:t>поворачиваю руль вправо )</a:t>
+            </a:r>
+            <a:endParaRPr lang="ru-RU" sz="2200" spc="-1">
+              <a:latin typeface="Arial"/>
+            </a:endParaRPr>
+          </a:p>
+          <a:p>
+            <a:pPr>
+              <a:lnSpc>
+                <a:spcPct val="100000"/>
+              </a:lnSpc>
+            </a:pPr>
+            <a:r>
+              <a:rPr lang="ru-RU" sz="2200" spc="-1">
+                <a:solidFill>
+                  <a:srgbClr val="2C4AC4"/>
+                </a:solidFill>
+                <a:latin typeface="Arial"/>
+                <a:ea typeface="Microsoft YaHei"/>
+              </a:rPr>
+              <a:t>{</a:t>
+            </a:r>
+            <a:endParaRPr lang="ru-RU" sz="2200" spc="-1">
+              <a:latin typeface="Arial"/>
+            </a:endParaRPr>
+          </a:p>
+          <a:p>
+            <a:pPr>
+              <a:lnSpc>
+                <a:spcPct val="100000"/>
+              </a:lnSpc>
+            </a:pPr>
+            <a:r>
+              <a:rPr lang="ru-RU" sz="2200" spc="-1">
+                <a:solidFill>
+                  <a:srgbClr val="2C4AC4"/>
+                </a:solidFill>
+                <a:latin typeface="Arial"/>
+                <a:ea typeface="Microsoft YaHei"/>
+              </a:rPr>
+              <a:t>	велосипед едет вправо;</a:t>
+            </a:r>
+            <a:endParaRPr lang="ru-RU" sz="2200" spc="-1">
+              <a:latin typeface="Arial"/>
+            </a:endParaRPr>
+          </a:p>
+          <a:p>
+            <a:pPr>
+              <a:lnSpc>
+                <a:spcPct val="100000"/>
+              </a:lnSpc>
+            </a:pPr>
+            <a:r>
+              <a:rPr lang="ru-RU" sz="2200" spc="-1">
+                <a:solidFill>
+                  <a:srgbClr val="2C4AC4"/>
+                </a:solidFill>
+                <a:latin typeface="Arial"/>
+                <a:ea typeface="Microsoft YaHei"/>
+              </a:rPr>
+              <a:t>}</a:t>
+            </a:r>
+            <a:endParaRPr lang="ru-RU" sz="2200" spc="-1">
+              <a:latin typeface="Arial"/>
+            </a:endParaRPr>
+          </a:p>
+        </p:txBody>
+      </p:sp>
+    </p:spTree>
+  </p:cSld>
+  <p:clrMapOvr>
+    <a:masterClrMapping/>
+  </p:clrMapOvr>
+</p:sld>
+</file>
+
+<file path=ppt/slides/slide11.xml><?xml version="1.0" encoding="utf-8"?>
+<p:sld xmlns:a="http://schemas.openxmlformats.org/drawingml/2006/main" xmlns:r="http://schemas.openxmlformats.org/officeDocument/2006/relationships" xmlns:p="http://schemas.openxmlformats.org/presentationml/2006/main">
+  <p:cSld>
+    <p:spTree>
+      <p:nvGrpSpPr>
+        <p:cNvPr id="1" name=""/>
+        <p:cNvGrpSpPr/>
+        <p:nvPr/>
+      </p:nvGrpSpPr>
+      <p:grpSpPr>
+        <a:xfrm>
+          <a:off x="0" y="0"/>
+          <a:ext cx="0" cy="0"/>
+          <a:chOff x="0" y="0"/>
+          <a:chExt cx="0" cy="0"/>
+        </a:xfrm>
+      </p:grpSpPr>
+      <p:sp>
+        <p:nvSpPr>
+          <p:cNvPr id="97" name="CustomShape 1"/>
+          <p:cNvSpPr/>
+          <p:nvPr/>
+        </p:nvSpPr>
+        <p:spPr>
+          <a:xfrm>
+            <a:off x="2152560" y="297720"/>
+            <a:ext cx="7882200" cy="758520"/>
+          </a:xfrm>
+          <a:prstGeom prst="rect">
+            <a:avLst/>
+          </a:prstGeom>
+          <a:noFill/>
+          <a:ln>
+            <a:noFill/>
+          </a:ln>
+        </p:spPr>
+        <p:style>
+          <a:lnRef idx="0">
+            <a:scrgbClr r="0" g="0" b="0"/>
+          </a:lnRef>
+          <a:fillRef idx="0">
+            <a:scrgbClr r="0" g="0" b="0"/>
+          </a:fillRef>
+          <a:effectRef idx="0">
+            <a:scrgbClr r="0" g="0" b="0"/>
+          </a:effectRef>
+          <a:fontRef idx="minor"/>
+        </p:style>
+        <p:txBody>
+          <a:bodyPr lIns="90000" tIns="45000" rIns="90000" bIns="45000" anchor="ctr">
+            <a:normAutofit/>
+          </a:bodyPr>
+          <a:lstStyle/>
+          <a:p>
+            <a:pPr algn="ctr">
+              <a:lnSpc>
+                <a:spcPct val="90000"/>
+              </a:lnSpc>
+            </a:pPr>
+            <a:r>
+              <a:rPr lang="ru-RU" sz="4000" b="1" spc="-1">
+                <a:solidFill>
+                  <a:srgbClr val="203864"/>
+                </a:solidFill>
+                <a:latin typeface="Calibri"/>
+                <a:ea typeface="DejaVu Sans"/>
+              </a:rPr>
+              <a:t>Условия в реальности</a:t>
+            </a:r>
+            <a:endParaRPr lang="ru-RU" sz="4000" spc="-1">
+              <a:latin typeface="Arial"/>
+            </a:endParaRPr>
+          </a:p>
+        </p:txBody>
+      </p:sp>
+      <p:sp>
+        <p:nvSpPr>
+          <p:cNvPr id="98" name="CustomShape 2"/>
+          <p:cNvSpPr/>
+          <p:nvPr/>
+        </p:nvSpPr>
+        <p:spPr>
+          <a:xfrm>
+            <a:off x="5916000" y="2592000"/>
+            <a:ext cx="4320000" cy="864000"/>
+          </a:xfrm>
+          <a:prstGeom prst="rect">
+            <a:avLst/>
+          </a:prstGeom>
+          <a:noFill/>
+          <a:ln>
+            <a:noFill/>
+          </a:ln>
+        </p:spPr>
+        <p:style>
+          <a:lnRef idx="0">
+            <a:scrgbClr r="0" g="0" b="0"/>
+          </a:lnRef>
+          <a:fillRef idx="0">
+            <a:scrgbClr r="0" g="0" b="0"/>
+          </a:fillRef>
+          <a:effectRef idx="0">
+            <a:scrgbClr r="0" g="0" b="0"/>
+          </a:effectRef>
+          <a:fontRef idx="minor"/>
+        </p:style>
+        <p:txBody>
+          <a:bodyPr lIns="90000" tIns="45000" rIns="90000" bIns="45000">
+            <a:noAutofit/>
+          </a:bodyPr>
+          <a:lstStyle/>
+          <a:p>
+            <a:pPr>
+              <a:lnSpc>
+                <a:spcPct val="100000"/>
+              </a:lnSpc>
+            </a:pPr>
+            <a:r>
+              <a:rPr lang="ru-RU" sz="2200" spc="-1">
+                <a:latin typeface="Arial"/>
+              </a:rPr>
+              <a:t>Если я ……….</a:t>
+            </a:r>
+          </a:p>
+          <a:p>
+            <a:pPr>
+              <a:lnSpc>
+                <a:spcPct val="100000"/>
+              </a:lnSpc>
+            </a:pPr>
+            <a:r>
+              <a:rPr lang="ru-RU" sz="2200" spc="-1">
+                <a:latin typeface="Arial"/>
+              </a:rPr>
+              <a:t>   то я еду в любую сторону!</a:t>
+            </a:r>
+          </a:p>
+        </p:txBody>
+      </p:sp>
+      <p:pic>
+        <p:nvPicPr>
+          <p:cNvPr id="99" name="Рисунок 98"/>
+          <p:cNvPicPr/>
+          <p:nvPr/>
+        </p:nvPicPr>
+        <p:blipFill>
+          <a:blip r:embed="rId2"/>
+          <a:stretch/>
+        </p:blipFill>
+        <p:spPr>
+          <a:xfrm>
+            <a:off x="2168040" y="1944000"/>
+            <a:ext cx="3387960" cy="2352240"/>
+          </a:xfrm>
+          <a:prstGeom prst="rect">
+            <a:avLst/>
+          </a:prstGeom>
+          <a:ln>
+            <a:noFill/>
+          </a:ln>
+        </p:spPr>
+      </p:pic>
+      <p:sp>
+        <p:nvSpPr>
+          <p:cNvPr id="100" name="CustomShape 3"/>
+          <p:cNvSpPr/>
+          <p:nvPr/>
+        </p:nvSpPr>
+        <p:spPr>
+          <a:xfrm>
+            <a:off x="2172000" y="5256000"/>
+            <a:ext cx="2016000" cy="359640"/>
+          </a:xfrm>
+          <a:prstGeom prst="rect">
+            <a:avLst/>
+          </a:prstGeom>
+          <a:solidFill>
+            <a:srgbClr val="729FCF"/>
+          </a:solidFill>
+          <a:ln>
+            <a:solidFill>
+              <a:srgbClr val="3465A4"/>
+            </a:solidFill>
+          </a:ln>
+        </p:spPr>
+        <p:style>
+          <a:lnRef idx="0">
+            <a:scrgbClr r="0" g="0" b="0"/>
+          </a:lnRef>
+          <a:fillRef idx="0">
+            <a:scrgbClr r="0" g="0" b="0"/>
+          </a:fillRef>
+          <a:effectRef idx="0">
+            <a:scrgbClr r="0" g="0" b="0"/>
+          </a:effectRef>
+          <a:fontRef idx="minor"/>
+        </p:style>
+        <p:txBody>
+          <a:bodyPr wrap="none" lIns="90000" tIns="45000" rIns="90000" bIns="45000" anchor="ctr">
+            <a:noAutofit/>
+          </a:bodyPr>
+          <a:lstStyle/>
+          <a:p>
+            <a:pPr algn="ctr"/>
+            <a:r>
+              <a:rPr lang="ru-RU" spc="-1">
+                <a:latin typeface="Arial"/>
+              </a:rPr>
+              <a:t>Я кручу педали</a:t>
+            </a:r>
+          </a:p>
+        </p:txBody>
+      </p:sp>
+      <p:sp>
+        <p:nvSpPr>
+          <p:cNvPr id="101" name="CustomShape 4"/>
+          <p:cNvSpPr/>
+          <p:nvPr/>
+        </p:nvSpPr>
+        <p:spPr>
+          <a:xfrm>
+            <a:off x="4620000" y="4824000"/>
+            <a:ext cx="3240000" cy="359640"/>
+          </a:xfrm>
+          <a:prstGeom prst="rect">
+            <a:avLst/>
+          </a:prstGeom>
+          <a:solidFill>
+            <a:srgbClr val="729FCF"/>
+          </a:solidFill>
+          <a:ln>
+            <a:solidFill>
+              <a:srgbClr val="3465A4"/>
+            </a:solidFill>
+          </a:ln>
+        </p:spPr>
+        <p:style>
+          <a:lnRef idx="0">
+            <a:scrgbClr r="0" g="0" b="0"/>
+          </a:lnRef>
+          <a:fillRef idx="0">
+            <a:scrgbClr r="0" g="0" b="0"/>
+          </a:fillRef>
+          <a:effectRef idx="0">
+            <a:scrgbClr r="0" g="0" b="0"/>
+          </a:effectRef>
+          <a:fontRef idx="minor"/>
+        </p:style>
+        <p:txBody>
+          <a:bodyPr wrap="none" lIns="90000" tIns="45000" rIns="90000" bIns="45000" anchor="ctr">
+            <a:noAutofit/>
+          </a:bodyPr>
+          <a:lstStyle/>
+          <a:p>
+            <a:pPr algn="ctr"/>
+            <a:r>
+              <a:rPr lang="ru-RU" spc="-1">
+                <a:latin typeface="Arial"/>
+              </a:rPr>
+              <a:t>Я поворачиваю руль влево</a:t>
+            </a:r>
+          </a:p>
+        </p:txBody>
+      </p:sp>
+      <p:sp>
+        <p:nvSpPr>
+          <p:cNvPr id="102" name="CustomShape 5"/>
+          <p:cNvSpPr/>
+          <p:nvPr/>
+        </p:nvSpPr>
+        <p:spPr>
+          <a:xfrm>
+            <a:off x="4620000" y="5616000"/>
+            <a:ext cx="3240000" cy="360000"/>
+          </a:xfrm>
+          <a:prstGeom prst="rect">
+            <a:avLst/>
+          </a:prstGeom>
+          <a:solidFill>
+            <a:srgbClr val="729FCF"/>
+          </a:solidFill>
+          <a:ln>
+            <a:solidFill>
+              <a:srgbClr val="3465A4"/>
+            </a:solidFill>
+          </a:ln>
+        </p:spPr>
+        <p:style>
+          <a:lnRef idx="0">
+            <a:scrgbClr r="0" g="0" b="0"/>
+          </a:lnRef>
+          <a:fillRef idx="0">
+            <a:scrgbClr r="0" g="0" b="0"/>
+          </a:fillRef>
+          <a:effectRef idx="0">
+            <a:scrgbClr r="0" g="0" b="0"/>
+          </a:effectRef>
+          <a:fontRef idx="minor"/>
+        </p:style>
+        <p:txBody>
+          <a:bodyPr wrap="none" lIns="90000" tIns="45000" rIns="90000" bIns="45000" anchor="ctr">
+            <a:noAutofit/>
+          </a:bodyPr>
+          <a:lstStyle/>
+          <a:p>
+            <a:pPr algn="ctr"/>
+            <a:r>
+              <a:rPr lang="ru-RU" spc="-1">
+                <a:latin typeface="Arial"/>
+              </a:rPr>
+              <a:t>Я поворачиваю руль вправо</a:t>
+            </a:r>
+          </a:p>
+        </p:txBody>
+      </p:sp>
+      <p:sp>
+        <p:nvSpPr>
+          <p:cNvPr id="103" name="CustomShape 6"/>
+          <p:cNvSpPr/>
+          <p:nvPr/>
+        </p:nvSpPr>
+        <p:spPr>
+          <a:xfrm>
+            <a:off x="8652000" y="4824000"/>
+            <a:ext cx="576000" cy="432000"/>
+          </a:xfrm>
+          <a:prstGeom prst="rect">
+            <a:avLst/>
+          </a:prstGeom>
+          <a:solidFill>
+            <a:srgbClr val="17C82F"/>
+          </a:solidFill>
+          <a:ln>
+            <a:solidFill>
+              <a:srgbClr val="3465A4"/>
+            </a:solidFill>
+          </a:ln>
+        </p:spPr>
+        <p:style>
+          <a:lnRef idx="0">
+            <a:scrgbClr r="0" g="0" b="0"/>
+          </a:lnRef>
+          <a:fillRef idx="0">
+            <a:scrgbClr r="0" g="0" b="0"/>
+          </a:fillRef>
+          <a:effectRef idx="0">
+            <a:scrgbClr r="0" g="0" b="0"/>
+          </a:effectRef>
+          <a:fontRef idx="minor"/>
+        </p:style>
+        <p:txBody>
+          <a:bodyPr wrap="none" lIns="90000" tIns="45000" rIns="90000" bIns="45000" anchor="ctr">
+            <a:noAutofit/>
+          </a:bodyPr>
+          <a:lstStyle/>
+          <a:p>
+            <a:pPr algn="ctr"/>
+            <a:r>
+              <a:rPr lang="ru-RU" spc="-1">
+                <a:latin typeface="Arial"/>
+              </a:rPr>
+              <a:t>И</a:t>
+            </a:r>
+          </a:p>
+        </p:txBody>
+      </p:sp>
+      <p:sp>
+        <p:nvSpPr>
+          <p:cNvPr id="104" name="CustomShape 7"/>
+          <p:cNvSpPr/>
+          <p:nvPr/>
+        </p:nvSpPr>
+        <p:spPr>
+          <a:xfrm>
+            <a:off x="8652000" y="5544000"/>
+            <a:ext cx="576000" cy="432000"/>
+          </a:xfrm>
+          <a:prstGeom prst="rect">
+            <a:avLst/>
+          </a:prstGeom>
+          <a:solidFill>
+            <a:srgbClr val="17C82F"/>
+          </a:solidFill>
+          <a:ln>
+            <a:solidFill>
+              <a:srgbClr val="3465A4"/>
+            </a:solidFill>
+          </a:ln>
+        </p:spPr>
+        <p:style>
+          <a:lnRef idx="0">
+            <a:scrgbClr r="0" g="0" b="0"/>
+          </a:lnRef>
+          <a:fillRef idx="0">
+            <a:scrgbClr r="0" g="0" b="0"/>
+          </a:fillRef>
+          <a:effectRef idx="0">
+            <a:scrgbClr r="0" g="0" b="0"/>
+          </a:effectRef>
+          <a:fontRef idx="minor"/>
+        </p:style>
+        <p:txBody>
+          <a:bodyPr wrap="none" lIns="90000" tIns="45000" rIns="90000" bIns="45000" anchor="ctr">
+            <a:noAutofit/>
+          </a:bodyPr>
+          <a:lstStyle/>
+          <a:p>
+            <a:pPr algn="ctr"/>
+            <a:r>
+              <a:rPr lang="ru-RU" spc="-1">
+                <a:latin typeface="Arial"/>
+              </a:rPr>
+              <a:t>ИЛИ</a:t>
+            </a:r>
+          </a:p>
+        </p:txBody>
+      </p:sp>
+    </p:spTree>
+  </p:cSld>
+  <p:clrMapOvr>
+    <a:masterClrMapping/>
+  </p:clrMapOvr>
+</p:sld>
+</file>
+
+<file path=ppt/slides/slide12.xml><?xml version="1.0" encoding="utf-8"?>
+<p:sld xmlns:a="http://schemas.openxmlformats.org/drawingml/2006/main" xmlns:r="http://schemas.openxmlformats.org/officeDocument/2006/relationships" xmlns:p="http://schemas.openxmlformats.org/presentationml/2006/main">
+  <p:cSld>
+    <p:spTree>
+      <p:nvGrpSpPr>
+        <p:cNvPr id="1" name=""/>
+        <p:cNvGrpSpPr/>
+        <p:nvPr/>
+      </p:nvGrpSpPr>
+      <p:grpSpPr>
+        <a:xfrm>
+          <a:off x="0" y="0"/>
+          <a:ext cx="0" cy="0"/>
+          <a:chOff x="0" y="0"/>
+          <a:chExt cx="0" cy="0"/>
+        </a:xfrm>
+      </p:grpSpPr>
+      <p:sp>
+        <p:nvSpPr>
+          <p:cNvPr id="105" name="CustomShape 1"/>
+          <p:cNvSpPr/>
+          <p:nvPr/>
+        </p:nvSpPr>
+        <p:spPr>
+          <a:xfrm>
+            <a:off x="2152560" y="297720"/>
+            <a:ext cx="7882200" cy="758520"/>
+          </a:xfrm>
+          <a:prstGeom prst="rect">
+            <a:avLst/>
+          </a:prstGeom>
+          <a:noFill/>
+          <a:ln>
+            <a:noFill/>
+          </a:ln>
+        </p:spPr>
+        <p:style>
+          <a:lnRef idx="0">
+            <a:scrgbClr r="0" g="0" b="0"/>
+          </a:lnRef>
+          <a:fillRef idx="0">
+            <a:scrgbClr r="0" g="0" b="0"/>
+          </a:fillRef>
+          <a:effectRef idx="0">
+            <a:scrgbClr r="0" g="0" b="0"/>
+          </a:effectRef>
+          <a:fontRef idx="minor"/>
+        </p:style>
+        <p:txBody>
+          <a:bodyPr lIns="90000" tIns="45000" rIns="90000" bIns="45000" anchor="ctr">
+            <a:normAutofit/>
+          </a:bodyPr>
+          <a:lstStyle/>
+          <a:p>
+            <a:pPr algn="ctr">
+              <a:lnSpc>
+                <a:spcPct val="90000"/>
+              </a:lnSpc>
+            </a:pPr>
+            <a:r>
+              <a:rPr lang="ru-RU" sz="4000" b="1" spc="-1">
+                <a:solidFill>
+                  <a:srgbClr val="203864"/>
+                </a:solidFill>
+                <a:latin typeface="Calibri"/>
+                <a:ea typeface="DejaVu Sans"/>
+              </a:rPr>
+              <a:t>Псевдокод</a:t>
+            </a:r>
+            <a:endParaRPr lang="ru-RU" sz="4000" spc="-1">
+              <a:latin typeface="Arial"/>
+            </a:endParaRPr>
+          </a:p>
+        </p:txBody>
+      </p:sp>
+      <p:sp>
+        <p:nvSpPr>
+          <p:cNvPr id="106" name="CustomShape 2"/>
+          <p:cNvSpPr/>
+          <p:nvPr/>
+        </p:nvSpPr>
+        <p:spPr>
+          <a:xfrm>
+            <a:off x="1956000" y="1584000"/>
+            <a:ext cx="8639640" cy="2277360"/>
+          </a:xfrm>
+          <a:prstGeom prst="rect">
+            <a:avLst/>
+          </a:prstGeom>
+          <a:noFill/>
+          <a:ln>
+            <a:noFill/>
+          </a:ln>
+        </p:spPr>
+        <p:style>
+          <a:lnRef idx="0">
+            <a:scrgbClr r="0" g="0" b="0"/>
+          </a:lnRef>
+          <a:fillRef idx="0">
+            <a:scrgbClr r="0" g="0" b="0"/>
+          </a:fillRef>
+          <a:effectRef idx="0">
+            <a:scrgbClr r="0" g="0" b="0"/>
+          </a:effectRef>
+          <a:fontRef idx="minor"/>
+        </p:style>
+        <p:txBody>
+          <a:bodyPr lIns="90000" tIns="45000" rIns="90000" bIns="45000">
+            <a:noAutofit/>
+          </a:bodyPr>
+          <a:lstStyle/>
+          <a:p>
+            <a:pPr>
+              <a:lnSpc>
+                <a:spcPct val="100000"/>
+              </a:lnSpc>
+            </a:pPr>
+            <a:r>
+              <a:rPr lang="ru-RU" sz="2200" spc="-1">
+                <a:solidFill>
+                  <a:srgbClr val="C9211E"/>
+                </a:solidFill>
+                <a:latin typeface="Arial"/>
+              </a:rPr>
+              <a:t>Неправильно:</a:t>
+            </a:r>
+            <a:endParaRPr lang="ru-RU" sz="2200" spc="-1">
+              <a:latin typeface="Arial"/>
+            </a:endParaRPr>
+          </a:p>
+          <a:p>
+            <a:pPr>
+              <a:lnSpc>
+                <a:spcPct val="100000"/>
+              </a:lnSpc>
+            </a:pPr>
+            <a:endParaRPr lang="ru-RU" sz="2200" spc="-1">
+              <a:latin typeface="Arial"/>
+            </a:endParaRPr>
+          </a:p>
+          <a:p>
+            <a:pPr>
+              <a:lnSpc>
+                <a:spcPct val="100000"/>
+              </a:lnSpc>
+            </a:pPr>
+            <a:r>
+              <a:rPr lang="ru-RU" sz="2200" spc="-1">
+                <a:solidFill>
+                  <a:srgbClr val="C9211E"/>
+                </a:solidFill>
+                <a:latin typeface="Arial"/>
+              </a:rPr>
+              <a:t>if( </a:t>
+            </a:r>
+            <a:r>
+              <a:rPr lang="ru-RU" sz="2200" spc="-1">
+                <a:solidFill>
+                  <a:srgbClr val="17C82F"/>
+                </a:solidFill>
+                <a:latin typeface="Arial"/>
+              </a:rPr>
+              <a:t>я кручу педали </a:t>
+            </a:r>
+            <a:r>
+              <a:rPr lang="ru-RU" sz="2200" b="1" spc="-1">
+                <a:solidFill>
+                  <a:srgbClr val="C9211E"/>
+                </a:solidFill>
+                <a:latin typeface="Arial"/>
+              </a:rPr>
+              <a:t>&amp;&amp;</a:t>
+            </a:r>
+            <a:r>
+              <a:rPr lang="ru-RU" sz="2200" spc="-1">
+                <a:solidFill>
+                  <a:srgbClr val="C9211E"/>
+                </a:solidFill>
+                <a:latin typeface="Arial"/>
+              </a:rPr>
+              <a:t> </a:t>
+            </a:r>
+            <a:r>
+              <a:rPr lang="ru-RU" sz="2200" spc="-1">
+                <a:solidFill>
+                  <a:srgbClr val="2C4AC4"/>
+                </a:solidFill>
+                <a:latin typeface="Arial"/>
+              </a:rPr>
+              <a:t>поворачиваю руль влево </a:t>
+            </a:r>
+            <a:r>
+              <a:rPr lang="ru-RU" sz="2200" b="1" spc="-1">
+                <a:solidFill>
+                  <a:srgbClr val="C9211E"/>
+                </a:solidFill>
+                <a:latin typeface="Arial"/>
+              </a:rPr>
+              <a:t>||</a:t>
+            </a:r>
+            <a:r>
+              <a:rPr lang="ru-RU" sz="2200" spc="-1">
+                <a:solidFill>
+                  <a:srgbClr val="C9211E"/>
+                </a:solidFill>
+                <a:latin typeface="Arial"/>
+              </a:rPr>
+              <a:t> </a:t>
+            </a:r>
+            <a:r>
+              <a:rPr lang="ru-RU" sz="2200" spc="-1">
+                <a:solidFill>
+                  <a:srgbClr val="DC3EA5"/>
+                </a:solidFill>
+                <a:latin typeface="Arial"/>
+              </a:rPr>
+              <a:t>поворачиваю    </a:t>
+            </a:r>
+            <a:endParaRPr lang="ru-RU" sz="2200" spc="-1">
+              <a:latin typeface="Arial"/>
+            </a:endParaRPr>
+          </a:p>
+          <a:p>
+            <a:pPr>
+              <a:lnSpc>
+                <a:spcPct val="100000"/>
+              </a:lnSpc>
+            </a:pPr>
+            <a:r>
+              <a:rPr lang="ru-RU" sz="2200" spc="-1">
+                <a:solidFill>
+                  <a:srgbClr val="DC3EA5"/>
+                </a:solidFill>
+                <a:latin typeface="Arial"/>
+              </a:rPr>
+              <a:t>    руль вправо )</a:t>
+            </a:r>
+            <a:endParaRPr lang="ru-RU" sz="2200" spc="-1">
+              <a:latin typeface="Arial"/>
+            </a:endParaRPr>
+          </a:p>
+          <a:p>
+            <a:pPr>
+              <a:lnSpc>
+                <a:spcPct val="100000"/>
+              </a:lnSpc>
+            </a:pPr>
+            <a:r>
+              <a:rPr lang="ru-RU" sz="2200" spc="-1">
+                <a:solidFill>
+                  <a:srgbClr val="DC3EA5"/>
+                </a:solidFill>
+                <a:latin typeface="Arial"/>
+              </a:rPr>
+              <a:t>{</a:t>
+            </a:r>
+            <a:endParaRPr lang="ru-RU" sz="2200" spc="-1">
+              <a:latin typeface="Arial"/>
+            </a:endParaRPr>
+          </a:p>
+          <a:p>
+            <a:pPr>
+              <a:lnSpc>
+                <a:spcPct val="100000"/>
+              </a:lnSpc>
+            </a:pPr>
+            <a:r>
+              <a:rPr lang="ru-RU" sz="2200" spc="-1">
+                <a:solidFill>
+                  <a:srgbClr val="DC3EA5"/>
+                </a:solidFill>
+                <a:latin typeface="Arial"/>
+              </a:rPr>
+              <a:t>	я еду куда хочу;</a:t>
+            </a:r>
+            <a:endParaRPr lang="ru-RU" sz="2200" spc="-1">
+              <a:latin typeface="Arial"/>
+            </a:endParaRPr>
+          </a:p>
+          <a:p>
+            <a:pPr>
+              <a:lnSpc>
+                <a:spcPct val="100000"/>
+              </a:lnSpc>
+            </a:pPr>
+            <a:r>
+              <a:rPr lang="ru-RU" sz="2200" spc="-1">
+                <a:solidFill>
+                  <a:srgbClr val="DC3EA5"/>
+                </a:solidFill>
+                <a:latin typeface="Arial"/>
+              </a:rPr>
+              <a:t>}</a:t>
+            </a:r>
+            <a:endParaRPr lang="ru-RU" sz="2200" spc="-1">
+              <a:latin typeface="Arial"/>
+            </a:endParaRPr>
+          </a:p>
+        </p:txBody>
+      </p:sp>
+      <p:sp>
+        <p:nvSpPr>
+          <p:cNvPr id="107" name="CustomShape 3"/>
+          <p:cNvSpPr/>
+          <p:nvPr/>
+        </p:nvSpPr>
+        <p:spPr>
+          <a:xfrm>
+            <a:off x="2600760" y="4032000"/>
+            <a:ext cx="3167640" cy="1367640"/>
+          </a:xfrm>
+          <a:prstGeom prst="ellipse">
+            <a:avLst/>
+          </a:prstGeom>
+          <a:solidFill>
+            <a:srgbClr val="17C82F"/>
+          </a:solidFill>
+          <a:ln>
+            <a:solidFill>
+              <a:srgbClr val="3465A4"/>
+            </a:solidFill>
+          </a:ln>
+        </p:spPr>
+        <p:style>
+          <a:lnRef idx="0">
+            <a:scrgbClr r="0" g="0" b="0"/>
+          </a:lnRef>
+          <a:fillRef idx="0">
+            <a:scrgbClr r="0" g="0" b="0"/>
+          </a:fillRef>
+          <a:effectRef idx="0">
+            <a:scrgbClr r="0" g="0" b="0"/>
+          </a:effectRef>
+          <a:fontRef idx="minor"/>
+        </p:style>
+        <p:txBody>
+          <a:bodyPr wrap="none" lIns="90000" tIns="45000" rIns="90000" bIns="45000" anchor="ctr">
+            <a:noAutofit/>
+          </a:bodyPr>
+          <a:lstStyle/>
+          <a:p>
+            <a:pPr algn="ctr">
+              <a:lnSpc>
+                <a:spcPct val="100000"/>
+              </a:lnSpc>
+            </a:pPr>
+            <a:r>
+              <a:rPr lang="ru-RU" sz="2200" spc="-1">
+                <a:solidFill>
+                  <a:srgbClr val="000000"/>
+                </a:solidFill>
+                <a:latin typeface="Arial"/>
+                <a:ea typeface="DejaVu Sans"/>
+              </a:rPr>
+              <a:t>я кручу педали</a:t>
+            </a:r>
+            <a:endParaRPr lang="ru-RU" sz="2200" spc="-1">
+              <a:latin typeface="Arial"/>
+            </a:endParaRPr>
+          </a:p>
+        </p:txBody>
+      </p:sp>
+      <p:sp>
+        <p:nvSpPr>
+          <p:cNvPr id="108" name="CustomShape 4"/>
+          <p:cNvSpPr/>
+          <p:nvPr/>
+        </p:nvSpPr>
+        <p:spPr>
+          <a:xfrm>
+            <a:off x="3252000" y="4896000"/>
+            <a:ext cx="2663640" cy="1151640"/>
+          </a:xfrm>
+          <a:prstGeom prst="ellipse">
+            <a:avLst/>
+          </a:prstGeom>
+          <a:solidFill>
+            <a:srgbClr val="2C4AC4"/>
+          </a:solidFill>
+          <a:ln>
+            <a:solidFill>
+              <a:srgbClr val="3465A4"/>
+            </a:solidFill>
+          </a:ln>
+        </p:spPr>
+        <p:style>
+          <a:lnRef idx="0">
+            <a:scrgbClr r="0" g="0" b="0"/>
+          </a:lnRef>
+          <a:fillRef idx="0">
+            <a:scrgbClr r="0" g="0" b="0"/>
+          </a:fillRef>
+          <a:effectRef idx="0">
+            <a:scrgbClr r="0" g="0" b="0"/>
+          </a:effectRef>
+          <a:fontRef idx="minor"/>
+        </p:style>
+        <p:txBody>
+          <a:bodyPr wrap="none" lIns="90000" tIns="45000" rIns="90000" bIns="45000" anchor="ctr">
+            <a:noAutofit/>
+          </a:bodyPr>
+          <a:lstStyle/>
+          <a:p>
+            <a:pPr algn="ctr">
+              <a:lnSpc>
+                <a:spcPct val="100000"/>
+              </a:lnSpc>
+            </a:pPr>
+            <a:r>
+              <a:rPr lang="ru-RU" spc="-1">
+                <a:solidFill>
+                  <a:srgbClr val="000000"/>
+                </a:solidFill>
+                <a:latin typeface="Arial"/>
+                <a:ea typeface="DejaVu Sans"/>
+              </a:rPr>
+              <a:t>Поворачиваю руль влево</a:t>
+            </a:r>
+            <a:endParaRPr lang="ru-RU" spc="-1">
+              <a:latin typeface="Arial"/>
+            </a:endParaRPr>
+          </a:p>
+        </p:txBody>
+      </p:sp>
+      <p:sp>
+        <p:nvSpPr>
+          <p:cNvPr id="109" name="CustomShape 5"/>
+          <p:cNvSpPr/>
+          <p:nvPr/>
+        </p:nvSpPr>
+        <p:spPr>
+          <a:xfrm>
+            <a:off x="6420000" y="4464000"/>
+            <a:ext cx="2951640" cy="1223640"/>
+          </a:xfrm>
+          <a:prstGeom prst="ellipse">
+            <a:avLst/>
+          </a:prstGeom>
+          <a:solidFill>
+            <a:srgbClr val="DC3EA5"/>
+          </a:solidFill>
+          <a:ln>
+            <a:solidFill>
+              <a:srgbClr val="3465A4"/>
+            </a:solidFill>
+          </a:ln>
+        </p:spPr>
+        <p:style>
+          <a:lnRef idx="0">
+            <a:scrgbClr r="0" g="0" b="0"/>
+          </a:lnRef>
+          <a:fillRef idx="0">
+            <a:scrgbClr r="0" g="0" b="0"/>
+          </a:fillRef>
+          <a:effectRef idx="0">
+            <a:scrgbClr r="0" g="0" b="0"/>
+          </a:effectRef>
+          <a:fontRef idx="minor"/>
+        </p:style>
+        <p:txBody>
+          <a:bodyPr wrap="none" lIns="90000" tIns="45000" rIns="90000" bIns="45000" anchor="ctr">
+            <a:noAutofit/>
+          </a:bodyPr>
+          <a:lstStyle/>
+          <a:p>
+            <a:pPr algn="ctr">
+              <a:lnSpc>
+                <a:spcPct val="100000"/>
+              </a:lnSpc>
+            </a:pPr>
+            <a:r>
+              <a:rPr lang="ru-RU" spc="-1">
+                <a:solidFill>
+                  <a:srgbClr val="000000"/>
+                </a:solidFill>
+                <a:latin typeface="Arial"/>
+                <a:ea typeface="DejaVu Sans"/>
+              </a:rPr>
+              <a:t>Поворачиваю руль вправо</a:t>
+            </a:r>
+            <a:endParaRPr lang="ru-RU" spc="-1">
+              <a:latin typeface="Arial"/>
+            </a:endParaRPr>
+          </a:p>
+        </p:txBody>
+      </p:sp>
+      <p:sp>
+        <p:nvSpPr>
+          <p:cNvPr id="110" name="CustomShape 6"/>
+          <p:cNvSpPr/>
+          <p:nvPr/>
+        </p:nvSpPr>
+        <p:spPr>
+          <a:xfrm>
+            <a:off x="2028000" y="3528000"/>
+            <a:ext cx="7919640" cy="2905920"/>
+          </a:xfrm>
+          <a:prstGeom prst="ellipse">
+            <a:avLst/>
+          </a:prstGeom>
+          <a:solidFill>
+            <a:srgbClr val="FAFF64">
+              <a:alpha val="24000"/>
+            </a:srgbClr>
+          </a:solidFill>
+          <a:ln>
+            <a:solidFill>
+              <a:srgbClr val="3465A4"/>
+            </a:solidFill>
+          </a:ln>
+        </p:spPr>
+        <p:style>
+          <a:lnRef idx="0">
+            <a:scrgbClr r="0" g="0" b="0"/>
+          </a:lnRef>
+          <a:fillRef idx="0">
+            <a:scrgbClr r="0" g="0" b="0"/>
+          </a:fillRef>
+          <a:effectRef idx="0">
+            <a:scrgbClr r="0" g="0" b="0"/>
+          </a:effectRef>
+          <a:fontRef idx="minor"/>
+        </p:style>
+      </p:sp>
+    </p:spTree>
+  </p:cSld>
+  <p:clrMapOvr>
+    <a:masterClrMapping/>
+  </p:clrMapOvr>
+</p:sld>
+</file>
+
+<file path=ppt/slides/slide13.xml><?xml version="1.0" encoding="utf-8"?>
+<p:sld xmlns:a="http://schemas.openxmlformats.org/drawingml/2006/main" xmlns:r="http://schemas.openxmlformats.org/officeDocument/2006/relationships" xmlns:p="http://schemas.openxmlformats.org/presentationml/2006/main">
+  <p:cSld>
+    <p:spTree>
+      <p:nvGrpSpPr>
+        <p:cNvPr id="1" name=""/>
+        <p:cNvGrpSpPr/>
+        <p:nvPr/>
+      </p:nvGrpSpPr>
+      <p:grpSpPr>
+        <a:xfrm>
+          <a:off x="0" y="0"/>
+          <a:ext cx="0" cy="0"/>
+          <a:chOff x="0" y="0"/>
+          <a:chExt cx="0" cy="0"/>
+        </a:xfrm>
+      </p:grpSpPr>
+      <p:sp>
+        <p:nvSpPr>
+          <p:cNvPr id="111" name="CustomShape 1"/>
+          <p:cNvSpPr/>
+          <p:nvPr/>
+        </p:nvSpPr>
+        <p:spPr>
+          <a:xfrm>
+            <a:off x="2152560" y="297720"/>
+            <a:ext cx="7882200" cy="758520"/>
+          </a:xfrm>
+          <a:prstGeom prst="rect">
+            <a:avLst/>
+          </a:prstGeom>
+          <a:noFill/>
+          <a:ln>
+            <a:noFill/>
+          </a:ln>
+        </p:spPr>
+        <p:style>
+          <a:lnRef idx="0">
+            <a:scrgbClr r="0" g="0" b="0"/>
+          </a:lnRef>
+          <a:fillRef idx="0">
+            <a:scrgbClr r="0" g="0" b="0"/>
+          </a:fillRef>
+          <a:effectRef idx="0">
+            <a:scrgbClr r="0" g="0" b="0"/>
+          </a:effectRef>
+          <a:fontRef idx="minor"/>
+        </p:style>
+        <p:txBody>
+          <a:bodyPr lIns="90000" tIns="45000" rIns="90000" bIns="45000" anchor="ctr">
+            <a:normAutofit/>
+          </a:bodyPr>
+          <a:lstStyle/>
+          <a:p>
+            <a:pPr algn="ctr">
+              <a:lnSpc>
+                <a:spcPct val="90000"/>
+              </a:lnSpc>
+            </a:pPr>
+            <a:r>
+              <a:rPr lang="ru-RU" sz="4000" b="1" spc="-1">
+                <a:solidFill>
+                  <a:srgbClr val="203864"/>
+                </a:solidFill>
+                <a:latin typeface="Calibri"/>
+                <a:ea typeface="DejaVu Sans"/>
+              </a:rPr>
+              <a:t>Псевдокод</a:t>
+            </a:r>
+            <a:endParaRPr lang="ru-RU" sz="4000" spc="-1">
+              <a:latin typeface="Arial"/>
+            </a:endParaRPr>
+          </a:p>
+        </p:txBody>
+      </p:sp>
+      <p:sp>
+        <p:nvSpPr>
+          <p:cNvPr id="112" name="CustomShape 2"/>
+          <p:cNvSpPr/>
+          <p:nvPr/>
+        </p:nvSpPr>
+        <p:spPr>
+          <a:xfrm>
+            <a:off x="1956000" y="1584000"/>
+            <a:ext cx="8495640" cy="2589840"/>
+          </a:xfrm>
+          <a:prstGeom prst="rect">
+            <a:avLst/>
+          </a:prstGeom>
+          <a:noFill/>
+          <a:ln>
+            <a:noFill/>
+          </a:ln>
+        </p:spPr>
+        <p:style>
+          <a:lnRef idx="0">
+            <a:scrgbClr r="0" g="0" b="0"/>
+          </a:lnRef>
+          <a:fillRef idx="0">
+            <a:scrgbClr r="0" g="0" b="0"/>
+          </a:fillRef>
+          <a:effectRef idx="0">
+            <a:scrgbClr r="0" g="0" b="0"/>
+          </a:effectRef>
+          <a:fontRef idx="minor"/>
+        </p:style>
+        <p:txBody>
+          <a:bodyPr lIns="90000" tIns="45000" rIns="90000" bIns="45000">
+            <a:noAutofit/>
+          </a:bodyPr>
+          <a:lstStyle/>
+          <a:p>
+            <a:pPr>
+              <a:lnSpc>
+                <a:spcPct val="100000"/>
+              </a:lnSpc>
+            </a:pPr>
+            <a:r>
+              <a:rPr lang="ru-RU" sz="2200" spc="-1">
+                <a:solidFill>
+                  <a:srgbClr val="17C82F"/>
+                </a:solidFill>
+                <a:latin typeface="Arial"/>
+              </a:rPr>
+              <a:t>Правильно:</a:t>
+            </a:r>
+            <a:endParaRPr lang="ru-RU" sz="2200" spc="-1">
+              <a:latin typeface="Arial"/>
+            </a:endParaRPr>
+          </a:p>
+          <a:p>
+            <a:pPr>
+              <a:lnSpc>
+                <a:spcPct val="100000"/>
+              </a:lnSpc>
+            </a:pPr>
+            <a:endParaRPr lang="ru-RU" sz="2200" spc="-1">
+              <a:latin typeface="Arial"/>
+            </a:endParaRPr>
+          </a:p>
+          <a:p>
+            <a:pPr>
+              <a:lnSpc>
+                <a:spcPct val="100000"/>
+              </a:lnSpc>
+            </a:pPr>
+            <a:r>
+              <a:rPr lang="ru-RU" sz="2200" spc="-1">
+                <a:solidFill>
+                  <a:srgbClr val="C9211E"/>
+                </a:solidFill>
+                <a:latin typeface="Arial"/>
+              </a:rPr>
+              <a:t>if( </a:t>
+            </a:r>
+            <a:r>
+              <a:rPr lang="ru-RU" sz="2200" spc="-1">
+                <a:solidFill>
+                  <a:srgbClr val="17C82F"/>
+                </a:solidFill>
+                <a:latin typeface="Arial"/>
+              </a:rPr>
+              <a:t>я кручу педали </a:t>
+            </a:r>
+            <a:r>
+              <a:rPr lang="ru-RU" sz="2200" b="1" spc="-1">
+                <a:solidFill>
+                  <a:srgbClr val="C9211E"/>
+                </a:solidFill>
+                <a:latin typeface="Arial"/>
+              </a:rPr>
+              <a:t>&amp;&amp;</a:t>
+            </a:r>
+            <a:r>
+              <a:rPr lang="ru-RU" sz="2200" spc="-1">
+                <a:solidFill>
+                  <a:srgbClr val="C9211E"/>
+                </a:solidFill>
+                <a:latin typeface="Arial"/>
+              </a:rPr>
+              <a:t> </a:t>
+            </a:r>
+            <a:endParaRPr lang="ru-RU" sz="2200" spc="-1">
+              <a:latin typeface="Arial"/>
+            </a:endParaRPr>
+          </a:p>
+          <a:p>
+            <a:pPr>
+              <a:lnSpc>
+                <a:spcPct val="100000"/>
+              </a:lnSpc>
+            </a:pPr>
+            <a:r>
+              <a:rPr lang="ru-RU" sz="2200" spc="-1">
+                <a:solidFill>
+                  <a:srgbClr val="C9211E"/>
+                </a:solidFill>
+                <a:latin typeface="Arial"/>
+              </a:rPr>
+              <a:t>  (</a:t>
+            </a:r>
+            <a:r>
+              <a:rPr lang="ru-RU" sz="2200" spc="-1">
+                <a:solidFill>
+                  <a:srgbClr val="2C4AC4"/>
+                </a:solidFill>
+                <a:latin typeface="Arial"/>
+              </a:rPr>
+              <a:t>поворачиваю руль влево </a:t>
+            </a:r>
+            <a:r>
+              <a:rPr lang="ru-RU" sz="2200" spc="-1">
+                <a:solidFill>
+                  <a:srgbClr val="C9211E"/>
+                </a:solidFill>
+                <a:latin typeface="Arial"/>
+              </a:rPr>
+              <a:t>|| </a:t>
+            </a:r>
+            <a:r>
+              <a:rPr lang="ru-RU" sz="2200" spc="-1">
+                <a:solidFill>
+                  <a:srgbClr val="DC3EA5"/>
+                </a:solidFill>
+                <a:latin typeface="Arial"/>
+              </a:rPr>
+              <a:t>поворачиваю руль вправо) )</a:t>
+            </a:r>
+            <a:endParaRPr lang="ru-RU" sz="2200" spc="-1">
+              <a:latin typeface="Arial"/>
+            </a:endParaRPr>
+          </a:p>
+          <a:p>
+            <a:pPr>
+              <a:lnSpc>
+                <a:spcPct val="100000"/>
+              </a:lnSpc>
+            </a:pPr>
+            <a:r>
+              <a:rPr lang="ru-RU" sz="2200" spc="-1">
+                <a:solidFill>
+                  <a:srgbClr val="DC3EA5"/>
+                </a:solidFill>
+                <a:latin typeface="Arial"/>
+              </a:rPr>
+              <a:t>{</a:t>
+            </a:r>
+            <a:endParaRPr lang="ru-RU" sz="2200" spc="-1">
+              <a:latin typeface="Arial"/>
+            </a:endParaRPr>
+          </a:p>
+          <a:p>
+            <a:pPr>
+              <a:lnSpc>
+                <a:spcPct val="100000"/>
+              </a:lnSpc>
+            </a:pPr>
+            <a:r>
+              <a:rPr lang="ru-RU" sz="2200" spc="-1">
+                <a:solidFill>
+                  <a:srgbClr val="DC3EA5"/>
+                </a:solidFill>
+                <a:latin typeface="Arial"/>
+              </a:rPr>
+              <a:t>	я еду куда хочу;</a:t>
+            </a:r>
+            <a:endParaRPr lang="ru-RU" sz="2200" spc="-1">
+              <a:latin typeface="Arial"/>
+            </a:endParaRPr>
+          </a:p>
+          <a:p>
+            <a:pPr>
+              <a:lnSpc>
+                <a:spcPct val="100000"/>
+              </a:lnSpc>
+            </a:pPr>
+            <a:r>
+              <a:rPr lang="ru-RU" sz="2200" spc="-1">
+                <a:solidFill>
+                  <a:srgbClr val="DC3EA5"/>
+                </a:solidFill>
+                <a:latin typeface="Arial"/>
+              </a:rPr>
+              <a:t>}</a:t>
+            </a:r>
+            <a:endParaRPr lang="ru-RU" sz="2200" spc="-1">
+              <a:latin typeface="Arial"/>
+            </a:endParaRPr>
+          </a:p>
+          <a:p>
+            <a:pPr>
+              <a:lnSpc>
+                <a:spcPct val="100000"/>
+              </a:lnSpc>
+            </a:pPr>
+            <a:endParaRPr lang="ru-RU" sz="2200" spc="-1">
+              <a:latin typeface="Arial"/>
+            </a:endParaRPr>
+          </a:p>
+        </p:txBody>
+      </p:sp>
+      <p:sp>
+        <p:nvSpPr>
+          <p:cNvPr id="113" name="CustomShape 3"/>
+          <p:cNvSpPr/>
+          <p:nvPr/>
+        </p:nvSpPr>
+        <p:spPr>
+          <a:xfrm>
+            <a:off x="3752040" y="3816000"/>
+            <a:ext cx="4035600" cy="1583640"/>
+          </a:xfrm>
+          <a:prstGeom prst="ellipse">
+            <a:avLst/>
+          </a:prstGeom>
+          <a:solidFill>
+            <a:srgbClr val="17C82F"/>
+          </a:solidFill>
+          <a:ln>
+            <a:solidFill>
+              <a:srgbClr val="3465A4"/>
+            </a:solidFill>
+          </a:ln>
+        </p:spPr>
+        <p:style>
+          <a:lnRef idx="0">
+            <a:scrgbClr r="0" g="0" b="0"/>
+          </a:lnRef>
+          <a:fillRef idx="0">
+            <a:scrgbClr r="0" g="0" b="0"/>
+          </a:fillRef>
+          <a:effectRef idx="0">
+            <a:scrgbClr r="0" g="0" b="0"/>
+          </a:effectRef>
+          <a:fontRef idx="minor"/>
+        </p:style>
+        <p:txBody>
+          <a:bodyPr wrap="none" lIns="90000" tIns="45000" rIns="90000" bIns="45000" anchor="ctr">
+            <a:noAutofit/>
+          </a:bodyPr>
+          <a:lstStyle/>
+          <a:p>
+            <a:pPr algn="ctr">
+              <a:lnSpc>
+                <a:spcPct val="100000"/>
+              </a:lnSpc>
+            </a:pPr>
+            <a:r>
+              <a:rPr lang="ru-RU" sz="2200" spc="-1">
+                <a:solidFill>
+                  <a:srgbClr val="000000"/>
+                </a:solidFill>
+                <a:latin typeface="Arial"/>
+                <a:ea typeface="DejaVu Sans"/>
+              </a:rPr>
+              <a:t>я кручу педали</a:t>
+            </a:r>
+            <a:endParaRPr lang="ru-RU" sz="2200" spc="-1">
+              <a:latin typeface="Arial"/>
+            </a:endParaRPr>
+          </a:p>
+        </p:txBody>
+      </p:sp>
+      <p:sp>
+        <p:nvSpPr>
+          <p:cNvPr id="114" name="CustomShape 4"/>
+          <p:cNvSpPr/>
+          <p:nvPr/>
+        </p:nvSpPr>
+        <p:spPr>
+          <a:xfrm>
+            <a:off x="5988000" y="5040000"/>
+            <a:ext cx="2663640" cy="1151640"/>
+          </a:xfrm>
+          <a:prstGeom prst="ellipse">
+            <a:avLst/>
+          </a:prstGeom>
+          <a:solidFill>
+            <a:srgbClr val="2C4AC4"/>
+          </a:solidFill>
+          <a:ln>
+            <a:solidFill>
+              <a:srgbClr val="3465A4"/>
+            </a:solidFill>
+          </a:ln>
+        </p:spPr>
+        <p:style>
+          <a:lnRef idx="0">
+            <a:scrgbClr r="0" g="0" b="0"/>
+          </a:lnRef>
+          <a:fillRef idx="0">
+            <a:scrgbClr r="0" g="0" b="0"/>
+          </a:fillRef>
+          <a:effectRef idx="0">
+            <a:scrgbClr r="0" g="0" b="0"/>
+          </a:effectRef>
+          <a:fontRef idx="minor"/>
+        </p:style>
+        <p:txBody>
+          <a:bodyPr wrap="none" lIns="90000" tIns="45000" rIns="90000" bIns="45000" anchor="ctr">
+            <a:noAutofit/>
+          </a:bodyPr>
+          <a:lstStyle/>
+          <a:p>
+            <a:pPr algn="ctr">
+              <a:lnSpc>
+                <a:spcPct val="100000"/>
+              </a:lnSpc>
+            </a:pPr>
+            <a:r>
+              <a:rPr lang="ru-RU" spc="-1">
+                <a:solidFill>
+                  <a:srgbClr val="000000"/>
+                </a:solidFill>
+                <a:latin typeface="Arial"/>
+                <a:ea typeface="DejaVu Sans"/>
+              </a:rPr>
+              <a:t>Поворачиваю руль влево</a:t>
+            </a:r>
+            <a:endParaRPr lang="ru-RU" spc="-1">
+              <a:latin typeface="Arial"/>
+            </a:endParaRPr>
+          </a:p>
+        </p:txBody>
+      </p:sp>
+      <p:sp>
+        <p:nvSpPr>
+          <p:cNvPr id="115" name="CustomShape 5"/>
+          <p:cNvSpPr/>
+          <p:nvPr/>
+        </p:nvSpPr>
+        <p:spPr>
+          <a:xfrm>
+            <a:off x="2892000" y="4968000"/>
+            <a:ext cx="2951640" cy="1223640"/>
+          </a:xfrm>
+          <a:prstGeom prst="ellipse">
+            <a:avLst/>
+          </a:prstGeom>
+          <a:solidFill>
+            <a:srgbClr val="DC3EA5"/>
+          </a:solidFill>
+          <a:ln>
+            <a:solidFill>
+              <a:srgbClr val="3465A4"/>
+            </a:solidFill>
+          </a:ln>
+        </p:spPr>
+        <p:style>
+          <a:lnRef idx="0">
+            <a:scrgbClr r="0" g="0" b="0"/>
+          </a:lnRef>
+          <a:fillRef idx="0">
+            <a:scrgbClr r="0" g="0" b="0"/>
+          </a:fillRef>
+          <a:effectRef idx="0">
+            <a:scrgbClr r="0" g="0" b="0"/>
+          </a:effectRef>
+          <a:fontRef idx="minor"/>
+        </p:style>
+        <p:txBody>
+          <a:bodyPr wrap="none" lIns="90000" tIns="45000" rIns="90000" bIns="45000" anchor="ctr">
+            <a:noAutofit/>
+          </a:bodyPr>
+          <a:lstStyle/>
+          <a:p>
+            <a:pPr algn="ctr">
+              <a:lnSpc>
+                <a:spcPct val="100000"/>
+              </a:lnSpc>
+            </a:pPr>
+            <a:r>
+              <a:rPr lang="ru-RU" spc="-1">
+                <a:solidFill>
+                  <a:srgbClr val="000000"/>
+                </a:solidFill>
+                <a:latin typeface="Arial"/>
+                <a:ea typeface="DejaVu Sans"/>
+              </a:rPr>
+              <a:t>Поворачиваю руль вправо</a:t>
+            </a:r>
+            <a:endParaRPr lang="ru-RU" spc="-1">
+              <a:latin typeface="Arial"/>
+            </a:endParaRPr>
+          </a:p>
+        </p:txBody>
+      </p:sp>
+      <p:sp>
+        <p:nvSpPr>
+          <p:cNvPr id="116" name="CustomShape 6"/>
+          <p:cNvSpPr/>
+          <p:nvPr/>
+        </p:nvSpPr>
+        <p:spPr>
+          <a:xfrm>
+            <a:off x="1812000" y="3672000"/>
+            <a:ext cx="7919640" cy="2905920"/>
+          </a:xfrm>
+          <a:prstGeom prst="ellipse">
+            <a:avLst/>
+          </a:prstGeom>
+          <a:solidFill>
+            <a:srgbClr val="FAFF64">
+              <a:alpha val="24000"/>
+            </a:srgbClr>
+          </a:solidFill>
+          <a:ln>
+            <a:solidFill>
+              <a:srgbClr val="3465A4"/>
+            </a:solidFill>
+          </a:ln>
+        </p:spPr>
+        <p:style>
+          <a:lnRef idx="0">
+            <a:scrgbClr r="0" g="0" b="0"/>
+          </a:lnRef>
+          <a:fillRef idx="0">
+            <a:scrgbClr r="0" g="0" b="0"/>
+          </a:fillRef>
+          <a:effectRef idx="0">
+            <a:scrgbClr r="0" g="0" b="0"/>
+          </a:effectRef>
+          <a:fontRef idx="minor"/>
+        </p:style>
+      </p:sp>
+    </p:spTree>
+  </p:cSld>
+  <p:clrMapOvr>
+    <a:masterClrMapping/>
+  </p:clrMapOvr>
+</p:sld>
+</file>
+
+<file path=ppt/slides/slide14.xml><?xml version="1.0" encoding="utf-8"?>
+<p:sld xmlns:a="http://schemas.openxmlformats.org/drawingml/2006/main" xmlns:r="http://schemas.openxmlformats.org/officeDocument/2006/relationships" xmlns:p="http://schemas.openxmlformats.org/presentationml/2006/main">
+  <p:cSld>
+    <p:spTree>
+      <p:nvGrpSpPr>
+        <p:cNvPr id="1" name=""/>
+        <p:cNvGrpSpPr/>
+        <p:nvPr/>
+      </p:nvGrpSpPr>
+      <p:grpSpPr>
+        <a:xfrm>
+          <a:off x="0" y="0"/>
+          <a:ext cx="0" cy="0"/>
+          <a:chOff x="0" y="0"/>
+          <a:chExt cx="0" cy="0"/>
+        </a:xfrm>
+      </p:grpSpPr>
+      <p:sp>
+        <p:nvSpPr>
+          <p:cNvPr id="117" name="CustomShape 1"/>
+          <p:cNvSpPr/>
+          <p:nvPr/>
+        </p:nvSpPr>
+        <p:spPr>
+          <a:xfrm>
+            <a:off x="2152560" y="297720"/>
+            <a:ext cx="7882200" cy="758520"/>
+          </a:xfrm>
+          <a:prstGeom prst="rect">
+            <a:avLst/>
+          </a:prstGeom>
+          <a:noFill/>
+          <a:ln>
+            <a:noFill/>
+          </a:ln>
+        </p:spPr>
+        <p:style>
+          <a:lnRef idx="0">
+            <a:scrgbClr r="0" g="0" b="0"/>
+          </a:lnRef>
+          <a:fillRef idx="0">
+            <a:scrgbClr r="0" g="0" b="0"/>
+          </a:fillRef>
+          <a:effectRef idx="0">
+            <a:scrgbClr r="0" g="0" b="0"/>
+          </a:effectRef>
+          <a:fontRef idx="minor"/>
+        </p:style>
+        <p:txBody>
+          <a:bodyPr lIns="90000" tIns="45000" rIns="90000" bIns="45000" anchor="ctr">
+            <a:normAutofit/>
+          </a:bodyPr>
+          <a:lstStyle/>
+          <a:p>
+            <a:pPr algn="ctr">
+              <a:lnSpc>
+                <a:spcPct val="90000"/>
+              </a:lnSpc>
+            </a:pPr>
+            <a:r>
+              <a:rPr lang="ru-RU" sz="4000" b="1" spc="-1">
+                <a:solidFill>
+                  <a:srgbClr val="203864"/>
+                </a:solidFill>
+                <a:latin typeface="Calibri"/>
+                <a:ea typeface="DejaVu Sans"/>
+              </a:rPr>
+              <a:t>Условия в реальности</a:t>
+            </a:r>
+            <a:endParaRPr lang="ru-RU" sz="4000" spc="-1">
+              <a:latin typeface="Arial"/>
+            </a:endParaRPr>
+          </a:p>
+        </p:txBody>
+      </p:sp>
+      <p:pic>
+        <p:nvPicPr>
+          <p:cNvPr id="118" name="Рисунок 117"/>
+          <p:cNvPicPr/>
+          <p:nvPr/>
+        </p:nvPicPr>
+        <p:blipFill>
+          <a:blip r:embed="rId2"/>
+          <a:stretch/>
+        </p:blipFill>
+        <p:spPr>
+          <a:xfrm>
+            <a:off x="1929000" y="1857240"/>
+            <a:ext cx="2943360" cy="1958400"/>
+          </a:xfrm>
+          <a:prstGeom prst="rect">
+            <a:avLst/>
+          </a:prstGeom>
+          <a:ln>
+            <a:noFill/>
+          </a:ln>
+        </p:spPr>
+      </p:pic>
+      <p:pic>
+        <p:nvPicPr>
+          <p:cNvPr id="119" name="Рисунок 118"/>
+          <p:cNvPicPr/>
+          <p:nvPr/>
+        </p:nvPicPr>
+        <p:blipFill>
+          <a:blip r:embed="rId3"/>
+          <a:stretch/>
+        </p:blipFill>
+        <p:spPr>
+          <a:xfrm>
+            <a:off x="1886520" y="4248000"/>
+            <a:ext cx="3169800" cy="1943640"/>
+          </a:xfrm>
+          <a:prstGeom prst="rect">
+            <a:avLst/>
+          </a:prstGeom>
+          <a:ln>
+            <a:noFill/>
+          </a:ln>
+        </p:spPr>
+      </p:pic>
+      <p:sp>
+        <p:nvSpPr>
+          <p:cNvPr id="120" name="CustomShape 2"/>
+          <p:cNvSpPr/>
+          <p:nvPr/>
+        </p:nvSpPr>
+        <p:spPr>
+          <a:xfrm>
+            <a:off x="5340000" y="1800000"/>
+            <a:ext cx="4895640" cy="4152240"/>
+          </a:xfrm>
+          <a:prstGeom prst="rect">
+            <a:avLst/>
+          </a:prstGeom>
+          <a:noFill/>
+          <a:ln>
+            <a:noFill/>
+          </a:ln>
+        </p:spPr>
+        <p:style>
+          <a:lnRef idx="0">
+            <a:scrgbClr r="0" g="0" b="0"/>
+          </a:lnRef>
+          <a:fillRef idx="0">
+            <a:scrgbClr r="0" g="0" b="0"/>
+          </a:fillRef>
+          <a:effectRef idx="0">
+            <a:scrgbClr r="0" g="0" b="0"/>
+          </a:effectRef>
+          <a:fontRef idx="minor"/>
+        </p:style>
+        <p:txBody>
+          <a:bodyPr lIns="90000" tIns="45000" rIns="90000" bIns="45000">
+            <a:noAutofit/>
+          </a:bodyPr>
+          <a:lstStyle/>
+          <a:p>
+            <a:pPr>
+              <a:lnSpc>
+                <a:spcPct val="100000"/>
+              </a:lnSpc>
+            </a:pPr>
+            <a:endParaRPr lang="ru-RU" spc="-1">
+              <a:latin typeface="Arial"/>
+            </a:endParaRPr>
+          </a:p>
+          <a:p>
+            <a:pPr>
+              <a:lnSpc>
+                <a:spcPct val="100000"/>
+              </a:lnSpc>
+            </a:pPr>
+            <a:r>
+              <a:rPr lang="ru-RU" sz="2200" spc="-1">
+                <a:latin typeface="Arial"/>
+              </a:rPr>
+              <a:t>Если я кручу педали, то</a:t>
+            </a:r>
+          </a:p>
+          <a:p>
+            <a:pPr>
+              <a:lnSpc>
+                <a:spcPct val="100000"/>
+              </a:lnSpc>
+            </a:pPr>
+            <a:r>
+              <a:rPr lang="ru-RU" sz="2200" spc="-1">
+                <a:latin typeface="Arial"/>
+              </a:rPr>
+              <a:t>велосипед едет.</a:t>
+            </a:r>
+          </a:p>
+          <a:p>
+            <a:pPr>
+              <a:lnSpc>
+                <a:spcPct val="100000"/>
+              </a:lnSpc>
+            </a:pPr>
+            <a:endParaRPr lang="ru-RU" sz="2200" spc="-1">
+              <a:latin typeface="Arial"/>
+            </a:endParaRPr>
+          </a:p>
+          <a:p>
+            <a:pPr>
+              <a:lnSpc>
+                <a:spcPct val="100000"/>
+              </a:lnSpc>
+            </a:pPr>
+            <a:r>
+              <a:rPr lang="ru-RU" sz="2200" spc="-1">
+                <a:latin typeface="Arial"/>
+              </a:rPr>
+              <a:t>Если я НЕ кручу педали, то</a:t>
+            </a:r>
+          </a:p>
+          <a:p>
+            <a:pPr>
+              <a:lnSpc>
+                <a:spcPct val="100000"/>
+              </a:lnSpc>
+            </a:pPr>
+            <a:r>
+              <a:rPr lang="ru-RU" sz="2200" spc="-1">
+                <a:latin typeface="Arial"/>
+              </a:rPr>
+              <a:t>велосипед падает.</a:t>
+            </a:r>
+          </a:p>
+          <a:p>
+            <a:pPr>
+              <a:lnSpc>
+                <a:spcPct val="100000"/>
+              </a:lnSpc>
+            </a:pPr>
+            <a:endParaRPr lang="ru-RU" sz="2200" spc="-1">
+              <a:latin typeface="Arial"/>
+            </a:endParaRPr>
+          </a:p>
+          <a:p>
+            <a:pPr>
+              <a:lnSpc>
+                <a:spcPct val="100000"/>
+              </a:lnSpc>
+            </a:pPr>
+            <a:endParaRPr lang="ru-RU" sz="2200" spc="-1">
+              <a:latin typeface="Arial"/>
+            </a:endParaRPr>
+          </a:p>
+          <a:p>
+            <a:pPr>
+              <a:lnSpc>
+                <a:spcPct val="100000"/>
+              </a:lnSpc>
+            </a:pPr>
+            <a:endParaRPr lang="ru-RU" sz="2200" spc="-1">
+              <a:latin typeface="Arial"/>
+            </a:endParaRPr>
+          </a:p>
+          <a:p>
+            <a:pPr>
+              <a:lnSpc>
+                <a:spcPct val="100000"/>
+              </a:lnSpc>
+            </a:pPr>
+            <a:r>
+              <a:rPr lang="ru-RU" sz="2200" spc="-1">
+                <a:solidFill>
+                  <a:srgbClr val="C9211E"/>
+                </a:solidFill>
+                <a:latin typeface="Arial"/>
+              </a:rPr>
+              <a:t>ЕСЛИ я кручу педали, то</a:t>
+            </a:r>
+            <a:endParaRPr lang="ru-RU" sz="2200" spc="-1">
+              <a:latin typeface="Arial"/>
+            </a:endParaRPr>
+          </a:p>
+          <a:p>
+            <a:pPr>
+              <a:lnSpc>
+                <a:spcPct val="100000"/>
+              </a:lnSpc>
+            </a:pPr>
+            <a:r>
+              <a:rPr lang="ru-RU" sz="2200" spc="-1">
+                <a:solidFill>
+                  <a:srgbClr val="C9211E"/>
+                </a:solidFill>
+                <a:latin typeface="Arial"/>
+              </a:rPr>
+              <a:t>велосипед едет,</a:t>
+            </a:r>
+            <a:endParaRPr lang="ru-RU" sz="2200" spc="-1">
+              <a:latin typeface="Arial"/>
+            </a:endParaRPr>
+          </a:p>
+          <a:p>
+            <a:pPr>
+              <a:lnSpc>
+                <a:spcPct val="100000"/>
+              </a:lnSpc>
+            </a:pPr>
+            <a:r>
+              <a:rPr lang="ru-RU" sz="2200" spc="-1">
+                <a:solidFill>
+                  <a:srgbClr val="C9211E"/>
+                </a:solidFill>
+                <a:latin typeface="Arial"/>
+              </a:rPr>
+              <a:t>ИНАЧЕ</a:t>
+            </a:r>
+            <a:endParaRPr lang="ru-RU" sz="2200" spc="-1">
+              <a:latin typeface="Arial"/>
+            </a:endParaRPr>
+          </a:p>
+          <a:p>
+            <a:pPr>
+              <a:lnSpc>
+                <a:spcPct val="100000"/>
+              </a:lnSpc>
+            </a:pPr>
+            <a:r>
+              <a:rPr lang="ru-RU" sz="2200" spc="-1">
+                <a:solidFill>
+                  <a:srgbClr val="C9211E"/>
+                </a:solidFill>
+                <a:latin typeface="Arial"/>
+              </a:rPr>
+              <a:t>велосипед падает.</a:t>
+            </a:r>
+            <a:endParaRPr lang="ru-RU" sz="2200" spc="-1">
+              <a:latin typeface="Arial"/>
+            </a:endParaRPr>
+          </a:p>
+        </p:txBody>
+      </p:sp>
+    </p:spTree>
+  </p:cSld>
+  <p:clrMapOvr>
+    <a:masterClrMapping/>
+  </p:clrMapOvr>
+</p:sld>
+</file>
+
+<file path=ppt/slides/slide15.xml><?xml version="1.0" encoding="utf-8"?>
+<p:sld xmlns:a="http://schemas.openxmlformats.org/drawingml/2006/main" xmlns:r="http://schemas.openxmlformats.org/officeDocument/2006/relationships" xmlns:p="http://schemas.openxmlformats.org/presentationml/2006/main">
+  <p:cSld>
+    <p:spTree>
+      <p:nvGrpSpPr>
+        <p:cNvPr id="1" name=""/>
+        <p:cNvGrpSpPr/>
+        <p:nvPr/>
+      </p:nvGrpSpPr>
+      <p:grpSpPr>
+        <a:xfrm>
+          <a:off x="0" y="0"/>
+          <a:ext cx="0" cy="0"/>
+          <a:chOff x="0" y="0"/>
+          <a:chExt cx="0" cy="0"/>
+        </a:xfrm>
+      </p:grpSpPr>
+      <p:sp>
+        <p:nvSpPr>
+          <p:cNvPr id="121" name="CustomShape 1"/>
+          <p:cNvSpPr/>
+          <p:nvPr/>
+        </p:nvSpPr>
+        <p:spPr>
+          <a:xfrm>
+            <a:off x="2152560" y="297720"/>
+            <a:ext cx="7882200" cy="758520"/>
+          </a:xfrm>
+          <a:prstGeom prst="rect">
+            <a:avLst/>
+          </a:prstGeom>
+          <a:noFill/>
+          <a:ln>
+            <a:noFill/>
+          </a:ln>
+        </p:spPr>
+        <p:style>
+          <a:lnRef idx="0">
+            <a:scrgbClr r="0" g="0" b="0"/>
+          </a:lnRef>
+          <a:fillRef idx="0">
+            <a:scrgbClr r="0" g="0" b="0"/>
+          </a:fillRef>
+          <a:effectRef idx="0">
+            <a:scrgbClr r="0" g="0" b="0"/>
+          </a:effectRef>
+          <a:fontRef idx="minor"/>
+        </p:style>
+        <p:txBody>
+          <a:bodyPr lIns="90000" tIns="45000" rIns="90000" bIns="45000" anchor="ctr">
+            <a:normAutofit/>
+          </a:bodyPr>
+          <a:lstStyle/>
+          <a:p>
+            <a:pPr algn="ctr">
+              <a:lnSpc>
+                <a:spcPct val="90000"/>
+              </a:lnSpc>
+            </a:pPr>
+            <a:r>
+              <a:rPr lang="ru-RU" sz="4000" b="1" spc="-1">
+                <a:solidFill>
+                  <a:srgbClr val="203864"/>
+                </a:solidFill>
+                <a:latin typeface="Calibri"/>
+                <a:ea typeface="DejaVu Sans"/>
+              </a:rPr>
+              <a:t>Псевдокод</a:t>
+            </a:r>
+            <a:endParaRPr lang="ru-RU" sz="4000" spc="-1">
+              <a:latin typeface="Arial"/>
+            </a:endParaRPr>
+          </a:p>
+        </p:txBody>
+      </p:sp>
+      <p:sp>
+        <p:nvSpPr>
+          <p:cNvPr id="122" name="CustomShape 2"/>
+          <p:cNvSpPr/>
+          <p:nvPr/>
+        </p:nvSpPr>
+        <p:spPr>
+          <a:xfrm>
+            <a:off x="2532000" y="1728000"/>
+            <a:ext cx="6335640" cy="3527640"/>
+          </a:xfrm>
+          <a:prstGeom prst="rect">
+            <a:avLst/>
+          </a:prstGeom>
+          <a:noFill/>
+          <a:ln>
+            <a:noFill/>
+          </a:ln>
+        </p:spPr>
+        <p:style>
+          <a:lnRef idx="0">
+            <a:scrgbClr r="0" g="0" b="0"/>
+          </a:lnRef>
+          <a:fillRef idx="0">
+            <a:scrgbClr r="0" g="0" b="0"/>
+          </a:fillRef>
+          <a:effectRef idx="0">
+            <a:scrgbClr r="0" g="0" b="0"/>
+          </a:effectRef>
+          <a:fontRef idx="minor"/>
+        </p:style>
+        <p:txBody>
+          <a:bodyPr lIns="90000" tIns="45000" rIns="90000" bIns="45000">
+            <a:noAutofit/>
+          </a:bodyPr>
+          <a:lstStyle/>
+          <a:p>
+            <a:pPr>
+              <a:lnSpc>
+                <a:spcPct val="100000"/>
+              </a:lnSpc>
+            </a:pPr>
+            <a:r>
+              <a:rPr lang="ru-RU" sz="2200" spc="-1">
+                <a:solidFill>
+                  <a:srgbClr val="C9211E"/>
+                </a:solidFill>
+                <a:latin typeface="Arial"/>
+                <a:ea typeface="Microsoft YaHei"/>
+              </a:rPr>
+              <a:t>if( </a:t>
+            </a:r>
+            <a:r>
+              <a:rPr lang="ru-RU" sz="2200" spc="-1">
+                <a:solidFill>
+                  <a:srgbClr val="17C82F"/>
+                </a:solidFill>
+                <a:latin typeface="Arial"/>
+                <a:ea typeface="Microsoft YaHei"/>
+              </a:rPr>
+              <a:t>я кручу педали</a:t>
+            </a:r>
+            <a:r>
+              <a:rPr lang="ru-RU" sz="2200" spc="-1">
+                <a:solidFill>
+                  <a:srgbClr val="2C4AC4"/>
+                </a:solidFill>
+                <a:latin typeface="Arial"/>
+                <a:ea typeface="Microsoft YaHei"/>
+              </a:rPr>
+              <a:t> )</a:t>
+            </a:r>
+            <a:endParaRPr lang="ru-RU" sz="2200" spc="-1">
+              <a:latin typeface="Arial"/>
+            </a:endParaRPr>
+          </a:p>
+          <a:p>
+            <a:pPr>
+              <a:lnSpc>
+                <a:spcPct val="100000"/>
+              </a:lnSpc>
+            </a:pPr>
+            <a:r>
+              <a:rPr lang="ru-RU" sz="2200" spc="-1">
+                <a:solidFill>
+                  <a:srgbClr val="2C4AC4"/>
+                </a:solidFill>
+                <a:latin typeface="Arial"/>
+                <a:ea typeface="Microsoft YaHei"/>
+              </a:rPr>
+              <a:t>{</a:t>
+            </a:r>
+            <a:endParaRPr lang="ru-RU" sz="2200" spc="-1">
+              <a:latin typeface="Arial"/>
+            </a:endParaRPr>
+          </a:p>
+          <a:p>
+            <a:pPr>
+              <a:lnSpc>
+                <a:spcPct val="100000"/>
+              </a:lnSpc>
+            </a:pPr>
+            <a:r>
+              <a:rPr lang="ru-RU" sz="2200" spc="-1">
+                <a:solidFill>
+                  <a:srgbClr val="2C4AC4"/>
+                </a:solidFill>
+                <a:latin typeface="Arial"/>
+                <a:ea typeface="Microsoft YaHei"/>
+              </a:rPr>
+              <a:t>	велосипед едет;</a:t>
+            </a:r>
+            <a:endParaRPr lang="ru-RU" sz="2200" spc="-1">
+              <a:latin typeface="Arial"/>
+            </a:endParaRPr>
+          </a:p>
+          <a:p>
+            <a:pPr>
+              <a:lnSpc>
+                <a:spcPct val="100000"/>
+              </a:lnSpc>
+            </a:pPr>
+            <a:r>
+              <a:rPr lang="ru-RU" sz="2200" spc="-1">
+                <a:solidFill>
+                  <a:srgbClr val="2C4AC4"/>
+                </a:solidFill>
+                <a:latin typeface="Arial"/>
+                <a:ea typeface="Microsoft YaHei"/>
+              </a:rPr>
+              <a:t>}</a:t>
+            </a:r>
+            <a:endParaRPr lang="ru-RU" sz="2200" spc="-1">
+              <a:latin typeface="Arial"/>
+            </a:endParaRPr>
+          </a:p>
+          <a:p>
+            <a:pPr>
+              <a:lnSpc>
+                <a:spcPct val="100000"/>
+              </a:lnSpc>
+            </a:pPr>
+            <a:r>
+              <a:rPr lang="ru-RU" sz="2200" spc="-1">
+                <a:solidFill>
+                  <a:srgbClr val="C9211E"/>
+                </a:solidFill>
+                <a:latin typeface="Arial"/>
+                <a:ea typeface="Microsoft YaHei"/>
+              </a:rPr>
+              <a:t>else</a:t>
+            </a:r>
+            <a:endParaRPr lang="ru-RU" sz="2200" spc="-1">
+              <a:latin typeface="Arial"/>
+            </a:endParaRPr>
+          </a:p>
+          <a:p>
+            <a:pPr>
+              <a:lnSpc>
+                <a:spcPct val="100000"/>
+              </a:lnSpc>
+            </a:pPr>
+            <a:r>
+              <a:rPr lang="ru-RU" sz="2200" spc="-1">
+                <a:solidFill>
+                  <a:srgbClr val="C9211E"/>
+                </a:solidFill>
+                <a:latin typeface="Arial"/>
+                <a:ea typeface="Microsoft YaHei"/>
+              </a:rPr>
+              <a:t>{</a:t>
+            </a:r>
+            <a:endParaRPr lang="ru-RU" sz="2200" spc="-1">
+              <a:latin typeface="Arial"/>
+            </a:endParaRPr>
+          </a:p>
+          <a:p>
+            <a:pPr>
+              <a:lnSpc>
+                <a:spcPct val="100000"/>
+              </a:lnSpc>
+            </a:pPr>
+            <a:r>
+              <a:rPr lang="ru-RU" sz="2200" spc="-1">
+                <a:solidFill>
+                  <a:srgbClr val="C9211E"/>
+                </a:solidFill>
+                <a:latin typeface="Arial"/>
+                <a:ea typeface="Microsoft YaHei"/>
+              </a:rPr>
+              <a:t>	велосипед падает;</a:t>
+            </a:r>
+            <a:endParaRPr lang="ru-RU" sz="2200" spc="-1">
+              <a:latin typeface="Arial"/>
+            </a:endParaRPr>
+          </a:p>
+          <a:p>
+            <a:pPr>
+              <a:lnSpc>
+                <a:spcPct val="100000"/>
+              </a:lnSpc>
+            </a:pPr>
+            <a:r>
+              <a:rPr lang="ru-RU" sz="2200" spc="-1">
+                <a:solidFill>
+                  <a:srgbClr val="C9211E"/>
+                </a:solidFill>
+                <a:latin typeface="Arial"/>
+                <a:ea typeface="Microsoft YaHei"/>
+              </a:rPr>
+              <a:t>}</a:t>
+            </a:r>
+            <a:endParaRPr lang="ru-RU" sz="2200" spc="-1">
+              <a:latin typeface="Arial"/>
+            </a:endParaRPr>
+          </a:p>
+          <a:p>
+            <a:pPr>
+              <a:lnSpc>
+                <a:spcPct val="100000"/>
+              </a:lnSpc>
+            </a:pPr>
+            <a:endParaRPr lang="ru-RU" sz="2200" spc="-1">
+              <a:latin typeface="Arial"/>
+            </a:endParaRPr>
+          </a:p>
+          <a:p>
+            <a:pPr>
+              <a:lnSpc>
+                <a:spcPct val="100000"/>
+              </a:lnSpc>
+            </a:pPr>
+            <a:endParaRPr lang="ru-RU" sz="2200" spc="-1">
+              <a:latin typeface="Arial"/>
+            </a:endParaRPr>
+          </a:p>
+          <a:p>
+            <a:pPr>
+              <a:lnSpc>
+                <a:spcPct val="100000"/>
+              </a:lnSpc>
+            </a:pPr>
+            <a:r>
+              <a:rPr lang="ru-RU" sz="2200" spc="-1">
+                <a:solidFill>
+                  <a:srgbClr val="000000"/>
+                </a:solidFill>
+                <a:latin typeface="Arial"/>
+                <a:ea typeface="Microsoft YaHei"/>
+              </a:rPr>
+              <a:t>Условие задается только для оператора «if» !!! </a:t>
+            </a:r>
+            <a:endParaRPr lang="ru-RU" sz="2200" spc="-1">
+              <a:latin typeface="Arial"/>
+            </a:endParaRPr>
+          </a:p>
+        </p:txBody>
+      </p:sp>
+    </p:spTree>
+  </p:cSld>
+  <p:clrMapOvr>
+    <a:masterClrMapping/>
+  </p:clrMapOvr>
+</p:sld>
+</file>
+
+<file path=ppt/slides/slide16.xml><?xml version="1.0" encoding="utf-8"?>
+<p:sld xmlns:a="http://schemas.openxmlformats.org/drawingml/2006/main" xmlns:r="http://schemas.openxmlformats.org/officeDocument/2006/relationships" xmlns:p="http://schemas.openxmlformats.org/presentationml/2006/main">
+  <p:cSld>
+    <p:spTree>
+      <p:nvGrpSpPr>
+        <p:cNvPr id="1" name=""/>
+        <p:cNvGrpSpPr/>
+        <p:nvPr/>
+      </p:nvGrpSpPr>
+      <p:grpSpPr>
+        <a:xfrm>
+          <a:off x="0" y="0"/>
+          <a:ext cx="0" cy="0"/>
+          <a:chOff x="0" y="0"/>
+          <a:chExt cx="0" cy="0"/>
+        </a:xfrm>
+      </p:grpSpPr>
+      <p:sp>
+        <p:nvSpPr>
+          <p:cNvPr id="123" name="CustomShape 1"/>
+          <p:cNvSpPr/>
+          <p:nvPr/>
+        </p:nvSpPr>
+        <p:spPr>
+          <a:xfrm>
+            <a:off x="2152560" y="297720"/>
+            <a:ext cx="7882200" cy="758520"/>
+          </a:xfrm>
+          <a:prstGeom prst="rect">
+            <a:avLst/>
+          </a:prstGeom>
+          <a:noFill/>
+          <a:ln>
+            <a:noFill/>
+          </a:ln>
+        </p:spPr>
+        <p:style>
+          <a:lnRef idx="0">
+            <a:scrgbClr r="0" g="0" b="0"/>
+          </a:lnRef>
+          <a:fillRef idx="0">
+            <a:scrgbClr r="0" g="0" b="0"/>
+          </a:fillRef>
+          <a:effectRef idx="0">
+            <a:scrgbClr r="0" g="0" b="0"/>
+          </a:effectRef>
+          <a:fontRef idx="minor"/>
+        </p:style>
+        <p:txBody>
+          <a:bodyPr lIns="90000" tIns="45000" rIns="90000" bIns="45000" anchor="ctr">
+            <a:normAutofit/>
+          </a:bodyPr>
+          <a:lstStyle/>
+          <a:p>
+            <a:pPr algn="ctr">
+              <a:lnSpc>
+                <a:spcPct val="90000"/>
+              </a:lnSpc>
+            </a:pPr>
+            <a:r>
+              <a:rPr lang="ru-RU" sz="4000" b="1" spc="-1">
+                <a:solidFill>
+                  <a:srgbClr val="203864"/>
+                </a:solidFill>
+                <a:latin typeface="Calibri"/>
+                <a:ea typeface="DejaVu Sans"/>
+              </a:rPr>
+              <a:t>Условия в программировании</a:t>
+            </a:r>
+            <a:endParaRPr lang="ru-RU" sz="4000" spc="-1">
+              <a:latin typeface="Arial"/>
+            </a:endParaRPr>
+          </a:p>
+        </p:txBody>
+      </p:sp>
+      <p:sp>
+        <p:nvSpPr>
+          <p:cNvPr id="124" name="CustomShape 2"/>
+          <p:cNvSpPr/>
+          <p:nvPr/>
+        </p:nvSpPr>
+        <p:spPr>
+          <a:xfrm>
+            <a:off x="2172000" y="1584000"/>
+            <a:ext cx="7992000" cy="3671640"/>
+          </a:xfrm>
+          <a:prstGeom prst="rect">
+            <a:avLst/>
+          </a:prstGeom>
+          <a:noFill/>
+          <a:ln>
+            <a:noFill/>
+          </a:ln>
+        </p:spPr>
+        <p:style>
+          <a:lnRef idx="0">
+            <a:scrgbClr r="0" g="0" b="0"/>
+          </a:lnRef>
+          <a:fillRef idx="0">
+            <a:scrgbClr r="0" g="0" b="0"/>
+          </a:fillRef>
+          <a:effectRef idx="0">
+            <a:scrgbClr r="0" g="0" b="0"/>
+          </a:effectRef>
+          <a:fontRef idx="minor"/>
+        </p:style>
+        <p:txBody>
+          <a:bodyPr lIns="90000" tIns="45000" rIns="90000" bIns="45000">
+            <a:noAutofit/>
+          </a:bodyPr>
+          <a:lstStyle/>
+          <a:p>
+            <a:pPr algn="just"/>
+            <a:r>
+              <a:rPr lang="ru-RU" sz="2000" spc="-1">
+                <a:solidFill>
+                  <a:srgbClr val="000000"/>
+                </a:solidFill>
+                <a:latin typeface="Arial"/>
+                <a:ea typeface="Microsoft YaHei"/>
+              </a:rPr>
+              <a:t>Конструкция </a:t>
+            </a:r>
+            <a:r>
+              <a:rPr lang="ru-RU" sz="2400" b="1" spc="-1">
+                <a:solidFill>
+                  <a:srgbClr val="000000"/>
+                </a:solidFill>
+                <a:latin typeface="Arial"/>
+                <a:ea typeface="Microsoft YaHei"/>
+              </a:rPr>
+              <a:t>if/else</a:t>
+            </a:r>
+            <a:r>
+              <a:rPr lang="ru-RU" sz="2000" spc="-1">
+                <a:solidFill>
+                  <a:srgbClr val="000000"/>
+                </a:solidFill>
+                <a:latin typeface="Arial"/>
+                <a:ea typeface="Microsoft YaHei"/>
+              </a:rPr>
+              <a:t> проверяет истинность некоторого условия и в зависимости от результатов проверки выполняет определенный код.</a:t>
+            </a:r>
+            <a:endParaRPr lang="ru-RU" sz="2000" spc="-1">
+              <a:solidFill>
+                <a:srgbClr val="000000"/>
+              </a:solidFill>
+              <a:latin typeface="Arial"/>
+            </a:endParaRPr>
+          </a:p>
+          <a:p>
+            <a:pPr algn="just"/>
+            <a:endParaRPr lang="ru-RU" sz="2000" spc="-1">
+              <a:solidFill>
+                <a:srgbClr val="000000"/>
+              </a:solidFill>
+              <a:latin typeface="Arial"/>
+            </a:endParaRPr>
+          </a:p>
+          <a:p>
+            <a:pPr algn="just"/>
+            <a:r>
+              <a:rPr lang="ru-RU" sz="2000" spc="-1">
+                <a:solidFill>
+                  <a:srgbClr val="000000"/>
+                </a:solidFill>
+                <a:latin typeface="Arial"/>
+                <a:ea typeface="Microsoft YaHei"/>
+              </a:rPr>
+              <a:t>Если нам нужно выполнить какую-то последовательность действий при выполнении определенного условия, то используется конструкция </a:t>
+            </a:r>
+            <a:r>
+              <a:rPr lang="en-US" sz="2400" b="1" spc="-1">
+                <a:solidFill>
+                  <a:srgbClr val="000000"/>
+                </a:solidFill>
+                <a:latin typeface="Arial"/>
+                <a:ea typeface="Microsoft YaHei"/>
+              </a:rPr>
+              <a:t>if</a:t>
+            </a:r>
+            <a:r>
+              <a:rPr lang="ru-RU" sz="2400" b="1" spc="-1">
+                <a:solidFill>
+                  <a:srgbClr val="000000"/>
+                </a:solidFill>
+                <a:latin typeface="Arial"/>
+                <a:ea typeface="Microsoft YaHei"/>
+              </a:rPr>
+              <a:t>(условие)</a:t>
+            </a:r>
+            <a:endParaRPr lang="ru-RU" sz="2400" spc="-1">
+              <a:solidFill>
+                <a:srgbClr val="000000"/>
+              </a:solidFill>
+              <a:latin typeface="Arial"/>
+            </a:endParaRPr>
+          </a:p>
+          <a:p>
+            <a:pPr algn="just"/>
+            <a:endParaRPr lang="ru-RU" sz="2400" spc="-1">
+              <a:solidFill>
+                <a:srgbClr val="000000"/>
+              </a:solidFill>
+              <a:latin typeface="Arial"/>
+            </a:endParaRPr>
+          </a:p>
+          <a:p>
+            <a:pPr algn="just">
+              <a:lnSpc>
+                <a:spcPct val="115000"/>
+              </a:lnSpc>
+            </a:pPr>
+            <a:r>
+              <a:rPr lang="ru-RU" sz="2000" spc="-1">
+                <a:solidFill>
+                  <a:srgbClr val="000000"/>
+                </a:solidFill>
+                <a:latin typeface="Arial"/>
+                <a:ea typeface="Microsoft YaHei"/>
+              </a:rPr>
+              <a:t>Если же при соблюдении определенного условия требуется выполнить одну последовательность действий, а при НЕ соблюдении этого условия — другую последовательность действий, то используется конструкция </a:t>
+            </a:r>
+            <a:r>
+              <a:rPr lang="en-US" sz="2400" b="1" spc="-1">
+                <a:solidFill>
+                  <a:srgbClr val="000000"/>
+                </a:solidFill>
+                <a:latin typeface="Arial"/>
+                <a:ea typeface="Liberation Mono;Courier New"/>
+              </a:rPr>
+              <a:t>if</a:t>
+            </a:r>
+            <a:r>
+              <a:rPr lang="ru-RU" sz="2400" b="1" spc="-1">
+                <a:solidFill>
+                  <a:srgbClr val="000000"/>
+                </a:solidFill>
+                <a:latin typeface="Arial"/>
+                <a:ea typeface="Liberation Mono;Courier New"/>
+              </a:rPr>
+              <a:t>(условие)/</a:t>
+            </a:r>
+            <a:r>
+              <a:rPr lang="en-US" sz="2400" b="1" spc="-1">
+                <a:solidFill>
+                  <a:srgbClr val="000000"/>
+                </a:solidFill>
+                <a:latin typeface="Arial"/>
+                <a:ea typeface="Liberation Mono;Courier New"/>
+              </a:rPr>
+              <a:t>else</a:t>
+            </a:r>
+            <a:endParaRPr lang="ru-RU" sz="2400" spc="-1">
+              <a:solidFill>
+                <a:srgbClr val="000000"/>
+              </a:solidFill>
+              <a:latin typeface="Times New Roman"/>
+            </a:endParaRPr>
+          </a:p>
+        </p:txBody>
+      </p:sp>
+    </p:spTree>
+  </p:cSld>
+  <p:clrMapOvr>
+    <a:masterClrMapping/>
+  </p:clrMapOvr>
+</p:sld>
+</file>
+
+<file path=ppt/slides/slide17.xml><?xml version="1.0" encoding="utf-8"?>
+<p:sld xmlns:a="http://schemas.openxmlformats.org/drawingml/2006/main" xmlns:r="http://schemas.openxmlformats.org/officeDocument/2006/relationships" xmlns:p="http://schemas.openxmlformats.org/presentationml/2006/main">
+  <p:cSld>
+    <p:spTree>
+      <p:nvGrpSpPr>
+        <p:cNvPr id="1" name=""/>
+        <p:cNvGrpSpPr/>
+        <p:nvPr/>
+      </p:nvGrpSpPr>
+      <p:grpSpPr>
+        <a:xfrm>
+          <a:off x="0" y="0"/>
+          <a:ext cx="0" cy="0"/>
+          <a:chOff x="0" y="0"/>
+          <a:chExt cx="0" cy="0"/>
+        </a:xfrm>
+      </p:grpSpPr>
+      <p:sp>
+        <p:nvSpPr>
+          <p:cNvPr id="125" name="CustomShape 1"/>
+          <p:cNvSpPr/>
+          <p:nvPr/>
+        </p:nvSpPr>
+        <p:spPr>
+          <a:xfrm>
+            <a:off x="2152560" y="297720"/>
+            <a:ext cx="7882200" cy="758520"/>
+          </a:xfrm>
+          <a:prstGeom prst="rect">
+            <a:avLst/>
+          </a:prstGeom>
+          <a:noFill/>
+          <a:ln>
+            <a:noFill/>
+          </a:ln>
+        </p:spPr>
+        <p:style>
+          <a:lnRef idx="0">
+            <a:scrgbClr r="0" g="0" b="0"/>
+          </a:lnRef>
+          <a:fillRef idx="0">
+            <a:scrgbClr r="0" g="0" b="0"/>
+          </a:fillRef>
+          <a:effectRef idx="0">
+            <a:scrgbClr r="0" g="0" b="0"/>
+          </a:effectRef>
+          <a:fontRef idx="minor"/>
+        </p:style>
+        <p:txBody>
+          <a:bodyPr lIns="90000" tIns="45000" rIns="90000" bIns="45000" anchor="ctr">
+            <a:normAutofit/>
+          </a:bodyPr>
+          <a:lstStyle/>
+          <a:p>
+            <a:pPr algn="ctr">
+              <a:lnSpc>
+                <a:spcPct val="90000"/>
+              </a:lnSpc>
+            </a:pPr>
+            <a:r>
+              <a:rPr lang="ru-RU" sz="4000" b="1" spc="-1">
+                <a:solidFill>
+                  <a:srgbClr val="203864"/>
+                </a:solidFill>
+                <a:latin typeface="Calibri"/>
+                <a:ea typeface="DejaVu Sans"/>
+              </a:rPr>
+              <a:t>Условия в программировании</a:t>
+            </a:r>
+            <a:endParaRPr lang="ru-RU" sz="4000" spc="-1">
+              <a:latin typeface="Arial"/>
+            </a:endParaRPr>
+          </a:p>
+        </p:txBody>
+      </p:sp>
+      <p:sp>
+        <p:nvSpPr>
+          <p:cNvPr id="126" name="CustomShape 2"/>
+          <p:cNvSpPr/>
+          <p:nvPr/>
+        </p:nvSpPr>
+        <p:spPr>
+          <a:xfrm>
+            <a:off x="1956000" y="2232000"/>
+            <a:ext cx="1511640" cy="503640"/>
+          </a:xfrm>
+          <a:prstGeom prst="rect">
+            <a:avLst/>
+          </a:prstGeom>
+          <a:noFill/>
+          <a:ln>
+            <a:noFill/>
+          </a:ln>
+        </p:spPr>
+        <p:style>
+          <a:lnRef idx="0">
+            <a:scrgbClr r="0" g="0" b="0"/>
+          </a:lnRef>
+          <a:fillRef idx="0">
+            <a:scrgbClr r="0" g="0" b="0"/>
+          </a:fillRef>
+          <a:effectRef idx="0">
+            <a:scrgbClr r="0" g="0" b="0"/>
+          </a:effectRef>
+          <a:fontRef idx="minor"/>
+        </p:style>
+        <p:txBody>
+          <a:bodyPr lIns="90000" tIns="45000" rIns="90000" bIns="45000">
+            <a:noAutofit/>
+          </a:bodyPr>
+          <a:lstStyle/>
+          <a:p>
+            <a:pPr>
+              <a:lnSpc>
+                <a:spcPct val="100000"/>
+              </a:lnSpc>
+            </a:pPr>
+            <a:r>
+              <a:rPr lang="ru-RU" sz="2200" spc="-1">
+                <a:latin typeface="Arial"/>
+              </a:rPr>
+              <a:t>int x = 6;</a:t>
+            </a:r>
+          </a:p>
+        </p:txBody>
+      </p:sp>
+      <p:sp>
+        <p:nvSpPr>
+          <p:cNvPr id="127" name="CustomShape 3"/>
+          <p:cNvSpPr/>
+          <p:nvPr/>
+        </p:nvSpPr>
+        <p:spPr>
+          <a:xfrm>
+            <a:off x="1888680" y="1435680"/>
+            <a:ext cx="6864480" cy="601920"/>
+          </a:xfrm>
+          <a:prstGeom prst="rect">
+            <a:avLst/>
+          </a:prstGeom>
+          <a:noFill/>
+          <a:ln>
+            <a:noFill/>
+          </a:ln>
+        </p:spPr>
+        <p:style>
+          <a:lnRef idx="0">
+            <a:scrgbClr r="0" g="0" b="0"/>
+          </a:lnRef>
+          <a:fillRef idx="0">
+            <a:scrgbClr r="0" g="0" b="0"/>
+          </a:fillRef>
+          <a:effectRef idx="0">
+            <a:scrgbClr r="0" g="0" b="0"/>
+          </a:effectRef>
+          <a:fontRef idx="minor"/>
+        </p:style>
+        <p:txBody>
+          <a:bodyPr lIns="90000" tIns="45000" rIns="90000" bIns="45000">
+            <a:noAutofit/>
+          </a:bodyPr>
+          <a:lstStyle/>
+          <a:p>
+            <a:pPr>
+              <a:lnSpc>
+                <a:spcPct val="100000"/>
+              </a:lnSpc>
+            </a:pPr>
+            <a:r>
+              <a:rPr lang="ru-RU" spc="-1">
+                <a:latin typeface="Arial"/>
+              </a:rPr>
+              <a:t>Положительное или отрицательное значение у переменной </a:t>
+            </a:r>
+            <a:r>
+              <a:rPr lang="ru-RU" b="1" spc="-1">
+                <a:latin typeface="Arial"/>
+              </a:rPr>
+              <a:t>x</a:t>
+            </a:r>
+            <a:r>
+              <a:rPr lang="ru-RU" spc="-1">
+                <a:latin typeface="Arial"/>
+              </a:rPr>
+              <a:t>?</a:t>
+            </a:r>
+          </a:p>
+          <a:p>
+            <a:pPr>
+              <a:lnSpc>
+                <a:spcPct val="100000"/>
+              </a:lnSpc>
+            </a:pPr>
+            <a:r>
+              <a:rPr lang="ru-RU" spc="-1">
+                <a:latin typeface="Arial"/>
+              </a:rPr>
+              <a:t>Ноль считаем положительным числом.</a:t>
+            </a:r>
+          </a:p>
+        </p:txBody>
+      </p:sp>
+      <p:sp>
+        <p:nvSpPr>
+          <p:cNvPr id="128" name="CustomShape 4"/>
+          <p:cNvSpPr/>
+          <p:nvPr/>
+        </p:nvSpPr>
+        <p:spPr>
+          <a:xfrm>
+            <a:off x="4836000" y="2520000"/>
+            <a:ext cx="1799640" cy="575640"/>
+          </a:xfrm>
+          <a:prstGeom prst="rect">
+            <a:avLst/>
+          </a:prstGeom>
+          <a:solidFill>
+            <a:srgbClr val="729FCF"/>
+          </a:solidFill>
+          <a:ln>
+            <a:solidFill>
+              <a:srgbClr val="3465A4"/>
+            </a:solidFill>
+          </a:ln>
+        </p:spPr>
+        <p:style>
+          <a:lnRef idx="0">
+            <a:scrgbClr r="0" g="0" b="0"/>
+          </a:lnRef>
+          <a:fillRef idx="0">
+            <a:scrgbClr r="0" g="0" b="0"/>
+          </a:fillRef>
+          <a:effectRef idx="0">
+            <a:scrgbClr r="0" g="0" b="0"/>
+          </a:effectRef>
+          <a:fontRef idx="minor"/>
+        </p:style>
+        <p:txBody>
+          <a:bodyPr wrap="none" lIns="90000" tIns="45000" rIns="90000" bIns="45000" anchor="ctr">
+            <a:noAutofit/>
+          </a:bodyPr>
+          <a:lstStyle/>
+          <a:p>
+            <a:pPr algn="ctr">
+              <a:lnSpc>
+                <a:spcPct val="100000"/>
+              </a:lnSpc>
+            </a:pPr>
+            <a:r>
+              <a:rPr lang="ru-RU" spc="-1">
+                <a:solidFill>
+                  <a:srgbClr val="000000"/>
+                </a:solidFill>
+                <a:latin typeface="Arial"/>
+                <a:ea typeface="DejaVu Sans"/>
+              </a:rPr>
+              <a:t>Варианты</a:t>
+            </a:r>
+            <a:endParaRPr lang="ru-RU" spc="-1">
+              <a:latin typeface="Arial"/>
+            </a:endParaRPr>
+          </a:p>
+        </p:txBody>
+      </p:sp>
+      <p:sp>
+        <p:nvSpPr>
+          <p:cNvPr id="129" name="CustomShape 5"/>
+          <p:cNvSpPr/>
+          <p:nvPr/>
+        </p:nvSpPr>
+        <p:spPr>
+          <a:xfrm>
+            <a:off x="3684000" y="3456000"/>
+            <a:ext cx="1799640" cy="647640"/>
+          </a:xfrm>
+          <a:prstGeom prst="rect">
+            <a:avLst/>
+          </a:prstGeom>
+          <a:solidFill>
+            <a:srgbClr val="C9211E"/>
+          </a:solidFill>
+          <a:ln>
+            <a:solidFill>
+              <a:srgbClr val="3465A4"/>
+            </a:solidFill>
+          </a:ln>
+        </p:spPr>
+        <p:style>
+          <a:lnRef idx="0">
+            <a:scrgbClr r="0" g="0" b="0"/>
+          </a:lnRef>
+          <a:fillRef idx="0">
+            <a:scrgbClr r="0" g="0" b="0"/>
+          </a:fillRef>
+          <a:effectRef idx="0">
+            <a:scrgbClr r="0" g="0" b="0"/>
+          </a:effectRef>
+          <a:fontRef idx="minor"/>
+        </p:style>
+        <p:txBody>
+          <a:bodyPr wrap="none" lIns="90000" tIns="45000" rIns="90000" bIns="45000" anchor="ctr">
+            <a:noAutofit/>
+          </a:bodyPr>
+          <a:lstStyle/>
+          <a:p>
+            <a:pPr algn="ctr">
+              <a:lnSpc>
+                <a:spcPct val="100000"/>
+              </a:lnSpc>
+            </a:pPr>
+            <a:r>
+              <a:rPr lang="ru-RU" spc="-1">
+                <a:solidFill>
+                  <a:srgbClr val="000000"/>
+                </a:solidFill>
+                <a:latin typeface="Arial"/>
+                <a:ea typeface="DejaVu Sans"/>
+              </a:rPr>
+              <a:t>X &lt; 0</a:t>
+            </a:r>
+            <a:endParaRPr lang="ru-RU" spc="-1">
+              <a:latin typeface="Arial"/>
+            </a:endParaRPr>
+          </a:p>
+        </p:txBody>
+      </p:sp>
+      <p:sp>
+        <p:nvSpPr>
+          <p:cNvPr id="130" name="CustomShape 6"/>
+          <p:cNvSpPr/>
+          <p:nvPr/>
+        </p:nvSpPr>
+        <p:spPr>
+          <a:xfrm>
+            <a:off x="6204000" y="3456000"/>
+            <a:ext cx="1799640" cy="647640"/>
+          </a:xfrm>
+          <a:prstGeom prst="rect">
+            <a:avLst/>
+          </a:prstGeom>
+          <a:solidFill>
+            <a:srgbClr val="17C82F"/>
+          </a:solidFill>
+          <a:ln>
+            <a:solidFill>
+              <a:srgbClr val="3465A4"/>
+            </a:solidFill>
+          </a:ln>
+        </p:spPr>
+        <p:style>
+          <a:lnRef idx="0">
+            <a:scrgbClr r="0" g="0" b="0"/>
+          </a:lnRef>
+          <a:fillRef idx="0">
+            <a:scrgbClr r="0" g="0" b="0"/>
+          </a:fillRef>
+          <a:effectRef idx="0">
+            <a:scrgbClr r="0" g="0" b="0"/>
+          </a:effectRef>
+          <a:fontRef idx="minor"/>
+        </p:style>
+        <p:txBody>
+          <a:bodyPr wrap="none" lIns="90000" tIns="45000" rIns="90000" bIns="45000" anchor="ctr">
+            <a:noAutofit/>
+          </a:bodyPr>
+          <a:lstStyle/>
+          <a:p>
+            <a:pPr algn="ctr">
+              <a:lnSpc>
+                <a:spcPct val="100000"/>
+              </a:lnSpc>
+            </a:pPr>
+            <a:r>
+              <a:rPr lang="ru-RU" spc="-1">
+                <a:solidFill>
+                  <a:srgbClr val="000000"/>
+                </a:solidFill>
+                <a:latin typeface="Arial"/>
+                <a:ea typeface="DejaVu Sans"/>
+              </a:rPr>
+              <a:t>X &gt; 0</a:t>
+            </a:r>
+            <a:endParaRPr lang="ru-RU" spc="-1">
+              <a:latin typeface="Arial"/>
+            </a:endParaRPr>
+          </a:p>
+        </p:txBody>
+      </p:sp>
+      <p:sp>
+        <p:nvSpPr>
+          <p:cNvPr id="131" name="Line 7"/>
+          <p:cNvSpPr/>
+          <p:nvPr/>
+        </p:nvSpPr>
+        <p:spPr>
+          <a:xfrm flipH="1">
+            <a:off x="5052000" y="3168000"/>
+            <a:ext cx="360000" cy="288000"/>
+          </a:xfrm>
+          <a:prstGeom prst="line">
+            <a:avLst/>
+          </a:prstGeom>
+          <a:ln>
+            <a:solidFill>
+              <a:srgbClr val="3465A4"/>
+            </a:solidFill>
+            <a:tailEnd type="triangle" w="med" len="med"/>
+          </a:ln>
+        </p:spPr>
+        <p:style>
+          <a:lnRef idx="0">
+            <a:scrgbClr r="0" g="0" b="0"/>
+          </a:lnRef>
+          <a:fillRef idx="0">
+            <a:scrgbClr r="0" g="0" b="0"/>
+          </a:fillRef>
+          <a:effectRef idx="0">
+            <a:scrgbClr r="0" g="0" b="0"/>
+          </a:effectRef>
+          <a:fontRef idx="minor"/>
+        </p:style>
+      </p:sp>
+      <p:sp>
+        <p:nvSpPr>
+          <p:cNvPr id="132" name="Line 8"/>
+          <p:cNvSpPr/>
+          <p:nvPr/>
+        </p:nvSpPr>
+        <p:spPr>
+          <a:xfrm>
+            <a:off x="6276000" y="3168000"/>
+            <a:ext cx="360000" cy="288000"/>
+          </a:xfrm>
+          <a:prstGeom prst="line">
+            <a:avLst/>
+          </a:prstGeom>
+          <a:ln>
+            <a:solidFill>
+              <a:srgbClr val="3465A4"/>
+            </a:solidFill>
+            <a:tailEnd type="triangle" w="med" len="med"/>
+          </a:ln>
+        </p:spPr>
+        <p:style>
+          <a:lnRef idx="0">
+            <a:scrgbClr r="0" g="0" b="0"/>
+          </a:lnRef>
+          <a:fillRef idx="0">
+            <a:scrgbClr r="0" g="0" b="0"/>
+          </a:fillRef>
+          <a:effectRef idx="0">
+            <a:scrgbClr r="0" g="0" b="0"/>
+          </a:effectRef>
+          <a:fontRef idx="minor"/>
+        </p:style>
+      </p:sp>
+      <p:sp>
+        <p:nvSpPr>
+          <p:cNvPr id="133" name="CustomShape 9"/>
+          <p:cNvSpPr/>
+          <p:nvPr/>
+        </p:nvSpPr>
+        <p:spPr>
+          <a:xfrm>
+            <a:off x="1884000" y="4392000"/>
+            <a:ext cx="6983640" cy="2137680"/>
+          </a:xfrm>
+          <a:prstGeom prst="rect">
+            <a:avLst/>
+          </a:prstGeom>
+          <a:noFill/>
+          <a:ln>
+            <a:noFill/>
+          </a:ln>
+        </p:spPr>
+        <p:style>
+          <a:lnRef idx="0">
+            <a:scrgbClr r="0" g="0" b="0"/>
+          </a:lnRef>
+          <a:fillRef idx="0">
+            <a:scrgbClr r="0" g="0" b="0"/>
+          </a:fillRef>
+          <a:effectRef idx="0">
+            <a:scrgbClr r="0" g="0" b="0"/>
+          </a:effectRef>
+          <a:fontRef idx="minor"/>
+        </p:style>
+        <p:txBody>
+          <a:bodyPr lIns="90000" tIns="45000" rIns="90000" bIns="45000">
+            <a:noAutofit/>
+          </a:bodyPr>
+          <a:lstStyle/>
+          <a:p>
+            <a:pPr>
+              <a:lnSpc>
+                <a:spcPct val="100000"/>
+              </a:lnSpc>
+            </a:pPr>
+            <a:r>
+              <a:rPr lang="ru-RU" spc="-1">
+                <a:solidFill>
+                  <a:srgbClr val="C9211E"/>
+                </a:solidFill>
+                <a:latin typeface="Arial"/>
+                <a:ea typeface="Microsoft YaHei"/>
+              </a:rPr>
+              <a:t>if( </a:t>
+            </a:r>
+            <a:r>
+              <a:rPr lang="ru-RU" spc="-1">
+                <a:solidFill>
+                  <a:srgbClr val="17C82F"/>
+                </a:solidFill>
+                <a:latin typeface="Arial"/>
+                <a:ea typeface="Microsoft YaHei"/>
+              </a:rPr>
+              <a:t>x &gt; 0</a:t>
+            </a:r>
+            <a:r>
+              <a:rPr lang="ru-RU" spc="-1">
+                <a:solidFill>
+                  <a:srgbClr val="2C4AC4"/>
+                </a:solidFill>
+                <a:latin typeface="Arial"/>
+                <a:ea typeface="Microsoft YaHei"/>
+              </a:rPr>
+              <a:t> )</a:t>
+            </a:r>
+            <a:endParaRPr lang="ru-RU" spc="-1">
+              <a:latin typeface="Arial"/>
+            </a:endParaRPr>
+          </a:p>
+          <a:p>
+            <a:pPr>
+              <a:lnSpc>
+                <a:spcPct val="100000"/>
+              </a:lnSpc>
+            </a:pPr>
+            <a:r>
+              <a:rPr lang="ru-RU" spc="-1">
+                <a:solidFill>
+                  <a:srgbClr val="2C4AC4"/>
+                </a:solidFill>
+                <a:latin typeface="Arial"/>
+                <a:ea typeface="Microsoft YaHei"/>
+              </a:rPr>
+              <a:t>{</a:t>
+            </a:r>
+            <a:endParaRPr lang="ru-RU" spc="-1">
+              <a:latin typeface="Arial"/>
+            </a:endParaRPr>
+          </a:p>
+          <a:p>
+            <a:pPr>
+              <a:lnSpc>
+                <a:spcPct val="100000"/>
+              </a:lnSpc>
+            </a:pPr>
+            <a:r>
+              <a:rPr lang="ru-RU" spc="-1">
+                <a:solidFill>
+                  <a:srgbClr val="2C4AC4"/>
+                </a:solidFill>
+                <a:latin typeface="Arial"/>
+                <a:ea typeface="Microsoft YaHei"/>
+              </a:rPr>
+              <a:t>	Console.WriteLine("Число положительное");</a:t>
+            </a:r>
+            <a:endParaRPr lang="ru-RU" spc="-1">
+              <a:latin typeface="Arial"/>
+            </a:endParaRPr>
+          </a:p>
+          <a:p>
+            <a:pPr>
+              <a:lnSpc>
+                <a:spcPct val="100000"/>
+              </a:lnSpc>
+            </a:pPr>
+            <a:r>
+              <a:rPr lang="ru-RU" spc="-1">
+                <a:solidFill>
+                  <a:srgbClr val="2C4AC4"/>
+                </a:solidFill>
+                <a:latin typeface="Arial"/>
+                <a:ea typeface="Microsoft YaHei"/>
+              </a:rPr>
+              <a:t>}</a:t>
+            </a:r>
+            <a:endParaRPr lang="ru-RU" spc="-1">
+              <a:latin typeface="Arial"/>
+            </a:endParaRPr>
+          </a:p>
+          <a:p>
+            <a:pPr>
+              <a:lnSpc>
+                <a:spcPct val="100000"/>
+              </a:lnSpc>
+            </a:pPr>
+            <a:r>
+              <a:rPr lang="ru-RU" spc="-1">
+                <a:solidFill>
+                  <a:srgbClr val="C9211E"/>
+                </a:solidFill>
+                <a:latin typeface="Arial"/>
+                <a:ea typeface="Microsoft YaHei"/>
+              </a:rPr>
+              <a:t>else</a:t>
+            </a:r>
+            <a:endParaRPr lang="ru-RU" spc="-1">
+              <a:latin typeface="Arial"/>
+            </a:endParaRPr>
+          </a:p>
+          <a:p>
+            <a:pPr>
+              <a:lnSpc>
+                <a:spcPct val="100000"/>
+              </a:lnSpc>
+            </a:pPr>
+            <a:r>
+              <a:rPr lang="ru-RU" spc="-1">
+                <a:solidFill>
+                  <a:srgbClr val="C9211E"/>
+                </a:solidFill>
+                <a:latin typeface="Arial"/>
+                <a:ea typeface="Microsoft YaHei"/>
+              </a:rPr>
+              <a:t>{</a:t>
+            </a:r>
+            <a:endParaRPr lang="ru-RU" spc="-1">
+              <a:latin typeface="Arial"/>
+            </a:endParaRPr>
+          </a:p>
+          <a:p>
+            <a:pPr>
+              <a:lnSpc>
+                <a:spcPct val="100000"/>
+              </a:lnSpc>
+            </a:pPr>
+            <a:r>
+              <a:rPr lang="ru-RU" spc="-1">
+                <a:solidFill>
+                  <a:srgbClr val="C9211E"/>
+                </a:solidFill>
+                <a:latin typeface="Arial"/>
+                <a:ea typeface="Microsoft YaHei"/>
+              </a:rPr>
+              <a:t>	Console.WriteLine("Число отрицательное");</a:t>
+            </a:r>
+            <a:endParaRPr lang="ru-RU" spc="-1">
+              <a:latin typeface="Arial"/>
+            </a:endParaRPr>
+          </a:p>
+          <a:p>
+            <a:pPr>
+              <a:lnSpc>
+                <a:spcPct val="100000"/>
+              </a:lnSpc>
+            </a:pPr>
+            <a:r>
+              <a:rPr lang="ru-RU" spc="-1">
+                <a:solidFill>
+                  <a:srgbClr val="C9211E"/>
+                </a:solidFill>
+                <a:latin typeface="Arial"/>
+                <a:ea typeface="Microsoft YaHei"/>
+              </a:rPr>
+              <a:t>}</a:t>
+            </a:r>
+            <a:endParaRPr lang="ru-RU" spc="-1">
+              <a:latin typeface="Arial"/>
+            </a:endParaRPr>
+          </a:p>
+        </p:txBody>
+      </p:sp>
+    </p:spTree>
+  </p:cSld>
+  <p:clrMapOvr>
+    <a:masterClrMapping/>
+  </p:clrMapOvr>
+</p:sld>
+</file>
+
+<file path=ppt/slides/slide18.xml><?xml version="1.0" encoding="utf-8"?>
+<p:sld xmlns:a="http://schemas.openxmlformats.org/drawingml/2006/main" xmlns:r="http://schemas.openxmlformats.org/officeDocument/2006/relationships" xmlns:p="http://schemas.openxmlformats.org/presentationml/2006/main">
+  <p:cSld>
+    <p:spTree>
+      <p:nvGrpSpPr>
+        <p:cNvPr id="1" name=""/>
+        <p:cNvGrpSpPr/>
+        <p:nvPr/>
+      </p:nvGrpSpPr>
+      <p:grpSpPr>
+        <a:xfrm>
+          <a:off x="0" y="0"/>
+          <a:ext cx="0" cy="0"/>
+          <a:chOff x="0" y="0"/>
+          <a:chExt cx="0" cy="0"/>
+        </a:xfrm>
+      </p:grpSpPr>
+      <p:sp>
+        <p:nvSpPr>
+          <p:cNvPr id="134" name="CustomShape 1"/>
+          <p:cNvSpPr/>
+          <p:nvPr/>
+        </p:nvSpPr>
+        <p:spPr>
+          <a:xfrm>
+            <a:off x="2152560" y="297720"/>
+            <a:ext cx="7882200" cy="758520"/>
+          </a:xfrm>
+          <a:prstGeom prst="rect">
+            <a:avLst/>
+          </a:prstGeom>
+          <a:noFill/>
+          <a:ln>
+            <a:noFill/>
+          </a:ln>
+        </p:spPr>
+        <p:style>
+          <a:lnRef idx="0">
+            <a:scrgbClr r="0" g="0" b="0"/>
+          </a:lnRef>
+          <a:fillRef idx="0">
+            <a:scrgbClr r="0" g="0" b="0"/>
+          </a:fillRef>
+          <a:effectRef idx="0">
+            <a:scrgbClr r="0" g="0" b="0"/>
+          </a:effectRef>
+          <a:fontRef idx="minor"/>
+        </p:style>
+        <p:txBody>
+          <a:bodyPr lIns="90000" tIns="45000" rIns="90000" bIns="45000" anchor="ctr">
+            <a:normAutofit/>
+          </a:bodyPr>
+          <a:lstStyle/>
+          <a:p>
+            <a:pPr algn="ctr">
+              <a:lnSpc>
+                <a:spcPct val="90000"/>
+              </a:lnSpc>
+            </a:pPr>
+            <a:r>
+              <a:rPr lang="ru-RU" sz="4000" b="1" spc="-1">
+                <a:solidFill>
+                  <a:srgbClr val="203864"/>
+                </a:solidFill>
+                <a:latin typeface="Calibri"/>
+                <a:ea typeface="DejaVu Sans"/>
+              </a:rPr>
+              <a:t>Условия в программировании</a:t>
+            </a:r>
+            <a:endParaRPr lang="ru-RU" sz="4000" spc="-1">
+              <a:latin typeface="Arial"/>
+            </a:endParaRPr>
+          </a:p>
+        </p:txBody>
+      </p:sp>
+      <p:sp>
+        <p:nvSpPr>
+          <p:cNvPr id="135" name="CustomShape 2"/>
+          <p:cNvSpPr/>
+          <p:nvPr/>
+        </p:nvSpPr>
+        <p:spPr>
+          <a:xfrm>
+            <a:off x="2028000" y="1800000"/>
+            <a:ext cx="1511640" cy="503640"/>
+          </a:xfrm>
+          <a:prstGeom prst="rect">
+            <a:avLst/>
+          </a:prstGeom>
+          <a:noFill/>
+          <a:ln>
+            <a:noFill/>
+          </a:ln>
+        </p:spPr>
+        <p:style>
+          <a:lnRef idx="0">
+            <a:scrgbClr r="0" g="0" b="0"/>
+          </a:lnRef>
+          <a:fillRef idx="0">
+            <a:scrgbClr r="0" g="0" b="0"/>
+          </a:fillRef>
+          <a:effectRef idx="0">
+            <a:scrgbClr r="0" g="0" b="0"/>
+          </a:effectRef>
+          <a:fontRef idx="minor"/>
+        </p:style>
+        <p:txBody>
+          <a:bodyPr lIns="90000" tIns="45000" rIns="90000" bIns="45000">
+            <a:noAutofit/>
+          </a:bodyPr>
+          <a:lstStyle/>
+          <a:p>
+            <a:pPr>
+              <a:lnSpc>
+                <a:spcPct val="100000"/>
+              </a:lnSpc>
+            </a:pPr>
+            <a:r>
+              <a:rPr lang="ru-RU" sz="2200" spc="-1">
+                <a:latin typeface="Arial"/>
+              </a:rPr>
+              <a:t>int x = 6;</a:t>
+            </a:r>
+          </a:p>
+        </p:txBody>
+      </p:sp>
+      <p:sp>
+        <p:nvSpPr>
+          <p:cNvPr id="136" name="CustomShape 3"/>
+          <p:cNvSpPr/>
+          <p:nvPr/>
+        </p:nvSpPr>
+        <p:spPr>
+          <a:xfrm>
+            <a:off x="1888680" y="1435680"/>
+            <a:ext cx="8353440" cy="345960"/>
+          </a:xfrm>
+          <a:prstGeom prst="rect">
+            <a:avLst/>
+          </a:prstGeom>
+          <a:noFill/>
+          <a:ln>
+            <a:noFill/>
+          </a:ln>
+        </p:spPr>
+        <p:style>
+          <a:lnRef idx="0">
+            <a:scrgbClr r="0" g="0" b="0"/>
+          </a:lnRef>
+          <a:fillRef idx="0">
+            <a:scrgbClr r="0" g="0" b="0"/>
+          </a:fillRef>
+          <a:effectRef idx="0">
+            <a:scrgbClr r="0" g="0" b="0"/>
+          </a:effectRef>
+          <a:fontRef idx="minor"/>
+        </p:style>
+        <p:txBody>
+          <a:bodyPr lIns="90000" tIns="45000" rIns="90000" bIns="45000">
+            <a:noAutofit/>
+          </a:bodyPr>
+          <a:lstStyle/>
+          <a:p>
+            <a:pPr>
+              <a:lnSpc>
+                <a:spcPct val="100000"/>
+              </a:lnSpc>
+            </a:pPr>
+            <a:r>
+              <a:rPr lang="ru-RU" spc="-1">
+                <a:latin typeface="Arial"/>
+              </a:rPr>
+              <a:t>Положительное, отрицательное или равное нулю значение у переменной </a:t>
+            </a:r>
+            <a:r>
+              <a:rPr lang="ru-RU" b="1" spc="-1">
+                <a:latin typeface="Arial"/>
+              </a:rPr>
+              <a:t>x</a:t>
+            </a:r>
+            <a:r>
+              <a:rPr lang="ru-RU" spc="-1">
+                <a:latin typeface="Arial"/>
+              </a:rPr>
+              <a:t>?</a:t>
+            </a:r>
+          </a:p>
+        </p:txBody>
+      </p:sp>
+      <p:sp>
+        <p:nvSpPr>
+          <p:cNvPr id="137" name="CustomShape 4"/>
+          <p:cNvSpPr/>
+          <p:nvPr/>
+        </p:nvSpPr>
+        <p:spPr>
+          <a:xfrm>
+            <a:off x="5124000" y="1944000"/>
+            <a:ext cx="1799640" cy="575640"/>
+          </a:xfrm>
+          <a:prstGeom prst="rect">
+            <a:avLst/>
+          </a:prstGeom>
+          <a:solidFill>
+            <a:srgbClr val="729FCF"/>
+          </a:solidFill>
+          <a:ln>
+            <a:solidFill>
+              <a:srgbClr val="3465A4"/>
+            </a:solidFill>
+          </a:ln>
+        </p:spPr>
+        <p:style>
+          <a:lnRef idx="0">
+            <a:scrgbClr r="0" g="0" b="0"/>
+          </a:lnRef>
+          <a:fillRef idx="0">
+            <a:scrgbClr r="0" g="0" b="0"/>
+          </a:fillRef>
+          <a:effectRef idx="0">
+            <a:scrgbClr r="0" g="0" b="0"/>
+          </a:effectRef>
+          <a:fontRef idx="minor"/>
+        </p:style>
+        <p:txBody>
+          <a:bodyPr wrap="none" lIns="90000" tIns="45000" rIns="90000" bIns="45000" anchor="ctr">
+            <a:noAutofit/>
+          </a:bodyPr>
+          <a:lstStyle/>
+          <a:p>
+            <a:pPr algn="ctr">
+              <a:lnSpc>
+                <a:spcPct val="100000"/>
+              </a:lnSpc>
+            </a:pPr>
+            <a:r>
+              <a:rPr lang="ru-RU" spc="-1">
+                <a:solidFill>
+                  <a:srgbClr val="000000"/>
+                </a:solidFill>
+                <a:latin typeface="Arial"/>
+                <a:ea typeface="DejaVu Sans"/>
+              </a:rPr>
+              <a:t>Варианты</a:t>
+            </a:r>
+            <a:endParaRPr lang="ru-RU" spc="-1">
+              <a:latin typeface="Arial"/>
+            </a:endParaRPr>
+          </a:p>
+        </p:txBody>
+      </p:sp>
+      <p:sp>
+        <p:nvSpPr>
+          <p:cNvPr id="138" name="CustomShape 5"/>
+          <p:cNvSpPr/>
+          <p:nvPr/>
+        </p:nvSpPr>
+        <p:spPr>
+          <a:xfrm>
+            <a:off x="3108000" y="2808000"/>
+            <a:ext cx="1799640" cy="647640"/>
+          </a:xfrm>
+          <a:prstGeom prst="rect">
+            <a:avLst/>
+          </a:prstGeom>
+          <a:solidFill>
+            <a:srgbClr val="C9211E"/>
+          </a:solidFill>
+          <a:ln>
+            <a:solidFill>
+              <a:srgbClr val="3465A4"/>
+            </a:solidFill>
+          </a:ln>
+        </p:spPr>
+        <p:style>
+          <a:lnRef idx="0">
+            <a:scrgbClr r="0" g="0" b="0"/>
+          </a:lnRef>
+          <a:fillRef idx="0">
+            <a:scrgbClr r="0" g="0" b="0"/>
+          </a:fillRef>
+          <a:effectRef idx="0">
+            <a:scrgbClr r="0" g="0" b="0"/>
+          </a:effectRef>
+          <a:fontRef idx="minor"/>
+        </p:style>
+        <p:txBody>
+          <a:bodyPr wrap="none" lIns="90000" tIns="45000" rIns="90000" bIns="45000" anchor="ctr">
+            <a:noAutofit/>
+          </a:bodyPr>
+          <a:lstStyle/>
+          <a:p>
+            <a:pPr algn="ctr">
+              <a:lnSpc>
+                <a:spcPct val="100000"/>
+              </a:lnSpc>
+            </a:pPr>
+            <a:r>
+              <a:rPr lang="ru-RU" spc="-1">
+                <a:solidFill>
+                  <a:srgbClr val="000000"/>
+                </a:solidFill>
+                <a:latin typeface="Arial"/>
+                <a:ea typeface="DejaVu Sans"/>
+              </a:rPr>
+              <a:t>X &lt; 0</a:t>
+            </a:r>
+            <a:endParaRPr lang="ru-RU" spc="-1">
+              <a:latin typeface="Arial"/>
+            </a:endParaRPr>
+          </a:p>
+        </p:txBody>
+      </p:sp>
+      <p:sp>
+        <p:nvSpPr>
+          <p:cNvPr id="139" name="CustomShape 6"/>
+          <p:cNvSpPr/>
+          <p:nvPr/>
+        </p:nvSpPr>
+        <p:spPr>
+          <a:xfrm>
+            <a:off x="7140000" y="2808000"/>
+            <a:ext cx="1799640" cy="647640"/>
+          </a:xfrm>
+          <a:prstGeom prst="rect">
+            <a:avLst/>
+          </a:prstGeom>
+          <a:solidFill>
+            <a:srgbClr val="17C82F"/>
+          </a:solidFill>
+          <a:ln>
+            <a:solidFill>
+              <a:srgbClr val="3465A4"/>
+            </a:solidFill>
+          </a:ln>
+        </p:spPr>
+        <p:style>
+          <a:lnRef idx="0">
+            <a:scrgbClr r="0" g="0" b="0"/>
+          </a:lnRef>
+          <a:fillRef idx="0">
+            <a:scrgbClr r="0" g="0" b="0"/>
+          </a:fillRef>
+          <a:effectRef idx="0">
+            <a:scrgbClr r="0" g="0" b="0"/>
+          </a:effectRef>
+          <a:fontRef idx="minor"/>
+        </p:style>
+        <p:txBody>
+          <a:bodyPr wrap="none" lIns="90000" tIns="45000" rIns="90000" bIns="45000" anchor="ctr">
+            <a:noAutofit/>
+          </a:bodyPr>
+          <a:lstStyle/>
+          <a:p>
+            <a:pPr algn="ctr">
+              <a:lnSpc>
+                <a:spcPct val="100000"/>
+              </a:lnSpc>
+            </a:pPr>
+            <a:r>
+              <a:rPr lang="ru-RU" spc="-1">
+                <a:solidFill>
+                  <a:srgbClr val="000000"/>
+                </a:solidFill>
+                <a:latin typeface="Arial"/>
+                <a:ea typeface="DejaVu Sans"/>
+              </a:rPr>
+              <a:t>X &gt; 0</a:t>
+            </a:r>
+            <a:endParaRPr lang="ru-RU" spc="-1">
+              <a:latin typeface="Arial"/>
+            </a:endParaRPr>
+          </a:p>
+        </p:txBody>
+      </p:sp>
+      <p:sp>
+        <p:nvSpPr>
+          <p:cNvPr id="140" name="Line 7"/>
+          <p:cNvSpPr/>
+          <p:nvPr/>
+        </p:nvSpPr>
+        <p:spPr>
+          <a:xfrm flipH="1">
+            <a:off x="4692000" y="2520000"/>
+            <a:ext cx="720000" cy="288000"/>
+          </a:xfrm>
+          <a:prstGeom prst="line">
+            <a:avLst/>
+          </a:prstGeom>
+          <a:ln>
+            <a:solidFill>
+              <a:srgbClr val="3465A4"/>
+            </a:solidFill>
+            <a:tailEnd type="triangle" w="med" len="med"/>
+          </a:ln>
+        </p:spPr>
+        <p:style>
+          <a:lnRef idx="0">
+            <a:scrgbClr r="0" g="0" b="0"/>
+          </a:lnRef>
+          <a:fillRef idx="0">
+            <a:scrgbClr r="0" g="0" b="0"/>
+          </a:fillRef>
+          <a:effectRef idx="0">
+            <a:scrgbClr r="0" g="0" b="0"/>
+          </a:effectRef>
+          <a:fontRef idx="minor"/>
+        </p:style>
+      </p:sp>
+      <p:sp>
+        <p:nvSpPr>
+          <p:cNvPr id="141" name="Line 8"/>
+          <p:cNvSpPr/>
+          <p:nvPr/>
+        </p:nvSpPr>
+        <p:spPr>
+          <a:xfrm>
+            <a:off x="6708000" y="2520000"/>
+            <a:ext cx="720000" cy="288000"/>
+          </a:xfrm>
+          <a:prstGeom prst="line">
+            <a:avLst/>
+          </a:prstGeom>
+          <a:ln>
+            <a:solidFill>
+              <a:srgbClr val="3465A4"/>
+            </a:solidFill>
+            <a:tailEnd type="triangle" w="med" len="med"/>
+          </a:ln>
+        </p:spPr>
+        <p:style>
+          <a:lnRef idx="0">
+            <a:scrgbClr r="0" g="0" b="0"/>
+          </a:lnRef>
+          <a:fillRef idx="0">
+            <a:scrgbClr r="0" g="0" b="0"/>
+          </a:fillRef>
+          <a:effectRef idx="0">
+            <a:scrgbClr r="0" g="0" b="0"/>
+          </a:effectRef>
+          <a:fontRef idx="minor"/>
+        </p:style>
+      </p:sp>
+      <p:sp>
+        <p:nvSpPr>
+          <p:cNvPr id="142" name="CustomShape 9"/>
+          <p:cNvSpPr/>
+          <p:nvPr/>
+        </p:nvSpPr>
+        <p:spPr>
+          <a:xfrm>
+            <a:off x="1884000" y="3534120"/>
+            <a:ext cx="5327640" cy="3161520"/>
+          </a:xfrm>
+          <a:prstGeom prst="rect">
+            <a:avLst/>
+          </a:prstGeom>
+          <a:noFill/>
+          <a:ln>
+            <a:noFill/>
+          </a:ln>
+        </p:spPr>
+        <p:style>
+          <a:lnRef idx="0">
+            <a:scrgbClr r="0" g="0" b="0"/>
+          </a:lnRef>
+          <a:fillRef idx="0">
+            <a:scrgbClr r="0" g="0" b="0"/>
+          </a:fillRef>
+          <a:effectRef idx="0">
+            <a:scrgbClr r="0" g="0" b="0"/>
+          </a:effectRef>
+          <a:fontRef idx="minor"/>
+        </p:style>
+        <p:txBody>
+          <a:bodyPr lIns="90000" tIns="45000" rIns="90000" bIns="45000">
+            <a:noAutofit/>
+          </a:bodyPr>
+          <a:lstStyle/>
+          <a:p>
+            <a:pPr>
+              <a:lnSpc>
+                <a:spcPct val="100000"/>
+              </a:lnSpc>
+            </a:pPr>
+            <a:r>
+              <a:rPr lang="ru-RU" spc="-1">
+                <a:solidFill>
+                  <a:srgbClr val="C9211E"/>
+                </a:solidFill>
+                <a:latin typeface="Arial"/>
+                <a:ea typeface="Microsoft YaHei"/>
+              </a:rPr>
+              <a:t>if( </a:t>
+            </a:r>
+            <a:r>
+              <a:rPr lang="ru-RU" spc="-1">
+                <a:solidFill>
+                  <a:srgbClr val="17C82F"/>
+                </a:solidFill>
+                <a:latin typeface="Arial"/>
+                <a:ea typeface="Microsoft YaHei"/>
+              </a:rPr>
+              <a:t>x &gt; 0</a:t>
+            </a:r>
+            <a:r>
+              <a:rPr lang="ru-RU" spc="-1">
+                <a:solidFill>
+                  <a:srgbClr val="2C4AC4"/>
+                </a:solidFill>
+                <a:latin typeface="Arial"/>
+                <a:ea typeface="Microsoft YaHei"/>
+              </a:rPr>
+              <a:t> )</a:t>
+            </a:r>
+            <a:endParaRPr lang="ru-RU" spc="-1">
+              <a:latin typeface="Arial"/>
+            </a:endParaRPr>
+          </a:p>
+          <a:p>
+            <a:pPr>
+              <a:lnSpc>
+                <a:spcPct val="100000"/>
+              </a:lnSpc>
+            </a:pPr>
+            <a:r>
+              <a:rPr lang="ru-RU" spc="-1">
+                <a:solidFill>
+                  <a:srgbClr val="2C4AC4"/>
+                </a:solidFill>
+                <a:latin typeface="Arial"/>
+                <a:ea typeface="Microsoft YaHei"/>
+              </a:rPr>
+              <a:t>{</a:t>
+            </a:r>
+            <a:endParaRPr lang="ru-RU" spc="-1">
+              <a:latin typeface="Arial"/>
+            </a:endParaRPr>
+          </a:p>
+          <a:p>
+            <a:pPr>
+              <a:lnSpc>
+                <a:spcPct val="100000"/>
+              </a:lnSpc>
+            </a:pPr>
+            <a:r>
+              <a:rPr lang="ru-RU" spc="-1">
+                <a:solidFill>
+                  <a:srgbClr val="2C4AC4"/>
+                </a:solidFill>
+                <a:latin typeface="Arial"/>
+                <a:ea typeface="Microsoft YaHei"/>
+              </a:rPr>
+              <a:t>	Console.WriteLine("Число положительное");</a:t>
+            </a:r>
+            <a:endParaRPr lang="ru-RU" spc="-1">
+              <a:latin typeface="Arial"/>
+            </a:endParaRPr>
+          </a:p>
+          <a:p>
+            <a:pPr>
+              <a:lnSpc>
+                <a:spcPct val="100000"/>
+              </a:lnSpc>
+            </a:pPr>
+            <a:r>
+              <a:rPr lang="ru-RU" spc="-1">
+                <a:solidFill>
+                  <a:srgbClr val="2C4AC4"/>
+                </a:solidFill>
+                <a:latin typeface="Arial"/>
+                <a:ea typeface="Microsoft YaHei"/>
+              </a:rPr>
+              <a:t>}</a:t>
+            </a:r>
+            <a:endParaRPr lang="ru-RU" spc="-1">
+              <a:latin typeface="Arial"/>
+            </a:endParaRPr>
+          </a:p>
+          <a:p>
+            <a:pPr>
+              <a:lnSpc>
+                <a:spcPct val="100000"/>
+              </a:lnSpc>
+            </a:pPr>
+            <a:r>
+              <a:rPr lang="ru-RU" spc="-1">
+                <a:solidFill>
+                  <a:srgbClr val="C9211E"/>
+                </a:solidFill>
+                <a:latin typeface="Arial"/>
+                <a:ea typeface="Microsoft YaHei"/>
+              </a:rPr>
+              <a:t>else if( </a:t>
+            </a:r>
+            <a:r>
+              <a:rPr lang="ru-RU" spc="-1">
+                <a:solidFill>
+                  <a:srgbClr val="17C82F"/>
+                </a:solidFill>
+                <a:latin typeface="Arial"/>
+                <a:ea typeface="Microsoft YaHei"/>
+              </a:rPr>
+              <a:t>x &lt; 0</a:t>
+            </a:r>
+            <a:r>
+              <a:rPr lang="ru-RU" spc="-1">
+                <a:solidFill>
+                  <a:srgbClr val="2C4AC4"/>
+                </a:solidFill>
+                <a:latin typeface="Arial"/>
+                <a:ea typeface="Microsoft YaHei"/>
+              </a:rPr>
+              <a:t> </a:t>
+            </a:r>
+            <a:r>
+              <a:rPr lang="ru-RU" spc="-1">
+                <a:solidFill>
+                  <a:srgbClr val="C9211E"/>
+                </a:solidFill>
+                <a:latin typeface="Arial"/>
+                <a:ea typeface="Microsoft YaHei"/>
+              </a:rPr>
+              <a:t>)</a:t>
+            </a:r>
+            <a:endParaRPr lang="ru-RU" spc="-1">
+              <a:latin typeface="Arial"/>
+            </a:endParaRPr>
+          </a:p>
+          <a:p>
+            <a:pPr>
+              <a:lnSpc>
+                <a:spcPct val="100000"/>
+              </a:lnSpc>
+            </a:pPr>
+            <a:r>
+              <a:rPr lang="ru-RU" spc="-1">
+                <a:solidFill>
+                  <a:srgbClr val="C9211E"/>
+                </a:solidFill>
+                <a:latin typeface="Arial"/>
+                <a:ea typeface="Microsoft YaHei"/>
+              </a:rPr>
+              <a:t>{</a:t>
+            </a:r>
+            <a:endParaRPr lang="ru-RU" spc="-1">
+              <a:latin typeface="Arial"/>
+            </a:endParaRPr>
+          </a:p>
+          <a:p>
+            <a:pPr>
+              <a:lnSpc>
+                <a:spcPct val="100000"/>
+              </a:lnSpc>
+            </a:pPr>
+            <a:r>
+              <a:rPr lang="ru-RU" spc="-1">
+                <a:solidFill>
+                  <a:srgbClr val="C9211E"/>
+                </a:solidFill>
+                <a:latin typeface="Arial"/>
+                <a:ea typeface="Microsoft YaHei"/>
+              </a:rPr>
+              <a:t>	Console.WriteLine("Число отрицательное");</a:t>
+            </a:r>
+            <a:endParaRPr lang="ru-RU" spc="-1">
+              <a:latin typeface="Arial"/>
+            </a:endParaRPr>
+          </a:p>
+          <a:p>
+            <a:pPr>
+              <a:lnSpc>
+                <a:spcPct val="100000"/>
+              </a:lnSpc>
+            </a:pPr>
+            <a:r>
+              <a:rPr lang="ru-RU" spc="-1">
+                <a:solidFill>
+                  <a:srgbClr val="C9211E"/>
+                </a:solidFill>
+                <a:latin typeface="Arial"/>
+                <a:ea typeface="Microsoft YaHei"/>
+              </a:rPr>
+              <a:t>}</a:t>
+            </a:r>
+            <a:endParaRPr lang="ru-RU" spc="-1">
+              <a:latin typeface="Arial"/>
+            </a:endParaRPr>
+          </a:p>
+          <a:p>
+            <a:pPr>
+              <a:lnSpc>
+                <a:spcPct val="100000"/>
+              </a:lnSpc>
+            </a:pPr>
+            <a:r>
+              <a:rPr lang="ru-RU" spc="-1">
+                <a:solidFill>
+                  <a:srgbClr val="C9211E"/>
+                </a:solidFill>
+                <a:latin typeface="Arial"/>
+                <a:ea typeface="Microsoft YaHei"/>
+              </a:rPr>
+              <a:t>else</a:t>
+            </a:r>
+            <a:endParaRPr lang="ru-RU" spc="-1">
+              <a:latin typeface="Arial"/>
+            </a:endParaRPr>
+          </a:p>
+          <a:p>
+            <a:pPr>
+              <a:lnSpc>
+                <a:spcPct val="100000"/>
+              </a:lnSpc>
+            </a:pPr>
+            <a:r>
+              <a:rPr lang="ru-RU" spc="-1">
+                <a:solidFill>
+                  <a:srgbClr val="C9211E"/>
+                </a:solidFill>
+                <a:latin typeface="Arial"/>
+                <a:ea typeface="Microsoft YaHei"/>
+              </a:rPr>
+              <a:t>{</a:t>
+            </a:r>
+            <a:endParaRPr lang="ru-RU" spc="-1">
+              <a:latin typeface="Arial"/>
+            </a:endParaRPr>
+          </a:p>
+          <a:p>
+            <a:pPr>
+              <a:lnSpc>
+                <a:spcPct val="100000"/>
+              </a:lnSpc>
+            </a:pPr>
+            <a:r>
+              <a:rPr lang="ru-RU" spc="-1">
+                <a:solidFill>
+                  <a:srgbClr val="C9211E"/>
+                </a:solidFill>
+                <a:latin typeface="Arial"/>
+                <a:ea typeface="Microsoft YaHei"/>
+              </a:rPr>
+              <a:t>	Console.WriteLine("Число равно нулю");</a:t>
+            </a:r>
+            <a:endParaRPr lang="ru-RU" spc="-1">
+              <a:latin typeface="Arial"/>
+            </a:endParaRPr>
+          </a:p>
+          <a:p>
+            <a:pPr>
+              <a:lnSpc>
+                <a:spcPct val="100000"/>
+              </a:lnSpc>
+            </a:pPr>
+            <a:r>
+              <a:rPr lang="ru-RU" spc="-1">
+                <a:solidFill>
+                  <a:srgbClr val="C9211E"/>
+                </a:solidFill>
+                <a:latin typeface="Arial"/>
+                <a:ea typeface="Microsoft YaHei"/>
+              </a:rPr>
+              <a:t>}</a:t>
+            </a:r>
+            <a:endParaRPr lang="ru-RU" spc="-1">
+              <a:latin typeface="Arial"/>
+            </a:endParaRPr>
+          </a:p>
+        </p:txBody>
+      </p:sp>
+      <p:sp>
+        <p:nvSpPr>
+          <p:cNvPr id="143" name="CustomShape 10"/>
+          <p:cNvSpPr/>
+          <p:nvPr/>
+        </p:nvSpPr>
+        <p:spPr>
+          <a:xfrm>
+            <a:off x="5124000" y="2808000"/>
+            <a:ext cx="1799640" cy="647640"/>
+          </a:xfrm>
+          <a:prstGeom prst="rect">
+            <a:avLst/>
+          </a:prstGeom>
+          <a:solidFill>
+            <a:srgbClr val="808080"/>
+          </a:solidFill>
+          <a:ln>
+            <a:solidFill>
+              <a:srgbClr val="3465A4"/>
+            </a:solidFill>
+          </a:ln>
+        </p:spPr>
+        <p:style>
+          <a:lnRef idx="0">
+            <a:scrgbClr r="0" g="0" b="0"/>
+          </a:lnRef>
+          <a:fillRef idx="0">
+            <a:scrgbClr r="0" g="0" b="0"/>
+          </a:fillRef>
+          <a:effectRef idx="0">
+            <a:scrgbClr r="0" g="0" b="0"/>
+          </a:effectRef>
+          <a:fontRef idx="minor"/>
+        </p:style>
+        <p:txBody>
+          <a:bodyPr wrap="none" lIns="90000" tIns="45000" rIns="90000" bIns="45000" anchor="ctr">
+            <a:noAutofit/>
+          </a:bodyPr>
+          <a:lstStyle/>
+          <a:p>
+            <a:pPr algn="ctr">
+              <a:lnSpc>
+                <a:spcPct val="100000"/>
+              </a:lnSpc>
+            </a:pPr>
+            <a:r>
+              <a:rPr lang="ru-RU" spc="-1">
+                <a:solidFill>
+                  <a:srgbClr val="000000"/>
+                </a:solidFill>
+                <a:latin typeface="Arial"/>
+                <a:ea typeface="DejaVu Sans"/>
+              </a:rPr>
+              <a:t>X == 0</a:t>
+            </a:r>
+            <a:endParaRPr lang="ru-RU" spc="-1">
+              <a:latin typeface="Arial"/>
+            </a:endParaRPr>
+          </a:p>
+        </p:txBody>
+      </p:sp>
+      <p:sp>
+        <p:nvSpPr>
+          <p:cNvPr id="144" name="Line 11"/>
+          <p:cNvSpPr/>
+          <p:nvPr/>
+        </p:nvSpPr>
+        <p:spPr>
+          <a:xfrm>
+            <a:off x="5988000" y="2520000"/>
+            <a:ext cx="0" cy="288000"/>
+          </a:xfrm>
+          <a:prstGeom prst="line">
+            <a:avLst/>
+          </a:prstGeom>
+          <a:ln>
+            <a:solidFill>
+              <a:srgbClr val="3465A4"/>
+            </a:solidFill>
+            <a:tailEnd type="triangle" w="med" len="med"/>
+          </a:ln>
+        </p:spPr>
+        <p:style>
+          <a:lnRef idx="0">
+            <a:scrgbClr r="0" g="0" b="0"/>
+          </a:lnRef>
+          <a:fillRef idx="0">
+            <a:scrgbClr r="0" g="0" b="0"/>
+          </a:fillRef>
+          <a:effectRef idx="0">
+            <a:scrgbClr r="0" g="0" b="0"/>
+          </a:effectRef>
+          <a:fontRef idx="minor"/>
+        </p:style>
+      </p:sp>
+      <p:sp>
+        <p:nvSpPr>
+          <p:cNvPr id="145" name="CustomShape 12"/>
+          <p:cNvSpPr/>
+          <p:nvPr/>
+        </p:nvSpPr>
+        <p:spPr>
+          <a:xfrm>
+            <a:off x="7284000" y="3672000"/>
+            <a:ext cx="3095640" cy="2951640"/>
+          </a:xfrm>
+          <a:prstGeom prst="ellipse">
+            <a:avLst/>
+          </a:prstGeom>
+          <a:solidFill>
+            <a:srgbClr val="17C82F"/>
+          </a:solidFill>
+          <a:ln>
+            <a:solidFill>
+              <a:srgbClr val="3465A4"/>
+            </a:solidFill>
+          </a:ln>
+        </p:spPr>
+        <p:style>
+          <a:lnRef idx="0">
+            <a:scrgbClr r="0" g="0" b="0"/>
+          </a:lnRef>
+          <a:fillRef idx="0">
+            <a:scrgbClr r="0" g="0" b="0"/>
+          </a:fillRef>
+          <a:effectRef idx="0">
+            <a:scrgbClr r="0" g="0" b="0"/>
+          </a:effectRef>
+          <a:fontRef idx="minor"/>
+        </p:style>
+        <p:txBody>
+          <a:bodyPr wrap="none" lIns="90000" tIns="45000" rIns="90000" bIns="45000" anchor="ctr">
+            <a:noAutofit/>
+          </a:bodyPr>
+          <a:lstStyle/>
+          <a:p>
+            <a:pPr algn="ctr">
+              <a:lnSpc>
+                <a:spcPct val="100000"/>
+              </a:lnSpc>
+            </a:pPr>
+            <a:r>
+              <a:rPr lang="ru-RU" spc="-1">
+                <a:solidFill>
+                  <a:srgbClr val="000000"/>
+                </a:solidFill>
+                <a:latin typeface="Arial"/>
+                <a:ea typeface="DejaVu Sans"/>
+              </a:rPr>
+              <a:t>                       X &gt; 0</a:t>
+            </a:r>
+            <a:endParaRPr lang="ru-RU" spc="-1">
+              <a:latin typeface="Arial"/>
+            </a:endParaRPr>
+          </a:p>
+        </p:txBody>
+      </p:sp>
+      <p:sp>
+        <p:nvSpPr>
+          <p:cNvPr id="146" name="CustomShape 13"/>
+          <p:cNvSpPr/>
+          <p:nvPr/>
+        </p:nvSpPr>
+        <p:spPr>
+          <a:xfrm>
+            <a:off x="7284000" y="3672000"/>
+            <a:ext cx="3243240" cy="2951640"/>
+          </a:xfrm>
+          <a:prstGeom prst="ellipse">
+            <a:avLst/>
+          </a:prstGeom>
+          <a:solidFill>
+            <a:srgbClr val="C9211E"/>
+          </a:solidFill>
+          <a:ln>
+            <a:solidFill>
+              <a:srgbClr val="3465A4"/>
+            </a:solidFill>
+          </a:ln>
+        </p:spPr>
+        <p:style>
+          <a:lnRef idx="0">
+            <a:scrgbClr r="0" g="0" b="0"/>
+          </a:lnRef>
+          <a:fillRef idx="0">
+            <a:scrgbClr r="0" g="0" b="0"/>
+          </a:fillRef>
+          <a:effectRef idx="0">
+            <a:scrgbClr r="0" g="0" b="0"/>
+          </a:effectRef>
+          <a:fontRef idx="minor"/>
+        </p:style>
+        <p:txBody>
+          <a:bodyPr lIns="90000" tIns="45000" rIns="90000" bIns="45000" anchor="ctr">
+            <a:noAutofit/>
+          </a:bodyPr>
+          <a:lstStyle/>
+          <a:p>
+            <a:pPr algn="ctr">
+              <a:lnSpc>
+                <a:spcPct val="100000"/>
+              </a:lnSpc>
+            </a:pPr>
+            <a:r>
+              <a:rPr lang="ru-RU" spc="-1">
+                <a:latin typeface="Arial"/>
+              </a:rPr>
+              <a:t>                X &lt; 0</a:t>
+            </a:r>
+          </a:p>
+        </p:txBody>
+      </p:sp>
+      <p:sp>
+        <p:nvSpPr>
+          <p:cNvPr id="147" name="CustomShape 14"/>
+          <p:cNvSpPr/>
+          <p:nvPr/>
+        </p:nvSpPr>
+        <p:spPr>
+          <a:xfrm>
+            <a:off x="9084360" y="4320360"/>
+            <a:ext cx="935640" cy="431640"/>
+          </a:xfrm>
+          <a:prstGeom prst="rect">
+            <a:avLst/>
+          </a:prstGeom>
+          <a:solidFill>
+            <a:srgbClr val="808080"/>
+          </a:solidFill>
+          <a:ln>
+            <a:solidFill>
+              <a:srgbClr val="3465A4"/>
+            </a:solidFill>
+          </a:ln>
+        </p:spPr>
+        <p:style>
+          <a:lnRef idx="0">
+            <a:scrgbClr r="0" g="0" b="0"/>
+          </a:lnRef>
+          <a:fillRef idx="0">
+            <a:scrgbClr r="0" g="0" b="0"/>
+          </a:fillRef>
+          <a:effectRef idx="0">
+            <a:scrgbClr r="0" g="0" b="0"/>
+          </a:effectRef>
+          <a:fontRef idx="minor"/>
+        </p:style>
+        <p:txBody>
+          <a:bodyPr wrap="none" lIns="90000" tIns="45000" rIns="90000" bIns="45000" anchor="ctr">
+            <a:noAutofit/>
+          </a:bodyPr>
+          <a:lstStyle/>
+          <a:p>
+            <a:pPr algn="ctr">
+              <a:lnSpc>
+                <a:spcPct val="100000"/>
+              </a:lnSpc>
+            </a:pPr>
+            <a:r>
+              <a:rPr lang="ru-RU" spc="-1">
+                <a:solidFill>
+                  <a:srgbClr val="000000"/>
+                </a:solidFill>
+                <a:latin typeface="Arial"/>
+                <a:ea typeface="DejaVu Sans"/>
+              </a:rPr>
+              <a:t>X == 0</a:t>
+            </a:r>
+            <a:endParaRPr lang="ru-RU" spc="-1">
+              <a:latin typeface="Arial"/>
+            </a:endParaRPr>
+          </a:p>
+        </p:txBody>
+      </p:sp>
+      <p:sp>
+        <p:nvSpPr>
+          <p:cNvPr id="148" name="Ellipse 15"/>
+          <p:cNvSpPr/>
+          <p:nvPr/>
+        </p:nvSpPr>
+        <p:spPr>
+          <a:xfrm>
+            <a:off x="7284000" y="3599640"/>
+            <a:ext cx="3008160" cy="3024000"/>
+          </a:xfrm>
+          <a:prstGeom prst="ellipse">
+            <a:avLst/>
+          </a:prstGeom>
+          <a:solidFill>
+            <a:srgbClr val="17C82F"/>
+          </a:solidFill>
+          <a:ln>
+            <a:solidFill>
+              <a:srgbClr val="3465A4"/>
+            </a:solidFill>
+          </a:ln>
+        </p:spPr>
+        <p:txBody>
+          <a:bodyPr lIns="90000" tIns="45000" rIns="90000" bIns="45000" anchor="ctr">
+            <a:noAutofit/>
+          </a:bodyPr>
+          <a:lstStyle/>
+          <a:p>
+            <a:pPr algn="ctr"/>
+            <a:r>
+              <a:rPr lang="ru-RU" spc="-1">
+                <a:latin typeface="Arial"/>
+              </a:rPr>
+              <a:t>X &gt; 0</a:t>
+            </a:r>
+          </a:p>
+        </p:txBody>
+      </p:sp>
+    </p:spTree>
+  </p:cSld>
+  <p:clrMapOvr>
+    <a:masterClrMapping/>
+  </p:clrMapOvr>
+</p:sld>
+</file>
+
+<file path=ppt/slides/slide19.xml><?xml version="1.0" encoding="utf-8"?>
+<p:sld xmlns:a="http://schemas.openxmlformats.org/drawingml/2006/main" xmlns:r="http://schemas.openxmlformats.org/officeDocument/2006/relationships" xmlns:p="http://schemas.openxmlformats.org/presentationml/2006/main">
+  <p:cSld>
+    <p:spTree>
+      <p:nvGrpSpPr>
+        <p:cNvPr id="1" name=""/>
+        <p:cNvGrpSpPr/>
+        <p:nvPr/>
+      </p:nvGrpSpPr>
+      <p:grpSpPr>
+        <a:xfrm>
+          <a:off x="0" y="0"/>
+          <a:ext cx="0" cy="0"/>
+          <a:chOff x="0" y="0"/>
+          <a:chExt cx="0" cy="0"/>
+        </a:xfrm>
+      </p:grpSpPr>
+      <p:sp>
+        <p:nvSpPr>
+          <p:cNvPr id="149" name="CustomShape 1"/>
+          <p:cNvSpPr/>
+          <p:nvPr/>
+        </p:nvSpPr>
+        <p:spPr>
+          <a:xfrm>
+            <a:off x="2152560" y="297720"/>
+            <a:ext cx="7882200" cy="758520"/>
+          </a:xfrm>
+          <a:prstGeom prst="rect">
+            <a:avLst/>
+          </a:prstGeom>
+          <a:noFill/>
+          <a:ln>
+            <a:noFill/>
+          </a:ln>
+        </p:spPr>
+        <p:style>
+          <a:lnRef idx="0">
+            <a:scrgbClr r="0" g="0" b="0"/>
+          </a:lnRef>
+          <a:fillRef idx="0">
+            <a:scrgbClr r="0" g="0" b="0"/>
+          </a:fillRef>
+          <a:effectRef idx="0">
+            <a:scrgbClr r="0" g="0" b="0"/>
+          </a:effectRef>
+          <a:fontRef idx="minor"/>
+        </p:style>
+        <p:txBody>
+          <a:bodyPr lIns="90000" tIns="45000" rIns="90000" bIns="45000" anchor="ctr">
+            <a:normAutofit/>
+          </a:bodyPr>
+          <a:lstStyle/>
+          <a:p>
+            <a:pPr algn="ctr">
+              <a:lnSpc>
+                <a:spcPct val="90000"/>
+              </a:lnSpc>
+            </a:pPr>
+            <a:r>
+              <a:rPr lang="ru-RU" sz="4000" b="1" spc="-1">
+                <a:solidFill>
+                  <a:srgbClr val="203864"/>
+                </a:solidFill>
+                <a:latin typeface="Calibri"/>
+                <a:ea typeface="DejaVu Sans"/>
+              </a:rPr>
+              <a:t>Задание</a:t>
+            </a:r>
+            <a:endParaRPr lang="ru-RU" sz="4000" spc="-1">
+              <a:latin typeface="Arial"/>
+            </a:endParaRPr>
+          </a:p>
+        </p:txBody>
+      </p:sp>
+      <p:sp>
+        <p:nvSpPr>
+          <p:cNvPr id="150" name="CustomShape 2"/>
+          <p:cNvSpPr/>
+          <p:nvPr/>
+        </p:nvSpPr>
+        <p:spPr>
+          <a:xfrm>
+            <a:off x="2532000" y="1728000"/>
+            <a:ext cx="6335640" cy="3527640"/>
+          </a:xfrm>
+          <a:prstGeom prst="rect">
+            <a:avLst/>
+          </a:prstGeom>
+          <a:noFill/>
+          <a:ln>
+            <a:noFill/>
+          </a:ln>
+        </p:spPr>
+        <p:style>
+          <a:lnRef idx="0">
+            <a:scrgbClr r="0" g="0" b="0"/>
+          </a:lnRef>
+          <a:fillRef idx="0">
+            <a:scrgbClr r="0" g="0" b="0"/>
+          </a:fillRef>
+          <a:effectRef idx="0">
+            <a:scrgbClr r="0" g="0" b="0"/>
+          </a:effectRef>
+          <a:fontRef idx="minor"/>
+        </p:style>
+        <p:txBody>
+          <a:bodyPr lIns="90000" tIns="45000" rIns="90000" bIns="45000">
+            <a:noAutofit/>
+          </a:bodyPr>
+          <a:lstStyle/>
+          <a:p>
+            <a:pPr>
+              <a:lnSpc>
+                <a:spcPct val="100000"/>
+              </a:lnSpc>
+            </a:pPr>
+            <a:r>
+              <a:rPr lang="ru-RU" sz="2200" spc="-1">
+                <a:latin typeface="Arial"/>
+              </a:rPr>
+              <a:t>Написать программу, которая с экрана считывает значение переменной и выводит на экран одно из соответствующих сообщений:</a:t>
+            </a:r>
+          </a:p>
+          <a:p>
+            <a:pPr>
+              <a:lnSpc>
+                <a:spcPct val="100000"/>
+              </a:lnSpc>
+            </a:pPr>
+            <a:endParaRPr lang="ru-RU" sz="2200" spc="-1">
+              <a:latin typeface="Arial"/>
+            </a:endParaRPr>
+          </a:p>
+          <a:p>
+            <a:pPr>
+              <a:lnSpc>
+                <a:spcPct val="100000"/>
+              </a:lnSpc>
+            </a:pPr>
+            <a:r>
+              <a:rPr lang="ru-RU" sz="2200" spc="-1">
+                <a:latin typeface="Arial"/>
+              </a:rPr>
+              <a:t>- «Значение больше нуля» </a:t>
+            </a:r>
+          </a:p>
+          <a:p>
+            <a:pPr>
+              <a:lnSpc>
+                <a:spcPct val="100000"/>
+              </a:lnSpc>
+            </a:pPr>
+            <a:r>
+              <a:rPr lang="ru-RU" sz="2200" spc="-1">
+                <a:latin typeface="Arial"/>
+              </a:rPr>
+              <a:t>- «Значение меньше нуля»</a:t>
+            </a:r>
+          </a:p>
+          <a:p>
+            <a:pPr>
+              <a:lnSpc>
+                <a:spcPct val="100000"/>
+              </a:lnSpc>
+            </a:pPr>
+            <a:r>
+              <a:rPr lang="ru-RU" sz="2200" spc="-1">
+                <a:latin typeface="Arial"/>
+              </a:rPr>
+              <a:t>- «Значение равно нулю»</a:t>
+            </a:r>
+          </a:p>
+        </p:txBody>
+      </p:sp>
+    </p:spTree>
+  </p:cSld>
+  <p:clrMapOvr>
+    <a:masterClrMapping/>
+  </p:clrMapOvr>
+</p:sld>
+</file>
+
 <file path=ppt/slides/slide2.xml><?xml version="1.0" encoding="utf-8"?>
 <p:sld xmlns:a="http://schemas.openxmlformats.org/drawingml/2006/main" xmlns:r="http://schemas.openxmlformats.org/officeDocument/2006/relationships" xmlns:p="http://schemas.openxmlformats.org/presentationml/2006/main">
   <p:cSld>
@@ -15580,6 +20372,1880 @@
             <a:endParaRPr lang="ru-RU" sz="2200" spc="-1">
               <a:latin typeface="Arial"/>
             </a:endParaRPr>
+          </a:p>
+        </p:txBody>
+      </p:sp>
+    </p:spTree>
+  </p:cSld>
+  <p:clrMapOvr>
+    <a:masterClrMapping/>
+  </p:clrMapOvr>
+</p:sld>
+</file>
+
+<file path=ppt/slides/slide5.xml><?xml version="1.0" encoding="utf-8"?>
+<p:sld xmlns:a="http://schemas.openxmlformats.org/drawingml/2006/main" xmlns:r="http://schemas.openxmlformats.org/officeDocument/2006/relationships" xmlns:p="http://schemas.openxmlformats.org/presentationml/2006/main">
+  <p:cSld>
+    <p:spTree>
+      <p:nvGrpSpPr>
+        <p:cNvPr id="1" name=""/>
+        <p:cNvGrpSpPr/>
+        <p:nvPr/>
+      </p:nvGrpSpPr>
+      <p:grpSpPr>
+        <a:xfrm>
+          <a:off x="0" y="0"/>
+          <a:ext cx="0" cy="0"/>
+          <a:chOff x="0" y="0"/>
+          <a:chExt cx="0" cy="0"/>
+        </a:xfrm>
+      </p:grpSpPr>
+      <p:sp>
+        <p:nvSpPr>
+          <p:cNvPr id="127" name="CustomShape 1"/>
+          <p:cNvSpPr/>
+          <p:nvPr/>
+        </p:nvSpPr>
+        <p:spPr>
+          <a:xfrm>
+            <a:off x="2152560" y="297720"/>
+            <a:ext cx="7882920" cy="759240"/>
+          </a:xfrm>
+          <a:prstGeom prst="rect">
+            <a:avLst/>
+          </a:prstGeom>
+          <a:noFill/>
+          <a:ln>
+            <a:noFill/>
+          </a:ln>
+        </p:spPr>
+        <p:style>
+          <a:lnRef idx="0">
+            <a:scrgbClr r="0" g="0" b="0"/>
+          </a:lnRef>
+          <a:fillRef idx="0">
+            <a:scrgbClr r="0" g="0" b="0"/>
+          </a:fillRef>
+          <a:effectRef idx="0">
+            <a:scrgbClr r="0" g="0" b="0"/>
+          </a:effectRef>
+          <a:fontRef idx="minor"/>
+        </p:style>
+        <p:txBody>
+          <a:bodyPr lIns="90000" tIns="45000" rIns="90000" bIns="45000" anchor="ctr">
+            <a:normAutofit/>
+          </a:bodyPr>
+          <a:lstStyle/>
+          <a:p>
+            <a:pPr algn="ctr">
+              <a:lnSpc>
+                <a:spcPct val="100000"/>
+              </a:lnSpc>
+            </a:pPr>
+            <a:r>
+              <a:rPr lang="ru-RU" sz="4000" b="1" spc="-1">
+                <a:solidFill>
+                  <a:srgbClr val="203864"/>
+                </a:solidFill>
+                <a:latin typeface="Calibri"/>
+                <a:ea typeface="DejaVu Sans"/>
+              </a:rPr>
+              <a:t>Приоритет операций</a:t>
+            </a:r>
+            <a:endParaRPr lang="ru-RU" sz="4000" spc="-1">
+              <a:latin typeface="Arial"/>
+            </a:endParaRPr>
+          </a:p>
+        </p:txBody>
+      </p:sp>
+      <p:sp>
+        <p:nvSpPr>
+          <p:cNvPr id="128" name="CustomShape 2"/>
+          <p:cNvSpPr/>
+          <p:nvPr/>
+        </p:nvSpPr>
+        <p:spPr>
+          <a:xfrm>
+            <a:off x="4764000" y="4824000"/>
+            <a:ext cx="5398200" cy="1438200"/>
+          </a:xfrm>
+          <a:prstGeom prst="rect">
+            <a:avLst/>
+          </a:prstGeom>
+          <a:solidFill>
+            <a:srgbClr val="729FCF"/>
+          </a:solidFill>
+          <a:ln>
+            <a:solidFill>
+              <a:srgbClr val="3465A4"/>
+            </a:solidFill>
+          </a:ln>
+        </p:spPr>
+        <p:style>
+          <a:lnRef idx="0">
+            <a:scrgbClr r="0" g="0" b="0"/>
+          </a:lnRef>
+          <a:fillRef idx="0">
+            <a:scrgbClr r="0" g="0" b="0"/>
+          </a:fillRef>
+          <a:effectRef idx="0">
+            <a:scrgbClr r="0" g="0" b="0"/>
+          </a:effectRef>
+          <a:fontRef idx="minor"/>
+        </p:style>
+        <p:txBody>
+          <a:bodyPr wrap="none" lIns="90000" tIns="45000" rIns="90000" bIns="45000" anchor="ctr">
+            <a:noAutofit/>
+          </a:bodyPr>
+          <a:lstStyle/>
+          <a:p>
+            <a:pPr algn="just">
+              <a:lnSpc>
+                <a:spcPct val="100000"/>
+              </a:lnSpc>
+            </a:pPr>
+            <a:r>
+              <a:rPr lang="ru-RU" spc="-1">
+                <a:solidFill>
+                  <a:srgbClr val="000000"/>
+                </a:solidFill>
+                <a:latin typeface="Calibri"/>
+                <a:ea typeface="DejaVu Sans"/>
+              </a:rPr>
+              <a:t>                                         ! НЕ РАВНО</a:t>
+            </a:r>
+            <a:endParaRPr lang="ru-RU" spc="-1">
+              <a:latin typeface="Arial"/>
+            </a:endParaRPr>
+          </a:p>
+        </p:txBody>
+      </p:sp>
+      <p:sp>
+        <p:nvSpPr>
+          <p:cNvPr id="129" name="CustomShape 3"/>
+          <p:cNvSpPr/>
+          <p:nvPr/>
+        </p:nvSpPr>
+        <p:spPr>
+          <a:xfrm>
+            <a:off x="6418560" y="3384000"/>
+            <a:ext cx="3743640" cy="1438200"/>
+          </a:xfrm>
+          <a:prstGeom prst="rect">
+            <a:avLst/>
+          </a:prstGeom>
+          <a:solidFill>
+            <a:srgbClr val="729FCF"/>
+          </a:solidFill>
+          <a:ln>
+            <a:solidFill>
+              <a:srgbClr val="3465A4"/>
+            </a:solidFill>
+          </a:ln>
+        </p:spPr>
+        <p:style>
+          <a:lnRef idx="0">
+            <a:scrgbClr r="0" g="0" b="0"/>
+          </a:lnRef>
+          <a:fillRef idx="0">
+            <a:scrgbClr r="0" g="0" b="0"/>
+          </a:fillRef>
+          <a:effectRef idx="0">
+            <a:scrgbClr r="0" g="0" b="0"/>
+          </a:effectRef>
+          <a:fontRef idx="minor"/>
+        </p:style>
+        <p:txBody>
+          <a:bodyPr wrap="none" lIns="90000" tIns="45000" rIns="90000" bIns="45000" anchor="ctr">
+            <a:noAutofit/>
+          </a:bodyPr>
+          <a:lstStyle/>
+          <a:p>
+            <a:pPr marL="360000" algn="just"/>
+            <a:r>
+              <a:rPr lang="ru-RU" spc="-1">
+                <a:solidFill>
+                  <a:srgbClr val="000000"/>
+                </a:solidFill>
+                <a:latin typeface="Calibri"/>
+                <a:ea typeface="DejaVu Sans"/>
+              </a:rPr>
+              <a:t>          &amp;&amp;  ЛОГИЧЕСКОЕ И</a:t>
+            </a:r>
+            <a:endParaRPr lang="ru-RU" spc="-1">
+              <a:latin typeface="Arial"/>
+            </a:endParaRPr>
+          </a:p>
+        </p:txBody>
+      </p:sp>
+      <p:sp>
+        <p:nvSpPr>
+          <p:cNvPr id="130" name="CustomShape 4"/>
+          <p:cNvSpPr/>
+          <p:nvPr/>
+        </p:nvSpPr>
+        <p:spPr>
+          <a:xfrm>
+            <a:off x="7644000" y="1944000"/>
+            <a:ext cx="2518200" cy="1438200"/>
+          </a:xfrm>
+          <a:prstGeom prst="rect">
+            <a:avLst/>
+          </a:prstGeom>
+          <a:solidFill>
+            <a:srgbClr val="729FCF"/>
+          </a:solidFill>
+          <a:ln>
+            <a:solidFill>
+              <a:srgbClr val="3465A4"/>
+            </a:solidFill>
+          </a:ln>
+        </p:spPr>
+        <p:style>
+          <a:lnRef idx="0">
+            <a:scrgbClr r="0" g="0" b="0"/>
+          </a:lnRef>
+          <a:fillRef idx="0">
+            <a:scrgbClr r="0" g="0" b="0"/>
+          </a:fillRef>
+          <a:effectRef idx="0">
+            <a:scrgbClr r="0" g="0" b="0"/>
+          </a:effectRef>
+          <a:fontRef idx="minor"/>
+        </p:style>
+        <p:txBody>
+          <a:bodyPr wrap="none" lIns="90000" tIns="45000" rIns="90000" bIns="45000" anchor="ctr">
+            <a:noAutofit/>
+          </a:bodyPr>
+          <a:lstStyle/>
+          <a:p>
+            <a:pPr algn="just">
+              <a:lnSpc>
+                <a:spcPct val="100000"/>
+              </a:lnSpc>
+            </a:pPr>
+            <a:r>
+              <a:rPr lang="ru-RU" spc="-1">
+                <a:solidFill>
+                  <a:srgbClr val="000000"/>
+                </a:solidFill>
+                <a:latin typeface="Calibri"/>
+                <a:ea typeface="DejaVu Sans"/>
+              </a:rPr>
+              <a:t>   ||  ЛОГИЧЕСКОЕ ИЛИ</a:t>
+            </a:r>
+            <a:endParaRPr lang="ru-RU" spc="-1">
+              <a:latin typeface="Arial"/>
+            </a:endParaRPr>
+          </a:p>
+        </p:txBody>
+      </p:sp>
+      <p:sp>
+        <p:nvSpPr>
+          <p:cNvPr id="131" name="CustomShape 5"/>
+          <p:cNvSpPr/>
+          <p:nvPr/>
+        </p:nvSpPr>
+        <p:spPr>
+          <a:xfrm>
+            <a:off x="3324000" y="3722040"/>
+            <a:ext cx="3094200" cy="596160"/>
+          </a:xfrm>
+          <a:prstGeom prst="rect">
+            <a:avLst/>
+          </a:prstGeom>
+          <a:noFill/>
+          <a:ln>
+            <a:noFill/>
+          </a:ln>
+        </p:spPr>
+        <p:style>
+          <a:lnRef idx="0">
+            <a:scrgbClr r="0" g="0" b="0"/>
+          </a:lnRef>
+          <a:fillRef idx="0">
+            <a:scrgbClr r="0" g="0" b="0"/>
+          </a:fillRef>
+          <a:effectRef idx="0">
+            <a:scrgbClr r="0" g="0" b="0"/>
+          </a:effectRef>
+          <a:fontRef idx="minor"/>
+        </p:style>
+        <p:txBody>
+          <a:bodyPr lIns="90000" tIns="45000" rIns="90000" bIns="45000">
+            <a:noAutofit/>
+          </a:bodyPr>
+          <a:lstStyle/>
+          <a:p>
+            <a:pPr>
+              <a:lnSpc>
+                <a:spcPct val="100000"/>
+              </a:lnSpc>
+            </a:pPr>
+            <a:r>
+              <a:rPr lang="ru-RU" sz="4000" b="1" spc="-1">
+                <a:solidFill>
+                  <a:srgbClr val="1731D2"/>
+                </a:solidFill>
+                <a:latin typeface="Calibri"/>
+                <a:ea typeface="DejaVu Sans"/>
+              </a:rPr>
+              <a:t>2 ступенька</a:t>
+            </a:r>
+            <a:endParaRPr lang="ru-RU" sz="4000" spc="-1">
+              <a:latin typeface="Arial"/>
+            </a:endParaRPr>
+          </a:p>
+        </p:txBody>
+      </p:sp>
+      <p:sp>
+        <p:nvSpPr>
+          <p:cNvPr id="132" name="CustomShape 6"/>
+          <p:cNvSpPr/>
+          <p:nvPr/>
+        </p:nvSpPr>
+        <p:spPr>
+          <a:xfrm>
+            <a:off x="1740000" y="5374440"/>
+            <a:ext cx="2912400" cy="596160"/>
+          </a:xfrm>
+          <a:prstGeom prst="rect">
+            <a:avLst/>
+          </a:prstGeom>
+          <a:noFill/>
+          <a:ln>
+            <a:noFill/>
+          </a:ln>
+        </p:spPr>
+        <p:style>
+          <a:lnRef idx="0">
+            <a:scrgbClr r="0" g="0" b="0"/>
+          </a:lnRef>
+          <a:fillRef idx="0">
+            <a:scrgbClr r="0" g="0" b="0"/>
+          </a:fillRef>
+          <a:effectRef idx="0">
+            <a:scrgbClr r="0" g="0" b="0"/>
+          </a:effectRef>
+          <a:fontRef idx="minor"/>
+        </p:style>
+        <p:txBody>
+          <a:bodyPr lIns="90000" tIns="45000" rIns="90000" bIns="45000">
+            <a:noAutofit/>
+          </a:bodyPr>
+          <a:lstStyle/>
+          <a:p>
+            <a:pPr>
+              <a:lnSpc>
+                <a:spcPct val="100000"/>
+              </a:lnSpc>
+            </a:pPr>
+            <a:r>
+              <a:rPr lang="ru-RU" sz="4000" b="1" spc="-1">
+                <a:solidFill>
+                  <a:srgbClr val="1731D2"/>
+                </a:solidFill>
+                <a:latin typeface="Calibri"/>
+                <a:ea typeface="DejaVu Sans"/>
+              </a:rPr>
+              <a:t>1 ступенька</a:t>
+            </a:r>
+            <a:endParaRPr lang="ru-RU" sz="4000" spc="-1">
+              <a:latin typeface="Arial"/>
+            </a:endParaRPr>
+          </a:p>
+        </p:txBody>
+      </p:sp>
+      <p:sp>
+        <p:nvSpPr>
+          <p:cNvPr id="133" name="CustomShape 7"/>
+          <p:cNvSpPr/>
+          <p:nvPr/>
+        </p:nvSpPr>
+        <p:spPr>
+          <a:xfrm>
+            <a:off x="4620000" y="2283480"/>
+            <a:ext cx="3094200" cy="596160"/>
+          </a:xfrm>
+          <a:prstGeom prst="rect">
+            <a:avLst/>
+          </a:prstGeom>
+          <a:noFill/>
+          <a:ln>
+            <a:noFill/>
+          </a:ln>
+        </p:spPr>
+        <p:style>
+          <a:lnRef idx="0">
+            <a:scrgbClr r="0" g="0" b="0"/>
+          </a:lnRef>
+          <a:fillRef idx="0">
+            <a:scrgbClr r="0" g="0" b="0"/>
+          </a:fillRef>
+          <a:effectRef idx="0">
+            <a:scrgbClr r="0" g="0" b="0"/>
+          </a:effectRef>
+          <a:fontRef idx="minor"/>
+        </p:style>
+        <p:txBody>
+          <a:bodyPr lIns="90000" tIns="45000" rIns="90000" bIns="45000">
+            <a:noAutofit/>
+          </a:bodyPr>
+          <a:lstStyle/>
+          <a:p>
+            <a:pPr>
+              <a:lnSpc>
+                <a:spcPct val="100000"/>
+              </a:lnSpc>
+            </a:pPr>
+            <a:r>
+              <a:rPr lang="ru-RU" sz="4000" b="1" spc="-1">
+                <a:solidFill>
+                  <a:srgbClr val="1731D2"/>
+                </a:solidFill>
+                <a:latin typeface="Calibri"/>
+                <a:ea typeface="DejaVu Sans"/>
+              </a:rPr>
+              <a:t>3 ступенька</a:t>
+            </a:r>
+            <a:endParaRPr lang="ru-RU" sz="4000" spc="-1">
+              <a:latin typeface="Arial"/>
+            </a:endParaRPr>
+          </a:p>
+        </p:txBody>
+      </p:sp>
+    </p:spTree>
+  </p:cSld>
+  <p:clrMapOvr>
+    <a:masterClrMapping/>
+  </p:clrMapOvr>
+</p:sld>
+</file>
+
+<file path=ppt/slides/slide6.xml><?xml version="1.0" encoding="utf-8"?>
+<p:sld xmlns:a="http://schemas.openxmlformats.org/drawingml/2006/main" xmlns:r="http://schemas.openxmlformats.org/officeDocument/2006/relationships" xmlns:p="http://schemas.openxmlformats.org/presentationml/2006/main">
+  <p:cSld>
+    <p:spTree>
+      <p:nvGrpSpPr>
+        <p:cNvPr id="1" name=""/>
+        <p:cNvGrpSpPr/>
+        <p:nvPr/>
+      </p:nvGrpSpPr>
+      <p:grpSpPr>
+        <a:xfrm>
+          <a:off x="0" y="0"/>
+          <a:ext cx="0" cy="0"/>
+          <a:chOff x="0" y="0"/>
+          <a:chExt cx="0" cy="0"/>
+        </a:xfrm>
+      </p:grpSpPr>
+      <p:sp>
+        <p:nvSpPr>
+          <p:cNvPr id="134" name="CustomShape 1"/>
+          <p:cNvSpPr/>
+          <p:nvPr/>
+        </p:nvSpPr>
+        <p:spPr>
+          <a:xfrm>
+            <a:off x="2152560" y="297720"/>
+            <a:ext cx="7882920" cy="759240"/>
+          </a:xfrm>
+          <a:prstGeom prst="rect">
+            <a:avLst/>
+          </a:prstGeom>
+          <a:noFill/>
+          <a:ln>
+            <a:noFill/>
+          </a:ln>
+        </p:spPr>
+        <p:style>
+          <a:lnRef idx="0">
+            <a:scrgbClr r="0" g="0" b="0"/>
+          </a:lnRef>
+          <a:fillRef idx="0">
+            <a:scrgbClr r="0" g="0" b="0"/>
+          </a:fillRef>
+          <a:effectRef idx="0">
+            <a:scrgbClr r="0" g="0" b="0"/>
+          </a:effectRef>
+          <a:fontRef idx="minor"/>
+        </p:style>
+        <p:txBody>
+          <a:bodyPr lIns="90000" tIns="45000" rIns="90000" bIns="45000" anchor="ctr">
+            <a:normAutofit/>
+          </a:bodyPr>
+          <a:lstStyle/>
+          <a:p>
+            <a:pPr algn="ctr">
+              <a:lnSpc>
+                <a:spcPct val="100000"/>
+              </a:lnSpc>
+            </a:pPr>
+            <a:r>
+              <a:rPr lang="ru-RU" sz="4000" b="1" spc="-1">
+                <a:solidFill>
+                  <a:srgbClr val="203864"/>
+                </a:solidFill>
+                <a:latin typeface="Calibri"/>
+                <a:ea typeface="DejaVu Sans"/>
+              </a:rPr>
+              <a:t>Приоритет операций</a:t>
+            </a:r>
+            <a:endParaRPr lang="ru-RU" sz="4000" spc="-1">
+              <a:latin typeface="Arial"/>
+            </a:endParaRPr>
+          </a:p>
+        </p:txBody>
+      </p:sp>
+      <p:sp>
+        <p:nvSpPr>
+          <p:cNvPr id="135" name="CustomShape 2"/>
+          <p:cNvSpPr/>
+          <p:nvPr/>
+        </p:nvSpPr>
+        <p:spPr>
+          <a:xfrm>
+            <a:off x="2172000" y="1872000"/>
+            <a:ext cx="3095640" cy="719640"/>
+          </a:xfrm>
+          <a:prstGeom prst="rect">
+            <a:avLst/>
+          </a:prstGeom>
+          <a:solidFill>
+            <a:srgbClr val="729FCF"/>
+          </a:solidFill>
+          <a:ln>
+            <a:solidFill>
+              <a:srgbClr val="3465A4"/>
+            </a:solidFill>
+          </a:ln>
+        </p:spPr>
+        <p:style>
+          <a:lnRef idx="0">
+            <a:scrgbClr r="0" g="0" b="0"/>
+          </a:lnRef>
+          <a:fillRef idx="0">
+            <a:scrgbClr r="0" g="0" b="0"/>
+          </a:fillRef>
+          <a:effectRef idx="0">
+            <a:scrgbClr r="0" g="0" b="0"/>
+          </a:effectRef>
+          <a:fontRef idx="minor"/>
+        </p:style>
+        <p:txBody>
+          <a:bodyPr wrap="none" lIns="90000" tIns="45000" rIns="90000" bIns="45000" anchor="ctr">
+            <a:noAutofit/>
+          </a:bodyPr>
+          <a:lstStyle/>
+          <a:p>
+            <a:pPr algn="ctr">
+              <a:lnSpc>
+                <a:spcPct val="100000"/>
+              </a:lnSpc>
+            </a:pPr>
+            <a:r>
+              <a:rPr lang="ru-RU" sz="2200" spc="-1">
+                <a:solidFill>
+                  <a:srgbClr val="000000"/>
+                </a:solidFill>
+                <a:latin typeface="Calibri"/>
+                <a:ea typeface="DejaVu Sans"/>
+              </a:rPr>
+              <a:t>Неравенство 1 ≤ x ≤ 6</a:t>
+            </a:r>
+            <a:endParaRPr lang="ru-RU" sz="2200" spc="-1">
+              <a:latin typeface="Arial"/>
+            </a:endParaRPr>
+          </a:p>
+        </p:txBody>
+      </p:sp>
+      <p:sp>
+        <p:nvSpPr>
+          <p:cNvPr id="136" name="CustomShape 3"/>
+          <p:cNvSpPr/>
+          <p:nvPr/>
+        </p:nvSpPr>
+        <p:spPr>
+          <a:xfrm>
+            <a:off x="6636000" y="1872000"/>
+            <a:ext cx="2951640" cy="719640"/>
+          </a:xfrm>
+          <a:prstGeom prst="rect">
+            <a:avLst/>
+          </a:prstGeom>
+          <a:solidFill>
+            <a:srgbClr val="729FCF"/>
+          </a:solidFill>
+          <a:ln>
+            <a:solidFill>
+              <a:srgbClr val="3465A4"/>
+            </a:solidFill>
+          </a:ln>
+        </p:spPr>
+        <p:style>
+          <a:lnRef idx="0">
+            <a:scrgbClr r="0" g="0" b="0"/>
+          </a:lnRef>
+          <a:fillRef idx="0">
+            <a:scrgbClr r="0" g="0" b="0"/>
+          </a:fillRef>
+          <a:effectRef idx="0">
+            <a:scrgbClr r="0" g="0" b="0"/>
+          </a:effectRef>
+          <a:fontRef idx="minor"/>
+        </p:style>
+        <p:txBody>
+          <a:bodyPr wrap="none" lIns="90000" tIns="45000" rIns="90000" bIns="45000" anchor="ctr">
+            <a:noAutofit/>
+          </a:bodyPr>
+          <a:lstStyle/>
+          <a:p>
+            <a:pPr algn="ctr">
+              <a:lnSpc>
+                <a:spcPct val="100000"/>
+              </a:lnSpc>
+            </a:pPr>
+            <a:r>
+              <a:rPr lang="ru-RU" sz="2200" spc="-1">
+                <a:solidFill>
+                  <a:srgbClr val="000000"/>
+                </a:solidFill>
+                <a:latin typeface="Calibri"/>
+                <a:ea typeface="DejaVu Sans"/>
+              </a:rPr>
+              <a:t>1 &lt; x &amp;&amp; x &lt; 6</a:t>
+            </a:r>
+            <a:endParaRPr lang="ru-RU" sz="2200" spc="-1">
+              <a:latin typeface="Arial"/>
+            </a:endParaRPr>
+          </a:p>
+        </p:txBody>
+      </p:sp>
+      <p:sp>
+        <p:nvSpPr>
+          <p:cNvPr id="137" name="CustomShape 4"/>
+          <p:cNvSpPr/>
+          <p:nvPr/>
+        </p:nvSpPr>
+        <p:spPr>
+          <a:xfrm>
+            <a:off x="4260000" y="3672000"/>
+            <a:ext cx="3815640" cy="719640"/>
+          </a:xfrm>
+          <a:prstGeom prst="rect">
+            <a:avLst/>
+          </a:prstGeom>
+          <a:solidFill>
+            <a:srgbClr val="729FCF"/>
+          </a:solidFill>
+          <a:ln>
+            <a:solidFill>
+              <a:srgbClr val="3465A4"/>
+            </a:solidFill>
+          </a:ln>
+        </p:spPr>
+        <p:style>
+          <a:lnRef idx="0">
+            <a:scrgbClr r="0" g="0" b="0"/>
+          </a:lnRef>
+          <a:fillRef idx="0">
+            <a:scrgbClr r="0" g="0" b="0"/>
+          </a:fillRef>
+          <a:effectRef idx="0">
+            <a:scrgbClr r="0" g="0" b="0"/>
+          </a:effectRef>
+          <a:fontRef idx="minor"/>
+        </p:style>
+        <p:txBody>
+          <a:bodyPr wrap="none" lIns="90000" tIns="45000" rIns="90000" bIns="45000" anchor="ctr">
+            <a:noAutofit/>
+          </a:bodyPr>
+          <a:lstStyle/>
+          <a:p>
+            <a:pPr algn="ctr">
+              <a:lnSpc>
+                <a:spcPct val="100000"/>
+              </a:lnSpc>
+            </a:pPr>
+            <a:r>
+              <a:rPr lang="ru-RU" sz="2200" spc="-1">
+                <a:solidFill>
+                  <a:srgbClr val="000000"/>
+                </a:solidFill>
+                <a:latin typeface="Calibri"/>
+                <a:ea typeface="DejaVu Sans"/>
+              </a:rPr>
+              <a:t>value1 || value2 &amp;&amp; value3</a:t>
+            </a:r>
+            <a:endParaRPr lang="ru-RU" sz="2200" spc="-1">
+              <a:latin typeface="Arial"/>
+            </a:endParaRPr>
+          </a:p>
+        </p:txBody>
+      </p:sp>
+      <p:sp>
+        <p:nvSpPr>
+          <p:cNvPr id="138" name="Line 5"/>
+          <p:cNvSpPr/>
+          <p:nvPr/>
+        </p:nvSpPr>
+        <p:spPr>
+          <a:xfrm>
+            <a:off x="5268000" y="2160000"/>
+            <a:ext cx="1368000" cy="0"/>
+          </a:xfrm>
+          <a:prstGeom prst="line">
+            <a:avLst/>
+          </a:prstGeom>
+          <a:ln>
+            <a:solidFill>
+              <a:srgbClr val="3465A4"/>
+            </a:solidFill>
+            <a:tailEnd type="triangle" w="med" len="med"/>
+          </a:ln>
+        </p:spPr>
+        <p:style>
+          <a:lnRef idx="0">
+            <a:scrgbClr r="0" g="0" b="0"/>
+          </a:lnRef>
+          <a:fillRef idx="0">
+            <a:scrgbClr r="0" g="0" b="0"/>
+          </a:fillRef>
+          <a:effectRef idx="0">
+            <a:scrgbClr r="0" g="0" b="0"/>
+          </a:effectRef>
+          <a:fontRef idx="minor"/>
+        </p:style>
+      </p:sp>
+      <p:sp>
+        <p:nvSpPr>
+          <p:cNvPr id="139" name="CustomShape 6"/>
+          <p:cNvSpPr/>
+          <p:nvPr/>
+        </p:nvSpPr>
+        <p:spPr>
+          <a:xfrm>
+            <a:off x="1956000" y="4968000"/>
+            <a:ext cx="3527640" cy="719640"/>
+          </a:xfrm>
+          <a:prstGeom prst="rect">
+            <a:avLst/>
+          </a:prstGeom>
+          <a:solidFill>
+            <a:srgbClr val="7BCF72"/>
+          </a:solidFill>
+          <a:ln>
+            <a:solidFill>
+              <a:srgbClr val="3465A4"/>
+            </a:solidFill>
+          </a:ln>
+        </p:spPr>
+        <p:style>
+          <a:lnRef idx="0">
+            <a:scrgbClr r="0" g="0" b="0"/>
+          </a:lnRef>
+          <a:fillRef idx="0">
+            <a:scrgbClr r="0" g="0" b="0"/>
+          </a:fillRef>
+          <a:effectRef idx="0">
+            <a:scrgbClr r="0" g="0" b="0"/>
+          </a:effectRef>
+          <a:fontRef idx="minor"/>
+        </p:style>
+        <p:txBody>
+          <a:bodyPr wrap="none" lIns="90000" tIns="45000" rIns="90000" bIns="45000" anchor="ctr">
+            <a:noAutofit/>
+          </a:bodyPr>
+          <a:lstStyle/>
+          <a:p>
+            <a:pPr algn="just">
+              <a:lnSpc>
+                <a:spcPct val="100000"/>
+              </a:lnSpc>
+            </a:pPr>
+            <a:r>
+              <a:rPr lang="ru-RU" sz="2200" spc="-1">
+                <a:solidFill>
+                  <a:srgbClr val="000000"/>
+                </a:solidFill>
+                <a:latin typeface="Calibri"/>
+                <a:ea typeface="Liberation Mono;Courier New"/>
+              </a:rPr>
+              <a:t>value1 || (value2 &amp;&amp; value3)</a:t>
+            </a:r>
+            <a:endParaRPr lang="ru-RU" sz="2200" spc="-1">
+              <a:latin typeface="Arial"/>
+            </a:endParaRPr>
+          </a:p>
+        </p:txBody>
+      </p:sp>
+      <p:sp>
+        <p:nvSpPr>
+          <p:cNvPr id="140" name="CustomShape 7"/>
+          <p:cNvSpPr/>
+          <p:nvPr/>
+        </p:nvSpPr>
+        <p:spPr>
+          <a:xfrm>
+            <a:off x="6564000" y="4968000"/>
+            <a:ext cx="3527640" cy="719640"/>
+          </a:xfrm>
+          <a:prstGeom prst="rect">
+            <a:avLst/>
+          </a:prstGeom>
+          <a:solidFill>
+            <a:srgbClr val="FE7180"/>
+          </a:solidFill>
+          <a:ln>
+            <a:solidFill>
+              <a:srgbClr val="3465A4"/>
+            </a:solidFill>
+          </a:ln>
+        </p:spPr>
+        <p:style>
+          <a:lnRef idx="0">
+            <a:scrgbClr r="0" g="0" b="0"/>
+          </a:lnRef>
+          <a:fillRef idx="0">
+            <a:scrgbClr r="0" g="0" b="0"/>
+          </a:fillRef>
+          <a:effectRef idx="0">
+            <a:scrgbClr r="0" g="0" b="0"/>
+          </a:effectRef>
+          <a:fontRef idx="minor"/>
+        </p:style>
+        <p:txBody>
+          <a:bodyPr wrap="none" lIns="90000" tIns="45000" rIns="90000" bIns="45000" anchor="ctr">
+            <a:noAutofit/>
+          </a:bodyPr>
+          <a:lstStyle/>
+          <a:p>
+            <a:pPr algn="just">
+              <a:lnSpc>
+                <a:spcPct val="100000"/>
+              </a:lnSpc>
+            </a:pPr>
+            <a:r>
+              <a:rPr lang="ru-RU" sz="2200" spc="-1">
+                <a:solidFill>
+                  <a:srgbClr val="000000"/>
+                </a:solidFill>
+                <a:latin typeface="Calibri"/>
+                <a:ea typeface="Liberation Mono;Courier New"/>
+              </a:rPr>
+              <a:t>(value1 || value2) &amp;&amp; value3</a:t>
+            </a:r>
+            <a:endParaRPr lang="ru-RU" sz="2200" spc="-1">
+              <a:latin typeface="Arial"/>
+            </a:endParaRPr>
+          </a:p>
+        </p:txBody>
+      </p:sp>
+      <p:sp>
+        <p:nvSpPr>
+          <p:cNvPr id="141" name="Line 8"/>
+          <p:cNvSpPr/>
+          <p:nvPr/>
+        </p:nvSpPr>
+        <p:spPr>
+          <a:xfrm flipH="1">
+            <a:off x="4548000" y="4392000"/>
+            <a:ext cx="432000" cy="576000"/>
+          </a:xfrm>
+          <a:prstGeom prst="line">
+            <a:avLst/>
+          </a:prstGeom>
+          <a:ln>
+            <a:solidFill>
+              <a:srgbClr val="3465A4"/>
+            </a:solidFill>
+            <a:tailEnd type="triangle" w="med" len="med"/>
+          </a:ln>
+        </p:spPr>
+        <p:style>
+          <a:lnRef idx="0">
+            <a:scrgbClr r="0" g="0" b="0"/>
+          </a:lnRef>
+          <a:fillRef idx="0">
+            <a:scrgbClr r="0" g="0" b="0"/>
+          </a:fillRef>
+          <a:effectRef idx="0">
+            <a:scrgbClr r="0" g="0" b="0"/>
+          </a:effectRef>
+          <a:fontRef idx="minor"/>
+        </p:style>
+      </p:sp>
+      <p:sp>
+        <p:nvSpPr>
+          <p:cNvPr id="142" name="Line 9"/>
+          <p:cNvSpPr/>
+          <p:nvPr/>
+        </p:nvSpPr>
+        <p:spPr>
+          <a:xfrm>
+            <a:off x="7140000" y="4392000"/>
+            <a:ext cx="504000" cy="576000"/>
+          </a:xfrm>
+          <a:prstGeom prst="line">
+            <a:avLst/>
+          </a:prstGeom>
+          <a:ln>
+            <a:solidFill>
+              <a:srgbClr val="3465A4"/>
+            </a:solidFill>
+            <a:tailEnd type="triangle" w="med" len="med"/>
+          </a:ln>
+        </p:spPr>
+        <p:style>
+          <a:lnRef idx="0">
+            <a:scrgbClr r="0" g="0" b="0"/>
+          </a:lnRef>
+          <a:fillRef idx="0">
+            <a:scrgbClr r="0" g="0" b="0"/>
+          </a:fillRef>
+          <a:effectRef idx="0">
+            <a:scrgbClr r="0" g="0" b="0"/>
+          </a:effectRef>
+          <a:fontRef idx="minor"/>
+        </p:style>
+      </p:sp>
+      <p:sp>
+        <p:nvSpPr>
+          <p:cNvPr id="143" name="CustomShape 10"/>
+          <p:cNvSpPr/>
+          <p:nvPr/>
+        </p:nvSpPr>
+        <p:spPr>
+          <a:xfrm>
+            <a:off x="3092880" y="5895360"/>
+            <a:ext cx="1814760" cy="368280"/>
+          </a:xfrm>
+          <a:prstGeom prst="rect">
+            <a:avLst/>
+          </a:prstGeom>
+          <a:noFill/>
+          <a:ln>
+            <a:noFill/>
+          </a:ln>
+        </p:spPr>
+        <p:style>
+          <a:lnRef idx="0">
+            <a:scrgbClr r="0" g="0" b="0"/>
+          </a:lnRef>
+          <a:fillRef idx="0">
+            <a:scrgbClr r="0" g="0" b="0"/>
+          </a:fillRef>
+          <a:effectRef idx="0">
+            <a:scrgbClr r="0" g="0" b="0"/>
+          </a:effectRef>
+          <a:fontRef idx="minor"/>
+        </p:style>
+        <p:txBody>
+          <a:bodyPr lIns="90000" tIns="45000" rIns="90000" bIns="45000">
+            <a:noAutofit/>
+          </a:bodyPr>
+          <a:lstStyle/>
+          <a:p>
+            <a:pPr>
+              <a:lnSpc>
+                <a:spcPct val="100000"/>
+              </a:lnSpc>
+            </a:pPr>
+            <a:r>
+              <a:rPr lang="ru-RU" sz="2200" spc="-1">
+                <a:solidFill>
+                  <a:srgbClr val="000000"/>
+                </a:solidFill>
+                <a:latin typeface="Calibri"/>
+                <a:ea typeface="DejaVu Sans"/>
+              </a:rPr>
+              <a:t>ВЕРНО</a:t>
+            </a:r>
+            <a:endParaRPr lang="ru-RU" sz="2200" spc="-1">
+              <a:latin typeface="Arial"/>
+            </a:endParaRPr>
+          </a:p>
+        </p:txBody>
+      </p:sp>
+      <p:sp>
+        <p:nvSpPr>
+          <p:cNvPr id="144" name="CustomShape 11"/>
+          <p:cNvSpPr/>
+          <p:nvPr/>
+        </p:nvSpPr>
+        <p:spPr>
+          <a:xfrm>
+            <a:off x="7644000" y="5904000"/>
+            <a:ext cx="1814760" cy="368280"/>
+          </a:xfrm>
+          <a:prstGeom prst="rect">
+            <a:avLst/>
+          </a:prstGeom>
+          <a:noFill/>
+          <a:ln>
+            <a:noFill/>
+          </a:ln>
+        </p:spPr>
+        <p:style>
+          <a:lnRef idx="0">
+            <a:scrgbClr r="0" g="0" b="0"/>
+          </a:lnRef>
+          <a:fillRef idx="0">
+            <a:scrgbClr r="0" g="0" b="0"/>
+          </a:fillRef>
+          <a:effectRef idx="0">
+            <a:scrgbClr r="0" g="0" b="0"/>
+          </a:effectRef>
+          <a:fontRef idx="minor"/>
+        </p:style>
+        <p:txBody>
+          <a:bodyPr lIns="90000" tIns="45000" rIns="90000" bIns="45000">
+            <a:noAutofit/>
+          </a:bodyPr>
+          <a:lstStyle/>
+          <a:p>
+            <a:pPr>
+              <a:lnSpc>
+                <a:spcPct val="100000"/>
+              </a:lnSpc>
+            </a:pPr>
+            <a:r>
+              <a:rPr lang="ru-RU" sz="2200" spc="-1">
+                <a:solidFill>
+                  <a:srgbClr val="000000"/>
+                </a:solidFill>
+                <a:latin typeface="Calibri"/>
+                <a:ea typeface="DejaVu Sans"/>
+              </a:rPr>
+              <a:t>НЕВЕРНО</a:t>
+            </a:r>
+            <a:endParaRPr lang="ru-RU" sz="2200" spc="-1">
+              <a:latin typeface="Arial"/>
+            </a:endParaRPr>
+          </a:p>
+        </p:txBody>
+      </p:sp>
+    </p:spTree>
+  </p:cSld>
+  <p:clrMapOvr>
+    <a:masterClrMapping/>
+  </p:clrMapOvr>
+</p:sld>
+</file>
+
+<file path=ppt/slides/slide7.xml><?xml version="1.0" encoding="utf-8"?>
+<p:sld xmlns:a="http://schemas.openxmlformats.org/drawingml/2006/main" xmlns:r="http://schemas.openxmlformats.org/officeDocument/2006/relationships" xmlns:p="http://schemas.openxmlformats.org/presentationml/2006/main">
+  <p:cSld>
+    <p:spTree>
+      <p:nvGrpSpPr>
+        <p:cNvPr id="1" name=""/>
+        <p:cNvGrpSpPr/>
+        <p:nvPr/>
+      </p:nvGrpSpPr>
+      <p:grpSpPr>
+        <a:xfrm>
+          <a:off x="0" y="0"/>
+          <a:ext cx="0" cy="0"/>
+          <a:chOff x="0" y="0"/>
+          <a:chExt cx="0" cy="0"/>
+        </a:xfrm>
+      </p:grpSpPr>
+      <p:sp>
+        <p:nvSpPr>
+          <p:cNvPr id="82" name="CustomShape 1"/>
+          <p:cNvSpPr/>
+          <p:nvPr/>
+        </p:nvSpPr>
+        <p:spPr>
+          <a:xfrm>
+            <a:off x="2152560" y="297720"/>
+            <a:ext cx="7882200" cy="758520"/>
+          </a:xfrm>
+          <a:prstGeom prst="rect">
+            <a:avLst/>
+          </a:prstGeom>
+          <a:noFill/>
+          <a:ln>
+            <a:noFill/>
+          </a:ln>
+        </p:spPr>
+        <p:style>
+          <a:lnRef idx="0">
+            <a:scrgbClr r="0" g="0" b="0"/>
+          </a:lnRef>
+          <a:fillRef idx="0">
+            <a:scrgbClr r="0" g="0" b="0"/>
+          </a:fillRef>
+          <a:effectRef idx="0">
+            <a:scrgbClr r="0" g="0" b="0"/>
+          </a:effectRef>
+          <a:fontRef idx="minor"/>
+        </p:style>
+        <p:txBody>
+          <a:bodyPr lIns="90000" tIns="45000" rIns="90000" bIns="45000" anchor="ctr">
+            <a:normAutofit/>
+          </a:bodyPr>
+          <a:lstStyle/>
+          <a:p>
+            <a:pPr algn="ctr">
+              <a:lnSpc>
+                <a:spcPct val="90000"/>
+              </a:lnSpc>
+            </a:pPr>
+            <a:r>
+              <a:rPr lang="ru-RU" sz="4000" b="1" spc="-1">
+                <a:solidFill>
+                  <a:srgbClr val="203864"/>
+                </a:solidFill>
+                <a:latin typeface="Calibri"/>
+                <a:ea typeface="DejaVu Sans"/>
+              </a:rPr>
+              <a:t>Условия в реальности</a:t>
+            </a:r>
+            <a:endParaRPr lang="ru-RU" sz="4000" spc="-1">
+              <a:latin typeface="Arial"/>
+            </a:endParaRPr>
+          </a:p>
+        </p:txBody>
+      </p:sp>
+      <p:pic>
+        <p:nvPicPr>
+          <p:cNvPr id="83" name="Рисунок 82"/>
+          <p:cNvPicPr/>
+          <p:nvPr/>
+        </p:nvPicPr>
+        <p:blipFill>
+          <a:blip r:embed="rId2"/>
+          <a:stretch/>
+        </p:blipFill>
+        <p:spPr>
+          <a:xfrm>
+            <a:off x="2028000" y="4096800"/>
+            <a:ext cx="2056680" cy="2094840"/>
+          </a:xfrm>
+          <a:prstGeom prst="rect">
+            <a:avLst/>
+          </a:prstGeom>
+          <a:ln>
+            <a:noFill/>
+          </a:ln>
+        </p:spPr>
+      </p:pic>
+      <p:pic>
+        <p:nvPicPr>
+          <p:cNvPr id="84" name="Рисунок 83"/>
+          <p:cNvPicPr/>
+          <p:nvPr/>
+        </p:nvPicPr>
+        <p:blipFill>
+          <a:blip r:embed="rId3"/>
+          <a:stretch/>
+        </p:blipFill>
+        <p:spPr>
+          <a:xfrm>
+            <a:off x="1956000" y="1872000"/>
+            <a:ext cx="2133000" cy="1447200"/>
+          </a:xfrm>
+          <a:prstGeom prst="rect">
+            <a:avLst/>
+          </a:prstGeom>
+          <a:ln>
+            <a:noFill/>
+          </a:ln>
+        </p:spPr>
+      </p:pic>
+      <p:sp>
+        <p:nvSpPr>
+          <p:cNvPr id="85" name="CustomShape 2"/>
+          <p:cNvSpPr/>
+          <p:nvPr/>
+        </p:nvSpPr>
+        <p:spPr>
+          <a:xfrm>
+            <a:off x="4633320" y="2304000"/>
+            <a:ext cx="3946320" cy="402480"/>
+          </a:xfrm>
+          <a:prstGeom prst="rect">
+            <a:avLst/>
+          </a:prstGeom>
+          <a:noFill/>
+          <a:ln>
+            <a:noFill/>
+          </a:ln>
+        </p:spPr>
+        <p:style>
+          <a:lnRef idx="0">
+            <a:scrgbClr r="0" g="0" b="0"/>
+          </a:lnRef>
+          <a:fillRef idx="0">
+            <a:scrgbClr r="0" g="0" b="0"/>
+          </a:fillRef>
+          <a:effectRef idx="0">
+            <a:scrgbClr r="0" g="0" b="0"/>
+          </a:effectRef>
+          <a:fontRef idx="minor"/>
+        </p:style>
+        <p:txBody>
+          <a:bodyPr lIns="90000" tIns="45000" rIns="90000" bIns="45000">
+            <a:noAutofit/>
+          </a:bodyPr>
+          <a:lstStyle/>
+          <a:p>
+            <a:pPr>
+              <a:lnSpc>
+                <a:spcPct val="100000"/>
+              </a:lnSpc>
+            </a:pPr>
+            <a:r>
+              <a:rPr lang="ru-RU" sz="2200" spc="-1">
+                <a:latin typeface="Arial"/>
+              </a:rPr>
+              <a:t>У нас есть объект велосипед</a:t>
+            </a:r>
+          </a:p>
+        </p:txBody>
+      </p:sp>
+      <p:sp>
+        <p:nvSpPr>
+          <p:cNvPr id="86" name="CustomShape 3"/>
+          <p:cNvSpPr/>
+          <p:nvPr/>
+        </p:nvSpPr>
+        <p:spPr>
+          <a:xfrm>
+            <a:off x="4300320" y="4133160"/>
+            <a:ext cx="3199320" cy="402480"/>
+          </a:xfrm>
+          <a:prstGeom prst="rect">
+            <a:avLst/>
+          </a:prstGeom>
+          <a:noFill/>
+          <a:ln>
+            <a:noFill/>
+          </a:ln>
+        </p:spPr>
+        <p:style>
+          <a:lnRef idx="0">
+            <a:scrgbClr r="0" g="0" b="0"/>
+          </a:lnRef>
+          <a:fillRef idx="0">
+            <a:scrgbClr r="0" g="0" b="0"/>
+          </a:fillRef>
+          <a:effectRef idx="0">
+            <a:scrgbClr r="0" g="0" b="0"/>
+          </a:effectRef>
+          <a:fontRef idx="minor"/>
+        </p:style>
+        <p:txBody>
+          <a:bodyPr lIns="90000" tIns="45000" rIns="90000" bIns="45000">
+            <a:noAutofit/>
+          </a:bodyPr>
+          <a:lstStyle/>
+          <a:p>
+            <a:pPr>
+              <a:lnSpc>
+                <a:spcPct val="100000"/>
+              </a:lnSpc>
+            </a:pPr>
+            <a:r>
+              <a:rPr lang="ru-RU" sz="2200" spc="-1">
+                <a:latin typeface="Arial"/>
+              </a:rPr>
+              <a:t>Если я кручу педали….</a:t>
+            </a:r>
+          </a:p>
+        </p:txBody>
+      </p:sp>
+      <p:sp>
+        <p:nvSpPr>
+          <p:cNvPr id="87" name="CustomShape 4"/>
+          <p:cNvSpPr/>
+          <p:nvPr/>
+        </p:nvSpPr>
+        <p:spPr>
+          <a:xfrm>
+            <a:off x="4293840" y="5163120"/>
+            <a:ext cx="5903640" cy="714960"/>
+          </a:xfrm>
+          <a:prstGeom prst="rect">
+            <a:avLst/>
+          </a:prstGeom>
+          <a:noFill/>
+          <a:ln>
+            <a:noFill/>
+          </a:ln>
+        </p:spPr>
+        <p:style>
+          <a:lnRef idx="0">
+            <a:scrgbClr r="0" g="0" b="0"/>
+          </a:lnRef>
+          <a:fillRef idx="0">
+            <a:scrgbClr r="0" g="0" b="0"/>
+          </a:fillRef>
+          <a:effectRef idx="0">
+            <a:scrgbClr r="0" g="0" b="0"/>
+          </a:effectRef>
+          <a:fontRef idx="minor"/>
+        </p:style>
+        <p:txBody>
+          <a:bodyPr lIns="90000" tIns="45000" rIns="90000" bIns="45000">
+            <a:noAutofit/>
+          </a:bodyPr>
+          <a:lstStyle/>
+          <a:p>
+            <a:pPr>
+              <a:lnSpc>
+                <a:spcPct val="100000"/>
+              </a:lnSpc>
+            </a:pPr>
+            <a:r>
+              <a:rPr lang="ru-RU" sz="2200" spc="-1">
+                <a:latin typeface="Arial"/>
+              </a:rPr>
+              <a:t>Если я поворачиваю руль...</a:t>
+            </a:r>
+          </a:p>
+        </p:txBody>
+      </p:sp>
+    </p:spTree>
+  </p:cSld>
+  <p:clrMapOvr>
+    <a:masterClrMapping/>
+  </p:clrMapOvr>
+</p:sld>
+</file>
+
+<file path=ppt/slides/slide8.xml><?xml version="1.0" encoding="utf-8"?>
+<p:sld xmlns:a="http://schemas.openxmlformats.org/drawingml/2006/main" xmlns:r="http://schemas.openxmlformats.org/officeDocument/2006/relationships" xmlns:p="http://schemas.openxmlformats.org/presentationml/2006/main">
+  <p:cSld>
+    <p:spTree>
+      <p:nvGrpSpPr>
+        <p:cNvPr id="1" name=""/>
+        <p:cNvGrpSpPr/>
+        <p:nvPr/>
+      </p:nvGrpSpPr>
+      <p:grpSpPr>
+        <a:xfrm>
+          <a:off x="0" y="0"/>
+          <a:ext cx="0" cy="0"/>
+          <a:chOff x="0" y="0"/>
+          <a:chExt cx="0" cy="0"/>
+        </a:xfrm>
+      </p:grpSpPr>
+      <p:sp>
+        <p:nvSpPr>
+          <p:cNvPr id="88" name="CustomShape 1"/>
+          <p:cNvSpPr/>
+          <p:nvPr/>
+        </p:nvSpPr>
+        <p:spPr>
+          <a:xfrm>
+            <a:off x="2152560" y="297720"/>
+            <a:ext cx="7882200" cy="758520"/>
+          </a:xfrm>
+          <a:prstGeom prst="rect">
+            <a:avLst/>
+          </a:prstGeom>
+          <a:noFill/>
+          <a:ln>
+            <a:noFill/>
+          </a:ln>
+        </p:spPr>
+        <p:style>
+          <a:lnRef idx="0">
+            <a:scrgbClr r="0" g="0" b="0"/>
+          </a:lnRef>
+          <a:fillRef idx="0">
+            <a:scrgbClr r="0" g="0" b="0"/>
+          </a:fillRef>
+          <a:effectRef idx="0">
+            <a:scrgbClr r="0" g="0" b="0"/>
+          </a:effectRef>
+          <a:fontRef idx="minor"/>
+        </p:style>
+        <p:txBody>
+          <a:bodyPr lIns="90000" tIns="45000" rIns="90000" bIns="45000" anchor="ctr">
+            <a:normAutofit/>
+          </a:bodyPr>
+          <a:lstStyle/>
+          <a:p>
+            <a:pPr algn="ctr">
+              <a:lnSpc>
+                <a:spcPct val="90000"/>
+              </a:lnSpc>
+            </a:pPr>
+            <a:r>
+              <a:rPr lang="ru-RU" sz="4000" b="1" spc="-1">
+                <a:solidFill>
+                  <a:srgbClr val="203864"/>
+                </a:solidFill>
+                <a:latin typeface="Calibri"/>
+                <a:ea typeface="DejaVu Sans"/>
+              </a:rPr>
+              <a:t>Псевдокод</a:t>
+            </a:r>
+            <a:endParaRPr lang="ru-RU" sz="4000" spc="-1">
+              <a:latin typeface="Arial"/>
+            </a:endParaRPr>
+          </a:p>
+        </p:txBody>
+      </p:sp>
+      <p:sp>
+        <p:nvSpPr>
+          <p:cNvPr id="89" name="CustomShape 2"/>
+          <p:cNvSpPr/>
+          <p:nvPr/>
+        </p:nvSpPr>
+        <p:spPr>
+          <a:xfrm>
+            <a:off x="2532000" y="2232000"/>
+            <a:ext cx="7559640" cy="3455640"/>
+          </a:xfrm>
+          <a:prstGeom prst="rect">
+            <a:avLst/>
+          </a:prstGeom>
+          <a:noFill/>
+          <a:ln>
+            <a:noFill/>
+          </a:ln>
+        </p:spPr>
+        <p:style>
+          <a:lnRef idx="0">
+            <a:scrgbClr r="0" g="0" b="0"/>
+          </a:lnRef>
+          <a:fillRef idx="0">
+            <a:scrgbClr r="0" g="0" b="0"/>
+          </a:fillRef>
+          <a:effectRef idx="0">
+            <a:scrgbClr r="0" g="0" b="0"/>
+          </a:effectRef>
+          <a:fontRef idx="minor"/>
+        </p:style>
+        <p:txBody>
+          <a:bodyPr lIns="90000" tIns="45000" rIns="90000" bIns="45000">
+            <a:noAutofit/>
+          </a:bodyPr>
+          <a:lstStyle/>
+          <a:p>
+            <a:pPr>
+              <a:lnSpc>
+                <a:spcPct val="100000"/>
+              </a:lnSpc>
+            </a:pPr>
+            <a:r>
+              <a:rPr lang="ru-RU" sz="2200" spc="-1">
+                <a:solidFill>
+                  <a:srgbClr val="C9211E"/>
+                </a:solidFill>
+                <a:latin typeface="Arial"/>
+              </a:rPr>
+              <a:t>if( </a:t>
+            </a:r>
+            <a:r>
+              <a:rPr lang="ru-RU" sz="2200" spc="-1">
+                <a:solidFill>
+                  <a:srgbClr val="17C82F"/>
+                </a:solidFill>
+                <a:latin typeface="Arial"/>
+              </a:rPr>
+              <a:t>я кручу педали )</a:t>
+            </a:r>
+            <a:endParaRPr lang="ru-RU" sz="2200" spc="-1">
+              <a:latin typeface="Arial"/>
+            </a:endParaRPr>
+          </a:p>
+          <a:p>
+            <a:pPr>
+              <a:lnSpc>
+                <a:spcPct val="100000"/>
+              </a:lnSpc>
+            </a:pPr>
+            <a:r>
+              <a:rPr lang="ru-RU" sz="2200" spc="-1">
+                <a:solidFill>
+                  <a:srgbClr val="17C82F"/>
+                </a:solidFill>
+                <a:latin typeface="Arial"/>
+              </a:rPr>
+              <a:t>{</a:t>
+            </a:r>
+            <a:endParaRPr lang="ru-RU" sz="2200" spc="-1">
+              <a:latin typeface="Arial"/>
+            </a:endParaRPr>
+          </a:p>
+          <a:p>
+            <a:pPr>
+              <a:lnSpc>
+                <a:spcPct val="100000"/>
+              </a:lnSpc>
+            </a:pPr>
+            <a:r>
+              <a:rPr lang="ru-RU" sz="2200" spc="-1">
+                <a:solidFill>
+                  <a:srgbClr val="17C82F"/>
+                </a:solidFill>
+                <a:latin typeface="Arial"/>
+              </a:rPr>
+              <a:t>	велосипед едет;</a:t>
+            </a:r>
+            <a:endParaRPr lang="ru-RU" sz="2200" spc="-1">
+              <a:latin typeface="Arial"/>
+            </a:endParaRPr>
+          </a:p>
+          <a:p>
+            <a:pPr>
+              <a:lnSpc>
+                <a:spcPct val="100000"/>
+              </a:lnSpc>
+            </a:pPr>
+            <a:r>
+              <a:rPr lang="ru-RU" sz="2200" spc="-1">
+                <a:solidFill>
+                  <a:srgbClr val="17C82F"/>
+                </a:solidFill>
+                <a:latin typeface="Arial"/>
+              </a:rPr>
+              <a:t>}</a:t>
+            </a:r>
+            <a:endParaRPr lang="ru-RU" sz="2200" spc="-1">
+              <a:latin typeface="Arial"/>
+            </a:endParaRPr>
+          </a:p>
+          <a:p>
+            <a:pPr>
+              <a:lnSpc>
+                <a:spcPct val="100000"/>
+              </a:lnSpc>
+            </a:pPr>
+            <a:endParaRPr lang="ru-RU" sz="2200" spc="-1">
+              <a:latin typeface="Arial"/>
+            </a:endParaRPr>
+          </a:p>
+          <a:p>
+            <a:pPr>
+              <a:lnSpc>
+                <a:spcPct val="100000"/>
+              </a:lnSpc>
+            </a:pPr>
+            <a:endParaRPr lang="ru-RU" sz="2200" spc="-1">
+              <a:latin typeface="Arial"/>
+            </a:endParaRPr>
+          </a:p>
+          <a:p>
+            <a:pPr>
+              <a:lnSpc>
+                <a:spcPct val="100000"/>
+              </a:lnSpc>
+            </a:pPr>
+            <a:r>
+              <a:rPr lang="ru-RU" sz="2200" spc="-1">
+                <a:solidFill>
+                  <a:srgbClr val="C9211E"/>
+                </a:solidFill>
+                <a:latin typeface="Arial"/>
+              </a:rPr>
+              <a:t>if( </a:t>
+            </a:r>
+            <a:r>
+              <a:rPr lang="ru-RU" sz="2200" spc="-1">
+                <a:solidFill>
+                  <a:srgbClr val="17C82F"/>
+                </a:solidFill>
+                <a:latin typeface="Arial"/>
+              </a:rPr>
+              <a:t>я поворачиваю руль )</a:t>
+            </a:r>
+            <a:endParaRPr lang="ru-RU" sz="2200" spc="-1">
+              <a:latin typeface="Arial"/>
+            </a:endParaRPr>
+          </a:p>
+          <a:p>
+            <a:pPr>
+              <a:lnSpc>
+                <a:spcPct val="100000"/>
+              </a:lnSpc>
+            </a:pPr>
+            <a:r>
+              <a:rPr lang="ru-RU" sz="2200" spc="-1">
+                <a:solidFill>
+                  <a:srgbClr val="17C82F"/>
+                </a:solidFill>
+                <a:latin typeface="Arial"/>
+              </a:rPr>
+              <a:t>{</a:t>
+            </a:r>
+            <a:endParaRPr lang="ru-RU" sz="2200" spc="-1">
+              <a:latin typeface="Arial"/>
+            </a:endParaRPr>
+          </a:p>
+          <a:p>
+            <a:pPr>
+              <a:lnSpc>
+                <a:spcPct val="100000"/>
+              </a:lnSpc>
+            </a:pPr>
+            <a:r>
+              <a:rPr lang="ru-RU" sz="2200" spc="-1">
+                <a:solidFill>
+                  <a:srgbClr val="17C82F"/>
+                </a:solidFill>
+                <a:latin typeface="Arial"/>
+              </a:rPr>
+              <a:t>	переднее колесо велосипеда поворачивается;</a:t>
+            </a:r>
+            <a:endParaRPr lang="ru-RU" sz="2200" spc="-1">
+              <a:latin typeface="Arial"/>
+            </a:endParaRPr>
+          </a:p>
+          <a:p>
+            <a:pPr>
+              <a:lnSpc>
+                <a:spcPct val="100000"/>
+              </a:lnSpc>
+            </a:pPr>
+            <a:r>
+              <a:rPr lang="ru-RU" sz="2200" spc="-1">
+                <a:solidFill>
+                  <a:srgbClr val="17C82F"/>
+                </a:solidFill>
+                <a:latin typeface="Arial"/>
+              </a:rPr>
+              <a:t>}</a:t>
+            </a:r>
+            <a:endParaRPr lang="ru-RU" sz="2200" spc="-1">
+              <a:latin typeface="Arial"/>
+            </a:endParaRPr>
+          </a:p>
+        </p:txBody>
+      </p:sp>
+    </p:spTree>
+  </p:cSld>
+  <p:clrMapOvr>
+    <a:masterClrMapping/>
+  </p:clrMapOvr>
+</p:sld>
+</file>
+
+<file path=ppt/slides/slide9.xml><?xml version="1.0" encoding="utf-8"?>
+<p:sld xmlns:a="http://schemas.openxmlformats.org/drawingml/2006/main" xmlns:r="http://schemas.openxmlformats.org/officeDocument/2006/relationships" xmlns:p="http://schemas.openxmlformats.org/presentationml/2006/main">
+  <p:cSld>
+    <p:spTree>
+      <p:nvGrpSpPr>
+        <p:cNvPr id="1" name=""/>
+        <p:cNvGrpSpPr/>
+        <p:nvPr/>
+      </p:nvGrpSpPr>
+      <p:grpSpPr>
+        <a:xfrm>
+          <a:off x="0" y="0"/>
+          <a:ext cx="0" cy="0"/>
+          <a:chOff x="0" y="0"/>
+          <a:chExt cx="0" cy="0"/>
+        </a:xfrm>
+      </p:grpSpPr>
+      <p:sp>
+        <p:nvSpPr>
+          <p:cNvPr id="90" name="CustomShape 1"/>
+          <p:cNvSpPr/>
+          <p:nvPr/>
+        </p:nvSpPr>
+        <p:spPr>
+          <a:xfrm>
+            <a:off x="2152560" y="297720"/>
+            <a:ext cx="7882200" cy="758520"/>
+          </a:xfrm>
+          <a:prstGeom prst="rect">
+            <a:avLst/>
+          </a:prstGeom>
+          <a:noFill/>
+          <a:ln>
+            <a:noFill/>
+          </a:ln>
+        </p:spPr>
+        <p:style>
+          <a:lnRef idx="0">
+            <a:scrgbClr r="0" g="0" b="0"/>
+          </a:lnRef>
+          <a:fillRef idx="0">
+            <a:scrgbClr r="0" g="0" b="0"/>
+          </a:fillRef>
+          <a:effectRef idx="0">
+            <a:scrgbClr r="0" g="0" b="0"/>
+          </a:effectRef>
+          <a:fontRef idx="minor"/>
+        </p:style>
+        <p:txBody>
+          <a:bodyPr lIns="90000" tIns="45000" rIns="90000" bIns="45000" anchor="ctr">
+            <a:normAutofit/>
+          </a:bodyPr>
+          <a:lstStyle/>
+          <a:p>
+            <a:pPr algn="ctr">
+              <a:lnSpc>
+                <a:spcPct val="90000"/>
+              </a:lnSpc>
+            </a:pPr>
+            <a:r>
+              <a:rPr lang="ru-RU" sz="4000" b="1" spc="-1">
+                <a:solidFill>
+                  <a:srgbClr val="203864"/>
+                </a:solidFill>
+                <a:latin typeface="Calibri"/>
+                <a:ea typeface="DejaVu Sans"/>
+              </a:rPr>
+              <a:t>Условия в реальности</a:t>
+            </a:r>
+            <a:endParaRPr lang="ru-RU" sz="4000" spc="-1">
+              <a:latin typeface="Arial"/>
+            </a:endParaRPr>
+          </a:p>
+        </p:txBody>
+      </p:sp>
+      <p:pic>
+        <p:nvPicPr>
+          <p:cNvPr id="91" name="Рисунок 90"/>
+          <p:cNvPicPr/>
+          <p:nvPr/>
+        </p:nvPicPr>
+        <p:blipFill>
+          <a:blip r:embed="rId2"/>
+          <a:stretch/>
+        </p:blipFill>
+        <p:spPr>
+          <a:xfrm>
+            <a:off x="1818480" y="4298040"/>
+            <a:ext cx="3377160" cy="2325600"/>
+          </a:xfrm>
+          <a:prstGeom prst="rect">
+            <a:avLst/>
+          </a:prstGeom>
+          <a:ln>
+            <a:noFill/>
+          </a:ln>
+        </p:spPr>
+      </p:pic>
+      <p:pic>
+        <p:nvPicPr>
+          <p:cNvPr id="92" name="Рисунок 91"/>
+          <p:cNvPicPr/>
+          <p:nvPr/>
+        </p:nvPicPr>
+        <p:blipFill>
+          <a:blip r:embed="rId3"/>
+          <a:stretch/>
+        </p:blipFill>
+        <p:spPr>
+          <a:xfrm>
+            <a:off x="1812000" y="1674000"/>
+            <a:ext cx="3383640" cy="2357640"/>
+          </a:xfrm>
+          <a:prstGeom prst="rect">
+            <a:avLst/>
+          </a:prstGeom>
+          <a:ln>
+            <a:noFill/>
+          </a:ln>
+        </p:spPr>
+      </p:pic>
+      <p:sp>
+        <p:nvSpPr>
+          <p:cNvPr id="93" name="CustomShape 2"/>
+          <p:cNvSpPr/>
+          <p:nvPr/>
+        </p:nvSpPr>
+        <p:spPr>
+          <a:xfrm>
+            <a:off x="5380320" y="1872000"/>
+            <a:ext cx="4423320" cy="1583640"/>
+          </a:xfrm>
+          <a:prstGeom prst="rect">
+            <a:avLst/>
+          </a:prstGeom>
+          <a:noFill/>
+          <a:ln>
+            <a:noFill/>
+          </a:ln>
+        </p:spPr>
+        <p:style>
+          <a:lnRef idx="0">
+            <a:scrgbClr r="0" g="0" b="0"/>
+          </a:lnRef>
+          <a:fillRef idx="0">
+            <a:scrgbClr r="0" g="0" b="0"/>
+          </a:fillRef>
+          <a:effectRef idx="0">
+            <a:scrgbClr r="0" g="0" b="0"/>
+          </a:effectRef>
+          <a:fontRef idx="minor"/>
+        </p:style>
+        <p:txBody>
+          <a:bodyPr lIns="90000" tIns="45000" rIns="90000" bIns="45000">
+            <a:noAutofit/>
+          </a:bodyPr>
+          <a:lstStyle/>
+          <a:p>
+            <a:pPr>
+              <a:lnSpc>
+                <a:spcPct val="100000"/>
+              </a:lnSpc>
+            </a:pPr>
+            <a:r>
+              <a:rPr lang="ru-RU" sz="2200" spc="-1">
+                <a:latin typeface="Arial"/>
+              </a:rPr>
+              <a:t>Если я кручу педали и поворачиваю руль налево...</a:t>
+            </a:r>
+          </a:p>
+        </p:txBody>
+      </p:sp>
+      <p:sp>
+        <p:nvSpPr>
+          <p:cNvPr id="94" name="CustomShape 3"/>
+          <p:cNvSpPr/>
+          <p:nvPr/>
+        </p:nvSpPr>
+        <p:spPr>
+          <a:xfrm>
+            <a:off x="5412000" y="4320000"/>
+            <a:ext cx="4423320" cy="1583640"/>
+          </a:xfrm>
+          <a:prstGeom prst="rect">
+            <a:avLst/>
+          </a:prstGeom>
+          <a:noFill/>
+          <a:ln>
+            <a:noFill/>
+          </a:ln>
+        </p:spPr>
+        <p:style>
+          <a:lnRef idx="0">
+            <a:scrgbClr r="0" g="0" b="0"/>
+          </a:lnRef>
+          <a:fillRef idx="0">
+            <a:scrgbClr r="0" g="0" b="0"/>
+          </a:fillRef>
+          <a:effectRef idx="0">
+            <a:scrgbClr r="0" g="0" b="0"/>
+          </a:effectRef>
+          <a:fontRef idx="minor"/>
+        </p:style>
+        <p:txBody>
+          <a:bodyPr lIns="90000" tIns="45000" rIns="90000" bIns="45000">
+            <a:noAutofit/>
+          </a:bodyPr>
+          <a:lstStyle/>
+          <a:p>
+            <a:pPr>
+              <a:lnSpc>
+                <a:spcPct val="100000"/>
+              </a:lnSpc>
+            </a:pPr>
+            <a:r>
+              <a:rPr lang="ru-RU" sz="2200" spc="-1">
+                <a:latin typeface="Arial"/>
+              </a:rPr>
+              <a:t>Если я кручу педали и поворачиваю руль направо...</a:t>
+            </a:r>
           </a:p>
         </p:txBody>
       </p:sp>
@@ -16447,12 +23113,12 @@
 </file>
 
 <file path=customXml/item1.xml><?xml version="1.0" encoding="utf-8"?>
-<?mso-contentType ?>
-<FormTemplates xmlns="http://schemas.microsoft.com/sharepoint/v3/contenttype/forms">
-  <Display>DocumentLibraryForm</Display>
-  <Edit>DocumentLibraryForm</Edit>
-  <New>DocumentLibraryForm</New>
-</FormTemplates>
+<p:properties xmlns:p="http://schemas.microsoft.com/office/2006/metadata/properties" xmlns:xsi="http://www.w3.org/2001/XMLSchema-instance" xmlns:pc="http://schemas.microsoft.com/office/infopath/2007/PartnerControls">
+  <documentManagement>
+    <_ip_UnifiedCompliancePolicyUIAction xmlns="http://schemas.microsoft.com/sharepoint/v3" xsi:nil="true"/>
+    <_ip_UnifiedCompliancePolicyProperties xmlns="http://schemas.microsoft.com/sharepoint/v3" xsi:nil="true"/>
+  </documentManagement>
+</p:properties>
 </file>
 
 <file path=customXml/item2.xml><?xml version="1.0" encoding="utf-8"?>
@@ -16664,18 +23330,28 @@
 </file>
 
 <file path=customXml/item3.xml><?xml version="1.0" encoding="utf-8"?>
-<p:properties xmlns:p="http://schemas.microsoft.com/office/2006/metadata/properties" xmlns:xsi="http://www.w3.org/2001/XMLSchema-instance" xmlns:pc="http://schemas.microsoft.com/office/infopath/2007/PartnerControls">
-  <documentManagement>
-    <_ip_UnifiedCompliancePolicyUIAction xmlns="http://schemas.microsoft.com/sharepoint/v3" xsi:nil="true"/>
-    <_ip_UnifiedCompliancePolicyProperties xmlns="http://schemas.microsoft.com/sharepoint/v3" xsi:nil="true"/>
-  </documentManagement>
-</p:properties>
+<?mso-contentType ?>
+<FormTemplates xmlns="http://schemas.microsoft.com/sharepoint/v3/contenttype/forms">
+  <Display>DocumentLibraryForm</Display>
+  <Edit>DocumentLibraryForm</Edit>
+  <New>DocumentLibraryForm</New>
+</FormTemplates>
 </file>
 
 <file path=customXml/itemProps1.xml><?xml version="1.0" encoding="utf-8"?>
-<ds:datastoreItem xmlns:ds="http://schemas.openxmlformats.org/officeDocument/2006/customXml" ds:itemID="{883E0B16-80BF-4868-8813-6B17170D724D}">
+<ds:datastoreItem xmlns:ds="http://schemas.openxmlformats.org/officeDocument/2006/customXml" ds:itemID="{4DA1C8E2-513F-4C9C-99C7-9AE0E7429B06}">
   <ds:schemaRefs>
-    <ds:schemaRef ds:uri="http://schemas.microsoft.com/sharepoint/v3/contenttype/forms"/>
+    <ds:schemaRef ds:uri="http://www.w3.org/XML/1998/namespace"/>
+    <ds:schemaRef ds:uri="http://schemas.microsoft.com/office/2006/metadata/properties"/>
+    <ds:schemaRef ds:uri="http://purl.org/dc/terms/"/>
+    <ds:schemaRef ds:uri="6dc4bcd6-49db-4c07-9060-8acfc67cef9f"/>
+    <ds:schemaRef ds:uri="fb0879af-3eba-417a-a55a-ffe6dcd6ca77"/>
+    <ds:schemaRef ds:uri="http://schemas.microsoft.com/office/infopath/2007/PartnerControls"/>
+    <ds:schemaRef ds:uri="http://schemas.openxmlformats.org/package/2006/metadata/core-properties"/>
+    <ds:schemaRef ds:uri="http://purl.org/dc/elements/1.1/"/>
+    <ds:schemaRef ds:uri="http://schemas.microsoft.com/office/2006/documentManagement/types"/>
+    <ds:schemaRef ds:uri="http://schemas.microsoft.com/sharepoint/v3"/>
+    <ds:schemaRef ds:uri="http://purl.org/dc/dcmitype/"/>
   </ds:schemaRefs>
 </ds:datastoreItem>
 </file>
@@ -16701,19 +23377,9 @@
 </file>
 
 <file path=customXml/itemProps3.xml><?xml version="1.0" encoding="utf-8"?>
-<ds:datastoreItem xmlns:ds="http://schemas.openxmlformats.org/officeDocument/2006/customXml" ds:itemID="{4DA1C8E2-513F-4C9C-99C7-9AE0E7429B06}">
+<ds:datastoreItem xmlns:ds="http://schemas.openxmlformats.org/officeDocument/2006/customXml" ds:itemID="{883E0B16-80BF-4868-8813-6B17170D724D}">
   <ds:schemaRefs>
-    <ds:schemaRef ds:uri="http://www.w3.org/XML/1998/namespace"/>
-    <ds:schemaRef ds:uri="http://schemas.microsoft.com/office/2006/metadata/properties"/>
-    <ds:schemaRef ds:uri="http://purl.org/dc/terms/"/>
-    <ds:schemaRef ds:uri="6dc4bcd6-49db-4c07-9060-8acfc67cef9f"/>
-    <ds:schemaRef ds:uri="fb0879af-3eba-417a-a55a-ffe6dcd6ca77"/>
-    <ds:schemaRef ds:uri="http://schemas.microsoft.com/office/infopath/2007/PartnerControls"/>
-    <ds:schemaRef ds:uri="http://schemas.openxmlformats.org/package/2006/metadata/core-properties"/>
-    <ds:schemaRef ds:uri="http://purl.org/dc/elements/1.1/"/>
-    <ds:schemaRef ds:uri="http://schemas.microsoft.com/office/2006/documentManagement/types"/>
-    <ds:schemaRef ds:uri="http://schemas.microsoft.com/sharepoint/v3"/>
-    <ds:schemaRef ds:uri="http://purl.org/dc/dcmitype/"/>
+    <ds:schemaRef ds:uri="http://schemas.microsoft.com/sharepoint/v3/contenttype/forms"/>
   </ds:schemaRefs>
 </ds:datastoreItem>
 </file>
--- a/Samsung/Lesson5/Logical_operations.pptx
+++ b/Samsung/Lesson5/Logical_operations.pptx
@@ -5,10 +5,10 @@
     <p:sldMasterId id="2147483840" r:id="rId4"/>
   </p:sldMasterIdLst>
   <p:notesMasterIdLst>
-    <p:notesMasterId r:id="rId28"/>
+    <p:notesMasterId r:id="rId30"/>
   </p:notesMasterIdLst>
   <p:handoutMasterIdLst>
-    <p:handoutMasterId r:id="rId29"/>
+    <p:handoutMasterId r:id="rId31"/>
   </p:handoutMasterIdLst>
   <p:sldIdLst>
     <p:sldId id="256" r:id="rId5"/>
@@ -33,7 +33,9 @@
     <p:sldId id="266" r:id="rId24"/>
     <p:sldId id="267" r:id="rId25"/>
     <p:sldId id="273" r:id="rId26"/>
-    <p:sldId id="274" r:id="rId27"/>
+    <p:sldId id="279" r:id="rId27"/>
+    <p:sldId id="280" r:id="rId28"/>
+    <p:sldId id="281" r:id="rId29"/>
   </p:sldIdLst>
   <p:sldSz cx="12192000" cy="6858000"/>
   <p:notesSz cx="6858000" cy="9144000"/>
@@ -239,7 +241,7 @@
             <a:pPr rtl="0"/>
             <a:fld id="{7F37960E-1F7C-41B1-9A2B-96C83E797D56}" type="datetime1">
               <a:rPr lang="ru-RU" smtClean="0"/>
-              <a:t>25.09.2020</a:t>
+              <a:t>27.09.2020</a:t>
             </a:fld>
             <a:endParaRPr lang="ru-RU" dirty="0"/>
           </a:p>
@@ -420,7 +422,7 @@
             <a:fld id="{DEB9C201-AC4F-4363-955C-CEDBBD62208D}" type="datetime1">
               <a:rPr lang="ru-RU" smtClean="0"/>
               <a:pPr/>
-              <a:t>25.09.2020</a:t>
+              <a:t>27.09.2020</a:t>
             </a:fld>
             <a:endParaRPr lang="ru-RU" dirty="0"/>
           </a:p>
@@ -1500,7 +1502,7 @@
             <a:pPr rtl="0"/>
             <a:fld id="{E86AA575-909A-4E84-A73A-2B96081E700B}" type="datetime1">
               <a:rPr lang="ru-RU" noProof="0" smtClean="0"/>
-              <a:t>25.09.2020</a:t>
+              <a:t>27.09.2020</a:t>
             </a:fld>
             <a:endParaRPr lang="ru-RU" noProof="0"/>
           </a:p>
@@ -2730,7 +2732,7 @@
             <a:pPr rtl="0"/>
             <a:fld id="{05D13EF0-FE8D-43FC-AE79-F77DF127C654}" type="datetime1">
               <a:rPr lang="ru-RU" noProof="0" smtClean="0"/>
-              <a:t>25.09.2020</a:t>
+              <a:t>27.09.2020</a:t>
             </a:fld>
             <a:endParaRPr lang="ru-RU" noProof="0"/>
           </a:p>
@@ -4164,7 +4166,7 @@
             <a:pPr rtl="0"/>
             <a:fld id="{CC9A25B9-C5B6-4321-9761-C8D3F1A3412A}" type="datetime1">
               <a:rPr lang="ru-RU" noProof="0" smtClean="0"/>
-              <a:t>25.09.2020</a:t>
+              <a:t>27.09.2020</a:t>
             </a:fld>
             <a:endParaRPr lang="ru-RU" noProof="0"/>
           </a:p>
@@ -4437,7 +4439,7 @@
             <a:pPr rtl="0"/>
             <a:fld id="{1C7E678F-447A-480B-9B75-01799EA8EF53}" type="datetime1">
               <a:rPr lang="ru-RU" noProof="0" smtClean="0"/>
-              <a:t>25.09.2020</a:t>
+              <a:t>27.09.2020</a:t>
             </a:fld>
             <a:endParaRPr lang="ru-RU" noProof="0"/>
           </a:p>
@@ -4820,7 +4822,7 @@
             <a:pPr rtl="0"/>
             <a:fld id="{872512C1-8A81-4FB1-A62C-2439B34D73D0}" type="datetime1">
               <a:rPr lang="ru-RU" noProof="0" smtClean="0"/>
-              <a:t>25.09.2020</a:t>
+              <a:t>27.09.2020</a:t>
             </a:fld>
             <a:endParaRPr lang="ru-RU" noProof="0"/>
           </a:p>
@@ -4941,7 +4943,7 @@
             <a:pPr rtl="0"/>
             <a:fld id="{81B13030-9547-48AA-9A77-B6FE0D9329CE}" type="datetime1">
               <a:rPr lang="ru-RU" noProof="0" smtClean="0"/>
-              <a:t>25.09.2020</a:t>
+              <a:t>27.09.2020</a:t>
             </a:fld>
             <a:endParaRPr lang="ru-RU" noProof="0"/>
           </a:p>
@@ -5039,7 +5041,7 @@
             <a:pPr rtl="0"/>
             <a:fld id="{CE5B4ED4-48AB-41C5-85BE-36F29B424A13}" type="datetime1">
               <a:rPr lang="ru-RU" noProof="0" smtClean="0"/>
-              <a:t>25.09.2020</a:t>
+              <a:t>27.09.2020</a:t>
             </a:fld>
             <a:endParaRPr lang="ru-RU" noProof="0"/>
           </a:p>
@@ -5247,7 +5249,7 @@
             <a:pPr rtl="0"/>
             <a:fld id="{43235056-05E5-49FA-85B9-C13A880503DF}" type="datetime1">
               <a:rPr lang="ru-RU" noProof="0" smtClean="0"/>
-              <a:t>25.09.2020</a:t>
+              <a:t>27.09.2020</a:t>
             </a:fld>
             <a:endParaRPr lang="ru-RU" noProof="0"/>
           </a:p>
@@ -6312,7 +6314,7 @@
             <a:pPr rtl="0"/>
             <a:fld id="{C0FE25B6-26B9-4795-9DB3-1F92AB5CD076}" type="datetime1">
               <a:rPr lang="ru-RU" noProof="0" smtClean="0"/>
-              <a:t>25.09.2020</a:t>
+              <a:t>27.09.2020</a:t>
             </a:fld>
             <a:endParaRPr lang="ru-RU" noProof="0"/>
           </a:p>
@@ -6950,7 +6952,7 @@
             <a:pPr rtl="0"/>
             <a:fld id="{0035181B-387F-4E5B-AC56-E7811112EC5A}" type="datetime1">
               <a:rPr lang="ru-RU" noProof="0" smtClean="0"/>
-              <a:t>25.09.2020</a:t>
+              <a:t>27.09.2020</a:t>
             </a:fld>
             <a:endParaRPr lang="ru-RU" noProof="0"/>
           </a:p>
@@ -7878,7 +7880,7 @@
             <a:pPr rtl="0"/>
             <a:fld id="{C46630CC-A9AF-4535-8F2C-F1F193CA8C0F}" type="datetime1">
               <a:rPr lang="ru-RU" noProof="0" smtClean="0"/>
-              <a:t>25.09.2020</a:t>
+              <a:t>27.09.2020</a:t>
             </a:fld>
             <a:endParaRPr lang="ru-RU" noProof="0"/>
           </a:p>
@@ -9037,7 +9039,7 @@
             <a:pPr rtl="0"/>
             <a:fld id="{61CC947A-8F53-4F5E-AF9C-EDEF04AD8794}" type="datetime1">
               <a:rPr lang="ru-RU" noProof="0" smtClean="0"/>
-              <a:t>25.09.2020</a:t>
+              <a:t>27.09.2020</a:t>
             </a:fld>
             <a:endParaRPr lang="ru-RU" noProof="0"/>
           </a:p>
@@ -10331,7 +10333,7 @@
             <a:pPr rtl="0"/>
             <a:fld id="{06BC0FA3-29EB-469B-9530-6BBADAB7B2D7}" type="datetime1">
               <a:rPr lang="ru-RU" noProof="0" smtClean="0"/>
-              <a:t>25.09.2020</a:t>
+              <a:t>27.09.2020</a:t>
             </a:fld>
             <a:endParaRPr lang="ru-RU" noProof="0"/>
           </a:p>
@@ -11333,7 +11335,7 @@
             <a:pPr rtl="0"/>
             <a:fld id="{2727B839-FF0E-42D3-9556-B9897ECA7F5F}" type="datetime1">
               <a:rPr lang="ru-RU" noProof="0" smtClean="0"/>
-              <a:t>25.09.2020</a:t>
+              <a:t>27.09.2020</a:t>
             </a:fld>
             <a:endParaRPr lang="ru-RU" noProof="0"/>
           </a:p>
@@ -12253,7 +12255,7 @@
             <a:pPr rtl="0"/>
             <a:fld id="{70933AA0-1871-4D22-9234-42BFA2DFD622}" type="datetime1">
               <a:rPr lang="ru-RU" noProof="0" smtClean="0"/>
-              <a:t>25.09.2020</a:t>
+              <a:t>27.09.2020</a:t>
             </a:fld>
             <a:endParaRPr lang="ru-RU" noProof="0"/>
           </a:p>
@@ -13650,7 +13652,7 @@
             <a:pPr rtl="0"/>
             <a:fld id="{750BD660-1F04-425F-B3B4-F2FF4576CCBF}" type="datetime1">
               <a:rPr lang="ru-RU" noProof="0" smtClean="0"/>
-              <a:t>25.09.2020</a:t>
+              <a:t>27.09.2020</a:t>
             </a:fld>
             <a:endParaRPr lang="ru-RU" noProof="0" dirty="0"/>
           </a:p>
@@ -19503,19 +19505,19 @@
               </a:lnSpc>
             </a:pPr>
             <a:r>
-              <a:rPr lang="ru-RU" spc="-1">
+              <a:rPr lang="ru-RU" spc="-1" dirty="0">
                 <a:latin typeface="Arial"/>
               </a:rPr>
               <a:t>Положительное, отрицательное или равное нулю значение у переменной </a:t>
             </a:r>
             <a:r>
-              <a:rPr lang="ru-RU" b="1" spc="-1">
+              <a:rPr lang="ru-RU" b="1" spc="-1" dirty="0">
                 <a:latin typeface="Arial"/>
               </a:rPr>
               <a:t>x</a:t>
             </a:r>
             <a:r>
-              <a:rPr lang="ru-RU" spc="-1">
+              <a:rPr lang="ru-RU" spc="-1" dirty="0">
                 <a:latin typeface="Arial"/>
               </a:rPr>
               <a:t>?</a:t>
@@ -19820,36 +19822,46 @@
               </a:lnSpc>
             </a:pPr>
             <a:r>
-              <a:rPr lang="ru-RU" spc="-1">
+              <a:rPr lang="ru-RU" spc="-1" dirty="0" err="1">
                 <a:solidFill>
                   <a:srgbClr val="C9211E"/>
                 </a:solidFill>
                 <a:latin typeface="Arial"/>
                 <a:ea typeface="Microsoft YaHei"/>
               </a:rPr>
-              <a:t>if( </a:t>
-            </a:r>
-            <a:r>
-              <a:rPr lang="ru-RU" spc="-1">
-                <a:solidFill>
-                  <a:srgbClr val="17C82F"/>
+              <a:t>if</a:t>
+            </a:r>
+            <a:r>
+              <a:rPr lang="ru-RU" spc="-1" dirty="0">
+                <a:solidFill>
+                  <a:srgbClr val="C9211E"/>
                 </a:solidFill>
                 <a:latin typeface="Arial"/>
                 <a:ea typeface="Microsoft YaHei"/>
               </a:rPr>
-              <a:t>x &gt; 0</a:t>
-            </a:r>
-            <a:r>
-              <a:rPr lang="ru-RU" spc="-1">
-                <a:solidFill>
-                  <a:srgbClr val="2C4AC4"/>
+              <a:t>( </a:t>
+            </a:r>
+            <a:r>
+              <a:rPr lang="ru-RU" spc="-1" dirty="0">
+                <a:solidFill>
+                  <a:srgbClr val="17C82F"/>
                 </a:solidFill>
                 <a:latin typeface="Arial"/>
                 <a:ea typeface="Microsoft YaHei"/>
               </a:rPr>
+              <a:t>x &gt; 0</a:t>
+            </a:r>
+            <a:r>
+              <a:rPr lang="ru-RU" spc="-1" dirty="0">
+                <a:solidFill>
+                  <a:srgbClr val="2C4AC4"/>
+                </a:solidFill>
+                <a:latin typeface="Arial"/>
+                <a:ea typeface="Microsoft YaHei"/>
+              </a:rPr>
               <a:t> )</a:t>
             </a:r>
-            <a:endParaRPr lang="ru-RU" spc="-1">
+            <a:endParaRPr lang="ru-RU" spc="-1" dirty="0">
               <a:latin typeface="Arial"/>
             </a:endParaRPr>
           </a:p>
@@ -19860,7 +19872,7 @@
               </a:lnSpc>
             </a:pPr>
             <a:r>
-              <a:rPr lang="ru-RU" spc="-1">
+              <a:rPr lang="ru-RU" spc="-1" dirty="0">
                 <a:solidFill>
                   <a:srgbClr val="2C4AC4"/>
                 </a:solidFill>
@@ -19869,7 +19881,7 @@
               </a:rPr>
               <a:t>{</a:t>
             </a:r>
-            <a:endParaRPr lang="ru-RU" spc="-1">
+            <a:endParaRPr lang="ru-RU" spc="-1" dirty="0">
               <a:latin typeface="Arial"/>
             </a:endParaRPr>
           </a:p>
@@ -19880,16 +19892,36 @@
               </a:lnSpc>
             </a:pPr>
             <a:r>
-              <a:rPr lang="ru-RU" spc="-1">
+              <a:rPr lang="ru-RU" spc="-1" dirty="0">
                 <a:solidFill>
                   <a:srgbClr val="2C4AC4"/>
                 </a:solidFill>
                 <a:latin typeface="Arial"/>
                 <a:ea typeface="Microsoft YaHei"/>
               </a:rPr>
-              <a:t>	Console.WriteLine("Число положительное");</a:t>
-            </a:r>
-            <a:endParaRPr lang="ru-RU" spc="-1">
+              <a:t>	</a:t>
+            </a:r>
+            <a:r>
+              <a:rPr lang="ru-RU" spc="-1" dirty="0" err="1">
+                <a:solidFill>
+                  <a:srgbClr val="2C4AC4"/>
+                </a:solidFill>
+                <a:latin typeface="Arial"/>
+                <a:ea typeface="Microsoft YaHei"/>
+              </a:rPr>
+              <a:t>Console.WriteLine</a:t>
+            </a:r>
+            <a:r>
+              <a:rPr lang="ru-RU" spc="-1" dirty="0">
+                <a:solidFill>
+                  <a:srgbClr val="2C4AC4"/>
+                </a:solidFill>
+                <a:latin typeface="Arial"/>
+                <a:ea typeface="Microsoft YaHei"/>
+              </a:rPr>
+              <a:t>("Число положительное");</a:t>
+            </a:r>
+            <a:endParaRPr lang="ru-RU" spc="-1" dirty="0">
               <a:latin typeface="Arial"/>
             </a:endParaRPr>
           </a:p>
@@ -19900,7 +19932,7 @@
               </a:lnSpc>
             </a:pPr>
             <a:r>
-              <a:rPr lang="ru-RU" spc="-1">
+              <a:rPr lang="ru-RU" spc="-1" dirty="0">
                 <a:solidFill>
                   <a:srgbClr val="2C4AC4"/>
                 </a:solidFill>
@@ -19909,7 +19941,7 @@
               </a:rPr>
               <a:t>}</a:t>
             </a:r>
-            <a:endParaRPr lang="ru-RU" spc="-1">
+            <a:endParaRPr lang="ru-RU" spc="-1" dirty="0">
               <a:latin typeface="Arial"/>
             </a:endParaRPr>
           </a:p>
@@ -19920,46 +19952,76 @@
               </a:lnSpc>
             </a:pPr>
             <a:r>
-              <a:rPr lang="ru-RU" spc="-1">
+              <a:rPr lang="ru-RU" spc="-1" dirty="0" err="1">
                 <a:solidFill>
                   <a:srgbClr val="C9211E"/>
                 </a:solidFill>
                 <a:latin typeface="Arial"/>
                 <a:ea typeface="Microsoft YaHei"/>
               </a:rPr>
-              <a:t>else if( </a:t>
-            </a:r>
-            <a:r>
-              <a:rPr lang="ru-RU" spc="-1">
-                <a:solidFill>
-                  <a:srgbClr val="17C82F"/>
+              <a:t>else</a:t>
+            </a:r>
+            <a:r>
+              <a:rPr lang="ru-RU" spc="-1" dirty="0">
+                <a:solidFill>
+                  <a:srgbClr val="C9211E"/>
                 </a:solidFill>
                 <a:latin typeface="Arial"/>
                 <a:ea typeface="Microsoft YaHei"/>
               </a:rPr>
-              <a:t>x &lt; 0</a:t>
-            </a:r>
-            <a:r>
-              <a:rPr lang="ru-RU" spc="-1">
-                <a:solidFill>
-                  <a:srgbClr val="2C4AC4"/>
+              <a:t> </a:t>
+            </a:r>
+            <a:r>
+              <a:rPr lang="ru-RU" spc="-1" dirty="0" err="1">
+                <a:solidFill>
+                  <a:srgbClr val="C9211E"/>
                 </a:solidFill>
                 <a:latin typeface="Arial"/>
                 <a:ea typeface="Microsoft YaHei"/>
               </a:rPr>
-              <a:t> </a:t>
-            </a:r>
-            <a:r>
-              <a:rPr lang="ru-RU" spc="-1">
+              <a:t>if</a:t>
+            </a:r>
+            <a:r>
+              <a:rPr lang="ru-RU" spc="-1" dirty="0">
                 <a:solidFill>
                   <a:srgbClr val="C9211E"/>
                 </a:solidFill>
                 <a:latin typeface="Arial"/>
                 <a:ea typeface="Microsoft YaHei"/>
               </a:rPr>
+              <a:t>( </a:t>
+            </a:r>
+            <a:r>
+              <a:rPr lang="ru-RU" spc="-1" dirty="0">
+                <a:solidFill>
+                  <a:srgbClr val="17C82F"/>
+                </a:solidFill>
+                <a:latin typeface="Arial"/>
+                <a:ea typeface="Microsoft YaHei"/>
+              </a:rPr>
+              <a:t>x &lt; 0</a:t>
+            </a:r>
+            <a:r>
+              <a:rPr lang="ru-RU" spc="-1" dirty="0">
+                <a:solidFill>
+                  <a:srgbClr val="2C4AC4"/>
+                </a:solidFill>
+                <a:latin typeface="Arial"/>
+                <a:ea typeface="Microsoft YaHei"/>
+              </a:rPr>
+              <a:t> </a:t>
+            </a:r>
+            <a:r>
+              <a:rPr lang="ru-RU" spc="-1" dirty="0">
+                <a:solidFill>
+                  <a:srgbClr val="C9211E"/>
+                </a:solidFill>
+                <a:latin typeface="Arial"/>
+                <a:ea typeface="Microsoft YaHei"/>
+              </a:rPr>
               <a:t>)</a:t>
             </a:r>
-            <a:endParaRPr lang="ru-RU" spc="-1">
+            <a:endParaRPr lang="ru-RU" spc="-1" dirty="0">
               <a:latin typeface="Arial"/>
             </a:endParaRPr>
           </a:p>
@@ -19970,7 +20032,7 @@
               </a:lnSpc>
             </a:pPr>
             <a:r>
-              <a:rPr lang="ru-RU" spc="-1">
+              <a:rPr lang="ru-RU" spc="-1" dirty="0">
                 <a:solidFill>
                   <a:srgbClr val="C9211E"/>
                 </a:solidFill>
@@ -19979,7 +20041,7 @@
               </a:rPr>
               <a:t>{</a:t>
             </a:r>
-            <a:endParaRPr lang="ru-RU" spc="-1">
+            <a:endParaRPr lang="ru-RU" spc="-1" dirty="0">
               <a:latin typeface="Arial"/>
             </a:endParaRPr>
           </a:p>
@@ -19990,16 +20052,36 @@
               </a:lnSpc>
             </a:pPr>
             <a:r>
-              <a:rPr lang="ru-RU" spc="-1">
+              <a:rPr lang="ru-RU" spc="-1" dirty="0">
                 <a:solidFill>
                   <a:srgbClr val="C9211E"/>
                 </a:solidFill>
                 <a:latin typeface="Arial"/>
                 <a:ea typeface="Microsoft YaHei"/>
               </a:rPr>
-              <a:t>	Console.WriteLine("Число отрицательное");</a:t>
-            </a:r>
-            <a:endParaRPr lang="ru-RU" spc="-1">
+              <a:t>	</a:t>
+            </a:r>
+            <a:r>
+              <a:rPr lang="ru-RU" spc="-1" dirty="0" err="1">
+                <a:solidFill>
+                  <a:srgbClr val="C9211E"/>
+                </a:solidFill>
+                <a:latin typeface="Arial"/>
+                <a:ea typeface="Microsoft YaHei"/>
+              </a:rPr>
+              <a:t>Console.WriteLine</a:t>
+            </a:r>
+            <a:r>
+              <a:rPr lang="ru-RU" spc="-1" dirty="0">
+                <a:solidFill>
+                  <a:srgbClr val="C9211E"/>
+                </a:solidFill>
+                <a:latin typeface="Arial"/>
+                <a:ea typeface="Microsoft YaHei"/>
+              </a:rPr>
+              <a:t>("Число отрицательное");</a:t>
+            </a:r>
+            <a:endParaRPr lang="ru-RU" spc="-1" dirty="0">
               <a:latin typeface="Arial"/>
             </a:endParaRPr>
           </a:p>
@@ -20010,7 +20092,7 @@
               </a:lnSpc>
             </a:pPr>
             <a:r>
-              <a:rPr lang="ru-RU" spc="-1">
+              <a:rPr lang="ru-RU" spc="-1" dirty="0">
                 <a:solidFill>
                   <a:srgbClr val="C9211E"/>
                 </a:solidFill>
@@ -20019,7 +20101,7 @@
               </a:rPr>
               <a:t>}</a:t>
             </a:r>
-            <a:endParaRPr lang="ru-RU" spc="-1">
+            <a:endParaRPr lang="ru-RU" spc="-1" dirty="0">
               <a:latin typeface="Arial"/>
             </a:endParaRPr>
           </a:p>
@@ -20030,7 +20112,7 @@
               </a:lnSpc>
             </a:pPr>
             <a:r>
-              <a:rPr lang="ru-RU" spc="-1">
+              <a:rPr lang="ru-RU" spc="-1" dirty="0" err="1">
                 <a:solidFill>
                   <a:srgbClr val="C9211E"/>
                 </a:solidFill>
@@ -20039,7 +20121,7 @@
               </a:rPr>
               <a:t>else</a:t>
             </a:r>
-            <a:endParaRPr lang="ru-RU" spc="-1">
+            <a:endParaRPr lang="ru-RU" spc="-1" dirty="0">
               <a:latin typeface="Arial"/>
             </a:endParaRPr>
           </a:p>
@@ -20050,7 +20132,7 @@
               </a:lnSpc>
             </a:pPr>
             <a:r>
-              <a:rPr lang="ru-RU" spc="-1">
+              <a:rPr lang="ru-RU" spc="-1" dirty="0">
                 <a:solidFill>
                   <a:srgbClr val="C9211E"/>
                 </a:solidFill>
@@ -20059,7 +20141,7 @@
               </a:rPr>
               <a:t>{</a:t>
             </a:r>
-            <a:endParaRPr lang="ru-RU" spc="-1">
+            <a:endParaRPr lang="ru-RU" spc="-1" dirty="0">
               <a:latin typeface="Arial"/>
             </a:endParaRPr>
           </a:p>
@@ -20070,16 +20152,36 @@
               </a:lnSpc>
             </a:pPr>
             <a:r>
-              <a:rPr lang="ru-RU" spc="-1">
+              <a:rPr lang="ru-RU" spc="-1" dirty="0">
                 <a:solidFill>
                   <a:srgbClr val="C9211E"/>
                 </a:solidFill>
                 <a:latin typeface="Arial"/>
                 <a:ea typeface="Microsoft YaHei"/>
               </a:rPr>
-              <a:t>	Console.WriteLine("Число равно нулю");</a:t>
-            </a:r>
-            <a:endParaRPr lang="ru-RU" spc="-1">
+              <a:t>	</a:t>
+            </a:r>
+            <a:r>
+              <a:rPr lang="ru-RU" spc="-1" dirty="0" err="1">
+                <a:solidFill>
+                  <a:srgbClr val="C9211E"/>
+                </a:solidFill>
+                <a:latin typeface="Arial"/>
+                <a:ea typeface="Microsoft YaHei"/>
+              </a:rPr>
+              <a:t>Console.WriteLine</a:t>
+            </a:r>
+            <a:r>
+              <a:rPr lang="ru-RU" spc="-1" dirty="0">
+                <a:solidFill>
+                  <a:srgbClr val="C9211E"/>
+                </a:solidFill>
+                <a:latin typeface="Arial"/>
+                <a:ea typeface="Microsoft YaHei"/>
+              </a:rPr>
+              <a:t>("Число равно нулю");</a:t>
+            </a:r>
+            <a:endParaRPr lang="ru-RU" spc="-1" dirty="0">
               <a:latin typeface="Arial"/>
             </a:endParaRPr>
           </a:p>
@@ -20090,7 +20192,7 @@
               </a:lnSpc>
             </a:pPr>
             <a:r>
-              <a:rPr lang="ru-RU" spc="-1">
+              <a:rPr lang="ru-RU" spc="-1" dirty="0">
                 <a:solidFill>
                   <a:srgbClr val="C9211E"/>
                 </a:solidFill>
@@ -20099,7 +20201,7 @@
               </a:rPr>
               <a:t>}</a:t>
             </a:r>
-            <a:endParaRPr lang="ru-RU" spc="-1">
+            <a:endParaRPr lang="ru-RU" spc="-1" dirty="0">
               <a:latin typeface="Arial"/>
             </a:endParaRPr>
           </a:p>
@@ -20446,7 +20548,7 @@
       </p:grpSpPr>
       <p:sp>
         <p:nvSpPr>
-          <p:cNvPr id="149" name="CustomShape 1"/>
+          <p:cNvPr id="125" name="CustomShape 1"/>
           <p:cNvSpPr/>
           <p:nvPr/>
         </p:nvSpPr>
@@ -20487,16 +20589,16 @@
               </a:lnSpc>
             </a:pPr>
             <a:r>
-              <a:rPr lang="ru-RU" sz="4000" b="1" spc="-1">
+              <a:rPr lang="ru-RU" sz="4000" b="1" spc="-1" dirty="0">
                 <a:solidFill>
                   <a:srgbClr val="203864"/>
                 </a:solidFill>
                 <a:latin typeface="Calibri"/>
                 <a:ea typeface="DejaVu Sans"/>
               </a:rPr>
-              <a:t>Задание</a:t>
-            </a:r>
-            <a:endParaRPr lang="ru-RU" sz="4000" spc="-1">
+              <a:t>Условия в программировании</a:t>
+            </a:r>
+            <a:endParaRPr lang="ru-RU" sz="4000" spc="-1" dirty="0">
               <a:latin typeface="Arial"/>
             </a:endParaRPr>
           </a:p>
@@ -20504,14 +20606,14 @@
       </p:sp>
       <p:sp>
         <p:nvSpPr>
-          <p:cNvPr id="150" name="CustomShape 2"/>
+          <p:cNvPr id="127" name="CustomShape 3"/>
           <p:cNvSpPr/>
           <p:nvPr/>
         </p:nvSpPr>
         <p:spPr>
           <a:xfrm>
-            <a:off x="2532000" y="1728000"/>
-            <a:ext cx="6335640" cy="3527640"/>
+            <a:off x="3574319" y="972810"/>
+            <a:ext cx="6864480" cy="601920"/>
           </a:xfrm>
           <a:prstGeom prst="rect">
             <a:avLst/>
@@ -20545,22 +20647,1267 @@
               </a:lnSpc>
             </a:pPr>
             <a:r>
-              <a:rPr lang="ru-RU" sz="2200" spc="-1">
+              <a:rPr lang="ru-RU" sz="2000" spc="-1" dirty="0"/>
+              <a:t>Вывести названия месяца по его номеру.</a:t>
+            </a:r>
+          </a:p>
+        </p:txBody>
+      </p:sp>
+      <p:sp>
+        <p:nvSpPr>
+          <p:cNvPr id="128" name="CustomShape 4"/>
+          <p:cNvSpPr/>
+          <p:nvPr/>
+        </p:nvSpPr>
+        <p:spPr>
+          <a:xfrm>
+            <a:off x="723481" y="3649160"/>
+            <a:ext cx="1799640" cy="575640"/>
+          </a:xfrm>
+          <a:prstGeom prst="rect">
+            <a:avLst/>
+          </a:prstGeom>
+          <a:solidFill>
+            <a:srgbClr val="729FCF"/>
+          </a:solidFill>
+          <a:ln>
+            <a:solidFill>
+              <a:srgbClr val="3465A4"/>
+            </a:solidFill>
+          </a:ln>
+        </p:spPr>
+        <p:style>
+          <a:lnRef idx="0">
+            <a:scrgbClr r="0" g="0" b="0"/>
+          </a:lnRef>
+          <a:fillRef idx="0">
+            <a:scrgbClr r="0" g="0" b="0"/>
+          </a:fillRef>
+          <a:effectRef idx="0">
+            <a:scrgbClr r="0" g="0" b="0"/>
+          </a:effectRef>
+          <a:fontRef idx="minor"/>
+        </p:style>
+        <p:txBody>
+          <a:bodyPr wrap="none" lIns="90000" tIns="45000" rIns="90000" bIns="45000" anchor="ctr">
+            <a:noAutofit/>
+          </a:bodyPr>
+          <a:lstStyle/>
+          <a:p>
+            <a:pPr algn="ctr">
+              <a:lnSpc>
+                <a:spcPct val="100000"/>
+              </a:lnSpc>
+            </a:pPr>
+            <a:r>
+              <a:rPr lang="ru-RU" spc="-1" dirty="0">
+                <a:solidFill>
+                  <a:srgbClr val="000000"/>
+                </a:solidFill>
                 <a:latin typeface="Arial"/>
-              </a:rPr>
-              <a:t>Написать программу, которая с экрана считывает значение переменной и выводит на экран одно из соответствующих сообщений:</a:t>
-            </a:r>
-          </a:p>
+                <a:ea typeface="DejaVu Sans"/>
+              </a:rPr>
+              <a:t>Если</a:t>
+            </a:r>
+            <a:endParaRPr lang="ru-RU" spc="-1" dirty="0">
+              <a:latin typeface="Arial"/>
+            </a:endParaRPr>
+          </a:p>
+        </p:txBody>
+      </p:sp>
+      <p:sp>
+        <p:nvSpPr>
+          <p:cNvPr id="129" name="CustomShape 5"/>
+          <p:cNvSpPr/>
+          <p:nvPr/>
+        </p:nvSpPr>
+        <p:spPr>
+          <a:xfrm>
+            <a:off x="3026196" y="1695921"/>
+            <a:ext cx="1799640" cy="647640"/>
+          </a:xfrm>
+          <a:prstGeom prst="rect">
+            <a:avLst/>
+          </a:prstGeom>
+          <a:solidFill>
+            <a:srgbClr val="C9211E"/>
+          </a:solidFill>
+          <a:ln>
+            <a:solidFill>
+              <a:srgbClr val="3465A4"/>
+            </a:solidFill>
+          </a:ln>
+        </p:spPr>
+        <p:style>
+          <a:lnRef idx="0">
+            <a:scrgbClr r="0" g="0" b="0"/>
+          </a:lnRef>
+          <a:fillRef idx="0">
+            <a:scrgbClr r="0" g="0" b="0"/>
+          </a:fillRef>
+          <a:effectRef idx="0">
+            <a:scrgbClr r="0" g="0" b="0"/>
+          </a:effectRef>
+          <a:fontRef idx="minor"/>
+        </p:style>
+        <p:txBody>
+          <a:bodyPr wrap="none" lIns="90000" tIns="45000" rIns="90000" bIns="45000" anchor="ctr">
+            <a:noAutofit/>
+          </a:bodyPr>
+          <a:lstStyle/>
+          <a:p>
+            <a:pPr algn="ctr">
+              <a:lnSpc>
+                <a:spcPct val="100000"/>
+              </a:lnSpc>
+            </a:pPr>
+            <a:r>
+              <a:rPr lang="ru-RU" spc="-1" dirty="0">
+                <a:solidFill>
+                  <a:srgbClr val="000000"/>
+                </a:solidFill>
+                <a:latin typeface="Arial"/>
+                <a:ea typeface="DejaVu Sans"/>
+              </a:rPr>
+              <a:t>X == 1</a:t>
+            </a:r>
+            <a:endParaRPr lang="ru-RU" spc="-1" dirty="0">
+              <a:latin typeface="Arial"/>
+            </a:endParaRPr>
+          </a:p>
+        </p:txBody>
+      </p:sp>
+      <p:sp>
+        <p:nvSpPr>
+          <p:cNvPr id="130" name="CustomShape 6"/>
+          <p:cNvSpPr/>
+          <p:nvPr/>
+        </p:nvSpPr>
+        <p:spPr>
+          <a:xfrm>
+            <a:off x="3026196" y="2508320"/>
+            <a:ext cx="1799640" cy="647640"/>
+          </a:xfrm>
+          <a:prstGeom prst="rect">
+            <a:avLst/>
+          </a:prstGeom>
+          <a:solidFill>
+            <a:srgbClr val="17C82F"/>
+          </a:solidFill>
+          <a:ln>
+            <a:solidFill>
+              <a:srgbClr val="3465A4"/>
+            </a:solidFill>
+          </a:ln>
+        </p:spPr>
+        <p:style>
+          <a:lnRef idx="0">
+            <a:scrgbClr r="0" g="0" b="0"/>
+          </a:lnRef>
+          <a:fillRef idx="0">
+            <a:scrgbClr r="0" g="0" b="0"/>
+          </a:fillRef>
+          <a:effectRef idx="0">
+            <a:scrgbClr r="0" g="0" b="0"/>
+          </a:effectRef>
+          <a:fontRef idx="minor"/>
+        </p:style>
+        <p:txBody>
+          <a:bodyPr wrap="none" lIns="90000" tIns="45000" rIns="90000" bIns="45000" anchor="ctr">
+            <a:noAutofit/>
+          </a:bodyPr>
+          <a:lstStyle/>
+          <a:p>
+            <a:pPr algn="ctr">
+              <a:lnSpc>
+                <a:spcPct val="100000"/>
+              </a:lnSpc>
+            </a:pPr>
+            <a:r>
+              <a:rPr lang="ru-RU" spc="-1" dirty="0">
+                <a:solidFill>
+                  <a:srgbClr val="000000"/>
+                </a:solidFill>
+                <a:latin typeface="Arial"/>
+                <a:ea typeface="DejaVu Sans"/>
+              </a:rPr>
+              <a:t>X==1</a:t>
+            </a:r>
+            <a:endParaRPr lang="ru-RU" spc="-1" dirty="0">
+              <a:latin typeface="Arial"/>
+            </a:endParaRPr>
+          </a:p>
+        </p:txBody>
+      </p:sp>
+      <p:sp>
+        <p:nvSpPr>
+          <p:cNvPr id="2" name="CustomShape 10">
+            <a:extLst>
+              <a:ext uri="{FF2B5EF4-FFF2-40B4-BE49-F238E27FC236}">
+                <a16:creationId xmlns:a16="http://schemas.microsoft.com/office/drawing/2014/main" id="{405D2CDB-BDA6-4E9C-9E54-2F652409C05E}"/>
+              </a:ext>
+            </a:extLst>
+          </p:cNvPr>
+          <p:cNvSpPr/>
+          <p:nvPr/>
+        </p:nvSpPr>
+        <p:spPr>
+          <a:xfrm>
+            <a:off x="3019905" y="3374801"/>
+            <a:ext cx="1799640" cy="647640"/>
+          </a:xfrm>
+          <a:prstGeom prst="rect">
+            <a:avLst/>
+          </a:prstGeom>
+          <a:solidFill>
+            <a:srgbClr val="808080"/>
+          </a:solidFill>
+          <a:ln>
+            <a:solidFill>
+              <a:srgbClr val="3465A4"/>
+            </a:solidFill>
+          </a:ln>
+        </p:spPr>
+        <p:style>
+          <a:lnRef idx="0">
+            <a:scrgbClr r="0" g="0" b="0"/>
+          </a:lnRef>
+          <a:fillRef idx="0">
+            <a:scrgbClr r="0" g="0" b="0"/>
+          </a:fillRef>
+          <a:effectRef idx="0">
+            <a:scrgbClr r="0" g="0" b="0"/>
+          </a:effectRef>
+          <a:fontRef idx="minor"/>
+        </p:style>
+        <p:txBody>
+          <a:bodyPr wrap="none" lIns="90000" tIns="45000" rIns="90000" bIns="45000" anchor="ctr">
+            <a:noAutofit/>
+          </a:bodyPr>
+          <a:lstStyle/>
+          <a:p>
+            <a:pPr algn="ctr">
+              <a:lnSpc>
+                <a:spcPct val="100000"/>
+              </a:lnSpc>
+            </a:pPr>
+            <a:r>
+              <a:rPr lang="ru-RU" spc="-1" dirty="0">
+                <a:solidFill>
+                  <a:srgbClr val="000000"/>
+                </a:solidFill>
+                <a:latin typeface="Arial"/>
+                <a:ea typeface="DejaVu Sans"/>
+              </a:rPr>
+              <a:t>X == 2</a:t>
+            </a:r>
+            <a:endParaRPr lang="ru-RU" spc="-1" dirty="0">
+              <a:latin typeface="Arial"/>
+            </a:endParaRPr>
+          </a:p>
+        </p:txBody>
+      </p:sp>
+      <p:sp>
+        <p:nvSpPr>
+          <p:cNvPr id="3" name="CustomShape 6">
+            <a:extLst>
+              <a:ext uri="{FF2B5EF4-FFF2-40B4-BE49-F238E27FC236}">
+                <a16:creationId xmlns:a16="http://schemas.microsoft.com/office/drawing/2014/main" id="{C92324F3-8675-48AE-B9F3-7BAE5CEAFD76}"/>
+              </a:ext>
+            </a:extLst>
+          </p:cNvPr>
+          <p:cNvSpPr/>
+          <p:nvPr/>
+        </p:nvSpPr>
+        <p:spPr>
+          <a:xfrm>
+            <a:off x="3019905" y="5515341"/>
+            <a:ext cx="1799640" cy="647640"/>
+          </a:xfrm>
+          <a:prstGeom prst="rect">
+            <a:avLst/>
+          </a:prstGeom>
+          <a:solidFill>
+            <a:srgbClr val="17C82F"/>
+          </a:solidFill>
+          <a:ln>
+            <a:solidFill>
+              <a:srgbClr val="3465A4"/>
+            </a:solidFill>
+          </a:ln>
+        </p:spPr>
+        <p:style>
+          <a:lnRef idx="0">
+            <a:scrgbClr r="0" g="0" b="0"/>
+          </a:lnRef>
+          <a:fillRef idx="0">
+            <a:scrgbClr r="0" g="0" b="0"/>
+          </a:fillRef>
+          <a:effectRef idx="0">
+            <a:scrgbClr r="0" g="0" b="0"/>
+          </a:effectRef>
+          <a:fontRef idx="minor"/>
+        </p:style>
+        <p:txBody>
+          <a:bodyPr wrap="none" lIns="90000" tIns="45000" rIns="90000" bIns="45000" anchor="ctr">
+            <a:noAutofit/>
+          </a:bodyPr>
+          <a:lstStyle/>
+          <a:p>
+            <a:pPr algn="ctr">
+              <a:lnSpc>
+                <a:spcPct val="100000"/>
+              </a:lnSpc>
+            </a:pPr>
+            <a:r>
+              <a:rPr lang="ru-RU" spc="-1" dirty="0">
+                <a:solidFill>
+                  <a:srgbClr val="000000"/>
+                </a:solidFill>
+                <a:latin typeface="Arial"/>
+                <a:ea typeface="DejaVu Sans"/>
+              </a:rPr>
+              <a:t>X==12</a:t>
+            </a:r>
+            <a:endParaRPr lang="ru-RU" spc="-1" dirty="0">
+              <a:latin typeface="Arial"/>
+            </a:endParaRPr>
+          </a:p>
+        </p:txBody>
+      </p:sp>
+      <p:sp>
+        <p:nvSpPr>
+          <p:cNvPr id="6" name="CustomShape 5">
+            <a:extLst>
+              <a:ext uri="{FF2B5EF4-FFF2-40B4-BE49-F238E27FC236}">
+                <a16:creationId xmlns:a16="http://schemas.microsoft.com/office/drawing/2014/main" id="{835944EA-C648-44C2-92FC-B5A3C0759A91}"/>
+              </a:ext>
+            </a:extLst>
+          </p:cNvPr>
+          <p:cNvSpPr/>
+          <p:nvPr/>
+        </p:nvSpPr>
+        <p:spPr>
+          <a:xfrm>
+            <a:off x="3019905" y="4648860"/>
+            <a:ext cx="1799640" cy="647640"/>
+          </a:xfrm>
+          <a:prstGeom prst="rect">
+            <a:avLst/>
+          </a:prstGeom>
+          <a:solidFill>
+            <a:srgbClr val="C9211E"/>
+          </a:solidFill>
+          <a:ln>
+            <a:solidFill>
+              <a:srgbClr val="3465A4"/>
+            </a:solidFill>
+          </a:ln>
+        </p:spPr>
+        <p:style>
+          <a:lnRef idx="0">
+            <a:scrgbClr r="0" g="0" b="0"/>
+          </a:lnRef>
+          <a:fillRef idx="0">
+            <a:scrgbClr r="0" g="0" b="0"/>
+          </a:fillRef>
+          <a:effectRef idx="0">
+            <a:scrgbClr r="0" g="0" b="0"/>
+          </a:effectRef>
+          <a:fontRef idx="minor"/>
+        </p:style>
+        <p:txBody>
+          <a:bodyPr wrap="none" lIns="90000" tIns="45000" rIns="90000" bIns="45000" anchor="ctr">
+            <a:noAutofit/>
+          </a:bodyPr>
+          <a:lstStyle/>
+          <a:p>
+            <a:pPr algn="ctr">
+              <a:lnSpc>
+                <a:spcPct val="100000"/>
+              </a:lnSpc>
+            </a:pPr>
+            <a:r>
+              <a:rPr lang="ru-RU" spc="-1" dirty="0">
+                <a:solidFill>
+                  <a:srgbClr val="000000"/>
+                </a:solidFill>
+                <a:latin typeface="Arial"/>
+                <a:ea typeface="DejaVu Sans"/>
+              </a:rPr>
+              <a:t>X == 11</a:t>
+            </a:r>
+            <a:endParaRPr lang="ru-RU" spc="-1" dirty="0">
+              <a:latin typeface="Arial"/>
+            </a:endParaRPr>
+          </a:p>
+        </p:txBody>
+      </p:sp>
+      <p:sp>
+        <p:nvSpPr>
+          <p:cNvPr id="7" name="TextBox 6">
+            <a:extLst>
+              <a:ext uri="{FF2B5EF4-FFF2-40B4-BE49-F238E27FC236}">
+                <a16:creationId xmlns:a16="http://schemas.microsoft.com/office/drawing/2014/main" id="{B275F8AD-19D6-4BB4-BA21-94AD09BED3C5}"/>
+              </a:ext>
+            </a:extLst>
+          </p:cNvPr>
+          <p:cNvSpPr txBox="1"/>
+          <p:nvPr/>
+        </p:nvSpPr>
+        <p:spPr>
+          <a:xfrm>
+            <a:off x="3711976" y="4158929"/>
+            <a:ext cx="415498" cy="369332"/>
+          </a:xfrm>
+          <a:prstGeom prst="rect">
+            <a:avLst/>
+          </a:prstGeom>
+          <a:noFill/>
+        </p:spPr>
+        <p:txBody>
+          <a:bodyPr wrap="none" rtlCol="0">
+            <a:spAutoFit/>
+          </a:bodyPr>
+          <a:lstStyle/>
+          <a:p>
+            <a:r>
+              <a:rPr lang="ru-RU" dirty="0"/>
+              <a:t>…</a:t>
+            </a:r>
+          </a:p>
+        </p:txBody>
+      </p:sp>
+      <p:sp>
+        <p:nvSpPr>
+          <p:cNvPr id="14" name="Левая фигурная скобка 13">
+            <a:extLst>
+              <a:ext uri="{FF2B5EF4-FFF2-40B4-BE49-F238E27FC236}">
+                <a16:creationId xmlns:a16="http://schemas.microsoft.com/office/drawing/2014/main" id="{F6148E73-2D78-4A6A-8EDD-E5240CA5C7D5}"/>
+              </a:ext>
+            </a:extLst>
+          </p:cNvPr>
+          <p:cNvSpPr/>
+          <p:nvPr/>
+        </p:nvSpPr>
+        <p:spPr>
+          <a:xfrm>
+            <a:off x="2604407" y="1574730"/>
+            <a:ext cx="415498" cy="4823421"/>
+          </a:xfrm>
+          <a:prstGeom prst="leftBrace">
+            <a:avLst/>
+          </a:prstGeom>
+        </p:spPr>
+        <p:style>
+          <a:lnRef idx="3">
+            <a:schemeClr val="dk1"/>
+          </a:lnRef>
+          <a:fillRef idx="0">
+            <a:schemeClr val="dk1"/>
+          </a:fillRef>
+          <a:effectRef idx="2">
+            <a:schemeClr val="dk1"/>
+          </a:effectRef>
+          <a:fontRef idx="minor">
+            <a:schemeClr val="tx1"/>
+          </a:fontRef>
+        </p:style>
+        <p:txBody>
+          <a:bodyPr rtlCol="0" anchor="ctr"/>
+          <a:lstStyle/>
+          <a:p>
+            <a:pPr algn="ctr"/>
+            <a:endParaRPr lang="ru-RU"/>
+          </a:p>
+        </p:txBody>
+      </p:sp>
+      <p:sp>
+        <p:nvSpPr>
+          <p:cNvPr id="18" name="CustomShape 4">
+            <a:extLst>
+              <a:ext uri="{FF2B5EF4-FFF2-40B4-BE49-F238E27FC236}">
+                <a16:creationId xmlns:a16="http://schemas.microsoft.com/office/drawing/2014/main" id="{0379FCEC-7E92-4458-8FD3-3CD64DEB444E}"/>
+              </a:ext>
+            </a:extLst>
+          </p:cNvPr>
+          <p:cNvSpPr/>
+          <p:nvPr/>
+        </p:nvSpPr>
+        <p:spPr>
+          <a:xfrm>
+            <a:off x="5295480" y="1729845"/>
+            <a:ext cx="2222919" cy="575640"/>
+          </a:xfrm>
+          <a:prstGeom prst="rect">
+            <a:avLst/>
+          </a:prstGeom>
+          <a:solidFill>
+            <a:srgbClr val="729FCF"/>
+          </a:solidFill>
+          <a:ln>
+            <a:solidFill>
+              <a:srgbClr val="3465A4"/>
+            </a:solidFill>
+          </a:ln>
+        </p:spPr>
+        <p:style>
+          <a:lnRef idx="0">
+            <a:scrgbClr r="0" g="0" b="0"/>
+          </a:lnRef>
+          <a:fillRef idx="0">
+            <a:scrgbClr r="0" g="0" b="0"/>
+          </a:fillRef>
+          <a:effectRef idx="0">
+            <a:scrgbClr r="0" g="0" b="0"/>
+          </a:effectRef>
+          <a:fontRef idx="minor"/>
+        </p:style>
+        <p:txBody>
+          <a:bodyPr wrap="none" lIns="90000" tIns="45000" rIns="90000" bIns="45000" anchor="ctr">
+            <a:noAutofit/>
+          </a:bodyPr>
+          <a:lstStyle/>
+          <a:p>
+            <a:pPr algn="ctr">
+              <a:lnSpc>
+                <a:spcPct val="100000"/>
+              </a:lnSpc>
+            </a:pPr>
+            <a:r>
+              <a:rPr lang="ru-RU" spc="-1" dirty="0">
+                <a:solidFill>
+                  <a:srgbClr val="000000"/>
+                </a:solidFill>
+                <a:latin typeface="Arial"/>
+                <a:ea typeface="DejaVu Sans"/>
+              </a:rPr>
+              <a:t>Вывод «Январь»</a:t>
+            </a:r>
+            <a:endParaRPr lang="ru-RU" spc="-1" dirty="0">
+              <a:latin typeface="Arial"/>
+            </a:endParaRPr>
+          </a:p>
+        </p:txBody>
+      </p:sp>
+      <p:sp>
+        <p:nvSpPr>
+          <p:cNvPr id="20" name="CustomShape 4">
+            <a:extLst>
+              <a:ext uri="{FF2B5EF4-FFF2-40B4-BE49-F238E27FC236}">
+                <a16:creationId xmlns:a16="http://schemas.microsoft.com/office/drawing/2014/main" id="{786993EF-A876-4D4A-BCEF-086BCEA00E29}"/>
+              </a:ext>
+            </a:extLst>
+          </p:cNvPr>
+          <p:cNvSpPr/>
+          <p:nvPr/>
+        </p:nvSpPr>
+        <p:spPr>
+          <a:xfrm>
+            <a:off x="5295479" y="2536155"/>
+            <a:ext cx="2222919" cy="575640"/>
+          </a:xfrm>
+          <a:prstGeom prst="rect">
+            <a:avLst/>
+          </a:prstGeom>
+          <a:solidFill>
+            <a:srgbClr val="729FCF"/>
+          </a:solidFill>
+          <a:ln>
+            <a:solidFill>
+              <a:srgbClr val="3465A4"/>
+            </a:solidFill>
+          </a:ln>
+        </p:spPr>
+        <p:style>
+          <a:lnRef idx="0">
+            <a:scrgbClr r="0" g="0" b="0"/>
+          </a:lnRef>
+          <a:fillRef idx="0">
+            <a:scrgbClr r="0" g="0" b="0"/>
+          </a:fillRef>
+          <a:effectRef idx="0">
+            <a:scrgbClr r="0" g="0" b="0"/>
+          </a:effectRef>
+          <a:fontRef idx="minor"/>
+        </p:style>
+        <p:txBody>
+          <a:bodyPr wrap="none" lIns="90000" tIns="45000" rIns="90000" bIns="45000" anchor="ctr">
+            <a:noAutofit/>
+          </a:bodyPr>
+          <a:lstStyle/>
+          <a:p>
+            <a:pPr algn="ctr">
+              <a:lnSpc>
+                <a:spcPct val="100000"/>
+              </a:lnSpc>
+            </a:pPr>
+            <a:r>
+              <a:rPr lang="ru-RU" spc="-1" dirty="0">
+                <a:solidFill>
+                  <a:srgbClr val="000000"/>
+                </a:solidFill>
+                <a:latin typeface="Arial"/>
+                <a:ea typeface="DejaVu Sans"/>
+              </a:rPr>
+              <a:t>Вывод «Февраль»</a:t>
+            </a:r>
+            <a:endParaRPr lang="ru-RU" spc="-1" dirty="0">
+              <a:latin typeface="Arial"/>
+            </a:endParaRPr>
+          </a:p>
+        </p:txBody>
+      </p:sp>
+      <p:sp>
+        <p:nvSpPr>
+          <p:cNvPr id="21" name="CustomShape 4">
+            <a:extLst>
+              <a:ext uri="{FF2B5EF4-FFF2-40B4-BE49-F238E27FC236}">
+                <a16:creationId xmlns:a16="http://schemas.microsoft.com/office/drawing/2014/main" id="{FCCED103-407C-481D-AC6E-67E56359D45C}"/>
+              </a:ext>
+            </a:extLst>
+          </p:cNvPr>
+          <p:cNvSpPr/>
+          <p:nvPr/>
+        </p:nvSpPr>
+        <p:spPr>
+          <a:xfrm>
+            <a:off x="5286009" y="3381562"/>
+            <a:ext cx="2222919" cy="575640"/>
+          </a:xfrm>
+          <a:prstGeom prst="rect">
+            <a:avLst/>
+          </a:prstGeom>
+          <a:solidFill>
+            <a:srgbClr val="729FCF"/>
+          </a:solidFill>
+          <a:ln>
+            <a:solidFill>
+              <a:srgbClr val="3465A4"/>
+            </a:solidFill>
+          </a:ln>
+        </p:spPr>
+        <p:style>
+          <a:lnRef idx="0">
+            <a:scrgbClr r="0" g="0" b="0"/>
+          </a:lnRef>
+          <a:fillRef idx="0">
+            <a:scrgbClr r="0" g="0" b="0"/>
+          </a:fillRef>
+          <a:effectRef idx="0">
+            <a:scrgbClr r="0" g="0" b="0"/>
+          </a:effectRef>
+          <a:fontRef idx="minor"/>
+        </p:style>
+        <p:txBody>
+          <a:bodyPr wrap="none" lIns="90000" tIns="45000" rIns="90000" bIns="45000" anchor="ctr">
+            <a:noAutofit/>
+          </a:bodyPr>
+          <a:lstStyle/>
+          <a:p>
+            <a:pPr algn="ctr">
+              <a:lnSpc>
+                <a:spcPct val="100000"/>
+              </a:lnSpc>
+            </a:pPr>
+            <a:r>
+              <a:rPr lang="ru-RU" spc="-1" dirty="0">
+                <a:solidFill>
+                  <a:srgbClr val="000000"/>
+                </a:solidFill>
+                <a:latin typeface="Arial"/>
+                <a:ea typeface="DejaVu Sans"/>
+              </a:rPr>
+              <a:t>Вывод «Март»</a:t>
+            </a:r>
+            <a:endParaRPr lang="ru-RU" spc="-1" dirty="0">
+              <a:latin typeface="Arial"/>
+            </a:endParaRPr>
+          </a:p>
+        </p:txBody>
+      </p:sp>
+      <p:sp>
+        <p:nvSpPr>
+          <p:cNvPr id="23" name="CustomShape 4">
+            <a:extLst>
+              <a:ext uri="{FF2B5EF4-FFF2-40B4-BE49-F238E27FC236}">
+                <a16:creationId xmlns:a16="http://schemas.microsoft.com/office/drawing/2014/main" id="{FBD98648-CF56-4F56-B863-3E5083415602}"/>
+              </a:ext>
+            </a:extLst>
+          </p:cNvPr>
+          <p:cNvSpPr/>
+          <p:nvPr/>
+        </p:nvSpPr>
+        <p:spPr>
+          <a:xfrm>
+            <a:off x="5286009" y="4684860"/>
+            <a:ext cx="2222919" cy="575640"/>
+          </a:xfrm>
+          <a:prstGeom prst="rect">
+            <a:avLst/>
+          </a:prstGeom>
+          <a:solidFill>
+            <a:srgbClr val="729FCF"/>
+          </a:solidFill>
+          <a:ln>
+            <a:solidFill>
+              <a:srgbClr val="3465A4"/>
+            </a:solidFill>
+          </a:ln>
+        </p:spPr>
+        <p:style>
+          <a:lnRef idx="0">
+            <a:scrgbClr r="0" g="0" b="0"/>
+          </a:lnRef>
+          <a:fillRef idx="0">
+            <a:scrgbClr r="0" g="0" b="0"/>
+          </a:fillRef>
+          <a:effectRef idx="0">
+            <a:scrgbClr r="0" g="0" b="0"/>
+          </a:effectRef>
+          <a:fontRef idx="minor"/>
+        </p:style>
+        <p:txBody>
+          <a:bodyPr wrap="none" lIns="90000" tIns="45000" rIns="90000" bIns="45000" anchor="ctr">
+            <a:noAutofit/>
+          </a:bodyPr>
+          <a:lstStyle/>
+          <a:p>
+            <a:pPr algn="ctr">
+              <a:lnSpc>
+                <a:spcPct val="100000"/>
+              </a:lnSpc>
+            </a:pPr>
+            <a:r>
+              <a:rPr lang="ru-RU" spc="-1" dirty="0">
+                <a:solidFill>
+                  <a:srgbClr val="000000"/>
+                </a:solidFill>
+                <a:latin typeface="Arial"/>
+                <a:ea typeface="DejaVu Sans"/>
+              </a:rPr>
+              <a:t>Вывод «Ноябрь»</a:t>
+            </a:r>
+            <a:endParaRPr lang="ru-RU" spc="-1" dirty="0">
+              <a:latin typeface="Arial"/>
+            </a:endParaRPr>
+          </a:p>
+        </p:txBody>
+      </p:sp>
+      <p:sp>
+        <p:nvSpPr>
+          <p:cNvPr id="25" name="CustomShape 4">
+            <a:extLst>
+              <a:ext uri="{FF2B5EF4-FFF2-40B4-BE49-F238E27FC236}">
+                <a16:creationId xmlns:a16="http://schemas.microsoft.com/office/drawing/2014/main" id="{9E507380-0858-4B3F-81DF-E19557BB2175}"/>
+              </a:ext>
+            </a:extLst>
+          </p:cNvPr>
+          <p:cNvSpPr/>
+          <p:nvPr/>
+        </p:nvSpPr>
+        <p:spPr>
+          <a:xfrm>
+            <a:off x="5286009" y="5551341"/>
+            <a:ext cx="2222919" cy="575640"/>
+          </a:xfrm>
+          <a:prstGeom prst="rect">
+            <a:avLst/>
+          </a:prstGeom>
+          <a:solidFill>
+            <a:srgbClr val="729FCF"/>
+          </a:solidFill>
+          <a:ln>
+            <a:solidFill>
+              <a:srgbClr val="3465A4"/>
+            </a:solidFill>
+          </a:ln>
+        </p:spPr>
+        <p:style>
+          <a:lnRef idx="0">
+            <a:scrgbClr r="0" g="0" b="0"/>
+          </a:lnRef>
+          <a:fillRef idx="0">
+            <a:scrgbClr r="0" g="0" b="0"/>
+          </a:fillRef>
+          <a:effectRef idx="0">
+            <a:scrgbClr r="0" g="0" b="0"/>
+          </a:effectRef>
+          <a:fontRef idx="minor"/>
+        </p:style>
+        <p:txBody>
+          <a:bodyPr wrap="none" lIns="90000" tIns="45000" rIns="90000" bIns="45000" anchor="ctr">
+            <a:noAutofit/>
+          </a:bodyPr>
+          <a:lstStyle/>
+          <a:p>
+            <a:pPr algn="ctr">
+              <a:lnSpc>
+                <a:spcPct val="100000"/>
+              </a:lnSpc>
+            </a:pPr>
+            <a:r>
+              <a:rPr lang="ru-RU" spc="-1" dirty="0">
+                <a:solidFill>
+                  <a:srgbClr val="000000"/>
+                </a:solidFill>
+                <a:latin typeface="Arial"/>
+                <a:ea typeface="DejaVu Sans"/>
+              </a:rPr>
+              <a:t>Вывод «Декабрь»</a:t>
+            </a:r>
+            <a:endParaRPr lang="ru-RU" spc="-1" dirty="0">
+              <a:latin typeface="Arial"/>
+            </a:endParaRPr>
+          </a:p>
+        </p:txBody>
+      </p:sp>
+      <p:sp>
+        <p:nvSpPr>
+          <p:cNvPr id="26" name="CustomShape 4">
+            <a:extLst>
+              <a:ext uri="{FF2B5EF4-FFF2-40B4-BE49-F238E27FC236}">
+                <a16:creationId xmlns:a16="http://schemas.microsoft.com/office/drawing/2014/main" id="{6F978845-BAD8-4CE9-BD1D-22373373D0F3}"/>
+              </a:ext>
+            </a:extLst>
+          </p:cNvPr>
+          <p:cNvSpPr/>
+          <p:nvPr/>
+        </p:nvSpPr>
+        <p:spPr>
+          <a:xfrm>
+            <a:off x="8507169" y="3767955"/>
+            <a:ext cx="1799640" cy="575640"/>
+          </a:xfrm>
+          <a:prstGeom prst="rect">
+            <a:avLst/>
+          </a:prstGeom>
+          <a:solidFill>
+            <a:srgbClr val="729FCF"/>
+          </a:solidFill>
+          <a:ln>
+            <a:solidFill>
+              <a:srgbClr val="3465A4"/>
+            </a:solidFill>
+          </a:ln>
+        </p:spPr>
+        <p:style>
+          <a:lnRef idx="0">
+            <a:scrgbClr r="0" g="0" b="0"/>
+          </a:lnRef>
+          <a:fillRef idx="0">
+            <a:scrgbClr r="0" g="0" b="0"/>
+          </a:fillRef>
+          <a:effectRef idx="0">
+            <a:scrgbClr r="0" g="0" b="0"/>
+          </a:effectRef>
+          <a:fontRef idx="minor"/>
+        </p:style>
+        <p:txBody>
+          <a:bodyPr wrap="none" lIns="90000" tIns="45000" rIns="90000" bIns="45000" anchor="ctr">
+            <a:noAutofit/>
+          </a:bodyPr>
+          <a:lstStyle/>
+          <a:p>
+            <a:pPr algn="ctr">
+              <a:lnSpc>
+                <a:spcPct val="100000"/>
+              </a:lnSpc>
+            </a:pPr>
+            <a:r>
+              <a:rPr lang="ru-RU" spc="-1" dirty="0">
+                <a:solidFill>
+                  <a:srgbClr val="000000"/>
+                </a:solidFill>
+                <a:latin typeface="Arial"/>
+                <a:ea typeface="DejaVu Sans"/>
+              </a:rPr>
+              <a:t>Конец</a:t>
+            </a:r>
+            <a:endParaRPr lang="ru-RU" spc="-1" dirty="0">
+              <a:latin typeface="Arial"/>
+            </a:endParaRPr>
+          </a:p>
+        </p:txBody>
+      </p:sp>
+      <p:cxnSp>
+        <p:nvCxnSpPr>
+          <p:cNvPr id="28" name="Прямая со стрелкой 27">
+            <a:extLst>
+              <a:ext uri="{FF2B5EF4-FFF2-40B4-BE49-F238E27FC236}">
+                <a16:creationId xmlns:a16="http://schemas.microsoft.com/office/drawing/2014/main" id="{06E1587B-60D0-46DF-8904-EAA51287A0FF}"/>
+              </a:ext>
+            </a:extLst>
+          </p:cNvPr>
+          <p:cNvCxnSpPr>
+            <a:cxnSpLocks/>
+          </p:cNvCxnSpPr>
+          <p:nvPr/>
+        </p:nvCxnSpPr>
+        <p:spPr>
+          <a:xfrm>
+            <a:off x="7723416" y="2110359"/>
+            <a:ext cx="1104495" cy="1519179"/>
+          </a:xfrm>
+          <a:prstGeom prst="straightConnector1">
+            <a:avLst/>
+          </a:prstGeom>
+          <a:ln>
+            <a:tailEnd type="triangle"/>
+          </a:ln>
+        </p:spPr>
+        <p:style>
+          <a:lnRef idx="3">
+            <a:schemeClr val="dk1"/>
+          </a:lnRef>
+          <a:fillRef idx="0">
+            <a:schemeClr val="dk1"/>
+          </a:fillRef>
+          <a:effectRef idx="2">
+            <a:schemeClr val="dk1"/>
+          </a:effectRef>
+          <a:fontRef idx="minor">
+            <a:schemeClr val="tx1"/>
+          </a:fontRef>
+        </p:style>
+      </p:cxnSp>
+      <p:cxnSp>
+        <p:nvCxnSpPr>
+          <p:cNvPr id="47" name="Прямая со стрелкой 46">
+            <a:extLst>
+              <a:ext uri="{FF2B5EF4-FFF2-40B4-BE49-F238E27FC236}">
+                <a16:creationId xmlns:a16="http://schemas.microsoft.com/office/drawing/2014/main" id="{B2F90B5C-6D8D-4448-BA1F-6C690DD2B3C4}"/>
+              </a:ext>
+            </a:extLst>
+          </p:cNvPr>
+          <p:cNvCxnSpPr>
+            <a:cxnSpLocks/>
+          </p:cNvCxnSpPr>
+          <p:nvPr/>
+        </p:nvCxnSpPr>
+        <p:spPr>
+          <a:xfrm>
+            <a:off x="7723417" y="2939157"/>
+            <a:ext cx="686805" cy="759464"/>
+          </a:xfrm>
+          <a:prstGeom prst="straightConnector1">
+            <a:avLst/>
+          </a:prstGeom>
+          <a:ln>
+            <a:tailEnd type="triangle"/>
+          </a:ln>
+        </p:spPr>
+        <p:style>
+          <a:lnRef idx="3">
+            <a:schemeClr val="dk1"/>
+          </a:lnRef>
+          <a:fillRef idx="0">
+            <a:schemeClr val="dk1"/>
+          </a:fillRef>
+          <a:effectRef idx="2">
+            <a:schemeClr val="dk1"/>
+          </a:effectRef>
+          <a:fontRef idx="minor">
+            <a:schemeClr val="tx1"/>
+          </a:fontRef>
+        </p:style>
+      </p:cxnSp>
+      <p:cxnSp>
+        <p:nvCxnSpPr>
+          <p:cNvPr id="49" name="Прямая со стрелкой 48">
+            <a:extLst>
+              <a:ext uri="{FF2B5EF4-FFF2-40B4-BE49-F238E27FC236}">
+                <a16:creationId xmlns:a16="http://schemas.microsoft.com/office/drawing/2014/main" id="{0B04514D-F4C9-4934-8A57-B127AA2BED31}"/>
+              </a:ext>
+            </a:extLst>
+          </p:cNvPr>
+          <p:cNvCxnSpPr>
+            <a:cxnSpLocks/>
+          </p:cNvCxnSpPr>
+          <p:nvPr/>
+        </p:nvCxnSpPr>
+        <p:spPr>
+          <a:xfrm>
+            <a:off x="7723416" y="3844441"/>
+            <a:ext cx="686805" cy="291175"/>
+          </a:xfrm>
+          <a:prstGeom prst="straightConnector1">
+            <a:avLst/>
+          </a:prstGeom>
+          <a:ln>
+            <a:tailEnd type="triangle"/>
+          </a:ln>
+        </p:spPr>
+        <p:style>
+          <a:lnRef idx="3">
+            <a:schemeClr val="dk1"/>
+          </a:lnRef>
+          <a:fillRef idx="0">
+            <a:schemeClr val="dk1"/>
+          </a:fillRef>
+          <a:effectRef idx="2">
+            <a:schemeClr val="dk1"/>
+          </a:effectRef>
+          <a:fontRef idx="minor">
+            <a:schemeClr val="tx1"/>
+          </a:fontRef>
+        </p:style>
+      </p:cxnSp>
+      <p:cxnSp>
+        <p:nvCxnSpPr>
+          <p:cNvPr id="51" name="Прямая со стрелкой 50">
+            <a:extLst>
+              <a:ext uri="{FF2B5EF4-FFF2-40B4-BE49-F238E27FC236}">
+                <a16:creationId xmlns:a16="http://schemas.microsoft.com/office/drawing/2014/main" id="{03808991-0B7F-4E02-8B77-F3770BB7CB46}"/>
+              </a:ext>
+            </a:extLst>
+          </p:cNvPr>
+          <p:cNvCxnSpPr>
+            <a:cxnSpLocks/>
+          </p:cNvCxnSpPr>
+          <p:nvPr/>
+        </p:nvCxnSpPr>
+        <p:spPr>
+          <a:xfrm flipV="1">
+            <a:off x="7750813" y="4489415"/>
+            <a:ext cx="998076" cy="483265"/>
+          </a:xfrm>
+          <a:prstGeom prst="straightConnector1">
+            <a:avLst/>
+          </a:prstGeom>
+          <a:ln>
+            <a:tailEnd type="triangle"/>
+          </a:ln>
+        </p:spPr>
+        <p:style>
+          <a:lnRef idx="3">
+            <a:schemeClr val="dk1"/>
+          </a:lnRef>
+          <a:fillRef idx="0">
+            <a:schemeClr val="dk1"/>
+          </a:fillRef>
+          <a:effectRef idx="2">
+            <a:schemeClr val="dk1"/>
+          </a:effectRef>
+          <a:fontRef idx="minor">
+            <a:schemeClr val="tx1"/>
+          </a:fontRef>
+        </p:style>
+      </p:cxnSp>
+      <p:cxnSp>
+        <p:nvCxnSpPr>
+          <p:cNvPr id="53" name="Прямая со стрелкой 52">
+            <a:extLst>
+              <a:ext uri="{FF2B5EF4-FFF2-40B4-BE49-F238E27FC236}">
+                <a16:creationId xmlns:a16="http://schemas.microsoft.com/office/drawing/2014/main" id="{00E4B171-E956-4370-BD67-357CEDA48655}"/>
+              </a:ext>
+            </a:extLst>
+          </p:cNvPr>
+          <p:cNvCxnSpPr>
+            <a:cxnSpLocks/>
+          </p:cNvCxnSpPr>
+          <p:nvPr/>
+        </p:nvCxnSpPr>
+        <p:spPr>
+          <a:xfrm flipV="1">
+            <a:off x="7723417" y="4528261"/>
+            <a:ext cx="1296405" cy="1252278"/>
+          </a:xfrm>
+          <a:prstGeom prst="straightConnector1">
+            <a:avLst/>
+          </a:prstGeom>
+          <a:ln>
+            <a:tailEnd type="triangle"/>
+          </a:ln>
+        </p:spPr>
+        <p:style>
+          <a:lnRef idx="3">
+            <a:schemeClr val="dk1"/>
+          </a:lnRef>
+          <a:fillRef idx="0">
+            <a:schemeClr val="dk1"/>
+          </a:fillRef>
+          <a:effectRef idx="2">
+            <a:schemeClr val="dk1"/>
+          </a:effectRef>
+          <a:fontRef idx="minor">
+            <a:schemeClr val="tx1"/>
+          </a:fontRef>
+        </p:style>
+      </p:cxnSp>
+    </p:spTree>
+    <p:extLst>
+      <p:ext uri="{BB962C8B-B14F-4D97-AF65-F5344CB8AC3E}">
+        <p14:creationId xmlns:p14="http://schemas.microsoft.com/office/powerpoint/2010/main" val="4003314843"/>
+      </p:ext>
+    </p:extLst>
+  </p:cSld>
+  <p:clrMapOvr>
+    <a:masterClrMapping/>
+  </p:clrMapOvr>
+</p:sld>
+</file>
+
+<file path=ppt/slides/slide24.xml><?xml version="1.0" encoding="utf-8"?>
+<p:sld xmlns:a="http://schemas.openxmlformats.org/drawingml/2006/main" xmlns:r="http://schemas.openxmlformats.org/officeDocument/2006/relationships" xmlns:p="http://schemas.openxmlformats.org/presentationml/2006/main">
+  <p:cSld>
+    <p:spTree>
+      <p:nvGrpSpPr>
+        <p:cNvPr id="1" name=""/>
+        <p:cNvGrpSpPr/>
+        <p:nvPr/>
+      </p:nvGrpSpPr>
+      <p:grpSpPr>
+        <a:xfrm>
+          <a:off x="0" y="0"/>
+          <a:ext cx="0" cy="0"/>
+          <a:chOff x="0" y="0"/>
+          <a:chExt cx="0" cy="0"/>
+        </a:xfrm>
+      </p:grpSpPr>
+      <p:sp>
+        <p:nvSpPr>
+          <p:cNvPr id="125" name="CustomShape 1"/>
+          <p:cNvSpPr/>
+          <p:nvPr/>
+        </p:nvSpPr>
+        <p:spPr>
+          <a:xfrm>
+            <a:off x="2152560" y="297720"/>
+            <a:ext cx="7882200" cy="758520"/>
+          </a:xfrm>
+          <a:prstGeom prst="rect">
+            <a:avLst/>
+          </a:prstGeom>
+          <a:noFill/>
+          <a:ln>
+            <a:noFill/>
+          </a:ln>
+        </p:spPr>
+        <p:style>
+          <a:lnRef idx="0">
+            <a:scrgbClr r="0" g="0" b="0"/>
+          </a:lnRef>
+          <a:fillRef idx="0">
+            <a:scrgbClr r="0" g="0" b="0"/>
+          </a:fillRef>
+          <a:effectRef idx="0">
+            <a:scrgbClr r="0" g="0" b="0"/>
+          </a:effectRef>
+          <a:fontRef idx="minor"/>
+        </p:style>
+        <p:txBody>
+          <a:bodyPr lIns="90000" tIns="45000" rIns="90000" bIns="45000" anchor="ctr">
+            <a:normAutofit/>
+          </a:bodyPr>
+          <a:lstStyle/>
+          <a:p>
+            <a:pPr algn="ctr">
+              <a:lnSpc>
+                <a:spcPct val="90000"/>
+              </a:lnSpc>
+            </a:pPr>
+            <a:r>
+              <a:rPr lang="ru-RU" sz="4000" b="1" spc="-1">
+                <a:solidFill>
+                  <a:srgbClr val="203864"/>
+                </a:solidFill>
+                <a:latin typeface="Calibri"/>
+                <a:ea typeface="DejaVu Sans"/>
+              </a:rPr>
+              <a:t>Условия в программировании</a:t>
+            </a:r>
+            <a:endParaRPr lang="ru-RU" sz="4000" spc="-1">
+              <a:latin typeface="Arial"/>
+            </a:endParaRPr>
+          </a:p>
+        </p:txBody>
+      </p:sp>
+      <p:sp>
+        <p:nvSpPr>
+          <p:cNvPr id="127" name="CustomShape 3"/>
+          <p:cNvSpPr/>
+          <p:nvPr/>
+        </p:nvSpPr>
+        <p:spPr>
+          <a:xfrm>
+            <a:off x="436007" y="1138726"/>
+            <a:ext cx="6864480" cy="601920"/>
+          </a:xfrm>
+          <a:prstGeom prst="rect">
+            <a:avLst/>
+          </a:prstGeom>
+          <a:noFill/>
+          <a:ln>
+            <a:noFill/>
+          </a:ln>
+        </p:spPr>
+        <p:style>
+          <a:lnRef idx="0">
+            <a:scrgbClr r="0" g="0" b="0"/>
+          </a:lnRef>
+          <a:fillRef idx="0">
+            <a:scrgbClr r="0" g="0" b="0"/>
+          </a:fillRef>
+          <a:effectRef idx="0">
+            <a:scrgbClr r="0" g="0" b="0"/>
+          </a:effectRef>
+          <a:fontRef idx="minor"/>
+        </p:style>
+        <p:txBody>
+          <a:bodyPr lIns="90000" tIns="45000" rIns="90000" bIns="45000">
+            <a:noAutofit/>
+          </a:bodyPr>
+          <a:lstStyle/>
           <a:p>
             <a:pPr>
               <a:lnSpc>
                 <a:spcPct val="100000"/>
               </a:lnSpc>
             </a:pPr>
-            <a:endParaRPr lang="ru-RU" sz="2200" spc="-1">
-              <a:latin typeface="Arial"/>
-            </a:endParaRPr>
-          </a:p>
+            <a:r>
+              <a:rPr lang="ru-RU" sz="2000" spc="-1" dirty="0"/>
+              <a:t>Вывести названия месяца по его номеру.</a:t>
+            </a:r>
+          </a:p>
+        </p:txBody>
+      </p:sp>
+      <p:sp>
+        <p:nvSpPr>
+          <p:cNvPr id="133" name="CustomShape 9"/>
+          <p:cNvSpPr/>
+          <p:nvPr/>
+        </p:nvSpPr>
+        <p:spPr>
+          <a:xfrm>
+            <a:off x="525477" y="1981177"/>
+            <a:ext cx="7026790" cy="4663699"/>
+          </a:xfrm>
+          <a:prstGeom prst="rect">
+            <a:avLst/>
+          </a:prstGeom>
+          <a:noFill/>
+          <a:ln>
+            <a:noFill/>
+          </a:ln>
+        </p:spPr>
+        <p:style>
+          <a:lnRef idx="0">
+            <a:scrgbClr r="0" g="0" b="0"/>
+          </a:lnRef>
+          <a:fillRef idx="0">
+            <a:scrgbClr r="0" g="0" b="0"/>
+          </a:fillRef>
+          <a:effectRef idx="0">
+            <a:scrgbClr r="0" g="0" b="0"/>
+          </a:effectRef>
+          <a:fontRef idx="minor"/>
+        </p:style>
+        <p:txBody>
+          <a:bodyPr lIns="90000" tIns="45000" rIns="90000" bIns="45000">
+            <a:noAutofit/>
+          </a:bodyPr>
+          <a:lstStyle/>
           <a:p>
             <a:pPr>
               <a:lnSpc>
@@ -20568,11 +21915,46 @@
               </a:lnSpc>
             </a:pPr>
             <a:r>
-              <a:rPr lang="ru-RU" sz="2200" spc="-1">
-                <a:latin typeface="Arial"/>
-              </a:rPr>
-              <a:t>- «Значение больше нуля» </a:t>
-            </a:r>
+              <a:rPr lang="en-US" b="0" i="0" dirty="0">
+                <a:solidFill>
+                  <a:srgbClr val="A626A4"/>
+                </a:solidFill>
+                <a:effectLst/>
+              </a:rPr>
+              <a:t>int</a:t>
+            </a:r>
+            <a:r>
+              <a:rPr lang="en-US" b="0" i="0" dirty="0">
+                <a:solidFill>
+                  <a:srgbClr val="383A42"/>
+                </a:solidFill>
+                <a:effectLst/>
+              </a:rPr>
+              <a:t> num = </a:t>
+            </a:r>
+            <a:r>
+              <a:rPr lang="ru-RU" dirty="0">
+                <a:solidFill>
+                  <a:srgbClr val="986801"/>
+                </a:solidFill>
+              </a:rPr>
+              <a:t>12</a:t>
+            </a:r>
+            <a:r>
+              <a:rPr lang="en-US" b="0" i="0" dirty="0">
+                <a:solidFill>
+                  <a:srgbClr val="383A42"/>
+                </a:solidFill>
+                <a:effectLst/>
+              </a:rPr>
+              <a:t>;</a:t>
+            </a:r>
+            <a:endParaRPr lang="ru-RU" b="0" i="0" dirty="0">
+              <a:solidFill>
+                <a:srgbClr val="383A42"/>
+              </a:solidFill>
+              <a:effectLst/>
+            </a:endParaRPr>
           </a:p>
           <a:p>
             <a:pPr>
@@ -20580,12 +21962,12 @@
                 <a:spcPct val="100000"/>
               </a:lnSpc>
             </a:pPr>
-            <a:r>
-              <a:rPr lang="ru-RU" sz="2200" spc="-1">
-                <a:latin typeface="Arial"/>
-              </a:rPr>
-              <a:t>- «Значение меньше нуля»</a:t>
-            </a:r>
+            <a:endParaRPr lang="ru-RU" b="0" i="0" dirty="0">
+              <a:solidFill>
+                <a:srgbClr val="383A42"/>
+              </a:solidFill>
+              <a:effectLst/>
+            </a:endParaRPr>
           </a:p>
           <a:p>
             <a:pPr>
@@ -20594,15 +21976,2049 @@
               </a:lnSpc>
             </a:pPr>
             <a:r>
-              <a:rPr lang="ru-RU" sz="2200" spc="-1">
-                <a:latin typeface="Arial"/>
-              </a:rPr>
-              <a:t>- «Значение равно нулю»</a:t>
-            </a:r>
+              <a:rPr lang="en-US" b="0" i="0" dirty="0">
+                <a:solidFill>
+                  <a:srgbClr val="A626A4"/>
+                </a:solidFill>
+                <a:effectLst/>
+              </a:rPr>
+              <a:t>switch</a:t>
+            </a:r>
+            <a:r>
+              <a:rPr lang="en-US" b="0" i="0" dirty="0">
+                <a:solidFill>
+                  <a:srgbClr val="383A42"/>
+                </a:solidFill>
+                <a:effectLst/>
+              </a:rPr>
+              <a:t>(num){  </a:t>
+            </a:r>
+            <a:endParaRPr lang="ru-RU" b="0" i="0" dirty="0">
+              <a:solidFill>
+                <a:srgbClr val="383A42"/>
+              </a:solidFill>
+              <a:effectLst/>
+            </a:endParaRPr>
+          </a:p>
+          <a:p>
+            <a:pPr>
+              <a:lnSpc>
+                <a:spcPct val="100000"/>
+              </a:lnSpc>
+            </a:pPr>
+            <a:r>
+              <a:rPr lang="en-US" b="0" i="0" dirty="0">
+                <a:solidFill>
+                  <a:srgbClr val="383A42"/>
+                </a:solidFill>
+                <a:effectLst/>
+              </a:rPr>
+              <a:t>       </a:t>
+            </a:r>
+            <a:r>
+              <a:rPr lang="en-US" b="0" i="0" dirty="0">
+                <a:solidFill>
+                  <a:srgbClr val="A626A4"/>
+                </a:solidFill>
+                <a:effectLst/>
+              </a:rPr>
+              <a:t>case</a:t>
+            </a:r>
+            <a:r>
+              <a:rPr lang="en-US" b="0" i="0" dirty="0">
+                <a:solidFill>
+                  <a:srgbClr val="383A42"/>
+                </a:solidFill>
+                <a:effectLst/>
+              </a:rPr>
+              <a:t> </a:t>
+            </a:r>
+            <a:r>
+              <a:rPr lang="en-US" b="0" i="0" dirty="0">
+                <a:solidFill>
+                  <a:srgbClr val="986801"/>
+                </a:solidFill>
+                <a:effectLst/>
+              </a:rPr>
+              <a:t>1</a:t>
+            </a:r>
+            <a:r>
+              <a:rPr lang="en-US" b="0" i="0" dirty="0">
+                <a:solidFill>
+                  <a:srgbClr val="383A42"/>
+                </a:solidFill>
+                <a:effectLst/>
+              </a:rPr>
+              <a:t>:</a:t>
+            </a:r>
+            <a:endParaRPr lang="ru-RU" b="0" i="0" dirty="0">
+              <a:solidFill>
+                <a:srgbClr val="383A42"/>
+              </a:solidFill>
+              <a:effectLst/>
+            </a:endParaRPr>
+          </a:p>
+          <a:p>
+            <a:pPr>
+              <a:lnSpc>
+                <a:spcPct val="100000"/>
+              </a:lnSpc>
+            </a:pPr>
+            <a:r>
+              <a:rPr lang="en-US" b="0" i="0" dirty="0">
+                <a:solidFill>
+                  <a:srgbClr val="383A42"/>
+                </a:solidFill>
+                <a:effectLst/>
+              </a:rPr>
+              <a:t> </a:t>
+            </a:r>
+            <a:r>
+              <a:rPr lang="ru-RU" b="0" i="0" dirty="0">
+                <a:solidFill>
+                  <a:srgbClr val="383A42"/>
+                </a:solidFill>
+                <a:effectLst/>
+              </a:rPr>
+              <a:t>		</a:t>
+            </a:r>
+            <a:r>
+              <a:rPr lang="en-US" b="0" i="0" dirty="0" err="1">
+                <a:solidFill>
+                  <a:srgbClr val="383A42"/>
+                </a:solidFill>
+                <a:effectLst/>
+              </a:rPr>
+              <a:t>System.</a:t>
+            </a:r>
+            <a:r>
+              <a:rPr lang="en-US" b="0" i="0" dirty="0" err="1">
+                <a:solidFill>
+                  <a:srgbClr val="A626A4"/>
+                </a:solidFill>
+                <a:effectLst/>
+              </a:rPr>
+              <a:t>out</a:t>
+            </a:r>
+            <a:r>
+              <a:rPr lang="en-US" b="0" i="0" dirty="0" err="1">
+                <a:solidFill>
+                  <a:srgbClr val="383A42"/>
+                </a:solidFill>
+                <a:effectLst/>
+              </a:rPr>
+              <a:t>.println</a:t>
+            </a:r>
+            <a:r>
+              <a:rPr lang="en-US" b="0" i="0" dirty="0">
+                <a:solidFill>
+                  <a:srgbClr val="383A42"/>
+                </a:solidFill>
+                <a:effectLst/>
+              </a:rPr>
+              <a:t>(</a:t>
+            </a:r>
+            <a:r>
+              <a:rPr lang="en-US" dirty="0">
+                <a:solidFill>
+                  <a:srgbClr val="50A14F"/>
+                </a:solidFill>
+              </a:rPr>
+              <a:t>“</a:t>
+            </a:r>
+            <a:r>
+              <a:rPr lang="ru-RU" b="0" i="0" dirty="0">
+                <a:solidFill>
+                  <a:srgbClr val="50A14F"/>
+                </a:solidFill>
+                <a:effectLst/>
+              </a:rPr>
+              <a:t>январь</a:t>
+            </a:r>
+            <a:r>
+              <a:rPr lang="en-US" b="0" i="0" dirty="0">
+                <a:solidFill>
+                  <a:srgbClr val="50A14F"/>
+                </a:solidFill>
+                <a:effectLst/>
+              </a:rPr>
+              <a:t>”</a:t>
+            </a:r>
+            <a:r>
+              <a:rPr lang="ru-RU" b="0" i="0" dirty="0">
+                <a:solidFill>
+                  <a:srgbClr val="383A42"/>
+                </a:solidFill>
+                <a:effectLst/>
+              </a:rPr>
+              <a:t>);</a:t>
+            </a:r>
+          </a:p>
+          <a:p>
+            <a:pPr>
+              <a:lnSpc>
+                <a:spcPct val="100000"/>
+              </a:lnSpc>
+            </a:pPr>
+            <a:r>
+              <a:rPr lang="ru-RU" b="0" i="0" dirty="0">
+                <a:solidFill>
+                  <a:srgbClr val="A626A4"/>
+                </a:solidFill>
+                <a:effectLst/>
+              </a:rPr>
+              <a:t>		</a:t>
+            </a:r>
+            <a:r>
+              <a:rPr lang="en-US" b="0" i="0" dirty="0">
+                <a:solidFill>
+                  <a:srgbClr val="A626A4"/>
+                </a:solidFill>
+                <a:effectLst/>
+              </a:rPr>
+              <a:t>break</a:t>
+            </a:r>
+            <a:r>
+              <a:rPr lang="en-US" b="0" i="0" dirty="0">
+                <a:solidFill>
+                  <a:srgbClr val="383A42"/>
+                </a:solidFill>
+                <a:effectLst/>
+              </a:rPr>
+              <a:t>;</a:t>
+            </a:r>
+            <a:endParaRPr lang="ru-RU" b="0" i="0" dirty="0">
+              <a:solidFill>
+                <a:srgbClr val="383A42"/>
+              </a:solidFill>
+              <a:effectLst/>
+            </a:endParaRPr>
+          </a:p>
+          <a:p>
+            <a:pPr>
+              <a:lnSpc>
+                <a:spcPct val="100000"/>
+              </a:lnSpc>
+            </a:pPr>
+            <a:r>
+              <a:rPr lang="en-US" b="0" i="0" dirty="0">
+                <a:solidFill>
+                  <a:srgbClr val="383A42"/>
+                </a:solidFill>
+                <a:effectLst/>
+              </a:rPr>
+              <a:t>     </a:t>
+            </a:r>
+            <a:r>
+              <a:rPr lang="ru-RU" b="0" i="0" dirty="0">
+                <a:solidFill>
+                  <a:srgbClr val="383A42"/>
+                </a:solidFill>
+                <a:effectLst/>
+              </a:rPr>
+              <a:t>  </a:t>
+            </a:r>
+            <a:r>
+              <a:rPr lang="en-US" b="0" i="0" dirty="0">
+                <a:solidFill>
+                  <a:srgbClr val="A626A4"/>
+                </a:solidFill>
+                <a:effectLst/>
+              </a:rPr>
+              <a:t>case</a:t>
+            </a:r>
+            <a:r>
+              <a:rPr lang="en-US" b="0" i="0" dirty="0">
+                <a:solidFill>
+                  <a:srgbClr val="383A42"/>
+                </a:solidFill>
+                <a:effectLst/>
+              </a:rPr>
+              <a:t> </a:t>
+            </a:r>
+            <a:r>
+              <a:rPr lang="ru-RU" dirty="0">
+                <a:solidFill>
+                  <a:srgbClr val="986801"/>
+                </a:solidFill>
+              </a:rPr>
+              <a:t>2</a:t>
+            </a:r>
+            <a:r>
+              <a:rPr lang="en-US" b="0" i="0" dirty="0">
+                <a:solidFill>
+                  <a:srgbClr val="383A42"/>
+                </a:solidFill>
+                <a:effectLst/>
+              </a:rPr>
+              <a:t>:   </a:t>
+            </a:r>
+            <a:endParaRPr lang="ru-RU" b="0" i="0" dirty="0">
+              <a:solidFill>
+                <a:srgbClr val="383A42"/>
+              </a:solidFill>
+              <a:effectLst/>
+            </a:endParaRPr>
+          </a:p>
+          <a:p>
+            <a:pPr>
+              <a:lnSpc>
+                <a:spcPct val="100000"/>
+              </a:lnSpc>
+            </a:pPr>
+            <a:r>
+              <a:rPr lang="en-US" b="0" i="0" dirty="0">
+                <a:solidFill>
+                  <a:srgbClr val="383A42"/>
+                </a:solidFill>
+                <a:effectLst/>
+              </a:rPr>
+              <a:t>    </a:t>
+            </a:r>
+            <a:r>
+              <a:rPr lang="ru-RU" b="0" i="0" dirty="0">
+                <a:solidFill>
+                  <a:srgbClr val="383A42"/>
+                </a:solidFill>
+                <a:effectLst/>
+              </a:rPr>
+              <a:t>	     </a:t>
+            </a:r>
+            <a:r>
+              <a:rPr lang="en-US" b="0" i="0" dirty="0">
+                <a:solidFill>
+                  <a:srgbClr val="383A42"/>
+                </a:solidFill>
+                <a:effectLst/>
+              </a:rPr>
+              <a:t>  </a:t>
+            </a:r>
+            <a:r>
+              <a:rPr lang="en-US" b="0" i="0" dirty="0" err="1">
+                <a:solidFill>
+                  <a:srgbClr val="383A42"/>
+                </a:solidFill>
+                <a:effectLst/>
+              </a:rPr>
+              <a:t>System.</a:t>
+            </a:r>
+            <a:r>
+              <a:rPr lang="en-US" b="0" i="0" dirty="0" err="1">
+                <a:solidFill>
+                  <a:srgbClr val="A626A4"/>
+                </a:solidFill>
+                <a:effectLst/>
+              </a:rPr>
+              <a:t>out</a:t>
+            </a:r>
+            <a:r>
+              <a:rPr lang="en-US" b="0" i="0" dirty="0" err="1">
+                <a:solidFill>
+                  <a:srgbClr val="383A42"/>
+                </a:solidFill>
+                <a:effectLst/>
+              </a:rPr>
+              <a:t>.println</a:t>
+            </a:r>
+            <a:r>
+              <a:rPr lang="en-US" b="0" i="0" dirty="0">
+                <a:solidFill>
+                  <a:srgbClr val="383A42"/>
+                </a:solidFill>
+                <a:effectLst/>
+              </a:rPr>
+              <a:t>(</a:t>
+            </a:r>
+            <a:r>
+              <a:rPr lang="en-US" dirty="0">
+                <a:solidFill>
+                  <a:srgbClr val="50A14F"/>
+                </a:solidFill>
+              </a:rPr>
+              <a:t>“</a:t>
+            </a:r>
+            <a:r>
+              <a:rPr lang="ru-RU" dirty="0">
+                <a:solidFill>
+                  <a:srgbClr val="50A14F"/>
+                </a:solidFill>
+              </a:rPr>
+              <a:t>февраль</a:t>
+            </a:r>
+            <a:r>
+              <a:rPr lang="en-US" b="0" i="0" dirty="0">
+                <a:solidFill>
+                  <a:srgbClr val="50A14F"/>
+                </a:solidFill>
+                <a:effectLst/>
+              </a:rPr>
+              <a:t>”</a:t>
+            </a:r>
+            <a:r>
+              <a:rPr lang="ru-RU" b="0" i="0" dirty="0">
+                <a:solidFill>
+                  <a:srgbClr val="383A42"/>
+                </a:solidFill>
+                <a:effectLst/>
+              </a:rPr>
+              <a:t>);    </a:t>
+            </a:r>
+          </a:p>
+          <a:p>
+            <a:pPr>
+              <a:lnSpc>
+                <a:spcPct val="100000"/>
+              </a:lnSpc>
+            </a:pPr>
+            <a:r>
+              <a:rPr lang="ru-RU" b="0" i="0" dirty="0">
+                <a:solidFill>
+                  <a:srgbClr val="A626A4"/>
+                </a:solidFill>
+                <a:effectLst/>
+              </a:rPr>
+              <a:t>		</a:t>
+            </a:r>
+            <a:r>
+              <a:rPr lang="en-US" b="0" i="0" dirty="0">
+                <a:solidFill>
+                  <a:srgbClr val="A626A4"/>
+                </a:solidFill>
+                <a:effectLst/>
+              </a:rPr>
+              <a:t>break</a:t>
+            </a:r>
+            <a:r>
+              <a:rPr lang="en-US" b="0" i="0" dirty="0">
+                <a:solidFill>
+                  <a:srgbClr val="383A42"/>
+                </a:solidFill>
+                <a:effectLst/>
+              </a:rPr>
+              <a:t>;  </a:t>
+            </a:r>
+            <a:endParaRPr lang="ru-RU" b="0" i="0" dirty="0">
+              <a:solidFill>
+                <a:srgbClr val="383A42"/>
+              </a:solidFill>
+              <a:effectLst/>
+            </a:endParaRPr>
+          </a:p>
+          <a:p>
+            <a:pPr>
+              <a:lnSpc>
+                <a:spcPct val="100000"/>
+              </a:lnSpc>
+            </a:pPr>
+            <a:r>
+              <a:rPr lang="ru-RU" dirty="0">
+                <a:solidFill>
+                  <a:srgbClr val="383A42"/>
+                </a:solidFill>
+              </a:rPr>
+              <a:t>       …….</a:t>
+            </a:r>
+            <a:endParaRPr lang="ru-RU" b="0" i="0" dirty="0">
+              <a:solidFill>
+                <a:srgbClr val="383A42"/>
+              </a:solidFill>
+              <a:effectLst/>
+            </a:endParaRPr>
+          </a:p>
+          <a:p>
+            <a:pPr>
+              <a:lnSpc>
+                <a:spcPct val="100000"/>
+              </a:lnSpc>
+            </a:pPr>
+            <a:r>
+              <a:rPr lang="en-US" b="0" i="0" dirty="0">
+                <a:solidFill>
+                  <a:srgbClr val="383A42"/>
+                </a:solidFill>
+                <a:effectLst/>
+              </a:rPr>
+              <a:t>   </a:t>
+            </a:r>
+            <a:r>
+              <a:rPr lang="ru-RU" b="0" i="0" dirty="0">
+                <a:solidFill>
+                  <a:srgbClr val="383A42"/>
+                </a:solidFill>
+                <a:effectLst/>
+              </a:rPr>
+              <a:t>	</a:t>
+            </a:r>
+            <a:r>
+              <a:rPr lang="en-US" b="0" i="0" dirty="0">
+                <a:solidFill>
+                  <a:srgbClr val="A626A4"/>
+                </a:solidFill>
+                <a:effectLst/>
+              </a:rPr>
+              <a:t>case</a:t>
+            </a:r>
+            <a:r>
+              <a:rPr lang="en-US" b="0" i="0" dirty="0">
+                <a:solidFill>
+                  <a:srgbClr val="383A42"/>
+                </a:solidFill>
+                <a:effectLst/>
+              </a:rPr>
+              <a:t> </a:t>
+            </a:r>
+            <a:r>
+              <a:rPr lang="ru-RU" b="0" i="0" dirty="0">
+                <a:solidFill>
+                  <a:srgbClr val="986801"/>
+                </a:solidFill>
+                <a:effectLst/>
+              </a:rPr>
+              <a:t>12</a:t>
+            </a:r>
+            <a:r>
+              <a:rPr lang="en-US" b="0" i="0" dirty="0">
+                <a:solidFill>
+                  <a:srgbClr val="383A42"/>
+                </a:solidFill>
+                <a:effectLst/>
+              </a:rPr>
+              <a:t>:   </a:t>
+            </a:r>
+            <a:endParaRPr lang="ru-RU" b="0" i="0" dirty="0">
+              <a:solidFill>
+                <a:srgbClr val="383A42"/>
+              </a:solidFill>
+              <a:effectLst/>
+            </a:endParaRPr>
+          </a:p>
+          <a:p>
+            <a:pPr>
+              <a:lnSpc>
+                <a:spcPct val="100000"/>
+              </a:lnSpc>
+            </a:pPr>
+            <a:r>
+              <a:rPr lang="en-US" b="0" i="0" dirty="0">
+                <a:solidFill>
+                  <a:srgbClr val="383A42"/>
+                </a:solidFill>
+                <a:effectLst/>
+              </a:rPr>
+              <a:t>     </a:t>
+            </a:r>
+            <a:r>
+              <a:rPr lang="ru-RU" b="0" i="0" dirty="0">
+                <a:solidFill>
+                  <a:srgbClr val="383A42"/>
+                </a:solidFill>
+                <a:effectLst/>
+              </a:rPr>
+              <a:t>		</a:t>
+            </a:r>
+            <a:r>
+              <a:rPr lang="en-US" b="0" i="0" dirty="0" err="1">
+                <a:solidFill>
+                  <a:srgbClr val="383A42"/>
+                </a:solidFill>
+                <a:effectLst/>
+              </a:rPr>
+              <a:t>System.</a:t>
+            </a:r>
+            <a:r>
+              <a:rPr lang="en-US" b="0" i="0" dirty="0" err="1">
+                <a:solidFill>
+                  <a:srgbClr val="A626A4"/>
+                </a:solidFill>
+                <a:effectLst/>
+              </a:rPr>
+              <a:t>out</a:t>
+            </a:r>
+            <a:r>
+              <a:rPr lang="en-US" b="0" i="0" dirty="0" err="1">
+                <a:solidFill>
+                  <a:srgbClr val="383A42"/>
+                </a:solidFill>
+                <a:effectLst/>
+              </a:rPr>
+              <a:t>.println</a:t>
+            </a:r>
+            <a:r>
+              <a:rPr lang="en-US" b="0" i="0" dirty="0">
+                <a:solidFill>
+                  <a:srgbClr val="383A42"/>
+                </a:solidFill>
+                <a:effectLst/>
+              </a:rPr>
+              <a:t>(</a:t>
+            </a:r>
+            <a:r>
+              <a:rPr lang="en-US" dirty="0">
+                <a:solidFill>
+                  <a:srgbClr val="50A14F"/>
+                </a:solidFill>
+              </a:rPr>
+              <a:t>“</a:t>
+            </a:r>
+            <a:r>
+              <a:rPr lang="ru-RU" dirty="0">
+                <a:solidFill>
+                  <a:srgbClr val="50A14F"/>
+                </a:solidFill>
+              </a:rPr>
+              <a:t>декабрь</a:t>
+            </a:r>
+            <a:r>
+              <a:rPr lang="en-US" b="0" i="0" dirty="0">
+                <a:solidFill>
+                  <a:srgbClr val="50A14F"/>
+                </a:solidFill>
+                <a:effectLst/>
+              </a:rPr>
+              <a:t>”</a:t>
+            </a:r>
+            <a:r>
+              <a:rPr lang="ru-RU" b="0" i="0" dirty="0">
+                <a:solidFill>
+                  <a:srgbClr val="383A42"/>
+                </a:solidFill>
+                <a:effectLst/>
+              </a:rPr>
+              <a:t>);    </a:t>
+            </a:r>
+          </a:p>
+          <a:p>
+            <a:pPr>
+              <a:lnSpc>
+                <a:spcPct val="100000"/>
+              </a:lnSpc>
+            </a:pPr>
+            <a:r>
+              <a:rPr lang="ru-RU" b="0" i="0" dirty="0">
+                <a:solidFill>
+                  <a:srgbClr val="383A42"/>
+                </a:solidFill>
+                <a:effectLst/>
+              </a:rPr>
+              <a:t>   		</a:t>
+            </a:r>
+            <a:r>
+              <a:rPr lang="en-US" b="0" i="0" dirty="0">
+                <a:solidFill>
+                  <a:srgbClr val="A626A4"/>
+                </a:solidFill>
+                <a:effectLst/>
+              </a:rPr>
+              <a:t>break</a:t>
+            </a:r>
+            <a:r>
+              <a:rPr lang="en-US" b="0" i="0" dirty="0">
+                <a:solidFill>
+                  <a:srgbClr val="383A42"/>
+                </a:solidFill>
+                <a:effectLst/>
+              </a:rPr>
+              <a:t>; </a:t>
+            </a:r>
+            <a:endParaRPr lang="ru-RU" b="0" i="0" dirty="0">
+              <a:solidFill>
+                <a:srgbClr val="383A42"/>
+              </a:solidFill>
+              <a:effectLst/>
+            </a:endParaRPr>
+          </a:p>
+          <a:p>
+            <a:pPr>
+              <a:lnSpc>
+                <a:spcPct val="100000"/>
+              </a:lnSpc>
+            </a:pPr>
+            <a:r>
+              <a:rPr lang="en-US" b="0" i="0" dirty="0">
+                <a:solidFill>
+                  <a:srgbClr val="383A42"/>
+                </a:solidFill>
+                <a:effectLst/>
+              </a:rPr>
+              <a:t>   </a:t>
+            </a:r>
+            <a:r>
+              <a:rPr lang="ru-RU" b="0" i="0" dirty="0">
+                <a:solidFill>
+                  <a:srgbClr val="383A42"/>
+                </a:solidFill>
+                <a:effectLst/>
+              </a:rPr>
+              <a:t>	</a:t>
+            </a:r>
+            <a:r>
+              <a:rPr lang="en-US" b="0" i="0" dirty="0">
+                <a:solidFill>
+                  <a:srgbClr val="A626A4"/>
+                </a:solidFill>
+                <a:effectLst/>
+              </a:rPr>
+              <a:t>default</a:t>
+            </a:r>
+            <a:r>
+              <a:rPr lang="en-US" b="0" i="0" dirty="0">
+                <a:solidFill>
+                  <a:srgbClr val="383A42"/>
+                </a:solidFill>
+                <a:effectLst/>
+              </a:rPr>
+              <a:t>:      </a:t>
+            </a:r>
+            <a:endParaRPr lang="ru-RU" b="0" i="0" dirty="0">
+              <a:solidFill>
+                <a:srgbClr val="383A42"/>
+              </a:solidFill>
+              <a:effectLst/>
+            </a:endParaRPr>
+          </a:p>
+          <a:p>
+            <a:pPr>
+              <a:lnSpc>
+                <a:spcPct val="100000"/>
+              </a:lnSpc>
+            </a:pPr>
+            <a:r>
+              <a:rPr lang="en-US" b="0" i="0" dirty="0">
+                <a:solidFill>
+                  <a:srgbClr val="383A42"/>
+                </a:solidFill>
+                <a:effectLst/>
+              </a:rPr>
+              <a:t>  </a:t>
+            </a:r>
+            <a:r>
+              <a:rPr lang="ru-RU" b="0" i="0" dirty="0">
+                <a:solidFill>
+                  <a:srgbClr val="383A42"/>
+                </a:solidFill>
+                <a:effectLst/>
+              </a:rPr>
+              <a:t>	</a:t>
+            </a:r>
+            <a:r>
+              <a:rPr lang="en-US" b="0" i="0" dirty="0">
+                <a:solidFill>
+                  <a:srgbClr val="383A42"/>
+                </a:solidFill>
+                <a:effectLst/>
+              </a:rPr>
+              <a:t> </a:t>
+            </a:r>
+            <a:r>
+              <a:rPr lang="ru-RU" b="0" i="0" dirty="0">
+                <a:solidFill>
+                  <a:srgbClr val="383A42"/>
+                </a:solidFill>
+                <a:effectLst/>
+              </a:rPr>
+              <a:t>	</a:t>
+            </a:r>
+            <a:r>
+              <a:rPr lang="en-US" b="0" i="0" dirty="0" err="1">
+                <a:solidFill>
+                  <a:srgbClr val="383A42"/>
+                </a:solidFill>
+                <a:effectLst/>
+              </a:rPr>
+              <a:t>System.</a:t>
+            </a:r>
+            <a:r>
+              <a:rPr lang="en-US" b="0" i="0" dirty="0" err="1">
+                <a:solidFill>
+                  <a:srgbClr val="A626A4"/>
+                </a:solidFill>
+                <a:effectLst/>
+              </a:rPr>
+              <a:t>out</a:t>
+            </a:r>
+            <a:r>
+              <a:rPr lang="en-US" b="0" i="0" dirty="0" err="1">
+                <a:solidFill>
+                  <a:srgbClr val="383A42"/>
+                </a:solidFill>
+                <a:effectLst/>
+              </a:rPr>
+              <a:t>.println</a:t>
+            </a:r>
+            <a:r>
+              <a:rPr lang="en-US" b="0" i="0" dirty="0">
+                <a:solidFill>
+                  <a:srgbClr val="383A42"/>
+                </a:solidFill>
+                <a:effectLst/>
+              </a:rPr>
+              <a:t>(</a:t>
+            </a:r>
+            <a:r>
+              <a:rPr lang="en-US" dirty="0">
+                <a:solidFill>
+                  <a:srgbClr val="50A14F"/>
+                </a:solidFill>
+              </a:rPr>
+              <a:t>“</a:t>
+            </a:r>
+            <a:r>
+              <a:rPr lang="ru-RU" b="0" i="0" dirty="0">
+                <a:solidFill>
+                  <a:srgbClr val="50A14F"/>
+                </a:solidFill>
+                <a:effectLst/>
+              </a:rPr>
+              <a:t>неверный номер месяца</a:t>
+            </a:r>
+            <a:r>
+              <a:rPr lang="en-US" dirty="0">
+                <a:solidFill>
+                  <a:srgbClr val="50A14F"/>
+                </a:solidFill>
+              </a:rPr>
+              <a:t>“</a:t>
+            </a:r>
+            <a:r>
+              <a:rPr lang="ru-RU" b="0" i="0" dirty="0">
+                <a:solidFill>
+                  <a:srgbClr val="383A42"/>
+                </a:solidFill>
+                <a:effectLst/>
+              </a:rPr>
+              <a:t>);</a:t>
+            </a:r>
+          </a:p>
+          <a:p>
+            <a:pPr>
+              <a:lnSpc>
+                <a:spcPct val="100000"/>
+              </a:lnSpc>
+            </a:pPr>
+            <a:r>
+              <a:rPr lang="ru-RU" b="0" i="0" dirty="0">
+                <a:solidFill>
+                  <a:srgbClr val="383A42"/>
+                </a:solidFill>
+                <a:effectLst/>
+              </a:rPr>
+              <a:t> }</a:t>
+            </a:r>
+            <a:endParaRPr lang="ru-RU" spc="-1" dirty="0"/>
           </a:p>
         </p:txBody>
       </p:sp>
+      <p:sp>
+        <p:nvSpPr>
+          <p:cNvPr id="15" name="TextBox 14">
+            <a:extLst>
+              <a:ext uri="{FF2B5EF4-FFF2-40B4-BE49-F238E27FC236}">
+                <a16:creationId xmlns:a16="http://schemas.microsoft.com/office/drawing/2014/main" id="{FE7CB5BE-8905-4CC4-859E-74310F2F32F5}"/>
+              </a:ext>
+            </a:extLst>
+          </p:cNvPr>
+          <p:cNvSpPr txBox="1"/>
+          <p:nvPr/>
+        </p:nvSpPr>
+        <p:spPr>
+          <a:xfrm>
+            <a:off x="7902222" y="1981177"/>
+            <a:ext cx="3318934" cy="1477328"/>
+          </a:xfrm>
+          <a:prstGeom prst="rect">
+            <a:avLst/>
+          </a:prstGeom>
+          <a:noFill/>
+        </p:spPr>
+        <p:txBody>
+          <a:bodyPr wrap="square">
+            <a:spAutoFit/>
+          </a:bodyPr>
+          <a:lstStyle/>
+          <a:p>
+            <a:pPr>
+              <a:lnSpc>
+                <a:spcPct val="100000"/>
+              </a:lnSpc>
+            </a:pPr>
+            <a:r>
+              <a:rPr lang="ru-RU" dirty="0">
+                <a:solidFill>
+                  <a:srgbClr val="A626A4"/>
+                </a:solidFill>
+              </a:rPr>
+              <a:t>Вывод на консоль:</a:t>
+            </a:r>
+          </a:p>
+          <a:p>
+            <a:pPr>
+              <a:lnSpc>
+                <a:spcPct val="100000"/>
+              </a:lnSpc>
+            </a:pPr>
+            <a:r>
+              <a:rPr lang="ru-RU" dirty="0">
+                <a:solidFill>
+                  <a:srgbClr val="50A14F"/>
+                </a:solidFill>
+              </a:rPr>
+              <a:t>декабрь</a:t>
+            </a:r>
+            <a:endParaRPr lang="ru-RU" dirty="0">
+              <a:solidFill>
+                <a:srgbClr val="A626A4"/>
+              </a:solidFill>
+            </a:endParaRPr>
+          </a:p>
+          <a:p>
+            <a:pPr>
+              <a:lnSpc>
+                <a:spcPct val="100000"/>
+              </a:lnSpc>
+            </a:pPr>
+            <a:endParaRPr lang="ru-RU" dirty="0">
+              <a:solidFill>
+                <a:srgbClr val="A626A4"/>
+              </a:solidFill>
+            </a:endParaRPr>
+          </a:p>
+          <a:p>
+            <a:pPr>
+              <a:lnSpc>
+                <a:spcPct val="100000"/>
+              </a:lnSpc>
+            </a:pPr>
+            <a:endParaRPr lang="ru-RU" b="0" i="0" dirty="0">
+              <a:solidFill>
+                <a:srgbClr val="A626A4"/>
+              </a:solidFill>
+              <a:effectLst/>
+            </a:endParaRPr>
+          </a:p>
+          <a:p>
+            <a:pPr>
+              <a:lnSpc>
+                <a:spcPct val="100000"/>
+              </a:lnSpc>
+            </a:pPr>
+            <a:r>
+              <a:rPr lang="en-US" b="0" i="0" dirty="0">
+                <a:solidFill>
+                  <a:srgbClr val="383A42"/>
+                </a:solidFill>
+                <a:effectLst/>
+              </a:rPr>
+              <a:t>  </a:t>
+            </a:r>
+            <a:endParaRPr lang="ru-RU" b="0" i="0" dirty="0">
+              <a:solidFill>
+                <a:srgbClr val="383A42"/>
+              </a:solidFill>
+              <a:effectLst/>
+            </a:endParaRPr>
+          </a:p>
+        </p:txBody>
+      </p:sp>
     </p:spTree>
+    <p:extLst>
+      <p:ext uri="{BB962C8B-B14F-4D97-AF65-F5344CB8AC3E}">
+        <p14:creationId xmlns:p14="http://schemas.microsoft.com/office/powerpoint/2010/main" val="715336146"/>
+      </p:ext>
+    </p:extLst>
+  </p:cSld>
+  <p:clrMapOvr>
+    <a:masterClrMapping/>
+  </p:clrMapOvr>
+</p:sld>
+</file>
+
+<file path=ppt/slides/slide25.xml><?xml version="1.0" encoding="utf-8"?>
+<p:sld xmlns:a="http://schemas.openxmlformats.org/drawingml/2006/main" xmlns:r="http://schemas.openxmlformats.org/officeDocument/2006/relationships" xmlns:p="http://schemas.openxmlformats.org/presentationml/2006/main">
+  <p:cSld>
+    <p:spTree>
+      <p:nvGrpSpPr>
+        <p:cNvPr id="1" name=""/>
+        <p:cNvGrpSpPr/>
+        <p:nvPr/>
+      </p:nvGrpSpPr>
+      <p:grpSpPr>
+        <a:xfrm>
+          <a:off x="0" y="0"/>
+          <a:ext cx="0" cy="0"/>
+          <a:chOff x="0" y="0"/>
+          <a:chExt cx="0" cy="0"/>
+        </a:xfrm>
+      </p:grpSpPr>
+      <p:sp>
+        <p:nvSpPr>
+          <p:cNvPr id="125" name="CustomShape 1"/>
+          <p:cNvSpPr/>
+          <p:nvPr/>
+        </p:nvSpPr>
+        <p:spPr>
+          <a:xfrm>
+            <a:off x="2152560" y="297720"/>
+            <a:ext cx="7882200" cy="758520"/>
+          </a:xfrm>
+          <a:prstGeom prst="rect">
+            <a:avLst/>
+          </a:prstGeom>
+          <a:noFill/>
+          <a:ln>
+            <a:noFill/>
+          </a:ln>
+        </p:spPr>
+        <p:style>
+          <a:lnRef idx="0">
+            <a:scrgbClr r="0" g="0" b="0"/>
+          </a:lnRef>
+          <a:fillRef idx="0">
+            <a:scrgbClr r="0" g="0" b="0"/>
+          </a:fillRef>
+          <a:effectRef idx="0">
+            <a:scrgbClr r="0" g="0" b="0"/>
+          </a:effectRef>
+          <a:fontRef idx="minor"/>
+        </p:style>
+        <p:txBody>
+          <a:bodyPr lIns="90000" tIns="45000" rIns="90000" bIns="45000" anchor="ctr">
+            <a:normAutofit/>
+          </a:bodyPr>
+          <a:lstStyle/>
+          <a:p>
+            <a:pPr algn="ctr">
+              <a:lnSpc>
+                <a:spcPct val="90000"/>
+              </a:lnSpc>
+            </a:pPr>
+            <a:r>
+              <a:rPr lang="ru-RU" sz="4000" b="1" spc="-1">
+                <a:solidFill>
+                  <a:srgbClr val="203864"/>
+                </a:solidFill>
+                <a:latin typeface="Calibri"/>
+                <a:ea typeface="DejaVu Sans"/>
+              </a:rPr>
+              <a:t>Условия в программировании</a:t>
+            </a:r>
+            <a:endParaRPr lang="ru-RU" sz="4000" spc="-1">
+              <a:latin typeface="Arial"/>
+            </a:endParaRPr>
+          </a:p>
+        </p:txBody>
+      </p:sp>
+      <p:sp>
+        <p:nvSpPr>
+          <p:cNvPr id="127" name="CustomShape 3"/>
+          <p:cNvSpPr/>
+          <p:nvPr/>
+        </p:nvSpPr>
+        <p:spPr>
+          <a:xfrm>
+            <a:off x="436007" y="1138726"/>
+            <a:ext cx="6864480" cy="601920"/>
+          </a:xfrm>
+          <a:prstGeom prst="rect">
+            <a:avLst/>
+          </a:prstGeom>
+          <a:noFill/>
+          <a:ln>
+            <a:noFill/>
+          </a:ln>
+        </p:spPr>
+        <p:style>
+          <a:lnRef idx="0">
+            <a:scrgbClr r="0" g="0" b="0"/>
+          </a:lnRef>
+          <a:fillRef idx="0">
+            <a:scrgbClr r="0" g="0" b="0"/>
+          </a:fillRef>
+          <a:effectRef idx="0">
+            <a:scrgbClr r="0" g="0" b="0"/>
+          </a:effectRef>
+          <a:fontRef idx="minor"/>
+        </p:style>
+        <p:txBody>
+          <a:bodyPr lIns="90000" tIns="45000" rIns="90000" bIns="45000">
+            <a:noAutofit/>
+          </a:bodyPr>
+          <a:lstStyle/>
+          <a:p>
+            <a:pPr>
+              <a:lnSpc>
+                <a:spcPct val="100000"/>
+              </a:lnSpc>
+            </a:pPr>
+            <a:r>
+              <a:rPr lang="ru-RU" sz="2000" spc="-1" dirty="0"/>
+              <a:t>Вывести названия месяца по его номеру.</a:t>
+            </a:r>
+          </a:p>
+        </p:txBody>
+      </p:sp>
+      <p:sp>
+        <p:nvSpPr>
+          <p:cNvPr id="133" name="CustomShape 9"/>
+          <p:cNvSpPr/>
+          <p:nvPr/>
+        </p:nvSpPr>
+        <p:spPr>
+          <a:xfrm>
+            <a:off x="525477" y="1981177"/>
+            <a:ext cx="6864480" cy="4663699"/>
+          </a:xfrm>
+          <a:prstGeom prst="rect">
+            <a:avLst/>
+          </a:prstGeom>
+          <a:noFill/>
+          <a:ln>
+            <a:noFill/>
+          </a:ln>
+        </p:spPr>
+        <p:style>
+          <a:lnRef idx="0">
+            <a:scrgbClr r="0" g="0" b="0"/>
+          </a:lnRef>
+          <a:fillRef idx="0">
+            <a:scrgbClr r="0" g="0" b="0"/>
+          </a:fillRef>
+          <a:effectRef idx="0">
+            <a:scrgbClr r="0" g="0" b="0"/>
+          </a:effectRef>
+          <a:fontRef idx="minor"/>
+        </p:style>
+        <p:txBody>
+          <a:bodyPr lIns="90000" tIns="45000" rIns="90000" bIns="45000">
+            <a:noAutofit/>
+          </a:bodyPr>
+          <a:lstStyle/>
+          <a:p>
+            <a:pPr>
+              <a:lnSpc>
+                <a:spcPct val="100000"/>
+              </a:lnSpc>
+            </a:pPr>
+            <a:r>
+              <a:rPr lang="en-US" b="0" i="0" dirty="0">
+                <a:solidFill>
+                  <a:srgbClr val="A626A4"/>
+                </a:solidFill>
+                <a:effectLst/>
+              </a:rPr>
+              <a:t>int</a:t>
+            </a:r>
+            <a:r>
+              <a:rPr lang="en-US" b="0" i="0" dirty="0">
+                <a:solidFill>
+                  <a:srgbClr val="383A42"/>
+                </a:solidFill>
+                <a:effectLst/>
+              </a:rPr>
+              <a:t> num = </a:t>
+            </a:r>
+            <a:r>
+              <a:rPr lang="ru-RU" dirty="0">
+                <a:solidFill>
+                  <a:srgbClr val="986801"/>
+                </a:solidFill>
+              </a:rPr>
+              <a:t>12</a:t>
+            </a:r>
+            <a:r>
+              <a:rPr lang="en-US" b="0" i="0" dirty="0">
+                <a:solidFill>
+                  <a:srgbClr val="383A42"/>
+                </a:solidFill>
+                <a:effectLst/>
+              </a:rPr>
+              <a:t>;</a:t>
+            </a:r>
+            <a:endParaRPr lang="ru-RU" b="0" i="0" dirty="0">
+              <a:solidFill>
+                <a:srgbClr val="383A42"/>
+              </a:solidFill>
+              <a:effectLst/>
+            </a:endParaRPr>
+          </a:p>
+          <a:p>
+            <a:pPr>
+              <a:lnSpc>
+                <a:spcPct val="100000"/>
+              </a:lnSpc>
+            </a:pPr>
+            <a:endParaRPr lang="ru-RU" b="0" i="0" dirty="0">
+              <a:solidFill>
+                <a:srgbClr val="383A42"/>
+              </a:solidFill>
+              <a:effectLst/>
+            </a:endParaRPr>
+          </a:p>
+          <a:p>
+            <a:pPr>
+              <a:lnSpc>
+                <a:spcPct val="100000"/>
+              </a:lnSpc>
+            </a:pPr>
+            <a:r>
+              <a:rPr lang="en-US" b="0" i="0" dirty="0">
+                <a:solidFill>
+                  <a:srgbClr val="A626A4"/>
+                </a:solidFill>
+                <a:effectLst/>
+              </a:rPr>
+              <a:t>switch</a:t>
+            </a:r>
+            <a:r>
+              <a:rPr lang="en-US" b="0" i="0" dirty="0">
+                <a:solidFill>
+                  <a:srgbClr val="383A42"/>
+                </a:solidFill>
+                <a:effectLst/>
+              </a:rPr>
+              <a:t>(num){  </a:t>
+            </a:r>
+            <a:endParaRPr lang="ru-RU" b="0" i="0" dirty="0">
+              <a:solidFill>
+                <a:srgbClr val="383A42"/>
+              </a:solidFill>
+              <a:effectLst/>
+            </a:endParaRPr>
+          </a:p>
+          <a:p>
+            <a:pPr>
+              <a:lnSpc>
+                <a:spcPct val="100000"/>
+              </a:lnSpc>
+            </a:pPr>
+            <a:r>
+              <a:rPr lang="en-US" b="0" i="0" dirty="0">
+                <a:solidFill>
+                  <a:srgbClr val="383A42"/>
+                </a:solidFill>
+                <a:effectLst/>
+              </a:rPr>
+              <a:t>       </a:t>
+            </a:r>
+            <a:r>
+              <a:rPr lang="en-US" b="0" i="0" dirty="0">
+                <a:solidFill>
+                  <a:srgbClr val="A626A4"/>
+                </a:solidFill>
+                <a:effectLst/>
+              </a:rPr>
+              <a:t>case</a:t>
+            </a:r>
+            <a:r>
+              <a:rPr lang="en-US" b="0" i="0" dirty="0">
+                <a:solidFill>
+                  <a:srgbClr val="383A42"/>
+                </a:solidFill>
+                <a:effectLst/>
+              </a:rPr>
+              <a:t> </a:t>
+            </a:r>
+            <a:r>
+              <a:rPr lang="en-US" b="0" i="0" dirty="0">
+                <a:solidFill>
+                  <a:srgbClr val="986801"/>
+                </a:solidFill>
+                <a:effectLst/>
+              </a:rPr>
+              <a:t>1</a:t>
+            </a:r>
+            <a:r>
+              <a:rPr lang="en-US" b="0" i="0" dirty="0">
+                <a:solidFill>
+                  <a:srgbClr val="383A42"/>
+                </a:solidFill>
+                <a:effectLst/>
+              </a:rPr>
+              <a:t>:</a:t>
+            </a:r>
+            <a:endParaRPr lang="ru-RU" b="0" i="0" dirty="0">
+              <a:solidFill>
+                <a:srgbClr val="383A42"/>
+              </a:solidFill>
+              <a:effectLst/>
+            </a:endParaRPr>
+          </a:p>
+          <a:p>
+            <a:pPr>
+              <a:lnSpc>
+                <a:spcPct val="100000"/>
+              </a:lnSpc>
+            </a:pPr>
+            <a:r>
+              <a:rPr lang="en-US" b="0" i="0" dirty="0">
+                <a:solidFill>
+                  <a:srgbClr val="383A42"/>
+                </a:solidFill>
+                <a:effectLst/>
+              </a:rPr>
+              <a:t> </a:t>
+            </a:r>
+            <a:r>
+              <a:rPr lang="ru-RU" b="0" i="0" dirty="0">
+                <a:solidFill>
+                  <a:srgbClr val="383A42"/>
+                </a:solidFill>
+                <a:effectLst/>
+              </a:rPr>
+              <a:t>		</a:t>
+            </a:r>
+            <a:r>
+              <a:rPr lang="en-US" b="0" i="0" dirty="0" err="1">
+                <a:solidFill>
+                  <a:srgbClr val="383A42"/>
+                </a:solidFill>
+                <a:effectLst/>
+              </a:rPr>
+              <a:t>System.</a:t>
+            </a:r>
+            <a:r>
+              <a:rPr lang="en-US" b="0" i="0" dirty="0" err="1">
+                <a:solidFill>
+                  <a:srgbClr val="A626A4"/>
+                </a:solidFill>
+                <a:effectLst/>
+              </a:rPr>
+              <a:t>out</a:t>
+            </a:r>
+            <a:r>
+              <a:rPr lang="en-US" b="0" i="0" dirty="0" err="1">
+                <a:solidFill>
+                  <a:srgbClr val="383A42"/>
+                </a:solidFill>
+                <a:effectLst/>
+              </a:rPr>
+              <a:t>.println</a:t>
+            </a:r>
+            <a:r>
+              <a:rPr lang="en-US" b="0" i="0" dirty="0">
+                <a:solidFill>
+                  <a:srgbClr val="383A42"/>
+                </a:solidFill>
+                <a:effectLst/>
+              </a:rPr>
+              <a:t>(</a:t>
+            </a:r>
+            <a:r>
+              <a:rPr lang="en-US" dirty="0">
+                <a:solidFill>
+                  <a:srgbClr val="50A14F"/>
+                </a:solidFill>
+              </a:rPr>
+              <a:t>“</a:t>
+            </a:r>
+            <a:r>
+              <a:rPr lang="ru-RU" b="0" i="0" dirty="0">
+                <a:solidFill>
+                  <a:srgbClr val="50A14F"/>
+                </a:solidFill>
+                <a:effectLst/>
+              </a:rPr>
+              <a:t>январь</a:t>
+            </a:r>
+            <a:r>
+              <a:rPr lang="en-US" b="0" i="0" dirty="0">
+                <a:solidFill>
+                  <a:srgbClr val="50A14F"/>
+                </a:solidFill>
+                <a:effectLst/>
+              </a:rPr>
+              <a:t>”</a:t>
+            </a:r>
+            <a:r>
+              <a:rPr lang="ru-RU" b="0" i="0" dirty="0">
+                <a:solidFill>
+                  <a:srgbClr val="383A42"/>
+                </a:solidFill>
+                <a:effectLst/>
+              </a:rPr>
+              <a:t>);</a:t>
+            </a:r>
+          </a:p>
+          <a:p>
+            <a:pPr>
+              <a:lnSpc>
+                <a:spcPct val="100000"/>
+              </a:lnSpc>
+            </a:pPr>
+            <a:r>
+              <a:rPr lang="en-US" b="0" i="0" dirty="0">
+                <a:solidFill>
+                  <a:srgbClr val="383A42"/>
+                </a:solidFill>
+                <a:effectLst/>
+              </a:rPr>
+              <a:t>     </a:t>
+            </a:r>
+            <a:r>
+              <a:rPr lang="ru-RU" b="0" i="0" dirty="0">
+                <a:solidFill>
+                  <a:srgbClr val="383A42"/>
+                </a:solidFill>
+                <a:effectLst/>
+              </a:rPr>
+              <a:t>  </a:t>
+            </a:r>
+            <a:r>
+              <a:rPr lang="en-US" b="0" i="0" dirty="0">
+                <a:solidFill>
+                  <a:srgbClr val="A626A4"/>
+                </a:solidFill>
+                <a:effectLst/>
+              </a:rPr>
+              <a:t>case</a:t>
+            </a:r>
+            <a:r>
+              <a:rPr lang="en-US" b="0" i="0" dirty="0">
+                <a:solidFill>
+                  <a:srgbClr val="383A42"/>
+                </a:solidFill>
+                <a:effectLst/>
+              </a:rPr>
+              <a:t> </a:t>
+            </a:r>
+            <a:r>
+              <a:rPr lang="ru-RU" dirty="0">
+                <a:solidFill>
+                  <a:srgbClr val="986801"/>
+                </a:solidFill>
+              </a:rPr>
+              <a:t>2</a:t>
+            </a:r>
+            <a:r>
+              <a:rPr lang="en-US" b="0" i="0" dirty="0">
+                <a:solidFill>
+                  <a:srgbClr val="383A42"/>
+                </a:solidFill>
+                <a:effectLst/>
+              </a:rPr>
+              <a:t>:   </a:t>
+            </a:r>
+            <a:endParaRPr lang="ru-RU" b="0" i="0" dirty="0">
+              <a:solidFill>
+                <a:srgbClr val="383A42"/>
+              </a:solidFill>
+              <a:effectLst/>
+            </a:endParaRPr>
+          </a:p>
+          <a:p>
+            <a:pPr>
+              <a:lnSpc>
+                <a:spcPct val="100000"/>
+              </a:lnSpc>
+            </a:pPr>
+            <a:r>
+              <a:rPr lang="en-US" b="0" i="0" dirty="0">
+                <a:solidFill>
+                  <a:srgbClr val="383A42"/>
+                </a:solidFill>
+                <a:effectLst/>
+              </a:rPr>
+              <a:t>    </a:t>
+            </a:r>
+            <a:r>
+              <a:rPr lang="ru-RU" b="0" i="0" dirty="0">
+                <a:solidFill>
+                  <a:srgbClr val="383A42"/>
+                </a:solidFill>
+                <a:effectLst/>
+              </a:rPr>
+              <a:t>	     </a:t>
+            </a:r>
+            <a:r>
+              <a:rPr lang="en-US" b="0" i="0" dirty="0">
+                <a:solidFill>
+                  <a:srgbClr val="383A42"/>
+                </a:solidFill>
+                <a:effectLst/>
+              </a:rPr>
+              <a:t>  </a:t>
+            </a:r>
+            <a:r>
+              <a:rPr lang="en-US" b="0" i="0" dirty="0" err="1">
+                <a:solidFill>
+                  <a:srgbClr val="383A42"/>
+                </a:solidFill>
+                <a:effectLst/>
+              </a:rPr>
+              <a:t>System.</a:t>
+            </a:r>
+            <a:r>
+              <a:rPr lang="en-US" b="0" i="0" dirty="0" err="1">
+                <a:solidFill>
+                  <a:srgbClr val="A626A4"/>
+                </a:solidFill>
+                <a:effectLst/>
+              </a:rPr>
+              <a:t>out</a:t>
+            </a:r>
+            <a:r>
+              <a:rPr lang="en-US" b="0" i="0" dirty="0" err="1">
+                <a:solidFill>
+                  <a:srgbClr val="383A42"/>
+                </a:solidFill>
+                <a:effectLst/>
+              </a:rPr>
+              <a:t>.println</a:t>
+            </a:r>
+            <a:r>
+              <a:rPr lang="en-US" b="0" i="0" dirty="0">
+                <a:solidFill>
+                  <a:srgbClr val="383A42"/>
+                </a:solidFill>
+                <a:effectLst/>
+              </a:rPr>
+              <a:t>(</a:t>
+            </a:r>
+            <a:r>
+              <a:rPr lang="en-US" dirty="0">
+                <a:solidFill>
+                  <a:srgbClr val="50A14F"/>
+                </a:solidFill>
+              </a:rPr>
+              <a:t>“</a:t>
+            </a:r>
+            <a:r>
+              <a:rPr lang="ru-RU" dirty="0">
+                <a:solidFill>
+                  <a:srgbClr val="50A14F"/>
+                </a:solidFill>
+              </a:rPr>
+              <a:t>февраль</a:t>
+            </a:r>
+            <a:r>
+              <a:rPr lang="en-US" b="0" i="0" dirty="0">
+                <a:solidFill>
+                  <a:srgbClr val="50A14F"/>
+                </a:solidFill>
+                <a:effectLst/>
+              </a:rPr>
+              <a:t>”</a:t>
+            </a:r>
+            <a:r>
+              <a:rPr lang="ru-RU" b="0" i="0" dirty="0">
+                <a:solidFill>
+                  <a:srgbClr val="383A42"/>
+                </a:solidFill>
+                <a:effectLst/>
+              </a:rPr>
+              <a:t>);    </a:t>
+            </a:r>
+            <a:r>
+              <a:rPr lang="en-US" b="0" i="0" dirty="0">
+                <a:solidFill>
+                  <a:srgbClr val="383A42"/>
+                </a:solidFill>
+                <a:effectLst/>
+              </a:rPr>
+              <a:t> </a:t>
+            </a:r>
+            <a:endParaRPr lang="ru-RU" b="0" i="0" dirty="0">
+              <a:solidFill>
+                <a:srgbClr val="383A42"/>
+              </a:solidFill>
+              <a:effectLst/>
+            </a:endParaRPr>
+          </a:p>
+          <a:p>
+            <a:pPr>
+              <a:lnSpc>
+                <a:spcPct val="100000"/>
+              </a:lnSpc>
+            </a:pPr>
+            <a:r>
+              <a:rPr lang="ru-RU" dirty="0">
+                <a:solidFill>
+                  <a:srgbClr val="383A42"/>
+                </a:solidFill>
+              </a:rPr>
+              <a:t>       …….</a:t>
+            </a:r>
+            <a:endParaRPr lang="ru-RU" b="0" i="0" dirty="0">
+              <a:solidFill>
+                <a:srgbClr val="383A42"/>
+              </a:solidFill>
+              <a:effectLst/>
+            </a:endParaRPr>
+          </a:p>
+          <a:p>
+            <a:pPr>
+              <a:lnSpc>
+                <a:spcPct val="100000"/>
+              </a:lnSpc>
+            </a:pPr>
+            <a:r>
+              <a:rPr lang="en-US" b="0" i="0" dirty="0">
+                <a:solidFill>
+                  <a:srgbClr val="383A42"/>
+                </a:solidFill>
+                <a:effectLst/>
+              </a:rPr>
+              <a:t>   </a:t>
+            </a:r>
+            <a:r>
+              <a:rPr lang="ru-RU" b="0" i="0" dirty="0">
+                <a:solidFill>
+                  <a:srgbClr val="383A42"/>
+                </a:solidFill>
+                <a:effectLst/>
+              </a:rPr>
+              <a:t>	</a:t>
+            </a:r>
+            <a:r>
+              <a:rPr lang="en-US" b="0" i="0" dirty="0">
+                <a:solidFill>
+                  <a:srgbClr val="A626A4"/>
+                </a:solidFill>
+                <a:effectLst/>
+              </a:rPr>
+              <a:t>case</a:t>
+            </a:r>
+            <a:r>
+              <a:rPr lang="en-US" b="0" i="0" dirty="0">
+                <a:solidFill>
+                  <a:srgbClr val="383A42"/>
+                </a:solidFill>
+                <a:effectLst/>
+              </a:rPr>
+              <a:t> </a:t>
+            </a:r>
+            <a:r>
+              <a:rPr lang="ru-RU" b="0" i="0" dirty="0">
+                <a:solidFill>
+                  <a:srgbClr val="986801"/>
+                </a:solidFill>
+                <a:effectLst/>
+              </a:rPr>
+              <a:t>12</a:t>
+            </a:r>
+            <a:r>
+              <a:rPr lang="en-US" b="0" i="0" dirty="0">
+                <a:solidFill>
+                  <a:srgbClr val="383A42"/>
+                </a:solidFill>
+                <a:effectLst/>
+              </a:rPr>
+              <a:t>:   </a:t>
+            </a:r>
+            <a:endParaRPr lang="ru-RU" b="0" i="0" dirty="0">
+              <a:solidFill>
+                <a:srgbClr val="383A42"/>
+              </a:solidFill>
+              <a:effectLst/>
+            </a:endParaRPr>
+          </a:p>
+          <a:p>
+            <a:pPr>
+              <a:lnSpc>
+                <a:spcPct val="100000"/>
+              </a:lnSpc>
+            </a:pPr>
+            <a:r>
+              <a:rPr lang="en-US" b="0" i="0" dirty="0">
+                <a:solidFill>
+                  <a:srgbClr val="383A42"/>
+                </a:solidFill>
+                <a:effectLst/>
+              </a:rPr>
+              <a:t>     </a:t>
+            </a:r>
+            <a:r>
+              <a:rPr lang="ru-RU" b="0" i="0" dirty="0">
+                <a:solidFill>
+                  <a:srgbClr val="383A42"/>
+                </a:solidFill>
+                <a:effectLst/>
+              </a:rPr>
+              <a:t>		</a:t>
+            </a:r>
+            <a:r>
+              <a:rPr lang="en-US" b="0" i="0" dirty="0" err="1">
+                <a:solidFill>
+                  <a:srgbClr val="383A42"/>
+                </a:solidFill>
+                <a:effectLst/>
+              </a:rPr>
+              <a:t>System.</a:t>
+            </a:r>
+            <a:r>
+              <a:rPr lang="en-US" b="0" i="0" dirty="0" err="1">
+                <a:solidFill>
+                  <a:srgbClr val="A626A4"/>
+                </a:solidFill>
+                <a:effectLst/>
+              </a:rPr>
+              <a:t>out</a:t>
+            </a:r>
+            <a:r>
+              <a:rPr lang="en-US" b="0" i="0" dirty="0" err="1">
+                <a:solidFill>
+                  <a:srgbClr val="383A42"/>
+                </a:solidFill>
+                <a:effectLst/>
+              </a:rPr>
+              <a:t>.println</a:t>
+            </a:r>
+            <a:r>
+              <a:rPr lang="en-US" b="0" i="0" dirty="0">
+                <a:solidFill>
+                  <a:srgbClr val="383A42"/>
+                </a:solidFill>
+                <a:effectLst/>
+              </a:rPr>
+              <a:t>(</a:t>
+            </a:r>
+            <a:r>
+              <a:rPr lang="en-US" dirty="0">
+                <a:solidFill>
+                  <a:srgbClr val="50A14F"/>
+                </a:solidFill>
+              </a:rPr>
+              <a:t>“</a:t>
+            </a:r>
+            <a:r>
+              <a:rPr lang="ru-RU" dirty="0">
+                <a:solidFill>
+                  <a:srgbClr val="50A14F"/>
+                </a:solidFill>
+              </a:rPr>
+              <a:t>декабрь</a:t>
+            </a:r>
+            <a:r>
+              <a:rPr lang="en-US" dirty="0">
+                <a:solidFill>
+                  <a:srgbClr val="50A14F"/>
+                </a:solidFill>
+              </a:rPr>
+              <a:t>“</a:t>
+            </a:r>
+            <a:r>
+              <a:rPr lang="ru-RU" b="0" i="0" dirty="0">
+                <a:solidFill>
+                  <a:srgbClr val="383A42"/>
+                </a:solidFill>
+                <a:effectLst/>
+              </a:rPr>
+              <a:t>);    </a:t>
+            </a:r>
+          </a:p>
+          <a:p>
+            <a:pPr>
+              <a:lnSpc>
+                <a:spcPct val="100000"/>
+              </a:lnSpc>
+            </a:pPr>
+            <a:r>
+              <a:rPr lang="en-US" b="0" i="0" dirty="0">
+                <a:solidFill>
+                  <a:srgbClr val="383A42"/>
+                </a:solidFill>
+                <a:effectLst/>
+              </a:rPr>
+              <a:t>   </a:t>
+            </a:r>
+            <a:r>
+              <a:rPr lang="ru-RU" b="0" i="0" dirty="0">
+                <a:solidFill>
+                  <a:srgbClr val="383A42"/>
+                </a:solidFill>
+                <a:effectLst/>
+              </a:rPr>
+              <a:t>	</a:t>
+            </a:r>
+            <a:r>
+              <a:rPr lang="en-US" b="0" i="0" dirty="0">
+                <a:solidFill>
+                  <a:srgbClr val="A626A4"/>
+                </a:solidFill>
+                <a:effectLst/>
+              </a:rPr>
+              <a:t>default</a:t>
+            </a:r>
+            <a:r>
+              <a:rPr lang="en-US" b="0" i="0" dirty="0">
+                <a:solidFill>
+                  <a:srgbClr val="383A42"/>
+                </a:solidFill>
+                <a:effectLst/>
+              </a:rPr>
+              <a:t>:      </a:t>
+            </a:r>
+            <a:endParaRPr lang="ru-RU" b="0" i="0" dirty="0">
+              <a:solidFill>
+                <a:srgbClr val="383A42"/>
+              </a:solidFill>
+              <a:effectLst/>
+            </a:endParaRPr>
+          </a:p>
+          <a:p>
+            <a:pPr>
+              <a:lnSpc>
+                <a:spcPct val="100000"/>
+              </a:lnSpc>
+            </a:pPr>
+            <a:r>
+              <a:rPr lang="en-US" b="0" i="0" dirty="0">
+                <a:solidFill>
+                  <a:srgbClr val="383A42"/>
+                </a:solidFill>
+                <a:effectLst/>
+              </a:rPr>
+              <a:t>  </a:t>
+            </a:r>
+            <a:r>
+              <a:rPr lang="ru-RU" b="0" i="0" dirty="0">
+                <a:solidFill>
+                  <a:srgbClr val="383A42"/>
+                </a:solidFill>
+                <a:effectLst/>
+              </a:rPr>
+              <a:t>	</a:t>
+            </a:r>
+            <a:r>
+              <a:rPr lang="en-US" b="0" i="0" dirty="0">
+                <a:solidFill>
+                  <a:srgbClr val="383A42"/>
+                </a:solidFill>
+                <a:effectLst/>
+              </a:rPr>
+              <a:t> </a:t>
+            </a:r>
+            <a:r>
+              <a:rPr lang="ru-RU" b="0" i="0" dirty="0">
+                <a:solidFill>
+                  <a:srgbClr val="383A42"/>
+                </a:solidFill>
+                <a:effectLst/>
+              </a:rPr>
+              <a:t>	</a:t>
+            </a:r>
+            <a:r>
+              <a:rPr lang="en-US" b="0" i="0" dirty="0" err="1">
+                <a:solidFill>
+                  <a:srgbClr val="383A42"/>
+                </a:solidFill>
+                <a:effectLst/>
+              </a:rPr>
+              <a:t>System.</a:t>
+            </a:r>
+            <a:r>
+              <a:rPr lang="en-US" b="0" i="0" dirty="0" err="1">
+                <a:solidFill>
+                  <a:srgbClr val="A626A4"/>
+                </a:solidFill>
+                <a:effectLst/>
+              </a:rPr>
+              <a:t>out</a:t>
+            </a:r>
+            <a:r>
+              <a:rPr lang="en-US" b="0" i="0" dirty="0" err="1">
+                <a:solidFill>
+                  <a:srgbClr val="383A42"/>
+                </a:solidFill>
+                <a:effectLst/>
+              </a:rPr>
+              <a:t>.println</a:t>
+            </a:r>
+            <a:r>
+              <a:rPr lang="en-US" b="0" i="0" dirty="0">
+                <a:solidFill>
+                  <a:srgbClr val="383A42"/>
+                </a:solidFill>
+                <a:effectLst/>
+              </a:rPr>
+              <a:t>(</a:t>
+            </a:r>
+            <a:r>
+              <a:rPr lang="en-US" dirty="0">
+                <a:solidFill>
+                  <a:srgbClr val="50A14F"/>
+                </a:solidFill>
+              </a:rPr>
+              <a:t>“</a:t>
+            </a:r>
+            <a:r>
+              <a:rPr lang="ru-RU" b="0" i="0" dirty="0">
+                <a:solidFill>
+                  <a:srgbClr val="50A14F"/>
+                </a:solidFill>
+                <a:effectLst/>
+              </a:rPr>
+              <a:t>неверный номер месяца</a:t>
+            </a:r>
+            <a:r>
+              <a:rPr lang="en-US" dirty="0">
+                <a:solidFill>
+                  <a:srgbClr val="50A14F"/>
+                </a:solidFill>
+              </a:rPr>
+              <a:t>“</a:t>
+            </a:r>
+            <a:r>
+              <a:rPr lang="ru-RU" b="0" i="0" dirty="0">
+                <a:solidFill>
+                  <a:srgbClr val="383A42"/>
+                </a:solidFill>
+                <a:effectLst/>
+              </a:rPr>
+              <a:t>);</a:t>
+            </a:r>
+          </a:p>
+          <a:p>
+            <a:pPr>
+              <a:lnSpc>
+                <a:spcPct val="100000"/>
+              </a:lnSpc>
+            </a:pPr>
+            <a:r>
+              <a:rPr lang="ru-RU" b="0" i="0" dirty="0">
+                <a:solidFill>
+                  <a:srgbClr val="383A42"/>
+                </a:solidFill>
+                <a:effectLst/>
+              </a:rPr>
+              <a:t> }</a:t>
+            </a:r>
+            <a:endParaRPr lang="ru-RU" spc="-1" dirty="0"/>
+          </a:p>
+        </p:txBody>
+      </p:sp>
+      <p:sp>
+        <p:nvSpPr>
+          <p:cNvPr id="2" name="TextBox 1">
+            <a:extLst>
+              <a:ext uri="{FF2B5EF4-FFF2-40B4-BE49-F238E27FC236}">
+                <a16:creationId xmlns:a16="http://schemas.microsoft.com/office/drawing/2014/main" id="{313D31CC-FAB2-4D42-BBAF-978025841F69}"/>
+              </a:ext>
+            </a:extLst>
+          </p:cNvPr>
+          <p:cNvSpPr txBox="1"/>
+          <p:nvPr/>
+        </p:nvSpPr>
+        <p:spPr>
+          <a:xfrm>
+            <a:off x="8347589" y="2137915"/>
+            <a:ext cx="3318934" cy="1754326"/>
+          </a:xfrm>
+          <a:prstGeom prst="rect">
+            <a:avLst/>
+          </a:prstGeom>
+          <a:noFill/>
+        </p:spPr>
+        <p:txBody>
+          <a:bodyPr wrap="square">
+            <a:spAutoFit/>
+          </a:bodyPr>
+          <a:lstStyle/>
+          <a:p>
+            <a:pPr>
+              <a:lnSpc>
+                <a:spcPct val="100000"/>
+              </a:lnSpc>
+            </a:pPr>
+            <a:r>
+              <a:rPr lang="ru-RU" dirty="0">
+                <a:solidFill>
+                  <a:srgbClr val="A626A4"/>
+                </a:solidFill>
+              </a:rPr>
+              <a:t>Вывод на консоль:</a:t>
+            </a:r>
+          </a:p>
+          <a:p>
+            <a:pPr>
+              <a:lnSpc>
+                <a:spcPct val="100000"/>
+              </a:lnSpc>
+            </a:pPr>
+            <a:r>
+              <a:rPr lang="ru-RU" dirty="0">
+                <a:solidFill>
+                  <a:srgbClr val="50A14F"/>
+                </a:solidFill>
+              </a:rPr>
+              <a:t>декабрь</a:t>
+            </a:r>
+          </a:p>
+          <a:p>
+            <a:pPr>
+              <a:lnSpc>
+                <a:spcPct val="100000"/>
+              </a:lnSpc>
+            </a:pPr>
+            <a:r>
+              <a:rPr lang="ru-RU" b="0" i="0" dirty="0">
+                <a:solidFill>
+                  <a:srgbClr val="50A14F"/>
+                </a:solidFill>
+                <a:effectLst/>
+              </a:rPr>
+              <a:t>неверный номер месяца</a:t>
+            </a:r>
+            <a:endParaRPr lang="ru-RU" dirty="0">
+              <a:solidFill>
+                <a:srgbClr val="A626A4"/>
+              </a:solidFill>
+            </a:endParaRPr>
+          </a:p>
+          <a:p>
+            <a:pPr>
+              <a:lnSpc>
+                <a:spcPct val="100000"/>
+              </a:lnSpc>
+            </a:pPr>
+            <a:endParaRPr lang="ru-RU" dirty="0">
+              <a:solidFill>
+                <a:srgbClr val="A626A4"/>
+              </a:solidFill>
+            </a:endParaRPr>
+          </a:p>
+          <a:p>
+            <a:pPr>
+              <a:lnSpc>
+                <a:spcPct val="100000"/>
+              </a:lnSpc>
+            </a:pPr>
+            <a:endParaRPr lang="ru-RU" b="0" i="0" dirty="0">
+              <a:solidFill>
+                <a:srgbClr val="A626A4"/>
+              </a:solidFill>
+              <a:effectLst/>
+            </a:endParaRPr>
+          </a:p>
+          <a:p>
+            <a:pPr>
+              <a:lnSpc>
+                <a:spcPct val="100000"/>
+              </a:lnSpc>
+            </a:pPr>
+            <a:r>
+              <a:rPr lang="en-US" b="0" i="0" dirty="0">
+                <a:solidFill>
+                  <a:srgbClr val="383A42"/>
+                </a:solidFill>
+                <a:effectLst/>
+              </a:rPr>
+              <a:t>  </a:t>
+            </a:r>
+            <a:endParaRPr lang="ru-RU" b="0" i="0" dirty="0">
+              <a:solidFill>
+                <a:srgbClr val="383A42"/>
+              </a:solidFill>
+              <a:effectLst/>
+            </a:endParaRPr>
+          </a:p>
+        </p:txBody>
+      </p:sp>
+    </p:spTree>
+    <p:extLst>
+      <p:ext uri="{BB962C8B-B14F-4D97-AF65-F5344CB8AC3E}">
+        <p14:creationId xmlns:p14="http://schemas.microsoft.com/office/powerpoint/2010/main" val="1474338541"/>
+      </p:ext>
+    </p:extLst>
   </p:cSld>
   <p:clrMapOvr>
     <a:masterClrMapping/>
@@ -25016,6 +28432,15 @@
 </file>
 
 <file path=customXml/item1.xml><?xml version="1.0" encoding="utf-8"?>
+<p:properties xmlns:p="http://schemas.microsoft.com/office/2006/metadata/properties" xmlns:xsi="http://www.w3.org/2001/XMLSchema-instance" xmlns:pc="http://schemas.microsoft.com/office/infopath/2007/PartnerControls">
+  <documentManagement>
+    <_ip_UnifiedCompliancePolicyUIAction xmlns="http://schemas.microsoft.com/sharepoint/v3" xsi:nil="true"/>
+    <_ip_UnifiedCompliancePolicyProperties xmlns="http://schemas.microsoft.com/sharepoint/v3" xsi:nil="true"/>
+  </documentManagement>
+</p:properties>
+</file>
+
+<file path=customXml/item2.xml><?xml version="1.0" encoding="utf-8"?>
 <ct:contentTypeSchema xmlns:ct="http://schemas.microsoft.com/office/2006/metadata/contentType" xmlns:ma="http://schemas.microsoft.com/office/2006/metadata/properties/metaAttributes" ct:_="" ma:_="" ma:contentTypeName="Document" ma:contentTypeID="0x010100DEEA25CC0A0AC24199CDC46C25B8B0BC" ma:contentTypeVersion="10" ma:contentTypeDescription="Create a new document." ma:contentTypeScope="" ma:versionID="e3b47856d4cf355c0dacb39e1084d14f">
   <xsd:schema xmlns:xsd="http://www.w3.org/2001/XMLSchema" xmlns:xs="http://www.w3.org/2001/XMLSchema" xmlns:p="http://schemas.microsoft.com/office/2006/metadata/properties" xmlns:ns1="http://schemas.microsoft.com/sharepoint/v3" xmlns:ns2="6dc4bcd6-49db-4c07-9060-8acfc67cef9f" xmlns:ns3="fb0879af-3eba-417a-a55a-ffe6dcd6ca77" targetNamespace="http://schemas.microsoft.com/office/2006/metadata/properties" ma:root="true" ma:fieldsID="a845a615265fdb1f7b12cc65ac20ecbd" ns1:_="" ns2:_="" ns3:_="">
     <xsd:import namespace="http://schemas.microsoft.com/sharepoint/v3"/>
@@ -25223,15 +28648,6 @@
 </ct:contentTypeSchema>
 </file>
 
-<file path=customXml/item2.xml><?xml version="1.0" encoding="utf-8"?>
-<p:properties xmlns:p="http://schemas.microsoft.com/office/2006/metadata/properties" xmlns:xsi="http://www.w3.org/2001/XMLSchema-instance" xmlns:pc="http://schemas.microsoft.com/office/infopath/2007/PartnerControls">
-  <documentManagement>
-    <_ip_UnifiedCompliancePolicyUIAction xmlns="http://schemas.microsoft.com/sharepoint/v3" xsi:nil="true"/>
-    <_ip_UnifiedCompliancePolicyProperties xmlns="http://schemas.microsoft.com/sharepoint/v3" xsi:nil="true"/>
-  </documentManagement>
-</p:properties>
-</file>
-
 <file path=customXml/item3.xml><?xml version="1.0" encoding="utf-8"?>
 <?mso-contentType ?>
 <FormTemplates xmlns="http://schemas.microsoft.com/sharepoint/v3/contenttype/forms">
@@ -25242,6 +28658,24 @@
 </file>
 
 <file path=customXml/itemProps1.xml><?xml version="1.0" encoding="utf-8"?>
+<ds:datastoreItem xmlns:ds="http://schemas.openxmlformats.org/officeDocument/2006/customXml" ds:itemID="{4DA1C8E2-513F-4C9C-99C7-9AE0E7429B06}">
+  <ds:schemaRefs>
+    <ds:schemaRef ds:uri="http://www.w3.org/XML/1998/namespace"/>
+    <ds:schemaRef ds:uri="http://schemas.microsoft.com/office/2006/metadata/properties"/>
+    <ds:schemaRef ds:uri="http://purl.org/dc/terms/"/>
+    <ds:schemaRef ds:uri="6dc4bcd6-49db-4c07-9060-8acfc67cef9f"/>
+    <ds:schemaRef ds:uri="fb0879af-3eba-417a-a55a-ffe6dcd6ca77"/>
+    <ds:schemaRef ds:uri="http://schemas.microsoft.com/office/infopath/2007/PartnerControls"/>
+    <ds:schemaRef ds:uri="http://schemas.openxmlformats.org/package/2006/metadata/core-properties"/>
+    <ds:schemaRef ds:uri="http://purl.org/dc/elements/1.1/"/>
+    <ds:schemaRef ds:uri="http://schemas.microsoft.com/office/2006/documentManagement/types"/>
+    <ds:schemaRef ds:uri="http://schemas.microsoft.com/sharepoint/v3"/>
+    <ds:schemaRef ds:uri="http://purl.org/dc/dcmitype/"/>
+  </ds:schemaRefs>
+</ds:datastoreItem>
+</file>
+
+<file path=customXml/itemProps2.xml><?xml version="1.0" encoding="utf-8"?>
 <ds:datastoreItem xmlns:ds="http://schemas.openxmlformats.org/officeDocument/2006/customXml" ds:itemID="{3BFA294F-07D1-46AB-ABEC-1B0200FE30AB}">
   <ds:schemaRefs>
     <ds:schemaRef ds:uri="http://schemas.microsoft.com/office/2006/metadata/contentType"/>
@@ -25261,24 +28695,6 @@
 </ds:datastoreItem>
 </file>
 
-<file path=customXml/itemProps2.xml><?xml version="1.0" encoding="utf-8"?>
-<ds:datastoreItem xmlns:ds="http://schemas.openxmlformats.org/officeDocument/2006/customXml" ds:itemID="{4DA1C8E2-513F-4C9C-99C7-9AE0E7429B06}">
-  <ds:schemaRefs>
-    <ds:schemaRef ds:uri="http://www.w3.org/XML/1998/namespace"/>
-    <ds:schemaRef ds:uri="http://schemas.microsoft.com/office/2006/metadata/properties"/>
-    <ds:schemaRef ds:uri="http://purl.org/dc/terms/"/>
-    <ds:schemaRef ds:uri="6dc4bcd6-49db-4c07-9060-8acfc67cef9f"/>
-    <ds:schemaRef ds:uri="fb0879af-3eba-417a-a55a-ffe6dcd6ca77"/>
-    <ds:schemaRef ds:uri="http://schemas.microsoft.com/office/infopath/2007/PartnerControls"/>
-    <ds:schemaRef ds:uri="http://schemas.openxmlformats.org/package/2006/metadata/core-properties"/>
-    <ds:schemaRef ds:uri="http://purl.org/dc/elements/1.1/"/>
-    <ds:schemaRef ds:uri="http://schemas.microsoft.com/office/2006/documentManagement/types"/>
-    <ds:schemaRef ds:uri="http://schemas.microsoft.com/sharepoint/v3"/>
-    <ds:schemaRef ds:uri="http://purl.org/dc/dcmitype/"/>
-  </ds:schemaRefs>
-</ds:datastoreItem>
-</file>
-
 <file path=customXml/itemProps3.xml><?xml version="1.0" encoding="utf-8"?>
 <ds:datastoreItem xmlns:ds="http://schemas.openxmlformats.org/officeDocument/2006/customXml" ds:itemID="{883E0B16-80BF-4868-8813-6B17170D724D}">
   <ds:schemaRefs>

--- a/Samsung/Lesson5/Logical_operations.pptx
+++ b/Samsung/Lesson5/Logical_operations.pptx
@@ -5,10 +5,10 @@
     <p:sldMasterId id="2147483840" r:id="rId4"/>
   </p:sldMasterIdLst>
   <p:notesMasterIdLst>
-    <p:notesMasterId r:id="rId30"/>
+    <p:notesMasterId r:id="rId34"/>
   </p:notesMasterIdLst>
   <p:handoutMasterIdLst>
-    <p:handoutMasterId r:id="rId31"/>
+    <p:handoutMasterId r:id="rId35"/>
   </p:handoutMasterIdLst>
   <p:sldIdLst>
     <p:sldId id="256" r:id="rId5"/>
@@ -36,6 +36,10 @@
     <p:sldId id="279" r:id="rId27"/>
     <p:sldId id="280" r:id="rId28"/>
     <p:sldId id="281" r:id="rId29"/>
+    <p:sldId id="282" r:id="rId30"/>
+    <p:sldId id="284" r:id="rId31"/>
+    <p:sldId id="283" r:id="rId32"/>
+    <p:sldId id="285" r:id="rId33"/>
   </p:sldIdLst>
   <p:sldSz cx="12192000" cy="6858000"/>
   <p:notesSz cx="6858000" cy="9144000"/>
@@ -241,7 +245,7 @@
             <a:pPr rtl="0"/>
             <a:fld id="{7F37960E-1F7C-41B1-9A2B-96C83E797D56}" type="datetime1">
               <a:rPr lang="ru-RU" smtClean="0"/>
-              <a:t>27.09.2020</a:t>
+              <a:t>28.09.2020</a:t>
             </a:fld>
             <a:endParaRPr lang="ru-RU" dirty="0"/>
           </a:p>
@@ -422,7 +426,7 @@
             <a:fld id="{DEB9C201-AC4F-4363-955C-CEDBBD62208D}" type="datetime1">
               <a:rPr lang="ru-RU" smtClean="0"/>
               <a:pPr/>
-              <a:t>27.09.2020</a:t>
+              <a:t>28.09.2020</a:t>
             </a:fld>
             <a:endParaRPr lang="ru-RU" dirty="0"/>
           </a:p>
@@ -1502,7 +1506,7 @@
             <a:pPr rtl="0"/>
             <a:fld id="{E86AA575-909A-4E84-A73A-2B96081E700B}" type="datetime1">
               <a:rPr lang="ru-RU" noProof="0" smtClean="0"/>
-              <a:t>27.09.2020</a:t>
+              <a:t>28.09.2020</a:t>
             </a:fld>
             <a:endParaRPr lang="ru-RU" noProof="0"/>
           </a:p>
@@ -2732,7 +2736,7 @@
             <a:pPr rtl="0"/>
             <a:fld id="{05D13EF0-FE8D-43FC-AE79-F77DF127C654}" type="datetime1">
               <a:rPr lang="ru-RU" noProof="0" smtClean="0"/>
-              <a:t>27.09.2020</a:t>
+              <a:t>28.09.2020</a:t>
             </a:fld>
             <a:endParaRPr lang="ru-RU" noProof="0"/>
           </a:p>
@@ -4166,7 +4170,7 @@
             <a:pPr rtl="0"/>
             <a:fld id="{CC9A25B9-C5B6-4321-9761-C8D3F1A3412A}" type="datetime1">
               <a:rPr lang="ru-RU" noProof="0" smtClean="0"/>
-              <a:t>27.09.2020</a:t>
+              <a:t>28.09.2020</a:t>
             </a:fld>
             <a:endParaRPr lang="ru-RU" noProof="0"/>
           </a:p>
@@ -4439,7 +4443,7 @@
             <a:pPr rtl="0"/>
             <a:fld id="{1C7E678F-447A-480B-9B75-01799EA8EF53}" type="datetime1">
               <a:rPr lang="ru-RU" noProof="0" smtClean="0"/>
-              <a:t>27.09.2020</a:t>
+              <a:t>28.09.2020</a:t>
             </a:fld>
             <a:endParaRPr lang="ru-RU" noProof="0"/>
           </a:p>
@@ -4822,7 +4826,7 @@
             <a:pPr rtl="0"/>
             <a:fld id="{872512C1-8A81-4FB1-A62C-2439B34D73D0}" type="datetime1">
               <a:rPr lang="ru-RU" noProof="0" smtClean="0"/>
-              <a:t>27.09.2020</a:t>
+              <a:t>28.09.2020</a:t>
             </a:fld>
             <a:endParaRPr lang="ru-RU" noProof="0"/>
           </a:p>
@@ -4943,7 +4947,7 @@
             <a:pPr rtl="0"/>
             <a:fld id="{81B13030-9547-48AA-9A77-B6FE0D9329CE}" type="datetime1">
               <a:rPr lang="ru-RU" noProof="0" smtClean="0"/>
-              <a:t>27.09.2020</a:t>
+              <a:t>28.09.2020</a:t>
             </a:fld>
             <a:endParaRPr lang="ru-RU" noProof="0"/>
           </a:p>
@@ -5041,7 +5045,7 @@
             <a:pPr rtl="0"/>
             <a:fld id="{CE5B4ED4-48AB-41C5-85BE-36F29B424A13}" type="datetime1">
               <a:rPr lang="ru-RU" noProof="0" smtClean="0"/>
-              <a:t>27.09.2020</a:t>
+              <a:t>28.09.2020</a:t>
             </a:fld>
             <a:endParaRPr lang="ru-RU" noProof="0"/>
           </a:p>
@@ -5249,7 +5253,7 @@
             <a:pPr rtl="0"/>
             <a:fld id="{43235056-05E5-49FA-85B9-C13A880503DF}" type="datetime1">
               <a:rPr lang="ru-RU" noProof="0" smtClean="0"/>
-              <a:t>27.09.2020</a:t>
+              <a:t>28.09.2020</a:t>
             </a:fld>
             <a:endParaRPr lang="ru-RU" noProof="0"/>
           </a:p>
@@ -6314,7 +6318,7 @@
             <a:pPr rtl="0"/>
             <a:fld id="{C0FE25B6-26B9-4795-9DB3-1F92AB5CD076}" type="datetime1">
               <a:rPr lang="ru-RU" noProof="0" smtClean="0"/>
-              <a:t>27.09.2020</a:t>
+              <a:t>28.09.2020</a:t>
             </a:fld>
             <a:endParaRPr lang="ru-RU" noProof="0"/>
           </a:p>
@@ -6952,7 +6956,7 @@
             <a:pPr rtl="0"/>
             <a:fld id="{0035181B-387F-4E5B-AC56-E7811112EC5A}" type="datetime1">
               <a:rPr lang="ru-RU" noProof="0" smtClean="0"/>
-              <a:t>27.09.2020</a:t>
+              <a:t>28.09.2020</a:t>
             </a:fld>
             <a:endParaRPr lang="ru-RU" noProof="0"/>
           </a:p>
@@ -7880,7 +7884,7 @@
             <a:pPr rtl="0"/>
             <a:fld id="{C46630CC-A9AF-4535-8F2C-F1F193CA8C0F}" type="datetime1">
               <a:rPr lang="ru-RU" noProof="0" smtClean="0"/>
-              <a:t>27.09.2020</a:t>
+              <a:t>28.09.2020</a:t>
             </a:fld>
             <a:endParaRPr lang="ru-RU" noProof="0"/>
           </a:p>
@@ -9039,7 +9043,7 @@
             <a:pPr rtl="0"/>
             <a:fld id="{61CC947A-8F53-4F5E-AF9C-EDEF04AD8794}" type="datetime1">
               <a:rPr lang="ru-RU" noProof="0" smtClean="0"/>
-              <a:t>27.09.2020</a:t>
+              <a:t>28.09.2020</a:t>
             </a:fld>
             <a:endParaRPr lang="ru-RU" noProof="0"/>
           </a:p>
@@ -10333,7 +10337,7 @@
             <a:pPr rtl="0"/>
             <a:fld id="{06BC0FA3-29EB-469B-9530-6BBADAB7B2D7}" type="datetime1">
               <a:rPr lang="ru-RU" noProof="0" smtClean="0"/>
-              <a:t>27.09.2020</a:t>
+              <a:t>28.09.2020</a:t>
             </a:fld>
             <a:endParaRPr lang="ru-RU" noProof="0"/>
           </a:p>
@@ -11335,7 +11339,7 @@
             <a:pPr rtl="0"/>
             <a:fld id="{2727B839-FF0E-42D3-9556-B9897ECA7F5F}" type="datetime1">
               <a:rPr lang="ru-RU" noProof="0" smtClean="0"/>
-              <a:t>27.09.2020</a:t>
+              <a:t>28.09.2020</a:t>
             </a:fld>
             <a:endParaRPr lang="ru-RU" noProof="0"/>
           </a:p>
@@ -12255,7 +12259,7 @@
             <a:pPr rtl="0"/>
             <a:fld id="{70933AA0-1871-4D22-9234-42BFA2DFD622}" type="datetime1">
               <a:rPr lang="ru-RU" noProof="0" smtClean="0"/>
-              <a:t>27.09.2020</a:t>
+              <a:t>28.09.2020</a:t>
             </a:fld>
             <a:endParaRPr lang="ru-RU" noProof="0"/>
           </a:p>
@@ -13652,7 +13656,7 @@
             <a:pPr rtl="0"/>
             <a:fld id="{750BD660-1F04-425F-B3B4-F2FF4576CCBF}" type="datetime1">
               <a:rPr lang="ru-RU" noProof="0" smtClean="0"/>
-              <a:t>27.09.2020</a:t>
+              <a:t>28.09.2020</a:t>
             </a:fld>
             <a:endParaRPr lang="ru-RU" noProof="0" dirty="0"/>
           </a:p>
@@ -19153,36 +19157,46 @@
               </a:lnSpc>
             </a:pPr>
             <a:r>
-              <a:rPr lang="ru-RU" spc="-1">
+              <a:rPr lang="ru-RU" spc="-1" dirty="0" err="1">
                 <a:solidFill>
                   <a:srgbClr val="C9211E"/>
                 </a:solidFill>
                 <a:latin typeface="Arial"/>
                 <a:ea typeface="Microsoft YaHei"/>
               </a:rPr>
-              <a:t>if( </a:t>
-            </a:r>
-            <a:r>
-              <a:rPr lang="ru-RU" spc="-1">
-                <a:solidFill>
-                  <a:srgbClr val="17C82F"/>
+              <a:t>if</a:t>
+            </a:r>
+            <a:r>
+              <a:rPr lang="ru-RU" spc="-1" dirty="0">
+                <a:solidFill>
+                  <a:srgbClr val="C9211E"/>
                 </a:solidFill>
                 <a:latin typeface="Arial"/>
                 <a:ea typeface="Microsoft YaHei"/>
               </a:rPr>
-              <a:t>x &gt; 0</a:t>
-            </a:r>
-            <a:r>
-              <a:rPr lang="ru-RU" spc="-1">
-                <a:solidFill>
-                  <a:srgbClr val="2C4AC4"/>
+              <a:t>( </a:t>
+            </a:r>
+            <a:r>
+              <a:rPr lang="ru-RU" spc="-1" dirty="0">
+                <a:solidFill>
+                  <a:srgbClr val="17C82F"/>
                 </a:solidFill>
                 <a:latin typeface="Arial"/>
                 <a:ea typeface="Microsoft YaHei"/>
               </a:rPr>
+              <a:t>x &gt; 0</a:t>
+            </a:r>
+            <a:r>
+              <a:rPr lang="ru-RU" spc="-1" dirty="0">
+                <a:solidFill>
+                  <a:srgbClr val="2C4AC4"/>
+                </a:solidFill>
+                <a:latin typeface="Arial"/>
+                <a:ea typeface="Microsoft YaHei"/>
+              </a:rPr>
               <a:t> )</a:t>
             </a:r>
-            <a:endParaRPr lang="ru-RU" spc="-1">
+            <a:endParaRPr lang="ru-RU" spc="-1" dirty="0">
               <a:latin typeface="Arial"/>
             </a:endParaRPr>
           </a:p>
@@ -19193,7 +19207,7 @@
               </a:lnSpc>
             </a:pPr>
             <a:r>
-              <a:rPr lang="ru-RU" spc="-1">
+              <a:rPr lang="ru-RU" spc="-1" dirty="0">
                 <a:solidFill>
                   <a:srgbClr val="2C4AC4"/>
                 </a:solidFill>
@@ -19202,7 +19216,7 @@
               </a:rPr>
               <a:t>{</a:t>
             </a:r>
-            <a:endParaRPr lang="ru-RU" spc="-1">
+            <a:endParaRPr lang="ru-RU" spc="-1" dirty="0">
               <a:latin typeface="Arial"/>
             </a:endParaRPr>
           </a:p>
@@ -19213,16 +19227,36 @@
               </a:lnSpc>
             </a:pPr>
             <a:r>
-              <a:rPr lang="ru-RU" spc="-1">
+              <a:rPr lang="ru-RU" spc="-1" dirty="0">
                 <a:solidFill>
                   <a:srgbClr val="2C4AC4"/>
                 </a:solidFill>
                 <a:latin typeface="Arial"/>
                 <a:ea typeface="Microsoft YaHei"/>
               </a:rPr>
-              <a:t>	Console.WriteLine("Число положительное");</a:t>
-            </a:r>
-            <a:endParaRPr lang="ru-RU" spc="-1">
+              <a:t>	</a:t>
+            </a:r>
+            <a:r>
+              <a:rPr lang="en-US" spc="-1" dirty="0" err="1">
+                <a:solidFill>
+                  <a:srgbClr val="2C4AC4"/>
+                </a:solidFill>
+                <a:latin typeface="Arial"/>
+                <a:ea typeface="Microsoft YaHei"/>
+              </a:rPr>
+              <a:t>System.out.println</a:t>
+            </a:r>
+            <a:r>
+              <a:rPr lang="ru-RU" spc="-1" dirty="0">
+                <a:solidFill>
+                  <a:srgbClr val="2C4AC4"/>
+                </a:solidFill>
+                <a:latin typeface="Arial"/>
+                <a:ea typeface="Microsoft YaHei"/>
+              </a:rPr>
+              <a:t>("Число положительное");</a:t>
+            </a:r>
+            <a:endParaRPr lang="ru-RU" spc="-1" dirty="0">
               <a:latin typeface="Arial"/>
             </a:endParaRPr>
           </a:p>
@@ -19233,7 +19267,7 @@
               </a:lnSpc>
             </a:pPr>
             <a:r>
-              <a:rPr lang="ru-RU" spc="-1">
+              <a:rPr lang="ru-RU" spc="-1" dirty="0">
                 <a:solidFill>
                   <a:srgbClr val="2C4AC4"/>
                 </a:solidFill>
@@ -19242,7 +19276,7 @@
               </a:rPr>
               <a:t>}</a:t>
             </a:r>
-            <a:endParaRPr lang="ru-RU" spc="-1">
+            <a:endParaRPr lang="ru-RU" spc="-1" dirty="0">
               <a:latin typeface="Arial"/>
             </a:endParaRPr>
           </a:p>
@@ -19253,7 +19287,7 @@
               </a:lnSpc>
             </a:pPr>
             <a:r>
-              <a:rPr lang="ru-RU" spc="-1">
+              <a:rPr lang="ru-RU" spc="-1" dirty="0" err="1">
                 <a:solidFill>
                   <a:srgbClr val="C9211E"/>
                 </a:solidFill>
@@ -19262,7 +19296,7 @@
               </a:rPr>
               <a:t>else</a:t>
             </a:r>
-            <a:endParaRPr lang="ru-RU" spc="-1">
+            <a:endParaRPr lang="ru-RU" spc="-1" dirty="0">
               <a:latin typeface="Arial"/>
             </a:endParaRPr>
           </a:p>
@@ -19273,7 +19307,7 @@
               </a:lnSpc>
             </a:pPr>
             <a:r>
-              <a:rPr lang="ru-RU" spc="-1">
+              <a:rPr lang="ru-RU" spc="-1" dirty="0">
                 <a:solidFill>
                   <a:srgbClr val="C9211E"/>
                 </a:solidFill>
@@ -19282,7 +19316,7 @@
               </a:rPr>
               <a:t>{</a:t>
             </a:r>
-            <a:endParaRPr lang="ru-RU" spc="-1">
+            <a:endParaRPr lang="ru-RU" spc="-1" dirty="0">
               <a:latin typeface="Arial"/>
             </a:endParaRPr>
           </a:p>
@@ -19293,16 +19327,36 @@
               </a:lnSpc>
             </a:pPr>
             <a:r>
-              <a:rPr lang="ru-RU" spc="-1">
+              <a:rPr lang="ru-RU" spc="-1" dirty="0">
                 <a:solidFill>
                   <a:srgbClr val="C9211E"/>
                 </a:solidFill>
                 <a:latin typeface="Arial"/>
                 <a:ea typeface="Microsoft YaHei"/>
               </a:rPr>
-              <a:t>	Console.WriteLine("Число отрицательное");</a:t>
-            </a:r>
-            <a:endParaRPr lang="ru-RU" spc="-1">
+              <a:t>	</a:t>
+            </a:r>
+            <a:r>
+              <a:rPr lang="en-US" spc="-1" dirty="0" err="1">
+                <a:solidFill>
+                  <a:srgbClr val="C9211E"/>
+                </a:solidFill>
+                <a:latin typeface="Arial"/>
+                <a:ea typeface="Microsoft YaHei"/>
+              </a:rPr>
+              <a:t>System.out.println</a:t>
+            </a:r>
+            <a:r>
+              <a:rPr lang="ru-RU" spc="-1" dirty="0">
+                <a:solidFill>
+                  <a:srgbClr val="C9211E"/>
+                </a:solidFill>
+                <a:latin typeface="Arial"/>
+                <a:ea typeface="Microsoft YaHei"/>
+              </a:rPr>
+              <a:t>("Число отрицательное");</a:t>
+            </a:r>
+            <a:endParaRPr lang="ru-RU" spc="-1" dirty="0">
               <a:latin typeface="Arial"/>
             </a:endParaRPr>
           </a:p>
@@ -19313,7 +19367,7 @@
               </a:lnSpc>
             </a:pPr>
             <a:r>
-              <a:rPr lang="ru-RU" spc="-1">
+              <a:rPr lang="ru-RU" spc="-1" dirty="0">
                 <a:solidFill>
                   <a:srgbClr val="C9211E"/>
                 </a:solidFill>
@@ -19322,7 +19376,7 @@
               </a:rPr>
               <a:t>}</a:t>
             </a:r>
-            <a:endParaRPr lang="ru-RU" spc="-1">
+            <a:endParaRPr lang="ru-RU" spc="-1" dirty="0">
               <a:latin typeface="Arial"/>
             </a:endParaRPr>
           </a:p>
@@ -19902,14 +19956,24 @@
               <a:t>	</a:t>
             </a:r>
             <a:r>
-              <a:rPr lang="ru-RU" spc="-1" dirty="0" err="1">
+              <a:rPr lang="en-US" spc="-1" dirty="0">
                 <a:solidFill>
                   <a:srgbClr val="2C4AC4"/>
                 </a:solidFill>
                 <a:latin typeface="Arial"/>
                 <a:ea typeface="Microsoft YaHei"/>
               </a:rPr>
-              <a:t>Console.WriteLine</a:t>
+              <a:t> </a:t>
+            </a:r>
+            <a:r>
+              <a:rPr lang="en-US" spc="-1" dirty="0" err="1">
+                <a:solidFill>
+                  <a:srgbClr val="2C4AC4"/>
+                </a:solidFill>
+                <a:latin typeface="Arial"/>
+                <a:ea typeface="Microsoft YaHei"/>
+              </a:rPr>
+              <a:t>System.out.println</a:t>
             </a:r>
             <a:r>
               <a:rPr lang="ru-RU" spc="-1" dirty="0">
@@ -20062,14 +20126,24 @@
               <a:t>	</a:t>
             </a:r>
             <a:r>
-              <a:rPr lang="ru-RU" spc="-1" dirty="0" err="1">
+              <a:rPr lang="en-US" spc="-1" dirty="0">
                 <a:solidFill>
                   <a:srgbClr val="C9211E"/>
                 </a:solidFill>
                 <a:latin typeface="Arial"/>
                 <a:ea typeface="Microsoft YaHei"/>
               </a:rPr>
-              <a:t>Console.WriteLine</a:t>
+              <a:t> </a:t>
+            </a:r>
+            <a:r>
+              <a:rPr lang="en-US" spc="-1" dirty="0" err="1">
+                <a:solidFill>
+                  <a:srgbClr val="C9211E"/>
+                </a:solidFill>
+                <a:latin typeface="Arial"/>
+                <a:ea typeface="Microsoft YaHei"/>
+              </a:rPr>
+              <a:t>System.out.println</a:t>
             </a:r>
             <a:r>
               <a:rPr lang="ru-RU" spc="-1" dirty="0">
@@ -20162,14 +20236,24 @@
               <a:t>	</a:t>
             </a:r>
             <a:r>
-              <a:rPr lang="ru-RU" spc="-1" dirty="0" err="1">
+              <a:rPr lang="en-US" spc="-1" dirty="0">
                 <a:solidFill>
                   <a:srgbClr val="C9211E"/>
                 </a:solidFill>
                 <a:latin typeface="Arial"/>
                 <a:ea typeface="Microsoft YaHei"/>
               </a:rPr>
-              <a:t>Console.WriteLine</a:t>
+              <a:t> </a:t>
+            </a:r>
+            <a:r>
+              <a:rPr lang="en-US" spc="-1" dirty="0" err="1">
+                <a:solidFill>
+                  <a:srgbClr val="C9211E"/>
+                </a:solidFill>
+                <a:latin typeface="Arial"/>
+                <a:ea typeface="Microsoft YaHei"/>
+              </a:rPr>
+              <a:t>System.out.println</a:t>
             </a:r>
             <a:r>
               <a:rPr lang="ru-RU" spc="-1" dirty="0">
@@ -24017,6 +24101,1751 @@
     <p:extLst>
       <p:ext uri="{BB962C8B-B14F-4D97-AF65-F5344CB8AC3E}">
         <p14:creationId xmlns:p14="http://schemas.microsoft.com/office/powerpoint/2010/main" val="1474338541"/>
+      </p:ext>
+    </p:extLst>
+  </p:cSld>
+  <p:clrMapOvr>
+    <a:masterClrMapping/>
+  </p:clrMapOvr>
+</p:sld>
+</file>
+
+<file path=ppt/slides/slide26.xml><?xml version="1.0" encoding="utf-8"?>
+<p:sld xmlns:a="http://schemas.openxmlformats.org/drawingml/2006/main" xmlns:r="http://schemas.openxmlformats.org/officeDocument/2006/relationships" xmlns:p="http://schemas.openxmlformats.org/presentationml/2006/main">
+  <p:cSld>
+    <p:spTree>
+      <p:nvGrpSpPr>
+        <p:cNvPr id="1" name=""/>
+        <p:cNvGrpSpPr/>
+        <p:nvPr/>
+      </p:nvGrpSpPr>
+      <p:grpSpPr>
+        <a:xfrm>
+          <a:off x="0" y="0"/>
+          <a:ext cx="0" cy="0"/>
+          <a:chOff x="0" y="0"/>
+          <a:chExt cx="0" cy="0"/>
+        </a:xfrm>
+      </p:grpSpPr>
+      <p:sp>
+        <p:nvSpPr>
+          <p:cNvPr id="125" name="CustomShape 1"/>
+          <p:cNvSpPr/>
+          <p:nvPr/>
+        </p:nvSpPr>
+        <p:spPr>
+          <a:xfrm>
+            <a:off x="2152560" y="297720"/>
+            <a:ext cx="7882200" cy="758520"/>
+          </a:xfrm>
+          <a:prstGeom prst="rect">
+            <a:avLst/>
+          </a:prstGeom>
+          <a:noFill/>
+          <a:ln>
+            <a:noFill/>
+          </a:ln>
+        </p:spPr>
+        <p:style>
+          <a:lnRef idx="0">
+            <a:scrgbClr r="0" g="0" b="0"/>
+          </a:lnRef>
+          <a:fillRef idx="0">
+            <a:scrgbClr r="0" g="0" b="0"/>
+          </a:fillRef>
+          <a:effectRef idx="0">
+            <a:scrgbClr r="0" g="0" b="0"/>
+          </a:effectRef>
+          <a:fontRef idx="minor"/>
+        </p:style>
+        <p:txBody>
+          <a:bodyPr lIns="90000" tIns="45000" rIns="90000" bIns="45000" anchor="ctr">
+            <a:normAutofit/>
+          </a:bodyPr>
+          <a:lstStyle/>
+          <a:p>
+            <a:pPr algn="ctr">
+              <a:lnSpc>
+                <a:spcPct val="90000"/>
+              </a:lnSpc>
+            </a:pPr>
+            <a:r>
+              <a:rPr lang="ru-RU" sz="4000" b="1" spc="-1">
+                <a:solidFill>
+                  <a:srgbClr val="203864"/>
+                </a:solidFill>
+                <a:latin typeface="Calibri"/>
+                <a:ea typeface="DejaVu Sans"/>
+              </a:rPr>
+              <a:t>Условия в программировании</a:t>
+            </a:r>
+            <a:endParaRPr lang="ru-RU" sz="4000" spc="-1">
+              <a:latin typeface="Arial"/>
+            </a:endParaRPr>
+          </a:p>
+        </p:txBody>
+      </p:sp>
+      <p:sp>
+        <p:nvSpPr>
+          <p:cNvPr id="2" name="TextBox 1">
+            <a:extLst>
+              <a:ext uri="{FF2B5EF4-FFF2-40B4-BE49-F238E27FC236}">
+                <a16:creationId xmlns:a16="http://schemas.microsoft.com/office/drawing/2014/main" id="{313D31CC-FAB2-4D42-BBAF-978025841F69}"/>
+              </a:ext>
+            </a:extLst>
+          </p:cNvPr>
+          <p:cNvSpPr txBox="1"/>
+          <p:nvPr/>
+        </p:nvSpPr>
+        <p:spPr>
+          <a:xfrm>
+            <a:off x="952115" y="1261740"/>
+            <a:ext cx="10283089" cy="2167260"/>
+          </a:xfrm>
+          <a:prstGeom prst="rect">
+            <a:avLst/>
+          </a:prstGeom>
+          <a:noFill/>
+        </p:spPr>
+        <p:txBody>
+          <a:bodyPr wrap="square">
+            <a:spAutoFit/>
+          </a:bodyPr>
+          <a:lstStyle/>
+          <a:p>
+            <a:pPr hangingPunct="0">
+              <a:lnSpc>
+                <a:spcPct val="115000"/>
+              </a:lnSpc>
+              <a:spcAft>
+                <a:spcPts val="700"/>
+              </a:spcAft>
+            </a:pPr>
+            <a:r>
+              <a:rPr lang="ru-RU" sz="2000" kern="100" dirty="0">
+                <a:solidFill>
+                  <a:srgbClr val="000000"/>
+                </a:solidFill>
+                <a:effectLst/>
+                <a:ea typeface="Arial Unicode MS"/>
+                <a:cs typeface="Arial Unicode MS"/>
+              </a:rPr>
+              <a:t>Закрашена область на декартовой плоскости. В программу вводятся координаты точки, и она должна определить, принадлежит ли точка закрашенной области или нет. </a:t>
+            </a:r>
+            <a:endParaRPr lang="ru-RU" sz="2000" kern="100" dirty="0">
+              <a:effectLst/>
+              <a:ea typeface="Arial Unicode MS"/>
+              <a:cs typeface="Arial Unicode MS"/>
+            </a:endParaRPr>
+          </a:p>
+          <a:p>
+            <a:pPr>
+              <a:lnSpc>
+                <a:spcPct val="100000"/>
+              </a:lnSpc>
+            </a:pPr>
+            <a:endParaRPr lang="ru-RU" sz="2000" dirty="0">
+              <a:solidFill>
+                <a:srgbClr val="A626A4"/>
+              </a:solidFill>
+            </a:endParaRPr>
+          </a:p>
+          <a:p>
+            <a:pPr>
+              <a:lnSpc>
+                <a:spcPct val="100000"/>
+              </a:lnSpc>
+            </a:pPr>
+            <a:endParaRPr lang="ru-RU" sz="2000" b="0" i="0" dirty="0">
+              <a:solidFill>
+                <a:srgbClr val="A626A4"/>
+              </a:solidFill>
+              <a:effectLst/>
+            </a:endParaRPr>
+          </a:p>
+          <a:p>
+            <a:pPr>
+              <a:lnSpc>
+                <a:spcPct val="100000"/>
+              </a:lnSpc>
+            </a:pPr>
+            <a:r>
+              <a:rPr lang="en-US" sz="2000" b="0" i="0" dirty="0">
+                <a:solidFill>
+                  <a:srgbClr val="383A42"/>
+                </a:solidFill>
+                <a:effectLst/>
+              </a:rPr>
+              <a:t>  </a:t>
+            </a:r>
+            <a:endParaRPr lang="ru-RU" sz="2000" b="0" i="0" dirty="0">
+              <a:solidFill>
+                <a:srgbClr val="383A42"/>
+              </a:solidFill>
+              <a:effectLst/>
+            </a:endParaRPr>
+          </a:p>
+        </p:txBody>
+      </p:sp>
+      <p:pic>
+        <p:nvPicPr>
+          <p:cNvPr id="6" name="Изображение1">
+            <a:extLst>
+              <a:ext uri="{FF2B5EF4-FFF2-40B4-BE49-F238E27FC236}">
+                <a16:creationId xmlns:a16="http://schemas.microsoft.com/office/drawing/2014/main" id="{A3993D8C-4B3E-4122-AD73-322ADD9E82C8}"/>
+              </a:ext>
+            </a:extLst>
+          </p:cNvPr>
+          <p:cNvPicPr/>
+          <p:nvPr/>
+        </p:nvPicPr>
+        <p:blipFill>
+          <a:blip r:embed="rId2"/>
+          <a:stretch>
+            <a:fillRect/>
+          </a:stretch>
+        </p:blipFill>
+        <p:spPr bwMode="auto">
+          <a:xfrm>
+            <a:off x="644555" y="2645772"/>
+            <a:ext cx="4717666" cy="3687294"/>
+          </a:xfrm>
+          <a:prstGeom prst="rect">
+            <a:avLst/>
+          </a:prstGeom>
+        </p:spPr>
+      </p:pic>
+      <p:sp>
+        <p:nvSpPr>
+          <p:cNvPr id="8" name="TextBox 7">
+            <a:extLst>
+              <a:ext uri="{FF2B5EF4-FFF2-40B4-BE49-F238E27FC236}">
+                <a16:creationId xmlns:a16="http://schemas.microsoft.com/office/drawing/2014/main" id="{CD542099-83A3-4531-83FF-C2D3F7A2CE0A}"/>
+              </a:ext>
+            </a:extLst>
+          </p:cNvPr>
+          <p:cNvSpPr txBox="1"/>
+          <p:nvPr/>
+        </p:nvSpPr>
+        <p:spPr>
+          <a:xfrm>
+            <a:off x="5737518" y="2645772"/>
+            <a:ext cx="6096000" cy="858377"/>
+          </a:xfrm>
+          <a:prstGeom prst="rect">
+            <a:avLst/>
+          </a:prstGeom>
+          <a:noFill/>
+        </p:spPr>
+        <p:txBody>
+          <a:bodyPr wrap="square">
+            <a:spAutoFit/>
+          </a:bodyPr>
+          <a:lstStyle/>
+          <a:p>
+            <a:pPr hangingPunct="0">
+              <a:lnSpc>
+                <a:spcPct val="115000"/>
+              </a:lnSpc>
+              <a:spcAft>
+                <a:spcPts val="700"/>
+              </a:spcAft>
+            </a:pPr>
+            <a:r>
+              <a:rPr lang="ru-RU" sz="2000" b="1" kern="100" dirty="0">
+                <a:solidFill>
+                  <a:srgbClr val="C00000"/>
+                </a:solidFill>
+                <a:effectLst/>
+                <a:ea typeface="Arial Unicode MS"/>
+                <a:cs typeface="Arial Unicode MS"/>
+              </a:rPr>
+              <a:t>«точка лежит ниже графика»</a:t>
+            </a:r>
+            <a:r>
+              <a:rPr lang="en-US" sz="2000" b="1" kern="100" dirty="0">
+                <a:solidFill>
+                  <a:srgbClr val="000000"/>
+                </a:solidFill>
+                <a:ea typeface="Arial Unicode MS"/>
+                <a:cs typeface="Arial Unicode MS"/>
+              </a:rPr>
+              <a:t>: </a:t>
+            </a:r>
+            <a:r>
+              <a:rPr lang="ru-RU" sz="2000" b="1" kern="100" dirty="0">
+                <a:solidFill>
+                  <a:schemeClr val="accent4">
+                    <a:lumMod val="75000"/>
+                  </a:schemeClr>
+                </a:solidFill>
+                <a:effectLst/>
+                <a:ea typeface="Arial Unicode MS"/>
+                <a:cs typeface="Arial Unicode MS"/>
+              </a:rPr>
+              <a:t>y&lt;ƒ(x)</a:t>
+            </a:r>
+            <a:endParaRPr lang="ru-RU" sz="2000" b="1" kern="100" dirty="0">
+              <a:effectLst/>
+              <a:ea typeface="Arial Unicode MS"/>
+              <a:cs typeface="Arial Unicode MS"/>
+            </a:endParaRPr>
+          </a:p>
+          <a:p>
+            <a:pPr hangingPunct="0">
+              <a:lnSpc>
+                <a:spcPct val="115000"/>
+              </a:lnSpc>
+              <a:spcAft>
+                <a:spcPts val="700"/>
+              </a:spcAft>
+            </a:pPr>
+            <a:r>
+              <a:rPr lang="ru-RU" sz="2000" b="1" kern="100" dirty="0">
+                <a:solidFill>
+                  <a:srgbClr val="C00000"/>
+                </a:solidFill>
+                <a:effectLst/>
+                <a:ea typeface="Arial Unicode MS"/>
+                <a:cs typeface="Arial Unicode MS"/>
+              </a:rPr>
+              <a:t>«точка лежит выше графика»</a:t>
+            </a:r>
+            <a:r>
+              <a:rPr lang="ru-RU" sz="2000" b="1" kern="100" dirty="0">
+                <a:solidFill>
+                  <a:srgbClr val="000000"/>
+                </a:solidFill>
+                <a:effectLst/>
+                <a:ea typeface="Arial Unicode MS"/>
+                <a:cs typeface="Arial Unicode MS"/>
+              </a:rPr>
+              <a:t>: </a:t>
+            </a:r>
+            <a:r>
+              <a:rPr lang="ru-RU" sz="2000" b="1" kern="100" dirty="0">
+                <a:solidFill>
+                  <a:schemeClr val="accent4">
+                    <a:lumMod val="75000"/>
+                  </a:schemeClr>
+                </a:solidFill>
+                <a:effectLst/>
+                <a:ea typeface="Arial Unicode MS"/>
+                <a:cs typeface="Arial Unicode MS"/>
+              </a:rPr>
+              <a:t>y&lt;ƒ(x)</a:t>
+            </a:r>
+            <a:endParaRPr lang="ru-RU" sz="2000" b="1" kern="100" dirty="0">
+              <a:effectLst/>
+              <a:ea typeface="Arial Unicode MS"/>
+              <a:cs typeface="Arial Unicode MS"/>
+            </a:endParaRPr>
+          </a:p>
+        </p:txBody>
+      </p:sp>
+      <p:sp>
+        <p:nvSpPr>
+          <p:cNvPr id="4" name="TextBox 3">
+            <a:extLst>
+              <a:ext uri="{FF2B5EF4-FFF2-40B4-BE49-F238E27FC236}">
+                <a16:creationId xmlns:a16="http://schemas.microsoft.com/office/drawing/2014/main" id="{53B6FB69-B87B-44C1-9EE5-BDF671F3F3AE}"/>
+              </a:ext>
+            </a:extLst>
+          </p:cNvPr>
+          <p:cNvSpPr txBox="1"/>
+          <p:nvPr/>
+        </p:nvSpPr>
+        <p:spPr>
+          <a:xfrm>
+            <a:off x="7261518" y="3834943"/>
+            <a:ext cx="2060179" cy="1477328"/>
+          </a:xfrm>
+          <a:prstGeom prst="rect">
+            <a:avLst/>
+          </a:prstGeom>
+          <a:noFill/>
+        </p:spPr>
+        <p:txBody>
+          <a:bodyPr wrap="none" rtlCol="0">
+            <a:spAutoFit/>
+          </a:bodyPr>
+          <a:lstStyle/>
+          <a:p>
+            <a:r>
+              <a:rPr lang="en-US" dirty="0"/>
+              <a:t>1      </a:t>
+            </a:r>
+            <a:r>
+              <a:rPr lang="ru-RU" sz="1800" dirty="0">
+                <a:solidFill>
+                  <a:srgbClr val="000000"/>
+                </a:solidFill>
+                <a:effectLst/>
+                <a:latin typeface="Times New Roman" panose="02020603050405020304" pitchFamily="18" charset="0"/>
+                <a:ea typeface="Arial Unicode MS"/>
+                <a:cs typeface="Arial Unicode MS"/>
+              </a:rPr>
+              <a:t>y &lt; x</a:t>
+            </a:r>
+            <a:endParaRPr lang="en-US" sz="1800" dirty="0">
+              <a:solidFill>
+                <a:srgbClr val="000000"/>
+              </a:solidFill>
+              <a:effectLst/>
+              <a:latin typeface="Times New Roman" panose="02020603050405020304" pitchFamily="18" charset="0"/>
+              <a:ea typeface="Arial Unicode MS"/>
+              <a:cs typeface="Arial Unicode MS"/>
+            </a:endParaRPr>
+          </a:p>
+          <a:p>
+            <a:endParaRPr lang="en-US" dirty="0">
+              <a:solidFill>
+                <a:srgbClr val="000000"/>
+              </a:solidFill>
+              <a:latin typeface="Times New Roman" panose="02020603050405020304" pitchFamily="18" charset="0"/>
+            </a:endParaRPr>
+          </a:p>
+          <a:p>
+            <a:pPr marL="342900" indent="-342900">
+              <a:buAutoNum type="arabicPlain" startAt="2"/>
+            </a:pPr>
+            <a:r>
+              <a:rPr lang="ru-RU" sz="1800" dirty="0">
+                <a:solidFill>
+                  <a:srgbClr val="000000"/>
+                </a:solidFill>
+                <a:effectLst/>
+                <a:latin typeface="Times New Roman" panose="02020603050405020304" pitchFamily="18" charset="0"/>
+                <a:ea typeface="Arial Unicode MS"/>
+                <a:cs typeface="Arial Unicode MS"/>
+              </a:rPr>
+              <a:t>x * x + y * y &gt; 4</a:t>
+            </a:r>
+            <a:endParaRPr lang="en-US" sz="1800" dirty="0">
+              <a:solidFill>
+                <a:srgbClr val="000000"/>
+              </a:solidFill>
+              <a:effectLst/>
+              <a:latin typeface="Times New Roman" panose="02020603050405020304" pitchFamily="18" charset="0"/>
+              <a:ea typeface="Arial Unicode MS"/>
+              <a:cs typeface="Arial Unicode MS"/>
+            </a:endParaRPr>
+          </a:p>
+          <a:p>
+            <a:pPr marL="342900" indent="-342900">
+              <a:buAutoNum type="arabicPlain" startAt="2"/>
+            </a:pPr>
+            <a:endParaRPr lang="en-US" dirty="0">
+              <a:solidFill>
+                <a:srgbClr val="000000"/>
+              </a:solidFill>
+              <a:latin typeface="Times New Roman" panose="02020603050405020304" pitchFamily="18" charset="0"/>
+            </a:endParaRPr>
+          </a:p>
+          <a:p>
+            <a:r>
+              <a:rPr lang="en-US" dirty="0">
+                <a:solidFill>
+                  <a:srgbClr val="000000"/>
+                </a:solidFill>
+                <a:latin typeface="Times New Roman" panose="02020603050405020304" pitchFamily="18" charset="0"/>
+              </a:rPr>
+              <a:t>3     y &gt; 0</a:t>
+            </a:r>
+            <a:endParaRPr lang="ru-RU" dirty="0"/>
+          </a:p>
+        </p:txBody>
+      </p:sp>
+      <p:sp>
+        <p:nvSpPr>
+          <p:cNvPr id="11" name="TextBox 10">
+            <a:extLst>
+              <a:ext uri="{FF2B5EF4-FFF2-40B4-BE49-F238E27FC236}">
+                <a16:creationId xmlns:a16="http://schemas.microsoft.com/office/drawing/2014/main" id="{3877438D-FCCC-4954-B3C0-633E055FA090}"/>
+              </a:ext>
+            </a:extLst>
+          </p:cNvPr>
+          <p:cNvSpPr txBox="1"/>
+          <p:nvPr/>
+        </p:nvSpPr>
+        <p:spPr>
+          <a:xfrm>
+            <a:off x="5985874" y="5797237"/>
+            <a:ext cx="6096000" cy="400110"/>
+          </a:xfrm>
+          <a:prstGeom prst="rect">
+            <a:avLst/>
+          </a:prstGeom>
+          <a:noFill/>
+        </p:spPr>
+        <p:txBody>
+          <a:bodyPr wrap="square">
+            <a:spAutoFit/>
+          </a:bodyPr>
+          <a:lstStyle/>
+          <a:p>
+            <a:r>
+              <a:rPr lang="ru-RU" sz="2000" b="1" dirty="0">
+                <a:solidFill>
+                  <a:schemeClr val="accent1">
+                    <a:lumMod val="75000"/>
+                  </a:schemeClr>
+                </a:solidFill>
+                <a:effectLst/>
+                <a:latin typeface="Times New Roman" panose="02020603050405020304" pitchFamily="18" charset="0"/>
+                <a:ea typeface="Arial Unicode MS"/>
+                <a:cs typeface="Arial Unicode MS"/>
+              </a:rPr>
+              <a:t>x &lt; 2 &amp;&amp; y &lt; x &amp;&amp; x * x + y * y &gt; 4 &amp;&amp; y &gt; 0 </a:t>
+            </a:r>
+            <a:endParaRPr lang="ru-RU" sz="2000" b="1" dirty="0">
+              <a:solidFill>
+                <a:schemeClr val="accent1">
+                  <a:lumMod val="75000"/>
+                </a:schemeClr>
+              </a:solidFill>
+            </a:endParaRPr>
+          </a:p>
+        </p:txBody>
+      </p:sp>
+    </p:spTree>
+    <p:extLst>
+      <p:ext uri="{BB962C8B-B14F-4D97-AF65-F5344CB8AC3E}">
+        <p14:creationId xmlns:p14="http://schemas.microsoft.com/office/powerpoint/2010/main" val="2030086639"/>
+      </p:ext>
+    </p:extLst>
+  </p:cSld>
+  <p:clrMapOvr>
+    <a:masterClrMapping/>
+  </p:clrMapOvr>
+</p:sld>
+</file>
+
+<file path=ppt/slides/slide27.xml><?xml version="1.0" encoding="utf-8"?>
+<p:sld xmlns:a="http://schemas.openxmlformats.org/drawingml/2006/main" xmlns:r="http://schemas.openxmlformats.org/officeDocument/2006/relationships" xmlns:p="http://schemas.openxmlformats.org/presentationml/2006/main">
+  <p:cSld>
+    <p:spTree>
+      <p:nvGrpSpPr>
+        <p:cNvPr id="1" name=""/>
+        <p:cNvGrpSpPr/>
+        <p:nvPr/>
+      </p:nvGrpSpPr>
+      <p:grpSpPr>
+        <a:xfrm>
+          <a:off x="0" y="0"/>
+          <a:ext cx="0" cy="0"/>
+          <a:chOff x="0" y="0"/>
+          <a:chExt cx="0" cy="0"/>
+        </a:xfrm>
+      </p:grpSpPr>
+      <p:sp>
+        <p:nvSpPr>
+          <p:cNvPr id="125" name="CustomShape 1"/>
+          <p:cNvSpPr/>
+          <p:nvPr/>
+        </p:nvSpPr>
+        <p:spPr>
+          <a:xfrm>
+            <a:off x="2152560" y="297720"/>
+            <a:ext cx="7882200" cy="758520"/>
+          </a:xfrm>
+          <a:prstGeom prst="rect">
+            <a:avLst/>
+          </a:prstGeom>
+          <a:noFill/>
+          <a:ln>
+            <a:noFill/>
+          </a:ln>
+        </p:spPr>
+        <p:style>
+          <a:lnRef idx="0">
+            <a:scrgbClr r="0" g="0" b="0"/>
+          </a:lnRef>
+          <a:fillRef idx="0">
+            <a:scrgbClr r="0" g="0" b="0"/>
+          </a:fillRef>
+          <a:effectRef idx="0">
+            <a:scrgbClr r="0" g="0" b="0"/>
+          </a:effectRef>
+          <a:fontRef idx="minor"/>
+        </p:style>
+        <p:txBody>
+          <a:bodyPr lIns="90000" tIns="45000" rIns="90000" bIns="45000" anchor="ctr">
+            <a:normAutofit/>
+          </a:bodyPr>
+          <a:lstStyle/>
+          <a:p>
+            <a:pPr algn="ctr">
+              <a:lnSpc>
+                <a:spcPct val="90000"/>
+              </a:lnSpc>
+            </a:pPr>
+            <a:r>
+              <a:rPr lang="ru-RU" sz="4000" b="1" spc="-1">
+                <a:solidFill>
+                  <a:srgbClr val="203864"/>
+                </a:solidFill>
+                <a:latin typeface="Calibri"/>
+                <a:ea typeface="DejaVu Sans"/>
+              </a:rPr>
+              <a:t>Условия в программировании</a:t>
+            </a:r>
+            <a:endParaRPr lang="ru-RU" sz="4000" spc="-1">
+              <a:latin typeface="Arial"/>
+            </a:endParaRPr>
+          </a:p>
+        </p:txBody>
+      </p:sp>
+      <p:sp>
+        <p:nvSpPr>
+          <p:cNvPr id="9" name="TextBox 8">
+            <a:extLst>
+              <a:ext uri="{FF2B5EF4-FFF2-40B4-BE49-F238E27FC236}">
+                <a16:creationId xmlns:a16="http://schemas.microsoft.com/office/drawing/2014/main" id="{A20A08EF-5026-40DD-A5C3-CFC4097648E0}"/>
+              </a:ext>
+            </a:extLst>
+          </p:cNvPr>
+          <p:cNvSpPr txBox="1"/>
+          <p:nvPr/>
+        </p:nvSpPr>
+        <p:spPr>
+          <a:xfrm>
+            <a:off x="914400" y="2003811"/>
+            <a:ext cx="10566399" cy="3727111"/>
+          </a:xfrm>
+          <a:prstGeom prst="rect">
+            <a:avLst/>
+          </a:prstGeom>
+          <a:noFill/>
+        </p:spPr>
+        <p:txBody>
+          <a:bodyPr wrap="square">
+            <a:spAutoFit/>
+          </a:bodyPr>
+          <a:lstStyle/>
+          <a:p>
+            <a:pPr hangingPunct="0">
+              <a:lnSpc>
+                <a:spcPct val="150000"/>
+              </a:lnSpc>
+              <a:spcAft>
+                <a:spcPts val="700"/>
+              </a:spcAft>
+            </a:pPr>
+            <a:r>
+              <a:rPr lang="en-US" sz="2000" kern="100" dirty="0">
+                <a:solidFill>
+                  <a:srgbClr val="000000"/>
+                </a:solidFill>
+                <a:effectLst/>
+                <a:ea typeface="Arial Unicode MS"/>
+                <a:cs typeface="Arial Unicode MS"/>
+              </a:rPr>
+              <a:t>public static void main(String[] </a:t>
+            </a:r>
+            <a:r>
+              <a:rPr lang="en-US" sz="2000" kern="100" dirty="0" err="1">
+                <a:solidFill>
+                  <a:srgbClr val="000000"/>
+                </a:solidFill>
+                <a:effectLst/>
+                <a:ea typeface="Arial Unicode MS"/>
+                <a:cs typeface="Arial Unicode MS"/>
+              </a:rPr>
+              <a:t>args</a:t>
+            </a:r>
+            <a:r>
+              <a:rPr lang="en-US" sz="2000" kern="100" dirty="0">
+                <a:solidFill>
+                  <a:srgbClr val="000000"/>
+                </a:solidFill>
+                <a:effectLst/>
+                <a:ea typeface="Arial Unicode MS"/>
+                <a:cs typeface="Arial Unicode MS"/>
+              </a:rPr>
+              <a:t>) {</a:t>
+            </a:r>
+            <a:br>
+              <a:rPr lang="en-US" sz="2000" kern="100" dirty="0">
+                <a:solidFill>
+                  <a:srgbClr val="000000"/>
+                </a:solidFill>
+                <a:effectLst/>
+                <a:ea typeface="Arial Unicode MS"/>
+                <a:cs typeface="Arial Unicode MS"/>
+              </a:rPr>
+            </a:br>
+            <a:r>
+              <a:rPr lang="en-US" sz="2000" kern="100" dirty="0">
+                <a:solidFill>
+                  <a:srgbClr val="000000"/>
+                </a:solidFill>
+                <a:effectLst/>
+                <a:ea typeface="Arial Unicode MS"/>
+                <a:cs typeface="Arial Unicode MS"/>
+              </a:rPr>
+              <a:t>  Scanner </a:t>
+            </a:r>
+            <a:r>
+              <a:rPr lang="en-US" sz="2000" kern="100" dirty="0" err="1">
+                <a:solidFill>
+                  <a:srgbClr val="000000"/>
+                </a:solidFill>
+                <a:effectLst/>
+                <a:ea typeface="Arial Unicode MS"/>
+                <a:cs typeface="Arial Unicode MS"/>
+              </a:rPr>
+              <a:t>sc</a:t>
+            </a:r>
+            <a:r>
+              <a:rPr lang="en-US" sz="2000" kern="100" dirty="0">
+                <a:solidFill>
+                  <a:srgbClr val="000000"/>
+                </a:solidFill>
+                <a:effectLst/>
+                <a:ea typeface="Arial Unicode MS"/>
+                <a:cs typeface="Arial Unicode MS"/>
+              </a:rPr>
+              <a:t> = new Scanner(System.in);</a:t>
+            </a:r>
+            <a:br>
+              <a:rPr lang="en-US" sz="2000" kern="100" dirty="0">
+                <a:solidFill>
+                  <a:srgbClr val="000000"/>
+                </a:solidFill>
+                <a:effectLst/>
+                <a:ea typeface="Arial Unicode MS"/>
+                <a:cs typeface="Arial Unicode MS"/>
+              </a:rPr>
+            </a:br>
+            <a:r>
+              <a:rPr lang="en-US" sz="2000" kern="100" dirty="0">
+                <a:solidFill>
+                  <a:srgbClr val="000000"/>
+                </a:solidFill>
+                <a:effectLst/>
+                <a:ea typeface="Arial Unicode MS"/>
+                <a:cs typeface="Arial Unicode MS"/>
+              </a:rPr>
+              <a:t>  </a:t>
+            </a:r>
+            <a:r>
+              <a:rPr lang="en-US" sz="2000" kern="100" dirty="0" err="1">
+                <a:solidFill>
+                  <a:srgbClr val="C00000"/>
+                </a:solidFill>
+                <a:effectLst/>
+                <a:ea typeface="Arial Unicode MS"/>
+                <a:cs typeface="Arial Unicode MS"/>
+              </a:rPr>
+              <a:t>sc.useLocale</a:t>
+            </a:r>
+            <a:r>
+              <a:rPr lang="en-US" sz="2000" kern="100" dirty="0">
+                <a:solidFill>
+                  <a:srgbClr val="C00000"/>
+                </a:solidFill>
+                <a:effectLst/>
+                <a:ea typeface="Arial Unicode MS"/>
+                <a:cs typeface="Arial Unicode MS"/>
+              </a:rPr>
+              <a:t>(Locale.US);</a:t>
+            </a:r>
+            <a:br>
+              <a:rPr lang="en-US" sz="2000" kern="100" dirty="0">
+                <a:solidFill>
+                  <a:srgbClr val="000000"/>
+                </a:solidFill>
+                <a:effectLst/>
+                <a:ea typeface="Arial Unicode MS"/>
+                <a:cs typeface="Arial Unicode MS"/>
+              </a:rPr>
+            </a:br>
+            <a:r>
+              <a:rPr lang="en-US" sz="2000" kern="100" dirty="0">
+                <a:solidFill>
+                  <a:srgbClr val="000000"/>
+                </a:solidFill>
+                <a:effectLst/>
+                <a:ea typeface="Arial Unicode MS"/>
+                <a:cs typeface="Arial Unicode MS"/>
+              </a:rPr>
+              <a:t>  double x = </a:t>
+            </a:r>
+            <a:r>
+              <a:rPr lang="en-US" sz="2000" kern="100" dirty="0" err="1">
+                <a:solidFill>
+                  <a:srgbClr val="000000"/>
+                </a:solidFill>
+                <a:effectLst/>
+                <a:ea typeface="Arial Unicode MS"/>
+                <a:cs typeface="Arial Unicode MS"/>
+              </a:rPr>
+              <a:t>sc.nextDouble</a:t>
+            </a:r>
+            <a:r>
+              <a:rPr lang="en-US" sz="2000" kern="100" dirty="0">
+                <a:solidFill>
+                  <a:srgbClr val="000000"/>
+                </a:solidFill>
+                <a:effectLst/>
+                <a:ea typeface="Arial Unicode MS"/>
+                <a:cs typeface="Arial Unicode MS"/>
+              </a:rPr>
+              <a:t>();</a:t>
+            </a:r>
+            <a:br>
+              <a:rPr lang="en-US" sz="2000" kern="100" dirty="0">
+                <a:solidFill>
+                  <a:srgbClr val="000000"/>
+                </a:solidFill>
+                <a:effectLst/>
+                <a:ea typeface="Arial Unicode MS"/>
+                <a:cs typeface="Arial Unicode MS"/>
+              </a:rPr>
+            </a:br>
+            <a:r>
+              <a:rPr lang="en-US" sz="2000" kern="100" dirty="0">
+                <a:solidFill>
+                  <a:srgbClr val="000000"/>
+                </a:solidFill>
+                <a:effectLst/>
+                <a:ea typeface="Arial Unicode MS"/>
+                <a:cs typeface="Arial Unicode MS"/>
+              </a:rPr>
+              <a:t>  double y = </a:t>
+            </a:r>
+            <a:r>
+              <a:rPr lang="en-US" sz="2000" kern="100" dirty="0" err="1">
+                <a:solidFill>
+                  <a:srgbClr val="000000"/>
+                </a:solidFill>
+                <a:effectLst/>
+                <a:ea typeface="Arial Unicode MS"/>
+                <a:cs typeface="Arial Unicode MS"/>
+              </a:rPr>
+              <a:t>sc.nextDouble</a:t>
+            </a:r>
+            <a:r>
+              <a:rPr lang="en-US" sz="2000" kern="100" dirty="0">
+                <a:solidFill>
+                  <a:srgbClr val="000000"/>
+                </a:solidFill>
+                <a:effectLst/>
+                <a:ea typeface="Arial Unicode MS"/>
+                <a:cs typeface="Arial Unicode MS"/>
+              </a:rPr>
+              <a:t>();</a:t>
+            </a:r>
+            <a:br>
+              <a:rPr lang="en-US" sz="2000" kern="100" dirty="0">
+                <a:solidFill>
+                  <a:srgbClr val="000000"/>
+                </a:solidFill>
+                <a:effectLst/>
+                <a:ea typeface="Arial Unicode MS"/>
+                <a:cs typeface="Arial Unicode MS"/>
+              </a:rPr>
+            </a:br>
+            <a:r>
+              <a:rPr lang="en-US" sz="2000" kern="100" dirty="0">
+                <a:solidFill>
+                  <a:srgbClr val="000000"/>
+                </a:solidFill>
+                <a:effectLst/>
+                <a:ea typeface="Arial Unicode MS"/>
+                <a:cs typeface="Arial Unicode MS"/>
+              </a:rPr>
+              <a:t>  </a:t>
+            </a:r>
+            <a:r>
+              <a:rPr lang="en-US" sz="2000" kern="100" dirty="0" err="1">
+                <a:solidFill>
+                  <a:srgbClr val="000000"/>
+                </a:solidFill>
+                <a:effectLst/>
+                <a:ea typeface="Arial Unicode MS"/>
+                <a:cs typeface="Arial Unicode MS"/>
+              </a:rPr>
+              <a:t>System.out.println</a:t>
+            </a:r>
+            <a:r>
+              <a:rPr lang="en-US" sz="2000" kern="100" dirty="0">
+                <a:solidFill>
+                  <a:srgbClr val="000000"/>
+                </a:solidFill>
+                <a:effectLst/>
+                <a:ea typeface="Arial Unicode MS"/>
+                <a:cs typeface="Arial Unicode MS"/>
+              </a:rPr>
+              <a:t>( x &lt; 2 &amp;&amp; y &lt; x &amp;&amp; x * x + y * y &gt; 4 &amp;&amp; y &gt; 0 ) ? </a:t>
+            </a:r>
+            <a:r>
+              <a:rPr lang="ru-RU" sz="2000" kern="100" dirty="0">
+                <a:solidFill>
+                  <a:srgbClr val="000000"/>
+                </a:solidFill>
+                <a:effectLst/>
+                <a:ea typeface="Arial Unicode MS"/>
+                <a:cs typeface="Arial Unicode MS"/>
+              </a:rPr>
+              <a:t>"YES" : "NO");</a:t>
+            </a:r>
+            <a:br>
+              <a:rPr lang="ru-RU" sz="2000" kern="100" dirty="0">
+                <a:solidFill>
+                  <a:srgbClr val="000000"/>
+                </a:solidFill>
+                <a:effectLst/>
+                <a:ea typeface="Arial Unicode MS"/>
+                <a:cs typeface="Arial Unicode MS"/>
+              </a:rPr>
+            </a:br>
+            <a:r>
+              <a:rPr lang="ru-RU" sz="2000" kern="100" dirty="0">
+                <a:solidFill>
+                  <a:srgbClr val="000000"/>
+                </a:solidFill>
+                <a:effectLst/>
+                <a:ea typeface="Arial Unicode MS"/>
+                <a:cs typeface="Arial Unicode MS"/>
+              </a:rPr>
+              <a:t>}</a:t>
+            </a:r>
+            <a:br>
+              <a:rPr lang="ru-RU" sz="2000" kern="100" dirty="0">
+                <a:solidFill>
+                  <a:srgbClr val="000000"/>
+                </a:solidFill>
+                <a:effectLst/>
+                <a:ea typeface="Arial Unicode MS"/>
+                <a:cs typeface="Arial Unicode MS"/>
+              </a:rPr>
+            </a:br>
+            <a:endParaRPr lang="ru-RU" sz="2000" kern="100" dirty="0">
+              <a:effectLst/>
+              <a:ea typeface="Arial Unicode MS"/>
+              <a:cs typeface="Arial Unicode MS"/>
+            </a:endParaRPr>
+          </a:p>
+        </p:txBody>
+      </p:sp>
+    </p:spTree>
+    <p:extLst>
+      <p:ext uri="{BB962C8B-B14F-4D97-AF65-F5344CB8AC3E}">
+        <p14:creationId xmlns:p14="http://schemas.microsoft.com/office/powerpoint/2010/main" val="2056205217"/>
+      </p:ext>
+    </p:extLst>
+  </p:cSld>
+  <p:clrMapOvr>
+    <a:masterClrMapping/>
+  </p:clrMapOvr>
+</p:sld>
+</file>
+
+<file path=ppt/slides/slide28.xml><?xml version="1.0" encoding="utf-8"?>
+<p:sld xmlns:a="http://schemas.openxmlformats.org/drawingml/2006/main" xmlns:r="http://schemas.openxmlformats.org/officeDocument/2006/relationships" xmlns:p="http://schemas.openxmlformats.org/presentationml/2006/main">
+  <p:cSld>
+    <p:spTree>
+      <p:nvGrpSpPr>
+        <p:cNvPr id="1" name=""/>
+        <p:cNvGrpSpPr/>
+        <p:nvPr/>
+      </p:nvGrpSpPr>
+      <p:grpSpPr>
+        <a:xfrm>
+          <a:off x="0" y="0"/>
+          <a:ext cx="0" cy="0"/>
+          <a:chOff x="0" y="0"/>
+          <a:chExt cx="0" cy="0"/>
+        </a:xfrm>
+      </p:grpSpPr>
+      <p:sp>
+        <p:nvSpPr>
+          <p:cNvPr id="125" name="CustomShape 1"/>
+          <p:cNvSpPr/>
+          <p:nvPr/>
+        </p:nvSpPr>
+        <p:spPr>
+          <a:xfrm>
+            <a:off x="2152560" y="297720"/>
+            <a:ext cx="7882200" cy="758520"/>
+          </a:xfrm>
+          <a:prstGeom prst="rect">
+            <a:avLst/>
+          </a:prstGeom>
+          <a:noFill/>
+          <a:ln>
+            <a:noFill/>
+          </a:ln>
+        </p:spPr>
+        <p:style>
+          <a:lnRef idx="0">
+            <a:scrgbClr r="0" g="0" b="0"/>
+          </a:lnRef>
+          <a:fillRef idx="0">
+            <a:scrgbClr r="0" g="0" b="0"/>
+          </a:fillRef>
+          <a:effectRef idx="0">
+            <a:scrgbClr r="0" g="0" b="0"/>
+          </a:effectRef>
+          <a:fontRef idx="minor"/>
+        </p:style>
+        <p:txBody>
+          <a:bodyPr lIns="90000" tIns="45000" rIns="90000" bIns="45000" anchor="ctr">
+            <a:normAutofit/>
+          </a:bodyPr>
+          <a:lstStyle/>
+          <a:p>
+            <a:pPr algn="ctr">
+              <a:lnSpc>
+                <a:spcPct val="90000"/>
+              </a:lnSpc>
+            </a:pPr>
+            <a:r>
+              <a:rPr lang="ru-RU" sz="4000" b="1" spc="-1">
+                <a:solidFill>
+                  <a:srgbClr val="203864"/>
+                </a:solidFill>
+                <a:latin typeface="Calibri"/>
+                <a:ea typeface="DejaVu Sans"/>
+              </a:rPr>
+              <a:t>Условия в программировании</a:t>
+            </a:r>
+            <a:endParaRPr lang="ru-RU" sz="4000" spc="-1">
+              <a:latin typeface="Arial"/>
+            </a:endParaRPr>
+          </a:p>
+        </p:txBody>
+      </p:sp>
+      <p:sp>
+        <p:nvSpPr>
+          <p:cNvPr id="8" name="TextBox 7">
+            <a:extLst>
+              <a:ext uri="{FF2B5EF4-FFF2-40B4-BE49-F238E27FC236}">
+                <a16:creationId xmlns:a16="http://schemas.microsoft.com/office/drawing/2014/main" id="{CD542099-83A3-4531-83FF-C2D3F7A2CE0A}"/>
+              </a:ext>
+            </a:extLst>
+          </p:cNvPr>
+          <p:cNvSpPr txBox="1"/>
+          <p:nvPr/>
+        </p:nvSpPr>
+        <p:spPr>
+          <a:xfrm>
+            <a:off x="1221962" y="4978727"/>
+            <a:ext cx="8655816" cy="858377"/>
+          </a:xfrm>
+          <a:prstGeom prst="rect">
+            <a:avLst/>
+          </a:prstGeom>
+          <a:noFill/>
+        </p:spPr>
+        <p:txBody>
+          <a:bodyPr wrap="square">
+            <a:spAutoFit/>
+          </a:bodyPr>
+          <a:lstStyle/>
+          <a:p>
+            <a:pPr hangingPunct="0">
+              <a:lnSpc>
+                <a:spcPct val="115000"/>
+              </a:lnSpc>
+              <a:spcAft>
+                <a:spcPts val="700"/>
+              </a:spcAft>
+            </a:pPr>
+            <a:r>
+              <a:rPr lang="ru-RU" sz="2000" dirty="0">
+                <a:solidFill>
+                  <a:srgbClr val="C00000"/>
+                </a:solidFill>
+                <a:effectLst/>
+                <a:ea typeface="Arial Unicode MS"/>
+                <a:cs typeface="Arial Unicode MS"/>
+              </a:rPr>
+              <a:t>Условие для области А:  </a:t>
+            </a:r>
+            <a:r>
+              <a:rPr lang="ru-RU" sz="2000" dirty="0">
+                <a:solidFill>
+                  <a:schemeClr val="accent4">
+                    <a:lumMod val="50000"/>
+                  </a:schemeClr>
+                </a:solidFill>
+                <a:effectLst/>
+                <a:ea typeface="Arial Unicode MS"/>
+                <a:cs typeface="Arial Unicode MS"/>
+              </a:rPr>
+              <a:t>y &lt; 2 — x * x &amp;&amp; y &gt; x &amp;&amp; x &lt; 0</a:t>
+            </a:r>
+            <a:endParaRPr lang="en-US" sz="2000" dirty="0">
+              <a:solidFill>
+                <a:schemeClr val="accent4">
+                  <a:lumMod val="50000"/>
+                </a:schemeClr>
+              </a:solidFill>
+              <a:effectLst/>
+              <a:ea typeface="Arial Unicode MS"/>
+              <a:cs typeface="Arial Unicode MS"/>
+            </a:endParaRPr>
+          </a:p>
+          <a:p>
+            <a:pPr hangingPunct="0">
+              <a:lnSpc>
+                <a:spcPct val="115000"/>
+              </a:lnSpc>
+              <a:spcAft>
+                <a:spcPts val="700"/>
+              </a:spcAft>
+            </a:pPr>
+            <a:r>
+              <a:rPr lang="ru-RU" sz="2000" dirty="0">
+                <a:solidFill>
+                  <a:srgbClr val="C00000"/>
+                </a:solidFill>
+                <a:effectLst/>
+                <a:ea typeface="Arial Unicode MS"/>
+                <a:cs typeface="Arial Unicode MS"/>
+              </a:rPr>
+              <a:t>Условие для области В:   </a:t>
+            </a:r>
+            <a:r>
+              <a:rPr lang="ru-RU" sz="2000" dirty="0">
+                <a:solidFill>
+                  <a:schemeClr val="accent4">
+                    <a:lumMod val="50000"/>
+                  </a:schemeClr>
+                </a:solidFill>
+                <a:effectLst/>
+                <a:ea typeface="Arial Unicode MS"/>
+                <a:cs typeface="Arial Unicode MS"/>
+              </a:rPr>
+              <a:t>y &lt; 2 — x * x &amp;&amp; y &gt; 0 &amp;&amp; x &gt;= 0</a:t>
+            </a:r>
+            <a:endParaRPr lang="en-US" sz="2000" dirty="0">
+              <a:solidFill>
+                <a:schemeClr val="accent4">
+                  <a:lumMod val="50000"/>
+                </a:schemeClr>
+              </a:solidFill>
+              <a:effectLst/>
+              <a:ea typeface="Arial Unicode MS"/>
+              <a:cs typeface="Arial Unicode MS"/>
+            </a:endParaRPr>
+          </a:p>
+        </p:txBody>
+      </p:sp>
+      <p:pic>
+        <p:nvPicPr>
+          <p:cNvPr id="9" name="Изображение2">
+            <a:extLst>
+              <a:ext uri="{FF2B5EF4-FFF2-40B4-BE49-F238E27FC236}">
+                <a16:creationId xmlns:a16="http://schemas.microsoft.com/office/drawing/2014/main" id="{4C971178-03D7-46E8-B5BB-7D40EFD130CD}"/>
+              </a:ext>
+            </a:extLst>
+          </p:cNvPr>
+          <p:cNvPicPr/>
+          <p:nvPr/>
+        </p:nvPicPr>
+        <p:blipFill>
+          <a:blip r:embed="rId2"/>
+          <a:stretch>
+            <a:fillRect/>
+          </a:stretch>
+        </p:blipFill>
+        <p:spPr bwMode="auto">
+          <a:xfrm>
+            <a:off x="774333" y="1311134"/>
+            <a:ext cx="4158411" cy="3218940"/>
+          </a:xfrm>
+          <a:prstGeom prst="rect">
+            <a:avLst/>
+          </a:prstGeom>
+        </p:spPr>
+      </p:pic>
+      <p:pic>
+        <p:nvPicPr>
+          <p:cNvPr id="10" name="Изображение3">
+            <a:extLst>
+              <a:ext uri="{FF2B5EF4-FFF2-40B4-BE49-F238E27FC236}">
+                <a16:creationId xmlns:a16="http://schemas.microsoft.com/office/drawing/2014/main" id="{A960F6F3-A600-4665-8B2F-6534F7AEE27E}"/>
+              </a:ext>
+            </a:extLst>
+          </p:cNvPr>
+          <p:cNvPicPr/>
+          <p:nvPr/>
+        </p:nvPicPr>
+        <p:blipFill>
+          <a:blip r:embed="rId3"/>
+          <a:stretch>
+            <a:fillRect/>
+          </a:stretch>
+        </p:blipFill>
+        <p:spPr bwMode="auto">
+          <a:xfrm>
+            <a:off x="5026529" y="1220682"/>
+            <a:ext cx="4311932" cy="3309392"/>
+          </a:xfrm>
+          <a:prstGeom prst="rect">
+            <a:avLst/>
+          </a:prstGeom>
+        </p:spPr>
+      </p:pic>
+    </p:spTree>
+    <p:extLst>
+      <p:ext uri="{BB962C8B-B14F-4D97-AF65-F5344CB8AC3E}">
+        <p14:creationId xmlns:p14="http://schemas.microsoft.com/office/powerpoint/2010/main" val="1583899266"/>
+      </p:ext>
+    </p:extLst>
+  </p:cSld>
+  <p:clrMapOvr>
+    <a:masterClrMapping/>
+  </p:clrMapOvr>
+</p:sld>
+</file>
+
+<file path=ppt/slides/slide29.xml><?xml version="1.0" encoding="utf-8"?>
+<p:sld xmlns:a="http://schemas.openxmlformats.org/drawingml/2006/main" xmlns:r="http://schemas.openxmlformats.org/officeDocument/2006/relationships" xmlns:p="http://schemas.openxmlformats.org/presentationml/2006/main">
+  <p:cSld>
+    <p:spTree>
+      <p:nvGrpSpPr>
+        <p:cNvPr id="1" name=""/>
+        <p:cNvGrpSpPr/>
+        <p:nvPr/>
+      </p:nvGrpSpPr>
+      <p:grpSpPr>
+        <a:xfrm>
+          <a:off x="0" y="0"/>
+          <a:ext cx="0" cy="0"/>
+          <a:chOff x="0" y="0"/>
+          <a:chExt cx="0" cy="0"/>
+        </a:xfrm>
+      </p:grpSpPr>
+      <p:sp>
+        <p:nvSpPr>
+          <p:cNvPr id="125" name="CustomShape 1"/>
+          <p:cNvSpPr/>
+          <p:nvPr/>
+        </p:nvSpPr>
+        <p:spPr>
+          <a:xfrm>
+            <a:off x="2152560" y="297720"/>
+            <a:ext cx="7882200" cy="758520"/>
+          </a:xfrm>
+          <a:prstGeom prst="rect">
+            <a:avLst/>
+          </a:prstGeom>
+          <a:noFill/>
+          <a:ln>
+            <a:noFill/>
+          </a:ln>
+        </p:spPr>
+        <p:style>
+          <a:lnRef idx="0">
+            <a:scrgbClr r="0" g="0" b="0"/>
+          </a:lnRef>
+          <a:fillRef idx="0">
+            <a:scrgbClr r="0" g="0" b="0"/>
+          </a:fillRef>
+          <a:effectRef idx="0">
+            <a:scrgbClr r="0" g="0" b="0"/>
+          </a:effectRef>
+          <a:fontRef idx="minor"/>
+        </p:style>
+        <p:txBody>
+          <a:bodyPr lIns="90000" tIns="45000" rIns="90000" bIns="45000" anchor="ctr">
+            <a:normAutofit/>
+          </a:bodyPr>
+          <a:lstStyle/>
+          <a:p>
+            <a:pPr algn="ctr">
+              <a:lnSpc>
+                <a:spcPct val="90000"/>
+              </a:lnSpc>
+            </a:pPr>
+            <a:r>
+              <a:rPr lang="ru-RU" sz="4000" b="1" spc="-1">
+                <a:solidFill>
+                  <a:srgbClr val="203864"/>
+                </a:solidFill>
+                <a:latin typeface="Calibri"/>
+                <a:ea typeface="DejaVu Sans"/>
+              </a:rPr>
+              <a:t>Условия в программировании</a:t>
+            </a:r>
+            <a:endParaRPr lang="ru-RU" sz="4000" spc="-1">
+              <a:latin typeface="Arial"/>
+            </a:endParaRPr>
+          </a:p>
+        </p:txBody>
+      </p:sp>
+      <p:sp>
+        <p:nvSpPr>
+          <p:cNvPr id="9" name="TextBox 8">
+            <a:extLst>
+              <a:ext uri="{FF2B5EF4-FFF2-40B4-BE49-F238E27FC236}">
+                <a16:creationId xmlns:a16="http://schemas.microsoft.com/office/drawing/2014/main" id="{A20A08EF-5026-40DD-A5C3-CFC4097648E0}"/>
+              </a:ext>
+            </a:extLst>
+          </p:cNvPr>
+          <p:cNvSpPr txBox="1"/>
+          <p:nvPr/>
+        </p:nvSpPr>
+        <p:spPr>
+          <a:xfrm>
+            <a:off x="914400" y="2003811"/>
+            <a:ext cx="10566399" cy="4278544"/>
+          </a:xfrm>
+          <a:prstGeom prst="rect">
+            <a:avLst/>
+          </a:prstGeom>
+          <a:noFill/>
+        </p:spPr>
+        <p:txBody>
+          <a:bodyPr wrap="square">
+            <a:spAutoFit/>
+          </a:bodyPr>
+          <a:lstStyle/>
+          <a:p>
+            <a:pPr hangingPunct="0">
+              <a:lnSpc>
+                <a:spcPct val="150000"/>
+              </a:lnSpc>
+              <a:spcAft>
+                <a:spcPts val="700"/>
+              </a:spcAft>
+            </a:pPr>
+            <a:r>
+              <a:rPr lang="en-US" sz="2000" kern="100" dirty="0">
+                <a:solidFill>
+                  <a:srgbClr val="000000"/>
+                </a:solidFill>
+                <a:effectLst/>
+                <a:highlight>
+                  <a:srgbClr val="FFFFFF"/>
+                </a:highlight>
+                <a:ea typeface="Arial Unicode MS"/>
+                <a:cs typeface="Arial Unicode MS"/>
+              </a:rPr>
+              <a:t>public static void main(String[] </a:t>
+            </a:r>
+            <a:r>
+              <a:rPr lang="en-US" sz="2000" kern="100" dirty="0" err="1">
+                <a:solidFill>
+                  <a:srgbClr val="000000"/>
+                </a:solidFill>
+                <a:effectLst/>
+                <a:highlight>
+                  <a:srgbClr val="FFFFFF"/>
+                </a:highlight>
+                <a:ea typeface="Arial Unicode MS"/>
+                <a:cs typeface="Arial Unicode MS"/>
+              </a:rPr>
+              <a:t>args</a:t>
+            </a:r>
+            <a:r>
+              <a:rPr lang="en-US" sz="2000" kern="100" dirty="0">
+                <a:solidFill>
+                  <a:srgbClr val="000000"/>
+                </a:solidFill>
+                <a:effectLst/>
+                <a:highlight>
+                  <a:srgbClr val="FFFFFF"/>
+                </a:highlight>
+                <a:ea typeface="Arial Unicode MS"/>
+                <a:cs typeface="Arial Unicode MS"/>
+              </a:rPr>
+              <a:t>) {</a:t>
+            </a:r>
+            <a:br>
+              <a:rPr lang="en-US" sz="2000" kern="100" dirty="0">
+                <a:solidFill>
+                  <a:srgbClr val="000000"/>
+                </a:solidFill>
+                <a:effectLst/>
+                <a:highlight>
+                  <a:srgbClr val="FFFFFF"/>
+                </a:highlight>
+                <a:ea typeface="Arial Unicode MS"/>
+                <a:cs typeface="Arial Unicode MS"/>
+              </a:rPr>
+            </a:br>
+            <a:r>
+              <a:rPr lang="en-US" sz="2000" kern="100" dirty="0">
+                <a:solidFill>
+                  <a:srgbClr val="000000"/>
+                </a:solidFill>
+                <a:effectLst/>
+                <a:highlight>
+                  <a:srgbClr val="FFFFFF"/>
+                </a:highlight>
+                <a:ea typeface="Arial Unicode MS"/>
+                <a:cs typeface="Arial Unicode MS"/>
+              </a:rPr>
+              <a:t>  Scanner </a:t>
+            </a:r>
+            <a:r>
+              <a:rPr lang="en-US" sz="2000" kern="100" dirty="0" err="1">
+                <a:solidFill>
+                  <a:srgbClr val="000000"/>
+                </a:solidFill>
+                <a:effectLst/>
+                <a:highlight>
+                  <a:srgbClr val="FFFFFF"/>
+                </a:highlight>
+                <a:ea typeface="Arial Unicode MS"/>
+                <a:cs typeface="Arial Unicode MS"/>
+              </a:rPr>
+              <a:t>sc</a:t>
+            </a:r>
+            <a:r>
+              <a:rPr lang="en-US" sz="2000" kern="100" dirty="0">
+                <a:solidFill>
+                  <a:srgbClr val="000000"/>
+                </a:solidFill>
+                <a:effectLst/>
+                <a:highlight>
+                  <a:srgbClr val="FFFFFF"/>
+                </a:highlight>
+                <a:ea typeface="Arial Unicode MS"/>
+                <a:cs typeface="Arial Unicode MS"/>
+              </a:rPr>
+              <a:t> = new Scanner(System.in);</a:t>
+            </a:r>
+            <a:br>
+              <a:rPr lang="en-US" sz="2000" kern="100" dirty="0">
+                <a:solidFill>
+                  <a:srgbClr val="000000"/>
+                </a:solidFill>
+                <a:effectLst/>
+                <a:highlight>
+                  <a:srgbClr val="FFFFFF"/>
+                </a:highlight>
+                <a:ea typeface="Arial Unicode MS"/>
+                <a:cs typeface="Arial Unicode MS"/>
+              </a:rPr>
+            </a:br>
+            <a:r>
+              <a:rPr lang="en-US" sz="2000" kern="100" dirty="0">
+                <a:solidFill>
+                  <a:srgbClr val="000000"/>
+                </a:solidFill>
+                <a:effectLst/>
+                <a:highlight>
+                  <a:srgbClr val="FFFFFF"/>
+                </a:highlight>
+                <a:ea typeface="Arial Unicode MS"/>
+                <a:cs typeface="Arial Unicode MS"/>
+              </a:rPr>
+              <a:t>  </a:t>
+            </a:r>
+            <a:r>
+              <a:rPr lang="en-US" sz="2000" kern="100" dirty="0" err="1">
+                <a:solidFill>
+                  <a:srgbClr val="000000"/>
+                </a:solidFill>
+                <a:effectLst/>
+                <a:highlight>
+                  <a:srgbClr val="FFFFFF"/>
+                </a:highlight>
+                <a:ea typeface="Arial Unicode MS"/>
+                <a:cs typeface="Arial Unicode MS"/>
+              </a:rPr>
+              <a:t>sc.useLocale</a:t>
+            </a:r>
+            <a:r>
+              <a:rPr lang="en-US" sz="2000" kern="100" dirty="0">
+                <a:solidFill>
+                  <a:srgbClr val="000000"/>
+                </a:solidFill>
+                <a:effectLst/>
+                <a:highlight>
+                  <a:srgbClr val="FFFFFF"/>
+                </a:highlight>
+                <a:ea typeface="Arial Unicode MS"/>
+                <a:cs typeface="Arial Unicode MS"/>
+              </a:rPr>
+              <a:t>(Locale.US);</a:t>
+            </a:r>
+            <a:br>
+              <a:rPr lang="en-US" sz="2000" kern="100" dirty="0">
+                <a:solidFill>
+                  <a:srgbClr val="000000"/>
+                </a:solidFill>
+                <a:effectLst/>
+                <a:highlight>
+                  <a:srgbClr val="FFFFFF"/>
+                </a:highlight>
+                <a:ea typeface="Arial Unicode MS"/>
+                <a:cs typeface="Arial Unicode MS"/>
+              </a:rPr>
+            </a:br>
+            <a:r>
+              <a:rPr lang="en-US" sz="2000" kern="100" dirty="0">
+                <a:solidFill>
+                  <a:srgbClr val="000000"/>
+                </a:solidFill>
+                <a:effectLst/>
+                <a:highlight>
+                  <a:srgbClr val="FFFFFF"/>
+                </a:highlight>
+                <a:ea typeface="Arial Unicode MS"/>
+                <a:cs typeface="Arial Unicode MS"/>
+              </a:rPr>
+              <a:t>  double x = </a:t>
+            </a:r>
+            <a:r>
+              <a:rPr lang="en-US" sz="2000" kern="100" dirty="0" err="1">
+                <a:solidFill>
+                  <a:srgbClr val="000000"/>
+                </a:solidFill>
+                <a:effectLst/>
+                <a:highlight>
+                  <a:srgbClr val="FFFFFF"/>
+                </a:highlight>
+                <a:ea typeface="Arial Unicode MS"/>
+                <a:cs typeface="Arial Unicode MS"/>
+              </a:rPr>
+              <a:t>sc.nextDouble</a:t>
+            </a:r>
+            <a:r>
+              <a:rPr lang="en-US" sz="2000" kern="100" dirty="0">
+                <a:solidFill>
+                  <a:srgbClr val="000000"/>
+                </a:solidFill>
+                <a:effectLst/>
+                <a:highlight>
+                  <a:srgbClr val="FFFFFF"/>
+                </a:highlight>
+                <a:ea typeface="Arial Unicode MS"/>
+                <a:cs typeface="Arial Unicode MS"/>
+              </a:rPr>
+              <a:t>();</a:t>
+            </a:r>
+            <a:br>
+              <a:rPr lang="en-US" sz="2000" kern="100" dirty="0">
+                <a:solidFill>
+                  <a:srgbClr val="000000"/>
+                </a:solidFill>
+                <a:effectLst/>
+                <a:highlight>
+                  <a:srgbClr val="FFFFFF"/>
+                </a:highlight>
+                <a:ea typeface="Arial Unicode MS"/>
+                <a:cs typeface="Arial Unicode MS"/>
+              </a:rPr>
+            </a:br>
+            <a:r>
+              <a:rPr lang="en-US" sz="2000" kern="100" dirty="0">
+                <a:solidFill>
+                  <a:srgbClr val="000000"/>
+                </a:solidFill>
+                <a:effectLst/>
+                <a:highlight>
+                  <a:srgbClr val="FFFFFF"/>
+                </a:highlight>
+                <a:ea typeface="Arial Unicode MS"/>
+                <a:cs typeface="Arial Unicode MS"/>
+              </a:rPr>
+              <a:t>  double y = </a:t>
+            </a:r>
+            <a:r>
+              <a:rPr lang="en-US" sz="2000" kern="100" dirty="0" err="1">
+                <a:solidFill>
+                  <a:srgbClr val="000000"/>
+                </a:solidFill>
+                <a:effectLst/>
+                <a:highlight>
+                  <a:srgbClr val="FFFFFF"/>
+                </a:highlight>
+                <a:ea typeface="Arial Unicode MS"/>
+                <a:cs typeface="Arial Unicode MS"/>
+              </a:rPr>
+              <a:t>sc.nextDouble</a:t>
+            </a:r>
+            <a:r>
+              <a:rPr lang="en-US" sz="2000" kern="100" dirty="0">
+                <a:solidFill>
+                  <a:srgbClr val="000000"/>
+                </a:solidFill>
+                <a:effectLst/>
+                <a:highlight>
+                  <a:srgbClr val="FFFFFF"/>
+                </a:highlight>
+                <a:ea typeface="Arial Unicode MS"/>
+                <a:cs typeface="Arial Unicode MS"/>
+              </a:rPr>
+              <a:t>();</a:t>
+            </a:r>
+            <a:br>
+              <a:rPr lang="en-US" sz="2000" kern="100" dirty="0">
+                <a:solidFill>
+                  <a:srgbClr val="000000"/>
+                </a:solidFill>
+                <a:effectLst/>
+                <a:highlight>
+                  <a:srgbClr val="FFFFFF"/>
+                </a:highlight>
+                <a:ea typeface="Arial Unicode MS"/>
+                <a:cs typeface="Arial Unicode MS"/>
+              </a:rPr>
+            </a:br>
+            <a:r>
+              <a:rPr lang="en-US" sz="2000" kern="100" dirty="0">
+                <a:solidFill>
+                  <a:srgbClr val="000000"/>
+                </a:solidFill>
+                <a:effectLst/>
+                <a:highlight>
+                  <a:srgbClr val="FFFFFF"/>
+                </a:highlight>
+                <a:ea typeface="Arial Unicode MS"/>
+                <a:cs typeface="Arial Unicode MS"/>
+              </a:rPr>
+              <a:t>  </a:t>
+            </a:r>
+            <a:r>
+              <a:rPr lang="en-US" sz="2000" kern="100" dirty="0" err="1">
+                <a:solidFill>
+                  <a:srgbClr val="000000"/>
+                </a:solidFill>
+                <a:effectLst/>
+                <a:highlight>
+                  <a:srgbClr val="FFFFFF"/>
+                </a:highlight>
+                <a:ea typeface="Arial Unicode MS"/>
+                <a:cs typeface="Arial Unicode MS"/>
+              </a:rPr>
+              <a:t>System.out.println</a:t>
+            </a:r>
+            <a:r>
+              <a:rPr lang="en-US" sz="2000" kern="100" dirty="0">
+                <a:solidFill>
+                  <a:srgbClr val="000000"/>
+                </a:solidFill>
+                <a:effectLst/>
+                <a:highlight>
+                  <a:srgbClr val="FFFFFF"/>
+                </a:highlight>
+                <a:ea typeface="Arial Unicode MS"/>
+                <a:cs typeface="Arial Unicode MS"/>
+              </a:rPr>
+              <a:t>( (y &lt; 2 — x * x &amp;&amp; y &gt; x &amp;&amp; x &lt; 0) ||</a:t>
+            </a:r>
+            <a:endParaRPr lang="ru-RU" sz="2000" kern="100" dirty="0">
+              <a:solidFill>
+                <a:srgbClr val="000000"/>
+              </a:solidFill>
+              <a:effectLst/>
+              <a:highlight>
+                <a:srgbClr val="FFFFFF"/>
+              </a:highlight>
+              <a:ea typeface="Arial Unicode MS"/>
+              <a:cs typeface="Arial Unicode MS"/>
+            </a:endParaRPr>
+          </a:p>
+          <a:p>
+            <a:pPr hangingPunct="0">
+              <a:lnSpc>
+                <a:spcPct val="150000"/>
+              </a:lnSpc>
+              <a:spcAft>
+                <a:spcPts val="700"/>
+              </a:spcAft>
+            </a:pPr>
+            <a:r>
+              <a:rPr lang="ru-RU" sz="2000" kern="100" dirty="0">
+                <a:solidFill>
+                  <a:srgbClr val="000000"/>
+                </a:solidFill>
+                <a:highlight>
+                  <a:srgbClr val="FFFFFF"/>
+                </a:highlight>
+                <a:ea typeface="Arial Unicode MS"/>
+                <a:cs typeface="Arial Unicode MS"/>
+              </a:rPr>
+              <a:t>					</a:t>
+            </a:r>
+            <a:r>
+              <a:rPr lang="en-US" sz="2000" kern="100" dirty="0">
+                <a:solidFill>
+                  <a:srgbClr val="000000"/>
+                </a:solidFill>
+                <a:effectLst/>
+                <a:highlight>
+                  <a:srgbClr val="FFFFFF"/>
+                </a:highlight>
+                <a:ea typeface="Arial Unicode MS"/>
+                <a:cs typeface="Arial Unicode MS"/>
+              </a:rPr>
+              <a:t> (y &lt; 2 — x * x &amp;&amp; y &gt; 0 &amp;&amp; x &gt;= 0)) ? </a:t>
+            </a:r>
+            <a:r>
+              <a:rPr lang="ru-RU" sz="2000" kern="100" dirty="0">
+                <a:solidFill>
+                  <a:srgbClr val="000000"/>
+                </a:solidFill>
+                <a:effectLst/>
+                <a:highlight>
+                  <a:srgbClr val="FFFFFF"/>
+                </a:highlight>
+                <a:ea typeface="Arial Unicode MS"/>
+                <a:cs typeface="Arial Unicode MS"/>
+              </a:rPr>
+              <a:t>"YES" : "NO");</a:t>
+            </a:r>
+            <a:br>
+              <a:rPr lang="ru-RU" sz="2000" kern="100" dirty="0">
+                <a:solidFill>
+                  <a:srgbClr val="000000"/>
+                </a:solidFill>
+                <a:effectLst/>
+                <a:highlight>
+                  <a:srgbClr val="FFFFFF"/>
+                </a:highlight>
+                <a:ea typeface="Arial Unicode MS"/>
+                <a:cs typeface="Arial Unicode MS"/>
+              </a:rPr>
+            </a:br>
+            <a:r>
+              <a:rPr lang="ru-RU" sz="2000" kern="100" dirty="0">
+                <a:solidFill>
+                  <a:srgbClr val="000000"/>
+                </a:solidFill>
+                <a:effectLst/>
+                <a:highlight>
+                  <a:srgbClr val="FFFFFF"/>
+                </a:highlight>
+                <a:ea typeface="Arial Unicode MS"/>
+                <a:cs typeface="Arial Unicode MS"/>
+              </a:rPr>
+              <a:t>}</a:t>
+            </a:r>
+            <a:br>
+              <a:rPr lang="ru-RU" sz="2000" kern="100" dirty="0">
+                <a:solidFill>
+                  <a:srgbClr val="000000"/>
+                </a:solidFill>
+                <a:effectLst/>
+                <a:highlight>
+                  <a:srgbClr val="FFFFFF"/>
+                </a:highlight>
+                <a:ea typeface="Arial Unicode MS"/>
+                <a:cs typeface="Arial Unicode MS"/>
+              </a:rPr>
+            </a:br>
+            <a:endParaRPr lang="ru-RU" sz="2000" kern="100" dirty="0">
+              <a:effectLst/>
+              <a:ea typeface="Arial Unicode MS"/>
+              <a:cs typeface="Arial Unicode MS"/>
+            </a:endParaRPr>
+          </a:p>
+        </p:txBody>
+      </p:sp>
+    </p:spTree>
+    <p:extLst>
+      <p:ext uri="{BB962C8B-B14F-4D97-AF65-F5344CB8AC3E}">
+        <p14:creationId xmlns:p14="http://schemas.microsoft.com/office/powerpoint/2010/main" val="3197973124"/>
       </p:ext>
     </p:extLst>
   </p:cSld>
@@ -28432,15 +30261,6 @@
 </file>
 
 <file path=customXml/item1.xml><?xml version="1.0" encoding="utf-8"?>
-<p:properties xmlns:p="http://schemas.microsoft.com/office/2006/metadata/properties" xmlns:xsi="http://www.w3.org/2001/XMLSchema-instance" xmlns:pc="http://schemas.microsoft.com/office/infopath/2007/PartnerControls">
-  <documentManagement>
-    <_ip_UnifiedCompliancePolicyUIAction xmlns="http://schemas.microsoft.com/sharepoint/v3" xsi:nil="true"/>
-    <_ip_UnifiedCompliancePolicyProperties xmlns="http://schemas.microsoft.com/sharepoint/v3" xsi:nil="true"/>
-  </documentManagement>
-</p:properties>
-</file>
-
-<file path=customXml/item2.xml><?xml version="1.0" encoding="utf-8"?>
 <ct:contentTypeSchema xmlns:ct="http://schemas.microsoft.com/office/2006/metadata/contentType" xmlns:ma="http://schemas.microsoft.com/office/2006/metadata/properties/metaAttributes" ct:_="" ma:_="" ma:contentTypeName="Document" ma:contentTypeID="0x010100DEEA25CC0A0AC24199CDC46C25B8B0BC" ma:contentTypeVersion="10" ma:contentTypeDescription="Create a new document." ma:contentTypeScope="" ma:versionID="e3b47856d4cf355c0dacb39e1084d14f">
   <xsd:schema xmlns:xsd="http://www.w3.org/2001/XMLSchema" xmlns:xs="http://www.w3.org/2001/XMLSchema" xmlns:p="http://schemas.microsoft.com/office/2006/metadata/properties" xmlns:ns1="http://schemas.microsoft.com/sharepoint/v3" xmlns:ns2="6dc4bcd6-49db-4c07-9060-8acfc67cef9f" xmlns:ns3="fb0879af-3eba-417a-a55a-ffe6dcd6ca77" targetNamespace="http://schemas.microsoft.com/office/2006/metadata/properties" ma:root="true" ma:fieldsID="a845a615265fdb1f7b12cc65ac20ecbd" ns1:_="" ns2:_="" ns3:_="">
     <xsd:import namespace="http://schemas.microsoft.com/sharepoint/v3"/>
@@ -28648,6 +30468,15 @@
 </ct:contentTypeSchema>
 </file>
 
+<file path=customXml/item2.xml><?xml version="1.0" encoding="utf-8"?>
+<p:properties xmlns:p="http://schemas.microsoft.com/office/2006/metadata/properties" xmlns:xsi="http://www.w3.org/2001/XMLSchema-instance" xmlns:pc="http://schemas.microsoft.com/office/infopath/2007/PartnerControls">
+  <documentManagement>
+    <_ip_UnifiedCompliancePolicyUIAction xmlns="http://schemas.microsoft.com/sharepoint/v3" xsi:nil="true"/>
+    <_ip_UnifiedCompliancePolicyProperties xmlns="http://schemas.microsoft.com/sharepoint/v3" xsi:nil="true"/>
+  </documentManagement>
+</p:properties>
+</file>
+
 <file path=customXml/item3.xml><?xml version="1.0" encoding="utf-8"?>
 <?mso-contentType ?>
 <FormTemplates xmlns="http://schemas.microsoft.com/sharepoint/v3/contenttype/forms">
@@ -28658,24 +30487,6 @@
 </file>
 
 <file path=customXml/itemProps1.xml><?xml version="1.0" encoding="utf-8"?>
-<ds:datastoreItem xmlns:ds="http://schemas.openxmlformats.org/officeDocument/2006/customXml" ds:itemID="{4DA1C8E2-513F-4C9C-99C7-9AE0E7429B06}">
-  <ds:schemaRefs>
-    <ds:schemaRef ds:uri="http://www.w3.org/XML/1998/namespace"/>
-    <ds:schemaRef ds:uri="http://schemas.microsoft.com/office/2006/metadata/properties"/>
-    <ds:schemaRef ds:uri="http://purl.org/dc/terms/"/>
-    <ds:schemaRef ds:uri="6dc4bcd6-49db-4c07-9060-8acfc67cef9f"/>
-    <ds:schemaRef ds:uri="fb0879af-3eba-417a-a55a-ffe6dcd6ca77"/>
-    <ds:schemaRef ds:uri="http://schemas.microsoft.com/office/infopath/2007/PartnerControls"/>
-    <ds:schemaRef ds:uri="http://schemas.openxmlformats.org/package/2006/metadata/core-properties"/>
-    <ds:schemaRef ds:uri="http://purl.org/dc/elements/1.1/"/>
-    <ds:schemaRef ds:uri="http://schemas.microsoft.com/office/2006/documentManagement/types"/>
-    <ds:schemaRef ds:uri="http://schemas.microsoft.com/sharepoint/v3"/>
-    <ds:schemaRef ds:uri="http://purl.org/dc/dcmitype/"/>
-  </ds:schemaRefs>
-</ds:datastoreItem>
-</file>
-
-<file path=customXml/itemProps2.xml><?xml version="1.0" encoding="utf-8"?>
 <ds:datastoreItem xmlns:ds="http://schemas.openxmlformats.org/officeDocument/2006/customXml" ds:itemID="{3BFA294F-07D1-46AB-ABEC-1B0200FE30AB}">
   <ds:schemaRefs>
     <ds:schemaRef ds:uri="http://schemas.microsoft.com/office/2006/metadata/contentType"/>
@@ -28695,6 +30506,24 @@
 </ds:datastoreItem>
 </file>
 
+<file path=customXml/itemProps2.xml><?xml version="1.0" encoding="utf-8"?>
+<ds:datastoreItem xmlns:ds="http://schemas.openxmlformats.org/officeDocument/2006/customXml" ds:itemID="{4DA1C8E2-513F-4C9C-99C7-9AE0E7429B06}">
+  <ds:schemaRefs>
+    <ds:schemaRef ds:uri="http://www.w3.org/XML/1998/namespace"/>
+    <ds:schemaRef ds:uri="http://schemas.microsoft.com/office/2006/metadata/properties"/>
+    <ds:schemaRef ds:uri="http://purl.org/dc/terms/"/>
+    <ds:schemaRef ds:uri="6dc4bcd6-49db-4c07-9060-8acfc67cef9f"/>
+    <ds:schemaRef ds:uri="fb0879af-3eba-417a-a55a-ffe6dcd6ca77"/>
+    <ds:schemaRef ds:uri="http://schemas.microsoft.com/office/infopath/2007/PartnerControls"/>
+    <ds:schemaRef ds:uri="http://schemas.openxmlformats.org/package/2006/metadata/core-properties"/>
+    <ds:schemaRef ds:uri="http://purl.org/dc/elements/1.1/"/>
+    <ds:schemaRef ds:uri="http://schemas.microsoft.com/office/2006/documentManagement/types"/>
+    <ds:schemaRef ds:uri="http://schemas.microsoft.com/sharepoint/v3"/>
+    <ds:schemaRef ds:uri="http://purl.org/dc/dcmitype/"/>
+  </ds:schemaRefs>
+</ds:datastoreItem>
+</file>
+
 <file path=customXml/itemProps3.xml><?xml version="1.0" encoding="utf-8"?>
 <ds:datastoreItem xmlns:ds="http://schemas.openxmlformats.org/officeDocument/2006/customXml" ds:itemID="{883E0B16-80BF-4868-8813-6B17170D724D}">
   <ds:schemaRefs>
